--- a/Project 1.pptx
+++ b/Project 1.pptx
@@ -5,19 +5,22 @@
     <p:sldMasterId id="2147483696" r:id="rId1"/>
   </p:sldMasterIdLst>
   <p:notesMasterIdLst>
-    <p:notesMasterId r:id="rId12"/>
+    <p:notesMasterId r:id="rId15"/>
   </p:notesMasterIdLst>
   <p:sldIdLst>
     <p:sldId id="258" r:id="rId2"/>
     <p:sldId id="259" r:id="rId3"/>
-    <p:sldId id="264" r:id="rId4"/>
-    <p:sldId id="267" r:id="rId5"/>
-    <p:sldId id="268" r:id="rId6"/>
-    <p:sldId id="266" r:id="rId7"/>
-    <p:sldId id="260" r:id="rId8"/>
-    <p:sldId id="261" r:id="rId9"/>
-    <p:sldId id="269" r:id="rId10"/>
-    <p:sldId id="263" r:id="rId11"/>
+    <p:sldId id="270" r:id="rId4"/>
+    <p:sldId id="263" r:id="rId5"/>
+    <p:sldId id="264" r:id="rId6"/>
+    <p:sldId id="261" r:id="rId7"/>
+    <p:sldId id="275" r:id="rId8"/>
+    <p:sldId id="267" r:id="rId9"/>
+    <p:sldId id="268" r:id="rId10"/>
+    <p:sldId id="266" r:id="rId11"/>
+    <p:sldId id="273" r:id="rId12"/>
+    <p:sldId id="272" r:id="rId13"/>
+    <p:sldId id="274" r:id="rId14"/>
   </p:sldIdLst>
   <p:sldSz cx="12192000" cy="6858000"/>
   <p:notesSz cx="6858000" cy="9144000"/>
@@ -206,7 +209,7 @@
           <a:p>
             <a:fld id="{A5C20BB3-3CCB-4FE5-991B-82F6BCB48AF3}" type="datetimeFigureOut">
               <a:rPr lang="en-US" smtClean="0"/>
-              <a:t>8/2/2019</a:t>
+              <a:t>8/3/2019</a:t>
             </a:fld>
             <a:endParaRPr lang="en-US"/>
           </a:p>
@@ -517,6 +520,57 @@
           <a:bodyPr/>
           <a:lstStyle/>
           <a:p>
+            <a:r>
+              <a:rPr lang="en-US" sz="1200" b="0" i="0" kern="1200" dirty="0">
+                <a:solidFill>
+                  <a:schemeClr val="tx1"/>
+                </a:solidFill>
+                <a:effectLst/>
+                <a:latin typeface="+mn-lt"/>
+                <a:ea typeface="+mn-ea"/>
+                <a:cs typeface="+mn-cs"/>
+              </a:rPr>
+              <a:t>Describe the questions you asked, and </a:t>
+            </a:r>
+            <a:r>
+              <a:rPr lang="en-US" sz="1200" b="0" i="1" kern="1200" dirty="0">
+                <a:solidFill>
+                  <a:schemeClr val="tx1"/>
+                </a:solidFill>
+                <a:effectLst/>
+                <a:latin typeface="+mn-lt"/>
+                <a:ea typeface="+mn-ea"/>
+                <a:cs typeface="+mn-cs"/>
+              </a:rPr>
+              <a:t>what motivated us</a:t>
+            </a:r>
+            <a:r>
+              <a:rPr lang="en-US" sz="1200" b="0" i="0" kern="1200" dirty="0">
+                <a:solidFill>
+                  <a:schemeClr val="tx1"/>
+                </a:solidFill>
+                <a:effectLst/>
+                <a:latin typeface="+mn-lt"/>
+                <a:ea typeface="+mn-ea"/>
+                <a:cs typeface="+mn-cs"/>
+              </a:rPr>
+              <a:t> to ask them</a:t>
+            </a:r>
+            <a:br>
+              <a:rPr lang="en-US" dirty="0"/>
+            </a:br>
+            <a:r>
+              <a:rPr lang="en-US" sz="1200" b="0" i="0" kern="1200" dirty="0">
+                <a:solidFill>
+                  <a:schemeClr val="tx1"/>
+                </a:solidFill>
+                <a:effectLst/>
+                <a:latin typeface="+mn-lt"/>
+                <a:ea typeface="+mn-ea"/>
+                <a:cs typeface="+mn-cs"/>
+              </a:rPr>
+              <a:t>Describe whether you were able to answer these questions to your satisfaction, and briefly summarize your findings</a:t>
+            </a:r>
             <a:endParaRPr lang="en-US" dirty="0"/>
           </a:p>
         </p:txBody>
@@ -528,7 +582,7 @@
             <a:spLocks noGrp="1"/>
           </p:cNvSpPr>
           <p:nvPr>
-            <p:ph type="sldNum" sz="quarter" idx="10"/>
+            <p:ph type="sldNum" sz="quarter" idx="5"/>
           </p:nvPr>
         </p:nvSpPr>
         <p:spPr/>
@@ -538,7 +592,7 @@
           <a:p>
             <a:fld id="{E0746DE6-3336-457D-A091-FA20AC1C536E}" type="slidenum">
               <a:rPr lang="en-US" smtClean="0"/>
-              <a:t>4</a:t>
+              <a:t>3</a:t>
             </a:fld>
             <a:endParaRPr lang="en-US"/>
           </a:p>
@@ -547,7 +601,91 @@
     </p:spTree>
     <p:extLst>
       <p:ext uri="{BB962C8B-B14F-4D97-AF65-F5344CB8AC3E}">
-        <p14:creationId xmlns:p14="http://schemas.microsoft.com/office/powerpoint/2010/main" val="3343772376"/>
+        <p14:creationId xmlns:p14="http://schemas.microsoft.com/office/powerpoint/2010/main" val="3300169155"/>
+      </p:ext>
+    </p:extLst>
+  </p:cSld>
+  <p:clrMapOvr>
+    <a:masterClrMapping/>
+  </p:clrMapOvr>
+</p:notes>
+</file>
+
+<file path=ppt/notesSlides/notesSlide10.xml><?xml version="1.0" encoding="utf-8"?>
+<p:notes xmlns:a="http://schemas.openxmlformats.org/drawingml/2006/main" xmlns:r="http://schemas.openxmlformats.org/officeDocument/2006/relationships" xmlns:p="http://schemas.openxmlformats.org/presentationml/2006/main">
+  <p:cSld>
+    <p:spTree>
+      <p:nvGrpSpPr>
+        <p:cNvPr id="1" name=""/>
+        <p:cNvGrpSpPr/>
+        <p:nvPr/>
+      </p:nvGrpSpPr>
+      <p:grpSpPr>
+        <a:xfrm>
+          <a:off x="0" y="0"/>
+          <a:ext cx="0" cy="0"/>
+          <a:chOff x="0" y="0"/>
+          <a:chExt cx="0" cy="0"/>
+        </a:xfrm>
+      </p:grpSpPr>
+      <p:sp>
+        <p:nvSpPr>
+          <p:cNvPr id="2" name="Slide Image Placeholder 1"/>
+          <p:cNvSpPr>
+            <a:spLocks noGrp="1" noRot="1" noChangeAspect="1"/>
+          </p:cNvSpPr>
+          <p:nvPr>
+            <p:ph type="sldImg"/>
+          </p:nvPr>
+        </p:nvSpPr>
+        <p:spPr/>
+      </p:sp>
+      <p:sp>
+        <p:nvSpPr>
+          <p:cNvPr id="3" name="Notes Placeholder 2"/>
+          <p:cNvSpPr>
+            <a:spLocks noGrp="1"/>
+          </p:cNvSpPr>
+          <p:nvPr>
+            <p:ph type="body" idx="1"/>
+          </p:nvPr>
+        </p:nvSpPr>
+        <p:spPr/>
+        <p:txBody>
+          <a:bodyPr/>
+          <a:lstStyle/>
+          <a:p>
+            <a:endParaRPr lang="en-US" dirty="0"/>
+          </a:p>
+        </p:txBody>
+      </p:sp>
+      <p:sp>
+        <p:nvSpPr>
+          <p:cNvPr id="4" name="Slide Number Placeholder 3"/>
+          <p:cNvSpPr>
+            <a:spLocks noGrp="1"/>
+          </p:cNvSpPr>
+          <p:nvPr>
+            <p:ph type="sldNum" sz="quarter" idx="5"/>
+          </p:nvPr>
+        </p:nvSpPr>
+        <p:spPr/>
+        <p:txBody>
+          <a:bodyPr/>
+          <a:lstStyle/>
+          <a:p>
+            <a:fld id="{E0746DE6-3336-457D-A091-FA20AC1C536E}" type="slidenum">
+              <a:rPr lang="en-US" smtClean="0"/>
+              <a:t>13</a:t>
+            </a:fld>
+            <a:endParaRPr lang="en-US"/>
+          </a:p>
+        </p:txBody>
+      </p:sp>
+    </p:spTree>
+    <p:extLst>
+      <p:ext uri="{BB962C8B-B14F-4D97-AF65-F5344CB8AC3E}">
+        <p14:creationId xmlns:p14="http://schemas.microsoft.com/office/powerpoint/2010/main" val="1281868881"/>
       </p:ext>
     </p:extLst>
   </p:cSld>
@@ -601,6 +739,43 @@
           <a:bodyPr/>
           <a:lstStyle/>
           <a:p>
+            <a:r>
+              <a:rPr lang="en-US" sz="1200" b="0" i="0" kern="1200" dirty="0">
+                <a:solidFill>
+                  <a:schemeClr val="tx1"/>
+                </a:solidFill>
+                <a:effectLst/>
+                <a:latin typeface="+mn-lt"/>
+                <a:ea typeface="+mn-ea"/>
+                <a:cs typeface="+mn-cs"/>
+              </a:rPr>
+              <a:t>Describe whether you were able to answer these questions to your satisfaction, and briefly summarize your findings</a:t>
+            </a:r>
+          </a:p>
+          <a:p>
+            <a:endParaRPr lang="en-US" sz="1200" b="0" i="0" kern="1200" dirty="0">
+              <a:solidFill>
+                <a:schemeClr val="tx1"/>
+              </a:solidFill>
+              <a:effectLst/>
+              <a:latin typeface="+mn-lt"/>
+              <a:ea typeface="+mn-ea"/>
+              <a:cs typeface="+mn-cs"/>
+            </a:endParaRPr>
+          </a:p>
+          <a:p>
+            <a:r>
+              <a:rPr lang="en-US" sz="1200" b="0" i="0" kern="1200" dirty="0">
+                <a:solidFill>
+                  <a:schemeClr val="tx1"/>
+                </a:solidFill>
+                <a:effectLst/>
+                <a:latin typeface="+mn-lt"/>
+                <a:ea typeface="+mn-ea"/>
+                <a:cs typeface="+mn-cs"/>
+              </a:rPr>
+              <a:t>THIS SHOULD INCLUDE NUMERICAL FROM DATA ANALYSIS</a:t>
+            </a:r>
             <a:endParaRPr lang="en-US" dirty="0"/>
           </a:p>
         </p:txBody>
@@ -612,7 +787,7 @@
             <a:spLocks noGrp="1"/>
           </p:cNvSpPr>
           <p:nvPr>
-            <p:ph type="sldNum" sz="quarter" idx="10"/>
+            <p:ph type="sldNum" sz="quarter" idx="5"/>
           </p:nvPr>
         </p:nvSpPr>
         <p:spPr/>
@@ -622,7 +797,7 @@
           <a:p>
             <a:fld id="{E0746DE6-3336-457D-A091-FA20AC1C536E}" type="slidenum">
               <a:rPr lang="en-US" smtClean="0"/>
-              <a:t>5</a:t>
+              <a:t>4</a:t>
             </a:fld>
             <a:endParaRPr lang="en-US"/>
           </a:p>
@@ -631,7 +806,7 @@
     </p:spTree>
     <p:extLst>
       <p:ext uri="{BB962C8B-B14F-4D97-AF65-F5344CB8AC3E}">
-        <p14:creationId xmlns:p14="http://schemas.microsoft.com/office/powerpoint/2010/main" val="4284903701"/>
+        <p14:creationId xmlns:p14="http://schemas.microsoft.com/office/powerpoint/2010/main" val="1221637731"/>
       </p:ext>
     </p:extLst>
   </p:cSld>
@@ -685,6 +860,70 @@
           <a:bodyPr/>
           <a:lstStyle/>
           <a:p>
+            <a:r>
+              <a:rPr lang="en-US" sz="1200" b="0" i="0" kern="1200" dirty="0">
+                <a:solidFill>
+                  <a:schemeClr val="tx1"/>
+                </a:solidFill>
+                <a:effectLst/>
+                <a:latin typeface="+mn-lt"/>
+                <a:ea typeface="+mn-ea"/>
+                <a:cs typeface="+mn-cs"/>
+              </a:rPr>
+              <a:t>Elaborate on the questions you asked, describing what kinds of data you needed to answer them, and where you found it</a:t>
+            </a:r>
+          </a:p>
+          <a:p>
+            <a:r>
+              <a:rPr lang="en-US" sz="1200" b="0" i="0" kern="1200" dirty="0">
+                <a:solidFill>
+                  <a:schemeClr val="tx1"/>
+                </a:solidFill>
+                <a:effectLst/>
+                <a:latin typeface="+mn-lt"/>
+                <a:ea typeface="+mn-ea"/>
+                <a:cs typeface="+mn-cs"/>
+              </a:rPr>
+              <a:t>Describe the exploration and cleanup process</a:t>
+            </a:r>
+          </a:p>
+          <a:p>
+            <a:r>
+              <a:rPr lang="en-US" sz="1200" b="0" i="0" kern="1200" dirty="0">
+                <a:solidFill>
+                  <a:schemeClr val="tx1"/>
+                </a:solidFill>
+                <a:effectLst/>
+                <a:latin typeface="+mn-lt"/>
+                <a:ea typeface="+mn-ea"/>
+                <a:cs typeface="+mn-cs"/>
+              </a:rPr>
+              <a:t>Present and discuss interesting figures developed during exploration, ideally with the help of </a:t>
+            </a:r>
+            <a:r>
+              <a:rPr lang="en-US" sz="1200" b="0" i="0" kern="1200" dirty="0" err="1">
+                <a:solidFill>
+                  <a:schemeClr val="tx1"/>
+                </a:solidFill>
+                <a:effectLst/>
+                <a:latin typeface="+mn-lt"/>
+                <a:ea typeface="+mn-ea"/>
+                <a:cs typeface="+mn-cs"/>
+              </a:rPr>
+              <a:t>Jupyter</a:t>
+            </a:r>
+            <a:r>
+              <a:rPr lang="en-US" sz="1200" b="0" i="0" kern="1200" dirty="0">
+                <a:solidFill>
+                  <a:schemeClr val="tx1"/>
+                </a:solidFill>
+                <a:effectLst/>
+                <a:latin typeface="+mn-lt"/>
+                <a:ea typeface="+mn-ea"/>
+                <a:cs typeface="+mn-cs"/>
+              </a:rPr>
+              <a:t> Notebook</a:t>
+            </a:r>
             <a:endParaRPr lang="en-US" dirty="0"/>
           </a:p>
         </p:txBody>
@@ -696,7 +935,7 @@
             <a:spLocks noGrp="1"/>
           </p:cNvSpPr>
           <p:nvPr>
-            <p:ph type="sldNum" sz="quarter" idx="10"/>
+            <p:ph type="sldNum" sz="quarter" idx="5"/>
           </p:nvPr>
         </p:nvSpPr>
         <p:spPr/>
@@ -706,7 +945,7 @@
           <a:p>
             <a:fld id="{E0746DE6-3336-457D-A091-FA20AC1C536E}" type="slidenum">
               <a:rPr lang="en-US" smtClean="0"/>
-              <a:t>6</a:t>
+              <a:t>5</a:t>
             </a:fld>
             <a:endParaRPr lang="en-US"/>
           </a:p>
@@ -715,7 +954,7 @@
     </p:spTree>
     <p:extLst>
       <p:ext uri="{BB962C8B-B14F-4D97-AF65-F5344CB8AC3E}">
-        <p14:creationId xmlns:p14="http://schemas.microsoft.com/office/powerpoint/2010/main" val="1606509343"/>
+        <p14:creationId xmlns:p14="http://schemas.microsoft.com/office/powerpoint/2010/main" val="567718249"/>
       </p:ext>
     </p:extLst>
   </p:cSld>
@@ -790,7 +1029,7 @@
           <a:p>
             <a:fld id="{E0746DE6-3336-457D-A091-FA20AC1C536E}" type="slidenum">
               <a:rPr lang="en-US" smtClean="0"/>
-              <a:t>7</a:t>
+              <a:t>6</a:t>
             </a:fld>
             <a:endParaRPr lang="en-US"/>
           </a:p>
@@ -799,7 +1038,7 @@
     </p:spTree>
     <p:extLst>
       <p:ext uri="{BB962C8B-B14F-4D97-AF65-F5344CB8AC3E}">
-        <p14:creationId xmlns:p14="http://schemas.microsoft.com/office/powerpoint/2010/main" val="489174537"/>
+        <p14:creationId xmlns:p14="http://schemas.microsoft.com/office/powerpoint/2010/main" val="1259702465"/>
       </p:ext>
     </p:extLst>
   </p:cSld>
@@ -853,6 +1092,60 @@
           <a:bodyPr/>
           <a:lstStyle/>
           <a:p>
+            <a:r>
+              <a:rPr lang="en-US" sz="1200" b="0" i="0" kern="1200" dirty="0">
+                <a:solidFill>
+                  <a:schemeClr val="tx1"/>
+                </a:solidFill>
+                <a:effectLst/>
+                <a:latin typeface="+mn-lt"/>
+                <a:ea typeface="+mn-ea"/>
+                <a:cs typeface="+mn-cs"/>
+              </a:rPr>
+              <a:t>Discuss the steps you took to analyze the data and answer each question you asked in your proposal</a:t>
+            </a:r>
+            <a:br>
+              <a:rPr lang="en-US" dirty="0"/>
+            </a:br>
+            <a:r>
+              <a:rPr lang="en-US" sz="1200" b="0" i="0" kern="1200" dirty="0">
+                <a:solidFill>
+                  <a:schemeClr val="tx1"/>
+                </a:solidFill>
+                <a:effectLst/>
+                <a:latin typeface="+mn-lt"/>
+                <a:ea typeface="+mn-ea"/>
+                <a:cs typeface="+mn-cs"/>
+              </a:rPr>
+              <a:t>Present and discuss interesting figures developed during analysis, ideally with the help of </a:t>
+            </a:r>
+            <a:r>
+              <a:rPr lang="en-US" sz="1200" b="0" i="0" kern="1200" dirty="0" err="1">
+                <a:solidFill>
+                  <a:schemeClr val="tx1"/>
+                </a:solidFill>
+                <a:effectLst/>
+                <a:latin typeface="+mn-lt"/>
+                <a:ea typeface="+mn-ea"/>
+                <a:cs typeface="+mn-cs"/>
+              </a:rPr>
+              <a:t>Jupyter</a:t>
+            </a:r>
+            <a:r>
+              <a:rPr lang="en-US" sz="1200" b="0" i="0" kern="1200" dirty="0">
+                <a:solidFill>
+                  <a:schemeClr val="tx1"/>
+                </a:solidFill>
+                <a:effectLst/>
+                <a:latin typeface="+mn-lt"/>
+                <a:ea typeface="+mn-ea"/>
+                <a:cs typeface="+mn-cs"/>
+              </a:rPr>
+              <a:t> Notebook</a:t>
+            </a:r>
+            <a:br>
+              <a:rPr lang="en-US" dirty="0"/>
+            </a:br>
             <a:endParaRPr lang="en-US" dirty="0"/>
           </a:p>
         </p:txBody>
@@ -883,7 +1176,7 @@
     </p:spTree>
     <p:extLst>
       <p:ext uri="{BB962C8B-B14F-4D97-AF65-F5344CB8AC3E}">
-        <p14:creationId xmlns:p14="http://schemas.microsoft.com/office/powerpoint/2010/main" val="1259702465"/>
+        <p14:creationId xmlns:p14="http://schemas.microsoft.com/office/powerpoint/2010/main" val="3343772376"/>
       </p:ext>
     </p:extLst>
   </p:cSld>
@@ -937,6 +1230,74 @@
           <a:bodyPr/>
           <a:lstStyle/>
           <a:p>
+            <a:r>
+              <a:rPr lang="en-US" sz="1200" b="0" i="0" kern="1200" dirty="0">
+                <a:solidFill>
+                  <a:schemeClr val="tx1"/>
+                </a:solidFill>
+                <a:effectLst/>
+                <a:latin typeface="+mn-lt"/>
+                <a:ea typeface="+mn-ea"/>
+                <a:cs typeface="+mn-cs"/>
+              </a:rPr>
+              <a:t>Discuss the steps you took to analyze the data and answer each question you asked in your proposal</a:t>
+            </a:r>
+            <a:br>
+              <a:rPr lang="en-US" dirty="0"/>
+            </a:br>
+            <a:r>
+              <a:rPr lang="en-US" sz="1200" b="0" i="0" kern="1200" dirty="0">
+                <a:solidFill>
+                  <a:schemeClr val="tx1"/>
+                </a:solidFill>
+                <a:effectLst/>
+                <a:latin typeface="+mn-lt"/>
+                <a:ea typeface="+mn-ea"/>
+                <a:cs typeface="+mn-cs"/>
+              </a:rPr>
+              <a:t>Present and discuss interesting figures developed during analysis, ideally with the help of </a:t>
+            </a:r>
+            <a:r>
+              <a:rPr lang="en-US" sz="1200" b="0" i="0" kern="1200" dirty="0" err="1">
+                <a:solidFill>
+                  <a:schemeClr val="tx1"/>
+                </a:solidFill>
+                <a:effectLst/>
+                <a:latin typeface="+mn-lt"/>
+                <a:ea typeface="+mn-ea"/>
+                <a:cs typeface="+mn-cs"/>
+              </a:rPr>
+              <a:t>Jupyter</a:t>
+            </a:r>
+            <a:r>
+              <a:rPr lang="en-US" sz="1200" b="0" i="0" kern="1200" dirty="0">
+                <a:solidFill>
+                  <a:schemeClr val="tx1"/>
+                </a:solidFill>
+                <a:effectLst/>
+                <a:latin typeface="+mn-lt"/>
+                <a:ea typeface="+mn-ea"/>
+                <a:cs typeface="+mn-cs"/>
+              </a:rPr>
+              <a:t> Notebook</a:t>
+            </a:r>
+          </a:p>
+          <a:p>
+            <a:r>
+              <a:rPr lang="en-US" sz="1200" b="0" i="0" kern="1200" dirty="0">
+                <a:solidFill>
+                  <a:schemeClr val="tx1"/>
+                </a:solidFill>
+                <a:effectLst/>
+                <a:latin typeface="+mn-lt"/>
+                <a:ea typeface="+mn-ea"/>
+                <a:cs typeface="+mn-cs"/>
+              </a:rPr>
+              <a:t>Discuss your findings. Did you find what you expected to find? If not, why not? What inferences or general conclusions can you draw from your analysis?</a:t>
+            </a:r>
+            <a:br>
+              <a:rPr lang="en-US" dirty="0"/>
+            </a:br>
             <a:endParaRPr lang="en-US" dirty="0"/>
           </a:p>
         </p:txBody>
@@ -967,7 +1328,421 @@
     </p:spTree>
     <p:extLst>
       <p:ext uri="{BB962C8B-B14F-4D97-AF65-F5344CB8AC3E}">
-        <p14:creationId xmlns:p14="http://schemas.microsoft.com/office/powerpoint/2010/main" val="587992876"/>
+        <p14:creationId xmlns:p14="http://schemas.microsoft.com/office/powerpoint/2010/main" val="4284903701"/>
+      </p:ext>
+    </p:extLst>
+  </p:cSld>
+  <p:clrMapOvr>
+    <a:masterClrMapping/>
+  </p:clrMapOvr>
+</p:notes>
+</file>
+
+<file path=ppt/notesSlides/notesSlide7.xml><?xml version="1.0" encoding="utf-8"?>
+<p:notes xmlns:a="http://schemas.openxmlformats.org/drawingml/2006/main" xmlns:r="http://schemas.openxmlformats.org/officeDocument/2006/relationships" xmlns:p="http://schemas.openxmlformats.org/presentationml/2006/main">
+  <p:cSld>
+    <p:spTree>
+      <p:nvGrpSpPr>
+        <p:cNvPr id="1" name=""/>
+        <p:cNvGrpSpPr/>
+        <p:nvPr/>
+      </p:nvGrpSpPr>
+      <p:grpSpPr>
+        <a:xfrm>
+          <a:off x="0" y="0"/>
+          <a:ext cx="0" cy="0"/>
+          <a:chOff x="0" y="0"/>
+          <a:chExt cx="0" cy="0"/>
+        </a:xfrm>
+      </p:grpSpPr>
+      <p:sp>
+        <p:nvSpPr>
+          <p:cNvPr id="2" name="Slide Image Placeholder 1"/>
+          <p:cNvSpPr>
+            <a:spLocks noGrp="1" noRot="1" noChangeAspect="1"/>
+          </p:cNvSpPr>
+          <p:nvPr>
+            <p:ph type="sldImg"/>
+          </p:nvPr>
+        </p:nvSpPr>
+        <p:spPr/>
+      </p:sp>
+      <p:sp>
+        <p:nvSpPr>
+          <p:cNvPr id="3" name="Notes Placeholder 2"/>
+          <p:cNvSpPr>
+            <a:spLocks noGrp="1"/>
+          </p:cNvSpPr>
+          <p:nvPr>
+            <p:ph type="body" idx="1"/>
+          </p:nvPr>
+        </p:nvSpPr>
+        <p:spPr/>
+        <p:txBody>
+          <a:bodyPr/>
+          <a:lstStyle/>
+          <a:p>
+            <a:r>
+              <a:rPr lang="en-US" sz="1200" b="0" i="0" kern="1200" dirty="0">
+                <a:solidFill>
+                  <a:schemeClr val="tx1"/>
+                </a:solidFill>
+                <a:effectLst/>
+                <a:latin typeface="+mn-lt"/>
+                <a:ea typeface="+mn-ea"/>
+                <a:cs typeface="+mn-cs"/>
+              </a:rPr>
+              <a:t>Discuss the steps you took to analyze the data and answer each question you asked in your proposal</a:t>
+            </a:r>
+            <a:br>
+              <a:rPr lang="en-US" dirty="0"/>
+            </a:br>
+            <a:r>
+              <a:rPr lang="en-US" sz="1200" b="0" i="0" kern="1200" dirty="0">
+                <a:solidFill>
+                  <a:schemeClr val="tx1"/>
+                </a:solidFill>
+                <a:effectLst/>
+                <a:latin typeface="+mn-lt"/>
+                <a:ea typeface="+mn-ea"/>
+                <a:cs typeface="+mn-cs"/>
+              </a:rPr>
+              <a:t>Present and discuss interesting figures developed during analysis, ideally with the help of </a:t>
+            </a:r>
+            <a:r>
+              <a:rPr lang="en-US" sz="1200" b="0" i="0" kern="1200" dirty="0" err="1">
+                <a:solidFill>
+                  <a:schemeClr val="tx1"/>
+                </a:solidFill>
+                <a:effectLst/>
+                <a:latin typeface="+mn-lt"/>
+                <a:ea typeface="+mn-ea"/>
+                <a:cs typeface="+mn-cs"/>
+              </a:rPr>
+              <a:t>Jupyter</a:t>
+            </a:r>
+            <a:r>
+              <a:rPr lang="en-US" sz="1200" b="0" i="0" kern="1200" dirty="0">
+                <a:solidFill>
+                  <a:schemeClr val="tx1"/>
+                </a:solidFill>
+                <a:effectLst/>
+                <a:latin typeface="+mn-lt"/>
+                <a:ea typeface="+mn-ea"/>
+                <a:cs typeface="+mn-cs"/>
+              </a:rPr>
+              <a:t> Notebook</a:t>
+            </a:r>
+          </a:p>
+          <a:p>
+            <a:r>
+              <a:rPr lang="en-US" sz="1200" b="0" i="0" kern="1200" dirty="0">
+                <a:solidFill>
+                  <a:schemeClr val="tx1"/>
+                </a:solidFill>
+                <a:effectLst/>
+                <a:latin typeface="+mn-lt"/>
+                <a:ea typeface="+mn-ea"/>
+                <a:cs typeface="+mn-cs"/>
+              </a:rPr>
+              <a:t>Discuss your findings. Did you find what you expected to find? If not, why not? What inferences or general conclusions can you draw from your analysis?</a:t>
+            </a:r>
+            <a:br>
+              <a:rPr lang="en-US" dirty="0"/>
+            </a:br>
+            <a:endParaRPr lang="en-US" dirty="0"/>
+          </a:p>
+          <a:p>
+            <a:endParaRPr lang="en-US" dirty="0"/>
+          </a:p>
+        </p:txBody>
+      </p:sp>
+      <p:sp>
+        <p:nvSpPr>
+          <p:cNvPr id="4" name="Slide Number Placeholder 3"/>
+          <p:cNvSpPr>
+            <a:spLocks noGrp="1"/>
+          </p:cNvSpPr>
+          <p:nvPr>
+            <p:ph type="sldNum" sz="quarter" idx="10"/>
+          </p:nvPr>
+        </p:nvSpPr>
+        <p:spPr/>
+        <p:txBody>
+          <a:bodyPr/>
+          <a:lstStyle/>
+          <a:p>
+            <a:fld id="{E0746DE6-3336-457D-A091-FA20AC1C536E}" type="slidenum">
+              <a:rPr lang="en-US" smtClean="0"/>
+              <a:t>10</a:t>
+            </a:fld>
+            <a:endParaRPr lang="en-US"/>
+          </a:p>
+        </p:txBody>
+      </p:sp>
+    </p:spTree>
+    <p:extLst>
+      <p:ext uri="{BB962C8B-B14F-4D97-AF65-F5344CB8AC3E}">
+        <p14:creationId xmlns:p14="http://schemas.microsoft.com/office/powerpoint/2010/main" val="1606509343"/>
+      </p:ext>
+    </p:extLst>
+  </p:cSld>
+  <p:clrMapOvr>
+    <a:masterClrMapping/>
+  </p:clrMapOvr>
+</p:notes>
+</file>
+
+<file path=ppt/notesSlides/notesSlide8.xml><?xml version="1.0" encoding="utf-8"?>
+<p:notes xmlns:a="http://schemas.openxmlformats.org/drawingml/2006/main" xmlns:r="http://schemas.openxmlformats.org/officeDocument/2006/relationships" xmlns:p="http://schemas.openxmlformats.org/presentationml/2006/main">
+  <p:cSld>
+    <p:spTree>
+      <p:nvGrpSpPr>
+        <p:cNvPr id="1" name=""/>
+        <p:cNvGrpSpPr/>
+        <p:nvPr/>
+      </p:nvGrpSpPr>
+      <p:grpSpPr>
+        <a:xfrm>
+          <a:off x="0" y="0"/>
+          <a:ext cx="0" cy="0"/>
+          <a:chOff x="0" y="0"/>
+          <a:chExt cx="0" cy="0"/>
+        </a:xfrm>
+      </p:grpSpPr>
+      <p:sp>
+        <p:nvSpPr>
+          <p:cNvPr id="2" name="Slide Image Placeholder 1"/>
+          <p:cNvSpPr>
+            <a:spLocks noGrp="1" noRot="1" noChangeAspect="1"/>
+          </p:cNvSpPr>
+          <p:nvPr>
+            <p:ph type="sldImg"/>
+          </p:nvPr>
+        </p:nvSpPr>
+        <p:spPr/>
+      </p:sp>
+      <p:sp>
+        <p:nvSpPr>
+          <p:cNvPr id="3" name="Notes Placeholder 2"/>
+          <p:cNvSpPr>
+            <a:spLocks noGrp="1"/>
+          </p:cNvSpPr>
+          <p:nvPr>
+            <p:ph type="body" idx="1"/>
+          </p:nvPr>
+        </p:nvSpPr>
+        <p:spPr/>
+        <p:txBody>
+          <a:bodyPr/>
+          <a:lstStyle/>
+          <a:p>
+            <a:r>
+              <a:rPr lang="en-US" sz="1200" b="0" i="0" kern="1200" dirty="0">
+                <a:solidFill>
+                  <a:schemeClr val="tx1"/>
+                </a:solidFill>
+                <a:effectLst/>
+                <a:latin typeface="+mn-lt"/>
+                <a:ea typeface="+mn-ea"/>
+                <a:cs typeface="+mn-cs"/>
+              </a:rPr>
+              <a:t>Discuss the steps you took to analyze the data and answer each question you asked in your proposal</a:t>
+            </a:r>
+            <a:br>
+              <a:rPr lang="en-US" dirty="0"/>
+            </a:br>
+            <a:r>
+              <a:rPr lang="en-US" sz="1200" b="0" i="0" kern="1200" dirty="0">
+                <a:solidFill>
+                  <a:schemeClr val="tx1"/>
+                </a:solidFill>
+                <a:effectLst/>
+                <a:latin typeface="+mn-lt"/>
+                <a:ea typeface="+mn-ea"/>
+                <a:cs typeface="+mn-cs"/>
+              </a:rPr>
+              <a:t>Present and discuss interesting figures developed during analysis, ideally with the help of </a:t>
+            </a:r>
+            <a:r>
+              <a:rPr lang="en-US" sz="1200" b="0" i="0" kern="1200" dirty="0" err="1">
+                <a:solidFill>
+                  <a:schemeClr val="tx1"/>
+                </a:solidFill>
+                <a:effectLst/>
+                <a:latin typeface="+mn-lt"/>
+                <a:ea typeface="+mn-ea"/>
+                <a:cs typeface="+mn-cs"/>
+              </a:rPr>
+              <a:t>Jupyter</a:t>
+            </a:r>
+            <a:r>
+              <a:rPr lang="en-US" sz="1200" b="0" i="0" kern="1200" dirty="0">
+                <a:solidFill>
+                  <a:schemeClr val="tx1"/>
+                </a:solidFill>
+                <a:effectLst/>
+                <a:latin typeface="+mn-lt"/>
+                <a:ea typeface="+mn-ea"/>
+                <a:cs typeface="+mn-cs"/>
+              </a:rPr>
+              <a:t> Notebook</a:t>
+            </a:r>
+          </a:p>
+          <a:p>
+            <a:r>
+              <a:rPr lang="en-US" sz="1200" b="0" i="0" kern="1200" dirty="0">
+                <a:solidFill>
+                  <a:schemeClr val="tx1"/>
+                </a:solidFill>
+                <a:effectLst/>
+                <a:latin typeface="+mn-lt"/>
+                <a:ea typeface="+mn-ea"/>
+                <a:cs typeface="+mn-cs"/>
+              </a:rPr>
+              <a:t>Discuss your findings. Did you find what you expected to find? If not, why not? What inferences or general conclusions can you draw from your analysis?</a:t>
+            </a:r>
+            <a:br>
+              <a:rPr lang="en-US" dirty="0"/>
+            </a:br>
+            <a:endParaRPr lang="en-US" dirty="0"/>
+          </a:p>
+          <a:p>
+            <a:endParaRPr lang="en-US" dirty="0"/>
+          </a:p>
+        </p:txBody>
+      </p:sp>
+      <p:sp>
+        <p:nvSpPr>
+          <p:cNvPr id="4" name="Slide Number Placeholder 3"/>
+          <p:cNvSpPr>
+            <a:spLocks noGrp="1"/>
+          </p:cNvSpPr>
+          <p:nvPr>
+            <p:ph type="sldNum" sz="quarter" idx="10"/>
+          </p:nvPr>
+        </p:nvSpPr>
+        <p:spPr/>
+        <p:txBody>
+          <a:bodyPr/>
+          <a:lstStyle/>
+          <a:p>
+            <a:fld id="{E0746DE6-3336-457D-A091-FA20AC1C536E}" type="slidenum">
+              <a:rPr lang="en-US" smtClean="0"/>
+              <a:t>11</a:t>
+            </a:fld>
+            <a:endParaRPr lang="en-US"/>
+          </a:p>
+        </p:txBody>
+      </p:sp>
+    </p:spTree>
+    <p:extLst>
+      <p:ext uri="{BB962C8B-B14F-4D97-AF65-F5344CB8AC3E}">
+        <p14:creationId xmlns:p14="http://schemas.microsoft.com/office/powerpoint/2010/main" val="2149978445"/>
+      </p:ext>
+    </p:extLst>
+  </p:cSld>
+  <p:clrMapOvr>
+    <a:masterClrMapping/>
+  </p:clrMapOvr>
+</p:notes>
+</file>
+
+<file path=ppt/notesSlides/notesSlide9.xml><?xml version="1.0" encoding="utf-8"?>
+<p:notes xmlns:a="http://schemas.openxmlformats.org/drawingml/2006/main" xmlns:r="http://schemas.openxmlformats.org/officeDocument/2006/relationships" xmlns:p="http://schemas.openxmlformats.org/presentationml/2006/main">
+  <p:cSld>
+    <p:spTree>
+      <p:nvGrpSpPr>
+        <p:cNvPr id="1" name=""/>
+        <p:cNvGrpSpPr/>
+        <p:nvPr/>
+      </p:nvGrpSpPr>
+      <p:grpSpPr>
+        <a:xfrm>
+          <a:off x="0" y="0"/>
+          <a:ext cx="0" cy="0"/>
+          <a:chOff x="0" y="0"/>
+          <a:chExt cx="0" cy="0"/>
+        </a:xfrm>
+      </p:grpSpPr>
+      <p:sp>
+        <p:nvSpPr>
+          <p:cNvPr id="2" name="Slide Image Placeholder 1"/>
+          <p:cNvSpPr>
+            <a:spLocks noGrp="1" noRot="1" noChangeAspect="1"/>
+          </p:cNvSpPr>
+          <p:nvPr>
+            <p:ph type="sldImg"/>
+          </p:nvPr>
+        </p:nvSpPr>
+        <p:spPr/>
+      </p:sp>
+      <p:sp>
+        <p:nvSpPr>
+          <p:cNvPr id="3" name="Notes Placeholder 2"/>
+          <p:cNvSpPr>
+            <a:spLocks noGrp="1"/>
+          </p:cNvSpPr>
+          <p:nvPr>
+            <p:ph type="body" idx="1"/>
+          </p:nvPr>
+        </p:nvSpPr>
+        <p:spPr/>
+        <p:txBody>
+          <a:bodyPr/>
+          <a:lstStyle/>
+          <a:p>
+            <a:r>
+              <a:rPr lang="en-US" dirty="0">
+                <a:solidFill>
+                  <a:srgbClr val="FF0000"/>
+                </a:solidFill>
+              </a:rPr>
+              <a:t>Discuss any additional questions that came up, but which you didn't have time to answer:</a:t>
+            </a:r>
+          </a:p>
+          <a:p>
+            <a:r>
+              <a:rPr lang="en-US" dirty="0">
+                <a:solidFill>
+                  <a:srgbClr val="FF0000"/>
+                </a:solidFill>
+              </a:rPr>
+              <a:t>What would you research next, if you had two more weeks?</a:t>
+            </a:r>
+          </a:p>
+          <a:p>
+            <a:endParaRPr lang="en-US" dirty="0"/>
+          </a:p>
+        </p:txBody>
+      </p:sp>
+      <p:sp>
+        <p:nvSpPr>
+          <p:cNvPr id="4" name="Slide Number Placeholder 3"/>
+          <p:cNvSpPr>
+            <a:spLocks noGrp="1"/>
+          </p:cNvSpPr>
+          <p:nvPr>
+            <p:ph type="sldNum" sz="quarter" idx="10"/>
+          </p:nvPr>
+        </p:nvSpPr>
+        <p:spPr/>
+        <p:txBody>
+          <a:bodyPr/>
+          <a:lstStyle/>
+          <a:p>
+            <a:fld id="{E0746DE6-3336-457D-A091-FA20AC1C536E}" type="slidenum">
+              <a:rPr lang="en-US" smtClean="0"/>
+              <a:t>12</a:t>
+            </a:fld>
+            <a:endParaRPr lang="en-US"/>
+          </a:p>
+        </p:txBody>
+      </p:sp>
+    </p:spTree>
+    <p:extLst>
+      <p:ext uri="{BB962C8B-B14F-4D97-AF65-F5344CB8AC3E}">
+        <p14:creationId xmlns:p14="http://schemas.microsoft.com/office/powerpoint/2010/main" val="3861664294"/>
       </p:ext>
     </p:extLst>
   </p:cSld>
@@ -1140,7 +1915,7 @@
           <a:p>
             <a:fld id="{1160EA64-D806-43AC-9DF2-F8C432F32B4C}" type="datetimeFigureOut">
               <a:rPr lang="en-US" dirty="0"/>
-              <a:t>8/2/2019</a:t>
+              <a:t>8/3/2019</a:t>
             </a:fld>
             <a:endParaRPr lang="en-US" dirty="0"/>
           </a:p>
@@ -1311,7 +2086,7 @@
           <a:p>
             <a:fld id="{E9F9C37B-1D36-470B-8223-D6C91242EC14}" type="datetimeFigureOut">
               <a:rPr lang="en-US" dirty="0"/>
-              <a:t>8/2/2019</a:t>
+              <a:t>8/3/2019</a:t>
             </a:fld>
             <a:endParaRPr lang="en-US" dirty="0"/>
           </a:p>
@@ -1491,7 +2266,7 @@
           <a:p>
             <a:fld id="{67C6F52A-A82B-47A2-A83A-8C4C91F2D59F}" type="datetimeFigureOut">
               <a:rPr lang="en-US" dirty="0"/>
-              <a:t>8/2/2019</a:t>
+              <a:t>8/3/2019</a:t>
             </a:fld>
             <a:endParaRPr lang="en-US" dirty="0"/>
           </a:p>
@@ -1661,7 +2436,7 @@
           <a:p>
             <a:fld id="{F070A7B3-6521-4DCA-87E5-044747A908C1}" type="datetimeFigureOut">
               <a:rPr lang="en-US" dirty="0"/>
-              <a:t>8/2/2019</a:t>
+              <a:t>8/3/2019</a:t>
             </a:fld>
             <a:endParaRPr lang="en-US" dirty="0"/>
           </a:p>
@@ -1930,7 +2705,7 @@
           <a:p>
             <a:fld id="{1160EA64-D806-43AC-9DF2-F8C432F32B4C}" type="datetimeFigureOut">
               <a:rPr lang="en-US" dirty="0"/>
-              <a:t>8/2/2019</a:t>
+              <a:t>8/3/2019</a:t>
             </a:fld>
             <a:endParaRPr lang="en-US" dirty="0"/>
           </a:p>
@@ -2163,7 +2938,7 @@
           <a:p>
             <a:fld id="{AB134690-1557-4C89-A502-4959FE7FAD70}" type="datetimeFigureOut">
               <a:rPr lang="en-US" dirty="0"/>
-              <a:t>8/2/2019</a:t>
+              <a:t>8/3/2019</a:t>
             </a:fld>
             <a:endParaRPr lang="en-US" dirty="0"/>
           </a:p>
@@ -2522,7 +3297,7 @@
           <a:p>
             <a:fld id="{4F7D4976-E339-4826-83B7-FBD03F55ECF8}" type="datetimeFigureOut">
               <a:rPr lang="en-US" dirty="0"/>
-              <a:t>8/2/2019</a:t>
+              <a:t>8/3/2019</a:t>
             </a:fld>
             <a:endParaRPr lang="en-US" dirty="0"/>
           </a:p>
@@ -2663,7 +3438,7 @@
           <a:p>
             <a:fld id="{E1037C31-9E7A-4F99-8774-A0E530DE1A42}" type="datetimeFigureOut">
               <a:rPr lang="en-US" dirty="0"/>
-              <a:t>8/2/2019</a:t>
+              <a:t>8/3/2019</a:t>
             </a:fld>
             <a:endParaRPr lang="en-US" dirty="0"/>
           </a:p>
@@ -2758,7 +3533,7 @@
           <a:p>
             <a:fld id="{C278504F-A551-4DE0-9316-4DCD1D8CC752}" type="datetimeFigureOut">
               <a:rPr lang="en-US" dirty="0"/>
-              <a:t>8/2/2019</a:t>
+              <a:t>8/3/2019</a:t>
             </a:fld>
             <a:endParaRPr lang="en-US" dirty="0"/>
           </a:p>
@@ -3115,7 +3890,7 @@
           <a:p>
             <a:fld id="{D1BE4249-C0D0-4B06-8692-E8BB871AF643}" type="datetimeFigureOut">
               <a:rPr lang="en-US" dirty="0"/>
-              <a:t>8/2/2019</a:t>
+              <a:t>8/3/2019</a:t>
             </a:fld>
             <a:endParaRPr lang="en-US" dirty="0"/>
           </a:p>
@@ -3472,7 +4247,7 @@
           <a:p>
             <a:fld id="{042B0DB6-F5C7-45FB-8CF3-31B45F9C2DAC}" type="datetimeFigureOut">
               <a:rPr lang="en-US" dirty="0"/>
-              <a:t>8/2/2019</a:t>
+              <a:t>8/3/2019</a:t>
             </a:fld>
             <a:endParaRPr lang="en-US" dirty="0"/>
           </a:p>
@@ -3714,7 +4489,7 @@
           <a:p>
             <a:fld id="{1160EA64-D806-43AC-9DF2-F8C432F32B4C}" type="datetimeFigureOut">
               <a:rPr lang="en-US" dirty="0"/>
-              <a:t>8/2/2019</a:t>
+              <a:t>8/3/2019</a:t>
             </a:fld>
             <a:endParaRPr lang="en-US" dirty="0"/>
           </a:p>
@@ -4431,6 +5206,768 @@
     <p:bg>
       <p:bgPr>
         <a:solidFill>
+          <a:schemeClr val="bg1">
+            <a:lumMod val="95000"/>
+          </a:schemeClr>
+        </a:solidFill>
+        <a:effectLst/>
+      </p:bgPr>
+    </p:bg>
+    <p:spTree>
+      <p:nvGrpSpPr>
+        <p:cNvPr id="1" name=""/>
+        <p:cNvGrpSpPr/>
+        <p:nvPr/>
+      </p:nvGrpSpPr>
+      <p:grpSpPr>
+        <a:xfrm>
+          <a:off x="0" y="0"/>
+          <a:ext cx="0" cy="0"/>
+          <a:chOff x="0" y="0"/>
+          <a:chExt cx="0" cy="0"/>
+        </a:xfrm>
+      </p:grpSpPr>
+      <p:sp useBgFill="1">
+        <p:nvSpPr>
+          <p:cNvPr id="11" name="Rectangle 10">
+            <a:extLst>
+              <a:ext uri="{FF2B5EF4-FFF2-40B4-BE49-F238E27FC236}">
+                <a16:creationId xmlns:a16="http://schemas.microsoft.com/office/drawing/2014/main" id="{1660E788-AFA9-4A1B-9991-6AA74632A15B}"/>
+              </a:ext>
+              <a:ext uri="{C183D7F6-B498-43B3-948B-1728B52AA6E4}">
+                <adec:decorative xmlns:adec="http://schemas.microsoft.com/office/drawing/2017/decorative" val="1"/>
+              </a:ext>
+            </a:extLst>
+          </p:cNvPr>
+          <p:cNvSpPr>
+            <a:spLocks noGrp="1" noRot="1" noChangeAspect="1" noMove="1" noResize="1" noEditPoints="1" noAdjustHandles="1" noChangeArrowheads="1" noChangeShapeType="1" noTextEdit="1"/>
+          </p:cNvSpPr>
+          <p:nvPr>
+            <p:extLst>
+              <p:ext uri="{386F3935-93C4-4BCD-93E2-E3B085C9AB24}">
+                <p16:designElem xmlns:p16="http://schemas.microsoft.com/office/powerpoint/2015/main" val="1"/>
+              </p:ext>
+            </p:extLst>
+          </p:nvPr>
+        </p:nvSpPr>
+        <p:spPr>
+          <a:xfrm>
+            <a:off x="0" y="0"/>
+            <a:ext cx="12191999" cy="6858000"/>
+          </a:xfrm>
+          <a:prstGeom prst="rect">
+            <a:avLst/>
+          </a:prstGeom>
+          <a:ln>
+            <a:noFill/>
+          </a:ln>
+        </p:spPr>
+        <p:style>
+          <a:lnRef idx="2">
+            <a:schemeClr val="accent1">
+              <a:shade val="50000"/>
+            </a:schemeClr>
+          </a:lnRef>
+          <a:fillRef idx="1">
+            <a:schemeClr val="accent1"/>
+          </a:fillRef>
+          <a:effectRef idx="0">
+            <a:schemeClr val="accent1"/>
+          </a:effectRef>
+          <a:fontRef idx="minor">
+            <a:schemeClr val="lt1"/>
+          </a:fontRef>
+        </p:style>
+        <p:txBody>
+          <a:bodyPr rtlCol="0" anchor="ctr"/>
+          <a:lstStyle/>
+          <a:p>
+            <a:pPr algn="ctr"/>
+            <a:endParaRPr lang="en-US"/>
+          </a:p>
+        </p:txBody>
+      </p:sp>
+      <p:sp>
+        <p:nvSpPr>
+          <p:cNvPr id="13" name="Rectangle 12">
+            <a:extLst>
+              <a:ext uri="{FF2B5EF4-FFF2-40B4-BE49-F238E27FC236}">
+                <a16:creationId xmlns:a16="http://schemas.microsoft.com/office/drawing/2014/main" id="{867D4867-5BA7-4462-B2F6-A23F4A622AA7}"/>
+              </a:ext>
+              <a:ext uri="{C183D7F6-B498-43B3-948B-1728B52AA6E4}">
+                <adec:decorative xmlns:adec="http://schemas.microsoft.com/office/drawing/2017/decorative" val="1"/>
+              </a:ext>
+            </a:extLst>
+          </p:cNvPr>
+          <p:cNvSpPr>
+            <a:spLocks noGrp="1" noRot="1" noChangeAspect="1" noMove="1" noResize="1" noEditPoints="1" noAdjustHandles="1" noChangeArrowheads="1" noChangeShapeType="1" noTextEdit="1"/>
+          </p:cNvSpPr>
+          <p:nvPr>
+            <p:extLst>
+              <p:ext uri="{386F3935-93C4-4BCD-93E2-E3B085C9AB24}">
+                <p16:designElem xmlns:p16="http://schemas.microsoft.com/office/powerpoint/2015/main" val="1"/>
+              </p:ext>
+            </p:extLst>
+          </p:nvPr>
+        </p:nvSpPr>
+        <p:spPr>
+          <a:xfrm>
+            <a:off x="0" y="0"/>
+            <a:ext cx="4654296" cy="6858000"/>
+          </a:xfrm>
+          <a:prstGeom prst="rect">
+            <a:avLst/>
+          </a:prstGeom>
+          <a:solidFill>
+            <a:schemeClr val="tx2"/>
+          </a:solidFill>
+          <a:ln>
+            <a:noFill/>
+          </a:ln>
+        </p:spPr>
+        <p:style>
+          <a:lnRef idx="0">
+            <a:scrgbClr r="0" g="0" b="0"/>
+          </a:lnRef>
+          <a:fillRef idx="0">
+            <a:scrgbClr r="0" g="0" b="0"/>
+          </a:fillRef>
+          <a:effectRef idx="0">
+            <a:scrgbClr r="0" g="0" b="0"/>
+          </a:effectRef>
+          <a:fontRef idx="minor">
+            <a:schemeClr val="lt1"/>
+          </a:fontRef>
+        </p:style>
+        <p:txBody>
+          <a:bodyPr rtlCol="0" anchor="ctr"/>
+          <a:lstStyle/>
+          <a:p>
+            <a:pPr algn="ctr"/>
+            <a:endParaRPr lang="en-US"/>
+          </a:p>
+        </p:txBody>
+      </p:sp>
+      <p:sp>
+        <p:nvSpPr>
+          <p:cNvPr id="2" name="Title 1"/>
+          <p:cNvSpPr>
+            <a:spLocks noGrp="1"/>
+          </p:cNvSpPr>
+          <p:nvPr>
+            <p:ph type="title"/>
+          </p:nvPr>
+        </p:nvSpPr>
+        <p:spPr>
+          <a:xfrm>
+            <a:off x="645161" y="253516"/>
+            <a:ext cx="3363974" cy="1728044"/>
+          </a:xfrm>
+          <a:noFill/>
+          <a:ln>
+            <a:solidFill>
+              <a:schemeClr val="bg1"/>
+            </a:solidFill>
+          </a:ln>
+        </p:spPr>
+        <p:txBody>
+          <a:bodyPr wrap="square">
+            <a:normAutofit/>
+          </a:bodyPr>
+          <a:lstStyle/>
+          <a:p>
+            <a:r>
+              <a:rPr lang="en-US" dirty="0">
+                <a:solidFill>
+                  <a:schemeClr val="bg1"/>
+                </a:solidFill>
+              </a:rPr>
+              <a:t>Human</a:t>
+            </a:r>
+            <a:br>
+              <a:rPr lang="en-US" dirty="0">
+                <a:solidFill>
+                  <a:schemeClr val="bg1"/>
+                </a:solidFill>
+              </a:rPr>
+            </a:br>
+            <a:r>
+              <a:rPr lang="en-US" dirty="0">
+                <a:solidFill>
+                  <a:schemeClr val="bg1"/>
+                </a:solidFill>
+              </a:rPr>
+              <a:t>development</a:t>
+            </a:r>
+            <a:br>
+              <a:rPr lang="en-US" dirty="0">
+                <a:solidFill>
+                  <a:schemeClr val="bg1"/>
+                </a:solidFill>
+              </a:rPr>
+            </a:br>
+            <a:r>
+              <a:rPr lang="en-US" dirty="0">
+                <a:solidFill>
+                  <a:schemeClr val="bg1"/>
+                </a:solidFill>
+              </a:rPr>
+              <a:t>Index (HDI)</a:t>
+            </a:r>
+          </a:p>
+        </p:txBody>
+      </p:sp>
+      <p:sp>
+        <p:nvSpPr>
+          <p:cNvPr id="3" name="Content Placeholder 2"/>
+          <p:cNvSpPr>
+            <a:spLocks noGrp="1"/>
+          </p:cNvSpPr>
+          <p:nvPr>
+            <p:ph idx="1"/>
+          </p:nvPr>
+        </p:nvSpPr>
+        <p:spPr>
+          <a:xfrm>
+            <a:off x="185432" y="2076159"/>
+            <a:ext cx="4298730" cy="3415622"/>
+          </a:xfrm>
+        </p:spPr>
+        <p:txBody>
+          <a:bodyPr>
+            <a:normAutofit/>
+          </a:bodyPr>
+          <a:lstStyle/>
+          <a:p>
+            <a:pPr marL="0" indent="0" algn="ctr">
+              <a:buNone/>
+            </a:pPr>
+            <a:r>
+              <a:rPr lang="en-US" dirty="0">
+                <a:solidFill>
+                  <a:schemeClr val="bg1"/>
+                </a:solidFill>
+              </a:rPr>
+              <a:t> Composite statistic of life expectancy, education, and per capita income indicators used to rate a country’s prosperity</a:t>
+            </a:r>
+          </a:p>
+          <a:p>
+            <a:pPr marL="0" indent="0" algn="ctr">
+              <a:buNone/>
+            </a:pPr>
+            <a:r>
+              <a:rPr lang="en-US" dirty="0">
+                <a:solidFill>
+                  <a:schemeClr val="bg1"/>
+                </a:solidFill>
+              </a:rPr>
+              <a:t>Source:</a:t>
+            </a:r>
+            <a:br>
+              <a:rPr lang="en-US" dirty="0">
+                <a:solidFill>
+                  <a:schemeClr val="bg1"/>
+                </a:solidFill>
+              </a:rPr>
+            </a:br>
+            <a:r>
+              <a:rPr lang="en-US" dirty="0">
+                <a:solidFill>
+                  <a:schemeClr val="bg1"/>
+                </a:solidFill>
+              </a:rPr>
+              <a:t>United Nations Human Development Data</a:t>
+            </a:r>
+          </a:p>
+        </p:txBody>
+      </p:sp>
+      <p:sp>
+        <p:nvSpPr>
+          <p:cNvPr id="7" name="TextBox 6">
+            <a:extLst>
+              <a:ext uri="{FF2B5EF4-FFF2-40B4-BE49-F238E27FC236}">
+                <a16:creationId xmlns:a16="http://schemas.microsoft.com/office/drawing/2014/main" id="{FCD54170-41EA-41EA-AE21-D7E8EE48D15A}"/>
+              </a:ext>
+            </a:extLst>
+          </p:cNvPr>
+          <p:cNvSpPr txBox="1"/>
+          <p:nvPr/>
+        </p:nvSpPr>
+        <p:spPr>
+          <a:xfrm flipH="1">
+            <a:off x="6446519" y="2490952"/>
+            <a:ext cx="4165252" cy="369332"/>
+          </a:xfrm>
+          <a:prstGeom prst="rect">
+            <a:avLst/>
+          </a:prstGeom>
+          <a:noFill/>
+        </p:spPr>
+        <p:txBody>
+          <a:bodyPr wrap="square" rtlCol="0">
+            <a:spAutoFit/>
+          </a:bodyPr>
+          <a:lstStyle/>
+          <a:p>
+            <a:r>
+              <a:rPr lang="en-US" dirty="0"/>
+              <a:t>Add graph of HDI over time</a:t>
+            </a:r>
+          </a:p>
+        </p:txBody>
+      </p:sp>
+      <p:pic>
+        <p:nvPicPr>
+          <p:cNvPr id="4098" name="Picture 2" descr="Image result for hDI images">
+            <a:extLst>
+              <a:ext uri="{FF2B5EF4-FFF2-40B4-BE49-F238E27FC236}">
+                <a16:creationId xmlns:a16="http://schemas.microsoft.com/office/drawing/2014/main" id="{ABCE68FF-32BB-400A-A394-46BB6AA87D3A}"/>
+              </a:ext>
+            </a:extLst>
+          </p:cNvPr>
+          <p:cNvPicPr>
+            <a:picLocks noChangeAspect="1" noChangeArrowheads="1"/>
+          </p:cNvPicPr>
+          <p:nvPr/>
+        </p:nvPicPr>
+        <p:blipFill rotWithShape="1">
+          <a:blip r:embed="rId3">
+            <a:extLst>
+              <a:ext uri="{28A0092B-C50C-407E-A947-70E740481C1C}">
+                <a14:useLocalDpi xmlns:a14="http://schemas.microsoft.com/office/drawing/2010/main" val="0"/>
+              </a:ext>
+            </a:extLst>
+          </a:blip>
+          <a:srcRect l="7455" t="4301" r="1821" b="7952"/>
+          <a:stretch/>
+        </p:blipFill>
+        <p:spPr bwMode="auto">
+          <a:xfrm>
+            <a:off x="830316" y="3794234"/>
+            <a:ext cx="3020733" cy="2921636"/>
+          </a:xfrm>
+          <a:prstGeom prst="rect">
+            <a:avLst/>
+          </a:prstGeom>
+          <a:noFill/>
+          <a:extLst>
+            <a:ext uri="{909E8E84-426E-40DD-AFC4-6F175D3DCCD1}">
+              <a14:hiddenFill xmlns:a14="http://schemas.microsoft.com/office/drawing/2010/main">
+                <a:solidFill>
+                  <a:srgbClr val="FFFFFF"/>
+                </a:solidFill>
+              </a14:hiddenFill>
+            </a:ext>
+          </a:extLst>
+        </p:spPr>
+      </p:pic>
+    </p:spTree>
+    <p:extLst>
+      <p:ext uri="{BB962C8B-B14F-4D97-AF65-F5344CB8AC3E}">
+        <p14:creationId xmlns:p14="http://schemas.microsoft.com/office/powerpoint/2010/main" val="3084959748"/>
+      </p:ext>
+    </p:extLst>
+  </p:cSld>
+  <p:clrMapOvr>
+    <a:masterClrMapping/>
+  </p:clrMapOvr>
+</p:sld>
+</file>
+
+<file path=ppt/slides/slide11.xml><?xml version="1.0" encoding="utf-8"?>
+<p:sld xmlns:a="http://schemas.openxmlformats.org/drawingml/2006/main" xmlns:r="http://schemas.openxmlformats.org/officeDocument/2006/relationships" xmlns:p="http://schemas.openxmlformats.org/presentationml/2006/main">
+  <p:cSld>
+    <p:bg>
+      <p:bgPr>
+        <a:solidFill>
+          <a:schemeClr val="bg1">
+            <a:lumMod val="95000"/>
+          </a:schemeClr>
+        </a:solidFill>
+        <a:effectLst/>
+      </p:bgPr>
+    </p:bg>
+    <p:spTree>
+      <p:nvGrpSpPr>
+        <p:cNvPr id="1" name=""/>
+        <p:cNvGrpSpPr/>
+        <p:nvPr/>
+      </p:nvGrpSpPr>
+      <p:grpSpPr>
+        <a:xfrm>
+          <a:off x="0" y="0"/>
+          <a:ext cx="0" cy="0"/>
+          <a:chOff x="0" y="0"/>
+          <a:chExt cx="0" cy="0"/>
+        </a:xfrm>
+      </p:grpSpPr>
+      <p:sp useBgFill="1">
+        <p:nvSpPr>
+          <p:cNvPr id="11" name="Rectangle 10">
+            <a:extLst>
+              <a:ext uri="{FF2B5EF4-FFF2-40B4-BE49-F238E27FC236}">
+                <a16:creationId xmlns:a16="http://schemas.microsoft.com/office/drawing/2014/main" id="{1660E788-AFA9-4A1B-9991-6AA74632A15B}"/>
+              </a:ext>
+              <a:ext uri="{C183D7F6-B498-43B3-948B-1728B52AA6E4}">
+                <adec:decorative xmlns:adec="http://schemas.microsoft.com/office/drawing/2017/decorative" val="1"/>
+              </a:ext>
+            </a:extLst>
+          </p:cNvPr>
+          <p:cNvSpPr>
+            <a:spLocks noGrp="1" noRot="1" noChangeAspect="1" noMove="1" noResize="1" noEditPoints="1" noAdjustHandles="1" noChangeArrowheads="1" noChangeShapeType="1" noTextEdit="1"/>
+          </p:cNvSpPr>
+          <p:nvPr>
+            <p:extLst>
+              <p:ext uri="{386F3935-93C4-4BCD-93E2-E3B085C9AB24}">
+                <p16:designElem xmlns:p16="http://schemas.microsoft.com/office/powerpoint/2015/main" val="1"/>
+              </p:ext>
+            </p:extLst>
+          </p:nvPr>
+        </p:nvSpPr>
+        <p:spPr>
+          <a:xfrm>
+            <a:off x="0" y="0"/>
+            <a:ext cx="12191999" cy="6858000"/>
+          </a:xfrm>
+          <a:prstGeom prst="rect">
+            <a:avLst/>
+          </a:prstGeom>
+          <a:ln>
+            <a:noFill/>
+          </a:ln>
+        </p:spPr>
+        <p:style>
+          <a:lnRef idx="2">
+            <a:schemeClr val="accent1">
+              <a:shade val="50000"/>
+            </a:schemeClr>
+          </a:lnRef>
+          <a:fillRef idx="1">
+            <a:schemeClr val="accent1"/>
+          </a:fillRef>
+          <a:effectRef idx="0">
+            <a:schemeClr val="accent1"/>
+          </a:effectRef>
+          <a:fontRef idx="minor">
+            <a:schemeClr val="lt1"/>
+          </a:fontRef>
+        </p:style>
+        <p:txBody>
+          <a:bodyPr rtlCol="0" anchor="ctr"/>
+          <a:lstStyle/>
+          <a:p>
+            <a:pPr algn="ctr"/>
+            <a:endParaRPr lang="en-US"/>
+          </a:p>
+        </p:txBody>
+      </p:sp>
+      <p:sp>
+        <p:nvSpPr>
+          <p:cNvPr id="13" name="Rectangle 12">
+            <a:extLst>
+              <a:ext uri="{FF2B5EF4-FFF2-40B4-BE49-F238E27FC236}">
+                <a16:creationId xmlns:a16="http://schemas.microsoft.com/office/drawing/2014/main" id="{867D4867-5BA7-4462-B2F6-A23F4A622AA7}"/>
+              </a:ext>
+              <a:ext uri="{C183D7F6-B498-43B3-948B-1728B52AA6E4}">
+                <adec:decorative xmlns:adec="http://schemas.microsoft.com/office/drawing/2017/decorative" val="1"/>
+              </a:ext>
+            </a:extLst>
+          </p:cNvPr>
+          <p:cNvSpPr>
+            <a:spLocks noGrp="1" noRot="1" noChangeAspect="1" noMove="1" noResize="1" noEditPoints="1" noAdjustHandles="1" noChangeArrowheads="1" noChangeShapeType="1" noTextEdit="1"/>
+          </p:cNvSpPr>
+          <p:nvPr>
+            <p:extLst>
+              <p:ext uri="{386F3935-93C4-4BCD-93E2-E3B085C9AB24}">
+                <p16:designElem xmlns:p16="http://schemas.microsoft.com/office/powerpoint/2015/main" val="1"/>
+              </p:ext>
+            </p:extLst>
+          </p:nvPr>
+        </p:nvSpPr>
+        <p:spPr>
+          <a:xfrm>
+            <a:off x="0" y="0"/>
+            <a:ext cx="4654296" cy="6858000"/>
+          </a:xfrm>
+          <a:prstGeom prst="rect">
+            <a:avLst/>
+          </a:prstGeom>
+          <a:solidFill>
+            <a:schemeClr val="tx2"/>
+          </a:solidFill>
+          <a:ln>
+            <a:noFill/>
+          </a:ln>
+        </p:spPr>
+        <p:style>
+          <a:lnRef idx="0">
+            <a:scrgbClr r="0" g="0" b="0"/>
+          </a:lnRef>
+          <a:fillRef idx="0">
+            <a:scrgbClr r="0" g="0" b="0"/>
+          </a:fillRef>
+          <a:effectRef idx="0">
+            <a:scrgbClr r="0" g="0" b="0"/>
+          </a:effectRef>
+          <a:fontRef idx="minor">
+            <a:schemeClr val="lt1"/>
+          </a:fontRef>
+        </p:style>
+        <p:txBody>
+          <a:bodyPr rtlCol="0" anchor="ctr"/>
+          <a:lstStyle/>
+          <a:p>
+            <a:pPr algn="ctr"/>
+            <a:endParaRPr lang="en-US"/>
+          </a:p>
+        </p:txBody>
+      </p:sp>
+      <p:sp>
+        <p:nvSpPr>
+          <p:cNvPr id="2" name="Title 1"/>
+          <p:cNvSpPr>
+            <a:spLocks noGrp="1"/>
+          </p:cNvSpPr>
+          <p:nvPr>
+            <p:ph type="title"/>
+          </p:nvPr>
+        </p:nvSpPr>
+        <p:spPr>
+          <a:xfrm>
+            <a:off x="643467" y="643467"/>
+            <a:ext cx="3363974" cy="1728044"/>
+          </a:xfrm>
+          <a:noFill/>
+          <a:ln>
+            <a:solidFill>
+              <a:schemeClr val="bg1"/>
+            </a:solidFill>
+          </a:ln>
+        </p:spPr>
+        <p:txBody>
+          <a:bodyPr wrap="square">
+            <a:normAutofit/>
+          </a:bodyPr>
+          <a:lstStyle/>
+          <a:p>
+            <a:r>
+              <a:rPr lang="en-US" dirty="0">
+                <a:solidFill>
+                  <a:schemeClr val="bg1"/>
+                </a:solidFill>
+              </a:rPr>
+              <a:t>Energy consumption</a:t>
+            </a:r>
+            <a:br>
+              <a:rPr lang="en-US" dirty="0">
+                <a:solidFill>
+                  <a:schemeClr val="bg1"/>
+                </a:solidFill>
+              </a:rPr>
+            </a:br>
+            <a:r>
+              <a:rPr lang="en-US" dirty="0">
+                <a:solidFill>
+                  <a:schemeClr val="bg1"/>
+                </a:solidFill>
+              </a:rPr>
+              <a:t>by fuel type</a:t>
+            </a:r>
+          </a:p>
+        </p:txBody>
+      </p:sp>
+      <p:sp>
+        <p:nvSpPr>
+          <p:cNvPr id="3" name="Content Placeholder 2"/>
+          <p:cNvSpPr>
+            <a:spLocks noGrp="1"/>
+          </p:cNvSpPr>
+          <p:nvPr>
+            <p:ph idx="1"/>
+          </p:nvPr>
+        </p:nvSpPr>
+        <p:spPr>
+          <a:xfrm>
+            <a:off x="643467" y="2750729"/>
+            <a:ext cx="3363974" cy="3415622"/>
+          </a:xfrm>
+        </p:spPr>
+        <p:txBody>
+          <a:bodyPr>
+            <a:normAutofit/>
+          </a:bodyPr>
+          <a:lstStyle/>
+          <a:p>
+            <a:pPr marL="0" indent="0" algn="ctr">
+              <a:buNone/>
+            </a:pPr>
+            <a:r>
+              <a:rPr lang="en-US" dirty="0">
+                <a:solidFill>
+                  <a:schemeClr val="bg1"/>
+                </a:solidFill>
+              </a:rPr>
+              <a:t>Count of humans in each country</a:t>
+            </a:r>
+          </a:p>
+          <a:p>
+            <a:pPr marL="0" indent="0" algn="ctr">
+              <a:buNone/>
+            </a:pPr>
+            <a:r>
+              <a:rPr lang="en-US" dirty="0">
+                <a:solidFill>
+                  <a:schemeClr val="bg1"/>
+                </a:solidFill>
+              </a:rPr>
+              <a:t>Source:</a:t>
+            </a:r>
+            <a:br>
+              <a:rPr lang="en-US" dirty="0">
+                <a:solidFill>
+                  <a:schemeClr val="bg1"/>
+                </a:solidFill>
+              </a:rPr>
+            </a:br>
+            <a:r>
+              <a:rPr lang="en-US" dirty="0">
+                <a:solidFill>
+                  <a:schemeClr val="bg1"/>
+                </a:solidFill>
+              </a:rPr>
+              <a:t>BP Statistical Review of World Energy</a:t>
+            </a:r>
+          </a:p>
+        </p:txBody>
+      </p:sp>
+      <p:pic>
+        <p:nvPicPr>
+          <p:cNvPr id="8" name="Picture 4" descr="Image result for population images">
+            <a:extLst>
+              <a:ext uri="{FF2B5EF4-FFF2-40B4-BE49-F238E27FC236}">
+                <a16:creationId xmlns:a16="http://schemas.microsoft.com/office/drawing/2014/main" id="{BE3318A3-E693-456A-9442-B0272A0DE7C1}"/>
+              </a:ext>
+            </a:extLst>
+          </p:cNvPr>
+          <p:cNvPicPr>
+            <a:picLocks noChangeAspect="1" noChangeArrowheads="1"/>
+          </p:cNvPicPr>
+          <p:nvPr/>
+        </p:nvPicPr>
+        <p:blipFill rotWithShape="1">
+          <a:blip r:embed="rId3">
+            <a:extLst>
+              <a:ext uri="{28A0092B-C50C-407E-A947-70E740481C1C}">
+                <a14:useLocalDpi xmlns:a14="http://schemas.microsoft.com/office/drawing/2010/main" val="0"/>
+              </a:ext>
+            </a:extLst>
+          </a:blip>
+          <a:srcRect t="-846" b="9654"/>
+          <a:stretch/>
+        </p:blipFill>
+        <p:spPr bwMode="auto">
+          <a:xfrm>
+            <a:off x="707017" y="4099368"/>
+            <a:ext cx="3236874" cy="2412807"/>
+          </a:xfrm>
+          <a:prstGeom prst="rect">
+            <a:avLst/>
+          </a:prstGeom>
+          <a:noFill/>
+          <a:extLst>
+            <a:ext uri="{909E8E84-426E-40DD-AFC4-6F175D3DCCD1}">
+              <a14:hiddenFill xmlns:a14="http://schemas.microsoft.com/office/drawing/2010/main">
+                <a:solidFill>
+                  <a:srgbClr val="FFFFFF"/>
+                </a:solidFill>
+              </a14:hiddenFill>
+            </a:ext>
+          </a:extLst>
+        </p:spPr>
+      </p:pic>
+      <p:sp>
+        <p:nvSpPr>
+          <p:cNvPr id="7" name="TextBox 6">
+            <a:extLst>
+              <a:ext uri="{FF2B5EF4-FFF2-40B4-BE49-F238E27FC236}">
+                <a16:creationId xmlns:a16="http://schemas.microsoft.com/office/drawing/2014/main" id="{FCD54170-41EA-41EA-AE21-D7E8EE48D15A}"/>
+              </a:ext>
+            </a:extLst>
+          </p:cNvPr>
+          <p:cNvSpPr txBox="1"/>
+          <p:nvPr/>
+        </p:nvSpPr>
+        <p:spPr>
+          <a:xfrm flipH="1">
+            <a:off x="6709277" y="1138157"/>
+            <a:ext cx="4165252" cy="369332"/>
+          </a:xfrm>
+          <a:prstGeom prst="rect">
+            <a:avLst/>
+          </a:prstGeom>
+          <a:noFill/>
+        </p:spPr>
+        <p:txBody>
+          <a:bodyPr wrap="square" rtlCol="0">
+            <a:spAutoFit/>
+          </a:bodyPr>
+          <a:lstStyle/>
+          <a:p>
+            <a:r>
+              <a:rPr lang="en-US" dirty="0"/>
+              <a:t>Add graph of population over time</a:t>
+            </a:r>
+          </a:p>
+        </p:txBody>
+      </p:sp>
+      <p:pic>
+        <p:nvPicPr>
+          <p:cNvPr id="9" name="Picture 8">
+            <a:extLst>
+              <a:ext uri="{FF2B5EF4-FFF2-40B4-BE49-F238E27FC236}">
+                <a16:creationId xmlns:a16="http://schemas.microsoft.com/office/drawing/2014/main" id="{623EC88A-5D7A-41B7-A3AD-DCC380AF4539}"/>
+              </a:ext>
+            </a:extLst>
+          </p:cNvPr>
+          <p:cNvPicPr>
+            <a:picLocks noChangeAspect="1"/>
+          </p:cNvPicPr>
+          <p:nvPr/>
+        </p:nvPicPr>
+        <p:blipFill rotWithShape="1">
+          <a:blip r:embed="rId4"/>
+          <a:srcRect t="1779" b="4063"/>
+          <a:stretch/>
+        </p:blipFill>
+        <p:spPr>
+          <a:xfrm>
+            <a:off x="5371031" y="3037540"/>
+            <a:ext cx="6133328" cy="3583978"/>
+          </a:xfrm>
+          <a:prstGeom prst="rect">
+            <a:avLst/>
+          </a:prstGeom>
+        </p:spPr>
+      </p:pic>
+    </p:spTree>
+    <p:extLst>
+      <p:ext uri="{BB962C8B-B14F-4D97-AF65-F5344CB8AC3E}">
+        <p14:creationId xmlns:p14="http://schemas.microsoft.com/office/powerpoint/2010/main" val="1861769564"/>
+      </p:ext>
+    </p:extLst>
+  </p:cSld>
+  <p:clrMapOvr>
+    <a:masterClrMapping/>
+  </p:clrMapOvr>
+</p:sld>
+</file>
+
+<file path=ppt/slides/slide12.xml><?xml version="1.0" encoding="utf-8"?>
+<p:sld xmlns:a="http://schemas.openxmlformats.org/drawingml/2006/main" xmlns:r="http://schemas.openxmlformats.org/officeDocument/2006/relationships" xmlns:p="http://schemas.openxmlformats.org/presentationml/2006/main">
+  <p:cSld>
+    <p:bg>
+      <p:bgPr>
+        <a:solidFill>
           <a:schemeClr val="bg1"/>
         </a:solidFill>
         <a:effectLst/>
@@ -4667,7 +6204,7 @@
           <a:p>
             <a:r>
               <a:rPr lang="en-US" dirty="0"/>
-              <a:t>summary</a:t>
+              <a:t>Post Mortem</a:t>
             </a:r>
           </a:p>
         </p:txBody>
@@ -4679,13 +6216,13 @@
             <a:spLocks noGrp="1"/>
           </p:cNvSpPr>
           <p:nvPr>
-            <p:ph type="body" idx="1"/>
+            <p:ph idx="1"/>
           </p:nvPr>
         </p:nvSpPr>
         <p:spPr>
           <a:xfrm>
-            <a:off x="1481959" y="2291262"/>
-            <a:ext cx="9175531" cy="2879256"/>
+            <a:off x="1706062" y="2291262"/>
+            <a:ext cx="8779512" cy="2879256"/>
           </a:xfrm>
         </p:spPr>
         <p:txBody>
@@ -4695,86 +6232,299 @@
           <a:lstStyle/>
           <a:p>
             <a:r>
-              <a:rPr lang="en-US" dirty="0">
-                <a:solidFill>
-                  <a:srgbClr val="404040"/>
+              <a:rPr lang="en-US" sz="2400" dirty="0">
+                <a:solidFill>
+                  <a:schemeClr val="tx1"/>
                 </a:solidFill>
               </a:rPr>
-              <a:t>Energy capacity increases with population and HDI in most cases</a:t>
-            </a:r>
-          </a:p>
-          <a:p>
-            <a:r>
-              <a:rPr lang="en-US" dirty="0">
-                <a:solidFill>
-                  <a:srgbClr val="404040"/>
+              <a:t>Find alternative data sources</a:t>
+            </a:r>
+          </a:p>
+          <a:p>
+            <a:pPr lvl="2">
+              <a:buFont typeface="Gill Sans MT" panose="020B0502020104020203" pitchFamily="34" charset="0"/>
+              <a:buChar char="–"/>
+            </a:pPr>
+            <a:r>
+              <a:rPr lang="en-US" sz="2400" dirty="0">
+                <a:solidFill>
+                  <a:schemeClr val="tx1"/>
                 </a:solidFill>
               </a:rPr>
-              <a:t>Energy capacity is dependent on other variables (politics, war, etc.)</a:t>
-            </a:r>
-          </a:p>
-          <a:p>
-            <a:r>
-              <a:rPr lang="en-US" dirty="0">
-                <a:solidFill>
-                  <a:srgbClr val="404040"/>
+              <a:t>Search for missing data (Africa)</a:t>
+            </a:r>
+          </a:p>
+          <a:p>
+            <a:pPr lvl="2">
+              <a:buFont typeface="Gill Sans MT" panose="020B0502020104020203" pitchFamily="34" charset="0"/>
+              <a:buChar char="–"/>
+            </a:pPr>
+            <a:r>
+              <a:rPr lang="en-US" sz="2400" dirty="0">
+                <a:solidFill>
+                  <a:schemeClr val="tx1"/>
                 </a:solidFill>
               </a:rPr>
-              <a:t>Energy consumption per capita is mostly flat globally and in most geographic regions</a:t>
-            </a:r>
-          </a:p>
-          <a:p>
-            <a:r>
-              <a:rPr lang="en-US" dirty="0">
-                <a:solidFill>
-                  <a:srgbClr val="404040"/>
+              <a:t>Baseline capacity before 1990</a:t>
+            </a:r>
+          </a:p>
+          <a:p>
+            <a:r>
+              <a:rPr lang="en-US" sz="2400" dirty="0">
+                <a:solidFill>
+                  <a:schemeClr val="tx1"/>
                 </a:solidFill>
               </a:rPr>
-              <a:t>Energy consumption per capita is decreasing in the US and increasing in Middle East and Asia</a:t>
-            </a:r>
-          </a:p>
-          <a:p>
-            <a:r>
-              <a:rPr lang="en-US" dirty="0">
-                <a:solidFill>
-                  <a:srgbClr val="404040"/>
+              <a:t>Learn how to label Google Maps</a:t>
+            </a:r>
+          </a:p>
+          <a:p>
+            <a:r>
+              <a:rPr lang="en-US" sz="2400" dirty="0">
+                <a:solidFill>
+                  <a:schemeClr val="tx1"/>
                 </a:solidFill>
               </a:rPr>
-              <a:t>Energy cap/</a:t>
-            </a:r>
-            <a:r>
-              <a:rPr lang="en-US" dirty="0" err="1">
-                <a:solidFill>
-                  <a:srgbClr val="404040"/>
-                </a:solidFill>
-              </a:rPr>
-              <a:t>consump</a:t>
-            </a:r>
-            <a:r>
-              <a:rPr lang="en-US" dirty="0">
-                <a:solidFill>
-                  <a:srgbClr val="404040"/>
-                </a:solidFill>
-              </a:rPr>
-              <a:t>? of “green” fuel sources is ??? Compared to pop/HDI??</a:t>
-            </a:r>
-            <a:endParaRPr dirty="0">
-              <a:solidFill>
-                <a:srgbClr val="404040"/>
-              </a:solidFill>
-            </a:endParaRPr>
+              <a:t>Research other indicators for areas where HDI didn’t correlate with energy use/capacity</a:t>
+            </a:r>
           </a:p>
         </p:txBody>
       </p:sp>
     </p:spTree>
     <p:extLst>
       <p:ext uri="{BB962C8B-B14F-4D97-AF65-F5344CB8AC3E}">
-        <p14:creationId xmlns:p14="http://schemas.microsoft.com/office/powerpoint/2010/main" val="1687361734"/>
+        <p14:creationId xmlns:p14="http://schemas.microsoft.com/office/powerpoint/2010/main" val="4103291626"/>
       </p:ext>
     </p:extLst>
   </p:cSld>
   <p:clrMapOvr>
     <a:masterClrMapping/>
+  </p:clrMapOvr>
+</p:sld>
+</file>
+
+<file path=ppt/slides/slide13.xml><?xml version="1.0" encoding="utf-8"?>
+<p:sld xmlns:a="http://schemas.openxmlformats.org/drawingml/2006/main" xmlns:r="http://schemas.openxmlformats.org/officeDocument/2006/relationships" xmlns:p="http://schemas.openxmlformats.org/presentationml/2006/main">
+  <p:cSld>
+    <p:bg>
+      <p:bgPr>
+        <a:solidFill>
+          <a:schemeClr val="bg1"/>
+        </a:solidFill>
+        <a:effectLst/>
+      </p:bgPr>
+    </p:bg>
+    <p:spTree>
+      <p:nvGrpSpPr>
+        <p:cNvPr id="1" name=""/>
+        <p:cNvGrpSpPr/>
+        <p:nvPr/>
+      </p:nvGrpSpPr>
+      <p:grpSpPr>
+        <a:xfrm>
+          <a:off x="0" y="0"/>
+          <a:ext cx="0" cy="0"/>
+          <a:chOff x="0" y="0"/>
+          <a:chExt cx="0" cy="0"/>
+        </a:xfrm>
+      </p:grpSpPr>
+      <p:sp useBgFill="1">
+        <p:nvSpPr>
+          <p:cNvPr id="11" name="Rectangle 10">
+            <a:extLst>
+              <a:ext uri="{FF2B5EF4-FFF2-40B4-BE49-F238E27FC236}">
+                <a16:creationId xmlns:a16="http://schemas.microsoft.com/office/drawing/2014/main" id="{3ED03601-4724-4293-A32A-3A0879C5D491}"/>
+              </a:ext>
+              <a:ext uri="{C183D7F6-B498-43B3-948B-1728B52AA6E4}">
+                <adec:decorative xmlns:adec="http://schemas.microsoft.com/office/drawing/2017/decorative" val="1"/>
+              </a:ext>
+            </a:extLst>
+          </p:cNvPr>
+          <p:cNvSpPr>
+            <a:spLocks noGrp="1" noRot="1" noChangeAspect="1" noMove="1" noResize="1" noEditPoints="1" noAdjustHandles="1" noChangeArrowheads="1" noChangeShapeType="1" noTextEdit="1"/>
+          </p:cNvSpPr>
+          <p:nvPr>
+            <p:extLst>
+              <p:ext uri="{386F3935-93C4-4BCD-93E2-E3B085C9AB24}">
+                <p16:designElem xmlns:p16="http://schemas.microsoft.com/office/powerpoint/2015/main" val="1"/>
+              </p:ext>
+            </p:extLst>
+          </p:nvPr>
+        </p:nvSpPr>
+        <p:spPr>
+          <a:xfrm>
+            <a:off x="0" y="-2"/>
+            <a:ext cx="12192000" cy="6858002"/>
+          </a:xfrm>
+          <a:prstGeom prst="rect">
+            <a:avLst/>
+          </a:prstGeom>
+          <a:ln>
+            <a:noFill/>
+          </a:ln>
+        </p:spPr>
+        <p:style>
+          <a:lnRef idx="2">
+            <a:schemeClr val="accent1">
+              <a:shade val="50000"/>
+            </a:schemeClr>
+          </a:lnRef>
+          <a:fillRef idx="1">
+            <a:schemeClr val="accent1"/>
+          </a:fillRef>
+          <a:effectRef idx="0">
+            <a:schemeClr val="accent1"/>
+          </a:effectRef>
+          <a:fontRef idx="minor">
+            <a:schemeClr val="lt1"/>
+          </a:fontRef>
+        </p:style>
+        <p:txBody>
+          <a:bodyPr rtlCol="0" anchor="ctr"/>
+          <a:lstStyle/>
+          <a:p>
+            <a:pPr algn="ctr"/>
+            <a:endParaRPr lang="en-US"/>
+          </a:p>
+        </p:txBody>
+      </p:sp>
+      <p:sp>
+        <p:nvSpPr>
+          <p:cNvPr id="13" name="Rectangle 12">
+            <a:extLst>
+              <a:ext uri="{FF2B5EF4-FFF2-40B4-BE49-F238E27FC236}">
+                <a16:creationId xmlns:a16="http://schemas.microsoft.com/office/drawing/2014/main" id="{5E433AC3-E189-483B-9E8C-DFD5D2A18641}"/>
+              </a:ext>
+              <a:ext uri="{C183D7F6-B498-43B3-948B-1728B52AA6E4}">
+                <adec:decorative xmlns:adec="http://schemas.microsoft.com/office/drawing/2017/decorative" val="1"/>
+              </a:ext>
+            </a:extLst>
+          </p:cNvPr>
+          <p:cNvSpPr>
+            <a:spLocks noGrp="1" noRot="1" noChangeAspect="1" noMove="1" noResize="1" noEditPoints="1" noAdjustHandles="1" noChangeArrowheads="1" noChangeShapeType="1" noTextEdit="1"/>
+          </p:cNvSpPr>
+          <p:nvPr>
+            <p:extLst>
+              <p:ext uri="{386F3935-93C4-4BCD-93E2-E3B085C9AB24}">
+                <p16:designElem xmlns:p16="http://schemas.microsoft.com/office/powerpoint/2015/main" val="1"/>
+              </p:ext>
+            </p:extLst>
+          </p:nvPr>
+        </p:nvSpPr>
+        <p:spPr>
+          <a:xfrm>
+            <a:off x="0" y="4918509"/>
+            <a:ext cx="12192000" cy="1939491"/>
+          </a:xfrm>
+          <a:prstGeom prst="rect">
+            <a:avLst/>
+          </a:prstGeom>
+          <a:solidFill>
+            <a:schemeClr val="accent2"/>
+          </a:solidFill>
+          <a:ln>
+            <a:noFill/>
+          </a:ln>
+        </p:spPr>
+        <p:style>
+          <a:lnRef idx="2">
+            <a:schemeClr val="accent1">
+              <a:shade val="50000"/>
+            </a:schemeClr>
+          </a:lnRef>
+          <a:fillRef idx="1">
+            <a:schemeClr val="accent1"/>
+          </a:fillRef>
+          <a:effectRef idx="0">
+            <a:schemeClr val="accent1"/>
+          </a:effectRef>
+          <a:fontRef idx="minor">
+            <a:schemeClr val="lt1"/>
+          </a:fontRef>
+        </p:style>
+        <p:txBody>
+          <a:bodyPr rtlCol="0" anchor="ctr"/>
+          <a:lstStyle/>
+          <a:p>
+            <a:pPr algn="ctr"/>
+            <a:endParaRPr lang="en-US"/>
+          </a:p>
+        </p:txBody>
+      </p:sp>
+      <p:sp>
+        <p:nvSpPr>
+          <p:cNvPr id="2" name="Title 1"/>
+          <p:cNvSpPr>
+            <a:spLocks noGrp="1"/>
+          </p:cNvSpPr>
+          <p:nvPr>
+            <p:ph type="ctrTitle"/>
+          </p:nvPr>
+        </p:nvSpPr>
+        <p:spPr>
+          <a:xfrm>
+            <a:off x="1600200" y="4269282"/>
+            <a:ext cx="8991600" cy="1264762"/>
+          </a:xfrm>
+        </p:spPr>
+        <p:txBody>
+          <a:bodyPr>
+            <a:normAutofit/>
+          </a:bodyPr>
+          <a:lstStyle/>
+          <a:p>
+            <a:r>
+              <a:rPr lang="en-US" sz="6000" dirty="0"/>
+              <a:t>Questions</a:t>
+            </a:r>
+          </a:p>
+        </p:txBody>
+      </p:sp>
+      <p:pic>
+        <p:nvPicPr>
+          <p:cNvPr id="12" name="Picture 11">
+            <a:extLst>
+              <a:ext uri="{FF2B5EF4-FFF2-40B4-BE49-F238E27FC236}">
+                <a16:creationId xmlns:a16="http://schemas.microsoft.com/office/drawing/2014/main" id="{E185D679-59F2-4F1D-8FCB-05970BCCCEA6}"/>
+              </a:ext>
+            </a:extLst>
+          </p:cNvPr>
+          <p:cNvPicPr>
+            <a:picLocks noChangeAspect="1"/>
+          </p:cNvPicPr>
+          <p:nvPr/>
+        </p:nvPicPr>
+        <p:blipFill>
+          <a:blip r:embed="rId3">
+            <a:extLst>
+              <a:ext uri="{837473B0-CC2E-450A-ABE3-18F120FF3D39}">
+                <a1611:picAttrSrcUrl xmlns:a1611="http://schemas.microsoft.com/office/drawing/2016/11/main" r:id="rId4"/>
+              </a:ext>
+            </a:extLst>
+          </a:blip>
+          <a:stretch>
+            <a:fillRect/>
+          </a:stretch>
+        </p:blipFill>
+        <p:spPr>
+          <a:xfrm>
+            <a:off x="4363271" y="717467"/>
+            <a:ext cx="3025502" cy="3227202"/>
+          </a:xfrm>
+          <a:prstGeom prst="rect">
+            <a:avLst/>
+          </a:prstGeom>
+        </p:spPr>
+      </p:pic>
+    </p:spTree>
+    <p:extLst>
+      <p:ext uri="{BB962C8B-B14F-4D97-AF65-F5344CB8AC3E}">
+        <p14:creationId xmlns:p14="http://schemas.microsoft.com/office/powerpoint/2010/main" val="2450147169"/>
+      </p:ext>
+    </p:extLst>
+  </p:cSld>
+  <p:clrMapOvr>
+    <a:overrideClrMapping bg1="lt1" tx1="dk1" bg2="lt2" tx2="dk2" accent1="accent1" accent2="accent2" accent3="accent3" accent4="accent4" accent5="accent5" accent6="accent6" hlink="hlink" folHlink="folHlink"/>
   </p:clrMapOvr>
 </p:sld>
 </file>
@@ -5021,7 +6771,7 @@
           <a:p>
             <a:r>
               <a:rPr lang="en-US" dirty="0"/>
-              <a:t>Project description</a:t>
+              <a:t>Project hypothesis</a:t>
             </a:r>
           </a:p>
         </p:txBody>
@@ -5038,8 +6788,8 @@
         </p:nvSpPr>
         <p:spPr>
           <a:xfrm>
-            <a:off x="1706062" y="2291262"/>
-            <a:ext cx="8779512" cy="2879256"/>
+            <a:off x="1706062" y="2448910"/>
+            <a:ext cx="8779512" cy="2721608"/>
           </a:xfrm>
         </p:spPr>
         <p:txBody>
@@ -5048,21 +6798,35 @@
           </a:bodyPr>
           <a:lstStyle/>
           <a:p>
-            <a:r>
-              <a:rPr lang="en-US" sz="2400" dirty="0"/>
-              <a:t>Analyze global energy data per country over time</a:t>
-            </a:r>
-          </a:p>
-          <a:p>
-            <a:endParaRPr lang="en-US" sz="2400" dirty="0"/>
-          </a:p>
-          <a:p>
-            <a:r>
-              <a:rPr lang="en-US" sz="2400" dirty="0"/>
-              <a:t>Compare with Human Development Index (HDI) and Population</a:t>
-            </a:r>
-          </a:p>
-          <a:p>
+            <a:pPr marL="0" indent="0" algn="ctr">
+              <a:buNone/>
+            </a:pPr>
+            <a:r>
+              <a:rPr lang="en-US" sz="2400" dirty="0">
+                <a:solidFill>
+                  <a:srgbClr val="404040"/>
+                </a:solidFill>
+              </a:rPr>
+              <a:t>A country’s energy consumption and use of “green” </a:t>
+            </a:r>
+          </a:p>
+          <a:p>
+            <a:pPr marL="0" indent="0" algn="ctr">
+              <a:buNone/>
+            </a:pPr>
+            <a:r>
+              <a:rPr lang="en-US" sz="2400" dirty="0">
+                <a:solidFill>
+                  <a:srgbClr val="404040"/>
+                </a:solidFill>
+              </a:rPr>
+              <a:t>energy increases with prosperity</a:t>
+            </a:r>
+          </a:p>
+          <a:p>
+            <a:pPr marL="0" indent="0" algn="ctr">
+              <a:buNone/>
+            </a:pPr>
             <a:endParaRPr lang="en-US" sz="2400" dirty="0">
               <a:solidFill>
                 <a:srgbClr val="404040"/>
@@ -5087,6 +6851,14 @@
 <file path=ppt/slides/slide3.xml><?xml version="1.0" encoding="utf-8"?>
 <p:sld xmlns:a="http://schemas.openxmlformats.org/drawingml/2006/main" xmlns:r="http://schemas.openxmlformats.org/officeDocument/2006/relationships" xmlns:p="http://schemas.openxmlformats.org/presentationml/2006/main">
   <p:cSld>
+    <p:bg>
+      <p:bgPr>
+        <a:solidFill>
+          <a:schemeClr val="bg1"/>
+        </a:solidFill>
+        <a:effectLst/>
+      </p:bgPr>
+    </p:bg>
     <p:spTree>
       <p:nvGrpSpPr>
         <p:cNvPr id="1" name=""/>
@@ -5103,112 +6875,40 @@
       </p:grpSpPr>
       <p:sp>
         <p:nvSpPr>
-          <p:cNvPr id="2" name="Title 1"/>
-          <p:cNvSpPr>
-            <a:spLocks noGrp="1"/>
-          </p:cNvSpPr>
-          <p:nvPr>
-            <p:ph type="ctrTitle"/>
-          </p:nvPr>
-        </p:nvSpPr>
-        <p:spPr>
-          <a:xfrm>
-            <a:off x="1600199" y="5200150"/>
-            <a:ext cx="8991600" cy="1264762"/>
-          </a:xfrm>
-        </p:spPr>
-        <p:txBody>
-          <a:bodyPr>
-            <a:normAutofit/>
-          </a:bodyPr>
-          <a:lstStyle/>
-          <a:p>
-            <a:r>
-              <a:rPr lang="en-US" sz="4800" dirty="0"/>
-              <a:t>Our Data</a:t>
-            </a:r>
-          </a:p>
-        </p:txBody>
-      </p:sp>
-      <p:pic>
-        <p:nvPicPr>
-          <p:cNvPr id="1026" name="Picture 2" descr="Related image">
+          <p:cNvPr id="9" name="Rectangle 8">
             <a:extLst>
               <a:ext uri="{FF2B5EF4-FFF2-40B4-BE49-F238E27FC236}">
-                <a16:creationId xmlns:a16="http://schemas.microsoft.com/office/drawing/2014/main" id="{4569A8A8-79E1-46D2-93BA-890C65DFD6AE}"/>
+                <a16:creationId xmlns:a16="http://schemas.microsoft.com/office/drawing/2014/main" id="{C33976D1-3430-450C-A978-87A9A6E8E71F}"/>
+              </a:ext>
+              <a:ext uri="{C183D7F6-B498-43B3-948B-1728B52AA6E4}">
+                <adec:decorative xmlns:adec="http://schemas.microsoft.com/office/drawing/2017/decorative" val="1"/>
               </a:ext>
             </a:extLst>
           </p:cNvPr>
-          <p:cNvPicPr>
-            <a:picLocks noChangeAspect="1" noChangeArrowheads="1"/>
-          </p:cNvPicPr>
-          <p:nvPr/>
-        </p:nvPicPr>
-        <p:blipFill>
-          <a:blip r:embed="rId2">
-            <a:extLst>
-              <a:ext uri="{28A0092B-C50C-407E-A947-70E740481C1C}">
-                <a14:useLocalDpi xmlns:a14="http://schemas.microsoft.com/office/drawing/2010/main" val="0"/>
-              </a:ext>
-            </a:extLst>
-          </a:blip>
-          <a:srcRect/>
-          <a:stretch>
-            <a:fillRect/>
-          </a:stretch>
-        </p:blipFill>
-        <p:spPr bwMode="auto">
-          <a:xfrm>
-            <a:off x="830316" y="2807633"/>
-            <a:ext cx="4750675" cy="1898212"/>
-          </a:xfrm>
-          <a:prstGeom prst="rect">
-            <a:avLst/>
-          </a:prstGeom>
-          <a:noFill/>
-          <a:ln w="28575">
-            <a:solidFill>
-              <a:schemeClr val="bg1"/>
-            </a:solidFill>
-          </a:ln>
-          <a:extLst>
-            <a:ext uri="{909E8E84-426E-40DD-AFC4-6F175D3DCCD1}">
-              <a14:hiddenFill xmlns:a14="http://schemas.microsoft.com/office/drawing/2010/main">
-                <a:solidFill>
-                  <a:srgbClr val="FFFFFF"/>
-                </a:solidFill>
-              </a14:hiddenFill>
-            </a:ext>
-          </a:extLst>
-        </p:spPr>
-      </p:pic>
-      <p:sp>
-        <p:nvSpPr>
-          <p:cNvPr id="8" name="Rectangle 7">
-            <a:extLst>
-              <a:ext uri="{FF2B5EF4-FFF2-40B4-BE49-F238E27FC236}">
-                <a16:creationId xmlns:a16="http://schemas.microsoft.com/office/drawing/2014/main" id="{B29A2BBA-E602-4F05-93B8-3DA9CABF880E}"/>
-              </a:ext>
-            </a:extLst>
-          </p:cNvPr>
-          <p:cNvSpPr/>
-          <p:nvPr/>
+          <p:cNvSpPr>
+            <a:spLocks noGrp="1" noRot="1" noChangeAspect="1" noMove="1" noResize="1" noEditPoints="1" noAdjustHandles="1" noChangeArrowheads="1" noChangeShapeType="1" noTextEdit="1"/>
+          </p:cNvSpPr>
+          <p:nvPr>
+            <p:extLst>
+              <p:ext uri="{386F3935-93C4-4BCD-93E2-E3B085C9AB24}">
+                <p16:designElem xmlns:p16="http://schemas.microsoft.com/office/powerpoint/2015/main" val="1"/>
+              </p:ext>
+            </p:extLst>
+          </p:nvPr>
         </p:nvSpPr>
         <p:spPr>
           <a:xfrm>
-            <a:off x="6607830" y="2807633"/>
-            <a:ext cx="4750675" cy="1898212"/>
+            <a:off x="0" y="0"/>
+            <a:ext cx="12192000" cy="6858000"/>
           </a:xfrm>
           <a:prstGeom prst="rect">
             <a:avLst/>
           </a:prstGeom>
           <a:solidFill>
-            <a:schemeClr val="tx1"/>
+            <a:schemeClr val="accent2"/>
           </a:solidFill>
-          <a:ln w="28575">
-            <a:solidFill>
-              <a:schemeClr val="bg1"/>
-            </a:solidFill>
+          <a:ln>
+            <a:noFill/>
           </a:ln>
         </p:spPr>
         <p:style>
@@ -5236,12 +6936,637 @@
           </a:p>
         </p:txBody>
       </p:sp>
+      <p:sp>
+        <p:nvSpPr>
+          <p:cNvPr id="11" name="Rectangle 10">
+            <a:extLst>
+              <a:ext uri="{FF2B5EF4-FFF2-40B4-BE49-F238E27FC236}">
+                <a16:creationId xmlns:a16="http://schemas.microsoft.com/office/drawing/2014/main" id="{7D6AAC78-7D86-415A-ADC1-2B474807960C}"/>
+              </a:ext>
+              <a:ext uri="{C183D7F6-B498-43B3-948B-1728B52AA6E4}">
+                <adec:decorative xmlns:adec="http://schemas.microsoft.com/office/drawing/2017/decorative" val="1"/>
+              </a:ext>
+            </a:extLst>
+          </p:cNvPr>
+          <p:cNvSpPr>
+            <a:spLocks noGrp="1" noRot="1" noChangeAspect="1" noMove="1" noResize="1" noEditPoints="1" noAdjustHandles="1" noChangeArrowheads="1" noChangeShapeType="1" noTextEdit="1"/>
+          </p:cNvSpPr>
+          <p:nvPr>
+            <p:extLst>
+              <p:ext uri="{386F3935-93C4-4BCD-93E2-E3B085C9AB24}">
+                <p16:designElem xmlns:p16="http://schemas.microsoft.com/office/powerpoint/2015/main" val="1"/>
+              </p:ext>
+            </p:extLst>
+          </p:nvPr>
+        </p:nvSpPr>
+        <p:spPr>
+          <a:xfrm>
+            <a:off x="1249680" y="1248156"/>
+            <a:ext cx="9692640" cy="4361688"/>
+          </a:xfrm>
+          <a:prstGeom prst="rect">
+            <a:avLst/>
+          </a:prstGeom>
+          <a:solidFill>
+            <a:srgbClr val="FFFFFF"/>
+          </a:solidFill>
+          <a:ln>
+            <a:noFill/>
+          </a:ln>
+        </p:spPr>
+        <p:style>
+          <a:lnRef idx="2">
+            <a:schemeClr val="accent1">
+              <a:shade val="50000"/>
+            </a:schemeClr>
+          </a:lnRef>
+          <a:fillRef idx="1">
+            <a:schemeClr val="accent1"/>
+          </a:fillRef>
+          <a:effectRef idx="0">
+            <a:schemeClr val="accent1"/>
+          </a:effectRef>
+          <a:fontRef idx="minor">
+            <a:schemeClr val="lt1"/>
+          </a:fontRef>
+        </p:style>
+        <p:txBody>
+          <a:bodyPr rtlCol="0" anchor="ctr"/>
+          <a:lstStyle/>
+          <a:p>
+            <a:pPr algn="ctr"/>
+            <a:endParaRPr lang="en-US"/>
+          </a:p>
+        </p:txBody>
+      </p:sp>
+      <p:sp>
+        <p:nvSpPr>
+          <p:cNvPr id="13" name="Rectangle 12">
+            <a:extLst>
+              <a:ext uri="{FF2B5EF4-FFF2-40B4-BE49-F238E27FC236}">
+                <a16:creationId xmlns:a16="http://schemas.microsoft.com/office/drawing/2014/main" id="{F2A658D9-F185-44F1-BA33-D50320D1D078}"/>
+              </a:ext>
+              <a:ext uri="{C183D7F6-B498-43B3-948B-1728B52AA6E4}">
+                <adec:decorative xmlns:adec="http://schemas.microsoft.com/office/drawing/2017/decorative" val="1"/>
+              </a:ext>
+            </a:extLst>
+          </p:cNvPr>
+          <p:cNvSpPr>
+            <a:spLocks noGrp="1" noRot="1" noChangeAspect="1" noMove="1" noResize="1" noEditPoints="1" noAdjustHandles="1" noChangeArrowheads="1" noChangeShapeType="1" noTextEdit="1"/>
+          </p:cNvSpPr>
+          <p:nvPr>
+            <p:extLst>
+              <p:ext uri="{386F3935-93C4-4BCD-93E2-E3B085C9AB24}">
+                <p16:designElem xmlns:p16="http://schemas.microsoft.com/office/powerpoint/2015/main" val="1"/>
+              </p:ext>
+            </p:extLst>
+          </p:nvPr>
+        </p:nvSpPr>
+        <p:spPr>
+          <a:xfrm>
+            <a:off x="1062228" y="1060704"/>
+            <a:ext cx="10067544" cy="4736592"/>
+          </a:xfrm>
+          <a:prstGeom prst="rect">
+            <a:avLst/>
+          </a:prstGeom>
+          <a:noFill/>
+          <a:ln w="31750" cap="sq">
+            <a:solidFill>
+              <a:srgbClr val="FFFFFF"/>
+            </a:solidFill>
+            <a:miter lim="800000"/>
+          </a:ln>
+        </p:spPr>
+        <p:style>
+          <a:lnRef idx="2">
+            <a:schemeClr val="accent1">
+              <a:shade val="50000"/>
+            </a:schemeClr>
+          </a:lnRef>
+          <a:fillRef idx="1">
+            <a:schemeClr val="accent1"/>
+          </a:fillRef>
+          <a:effectRef idx="0">
+            <a:schemeClr val="accent1"/>
+          </a:effectRef>
+          <a:fontRef idx="minor">
+            <a:schemeClr val="lt1"/>
+          </a:fontRef>
+        </p:style>
+        <p:txBody>
+          <a:bodyPr rtlCol="0" anchor="ctr"/>
+          <a:lstStyle/>
+          <a:p>
+            <a:pPr algn="ctr"/>
+            <a:endParaRPr lang="en-US"/>
+          </a:p>
+        </p:txBody>
+      </p:sp>
+      <p:sp>
+        <p:nvSpPr>
+          <p:cNvPr id="2" name="Title 1"/>
+          <p:cNvSpPr>
+            <a:spLocks noGrp="1"/>
+          </p:cNvSpPr>
+          <p:nvPr>
+            <p:ph type="title"/>
+          </p:nvPr>
+        </p:nvSpPr>
+        <p:spPr>
+          <a:xfrm>
+            <a:off x="2231136" y="467418"/>
+            <a:ext cx="7729728" cy="1188720"/>
+          </a:xfrm>
+          <a:solidFill>
+            <a:srgbClr val="FFFFFF"/>
+          </a:solidFill>
+        </p:spPr>
+        <p:txBody>
+          <a:bodyPr>
+            <a:normAutofit/>
+          </a:bodyPr>
+          <a:lstStyle/>
+          <a:p>
+            <a:r>
+              <a:rPr lang="en-US" dirty="0"/>
+              <a:t>OUR QUESTIONS</a:t>
+            </a:r>
+          </a:p>
+        </p:txBody>
+      </p:sp>
+      <p:sp>
+        <p:nvSpPr>
+          <p:cNvPr id="3" name="Content Placeholder 2"/>
+          <p:cNvSpPr>
+            <a:spLocks noGrp="1"/>
+          </p:cNvSpPr>
+          <p:nvPr>
+            <p:ph type="body" idx="1"/>
+          </p:nvPr>
+        </p:nvSpPr>
+        <p:spPr>
+          <a:xfrm>
+            <a:off x="1706244" y="2632842"/>
+            <a:ext cx="8779512" cy="2879256"/>
+          </a:xfrm>
+        </p:spPr>
+        <p:txBody>
+          <a:bodyPr>
+            <a:normAutofit/>
+          </a:bodyPr>
+          <a:lstStyle/>
+          <a:p>
+            <a:r>
+              <a:rPr lang="en-US" sz="2400" dirty="0">
+                <a:solidFill>
+                  <a:srgbClr val="404040"/>
+                </a:solidFill>
+              </a:rPr>
+              <a:t>Is energy consumption related to a country’s prosperity?</a:t>
+            </a:r>
+          </a:p>
+          <a:p>
+            <a:r>
+              <a:rPr lang="en-US" sz="2400" dirty="0">
+                <a:solidFill>
+                  <a:srgbClr val="404040"/>
+                </a:solidFill>
+              </a:rPr>
+              <a:t>Is energy consumption increasing or decreasing over time?</a:t>
+            </a:r>
+          </a:p>
+          <a:p>
+            <a:r>
+              <a:rPr lang="en-US" sz="2400" dirty="0">
+                <a:solidFill>
+                  <a:srgbClr val="404040"/>
+                </a:solidFill>
+              </a:rPr>
+              <a:t>Do more prosperous areas use more “green” energy.</a:t>
+            </a:r>
+          </a:p>
+        </p:txBody>
+      </p:sp>
+    </p:spTree>
+    <p:extLst>
+      <p:ext uri="{BB962C8B-B14F-4D97-AF65-F5344CB8AC3E}">
+        <p14:creationId xmlns:p14="http://schemas.microsoft.com/office/powerpoint/2010/main" val="1363155423"/>
+      </p:ext>
+    </p:extLst>
+  </p:cSld>
+  <p:clrMapOvr>
+    <a:masterClrMapping/>
+  </p:clrMapOvr>
+</p:sld>
+</file>
+
+<file path=ppt/slides/slide4.xml><?xml version="1.0" encoding="utf-8"?>
+<p:sld xmlns:a="http://schemas.openxmlformats.org/drawingml/2006/main" xmlns:r="http://schemas.openxmlformats.org/officeDocument/2006/relationships" xmlns:p="http://schemas.openxmlformats.org/presentationml/2006/main">
+  <p:cSld>
+    <p:bg>
+      <p:bgPr>
+        <a:solidFill>
+          <a:schemeClr val="bg1"/>
+        </a:solidFill>
+        <a:effectLst/>
+      </p:bgPr>
+    </p:bg>
+    <p:spTree>
+      <p:nvGrpSpPr>
+        <p:cNvPr id="1" name=""/>
+        <p:cNvGrpSpPr/>
+        <p:nvPr/>
+      </p:nvGrpSpPr>
+      <p:grpSpPr>
+        <a:xfrm>
+          <a:off x="0" y="0"/>
+          <a:ext cx="0" cy="0"/>
+          <a:chOff x="0" y="0"/>
+          <a:chExt cx="0" cy="0"/>
+        </a:xfrm>
+      </p:grpSpPr>
+      <p:sp>
+        <p:nvSpPr>
+          <p:cNvPr id="9" name="Rectangle 8">
+            <a:extLst>
+              <a:ext uri="{FF2B5EF4-FFF2-40B4-BE49-F238E27FC236}">
+                <a16:creationId xmlns:a16="http://schemas.microsoft.com/office/drawing/2014/main" id="{C33976D1-3430-450C-A978-87A9A6E8E71F}"/>
+              </a:ext>
+              <a:ext uri="{C183D7F6-B498-43B3-948B-1728B52AA6E4}">
+                <adec:decorative xmlns:adec="http://schemas.microsoft.com/office/drawing/2017/decorative" val="1"/>
+              </a:ext>
+            </a:extLst>
+          </p:cNvPr>
+          <p:cNvSpPr>
+            <a:spLocks noGrp="1" noRot="1" noChangeAspect="1" noMove="1" noResize="1" noEditPoints="1" noAdjustHandles="1" noChangeArrowheads="1" noChangeShapeType="1" noTextEdit="1"/>
+          </p:cNvSpPr>
+          <p:nvPr>
+            <p:extLst>
+              <p:ext uri="{386F3935-93C4-4BCD-93E2-E3B085C9AB24}">
+                <p16:designElem xmlns:p16="http://schemas.microsoft.com/office/powerpoint/2015/main" val="1"/>
+              </p:ext>
+            </p:extLst>
+          </p:nvPr>
+        </p:nvSpPr>
+        <p:spPr>
+          <a:xfrm>
+            <a:off x="0" y="0"/>
+            <a:ext cx="12192000" cy="6858000"/>
+          </a:xfrm>
+          <a:prstGeom prst="rect">
+            <a:avLst/>
+          </a:prstGeom>
+          <a:solidFill>
+            <a:schemeClr val="accent2"/>
+          </a:solidFill>
+          <a:ln>
+            <a:noFill/>
+          </a:ln>
+        </p:spPr>
+        <p:style>
+          <a:lnRef idx="2">
+            <a:schemeClr val="accent1">
+              <a:shade val="50000"/>
+            </a:schemeClr>
+          </a:lnRef>
+          <a:fillRef idx="1">
+            <a:schemeClr val="accent1"/>
+          </a:fillRef>
+          <a:effectRef idx="0">
+            <a:schemeClr val="accent1"/>
+          </a:effectRef>
+          <a:fontRef idx="minor">
+            <a:schemeClr val="lt1"/>
+          </a:fontRef>
+        </p:style>
+        <p:txBody>
+          <a:bodyPr rtlCol="0" anchor="ctr"/>
+          <a:lstStyle/>
+          <a:p>
+            <a:pPr algn="ctr"/>
+            <a:endParaRPr lang="en-US"/>
+          </a:p>
+        </p:txBody>
+      </p:sp>
+      <p:sp>
+        <p:nvSpPr>
+          <p:cNvPr id="11" name="Rectangle 10">
+            <a:extLst>
+              <a:ext uri="{FF2B5EF4-FFF2-40B4-BE49-F238E27FC236}">
+                <a16:creationId xmlns:a16="http://schemas.microsoft.com/office/drawing/2014/main" id="{7D6AAC78-7D86-415A-ADC1-2B474807960C}"/>
+              </a:ext>
+              <a:ext uri="{C183D7F6-B498-43B3-948B-1728B52AA6E4}">
+                <adec:decorative xmlns:adec="http://schemas.microsoft.com/office/drawing/2017/decorative" val="1"/>
+              </a:ext>
+            </a:extLst>
+          </p:cNvPr>
+          <p:cNvSpPr>
+            <a:spLocks noGrp="1" noRot="1" noChangeAspect="1" noMove="1" noResize="1" noEditPoints="1" noAdjustHandles="1" noChangeArrowheads="1" noChangeShapeType="1" noTextEdit="1"/>
+          </p:cNvSpPr>
+          <p:nvPr>
+            <p:extLst>
+              <p:ext uri="{386F3935-93C4-4BCD-93E2-E3B085C9AB24}">
+                <p16:designElem xmlns:p16="http://schemas.microsoft.com/office/powerpoint/2015/main" val="1"/>
+              </p:ext>
+            </p:extLst>
+          </p:nvPr>
+        </p:nvSpPr>
+        <p:spPr>
+          <a:xfrm>
+            <a:off x="1249680" y="1248156"/>
+            <a:ext cx="9692640" cy="4361688"/>
+          </a:xfrm>
+          <a:prstGeom prst="rect">
+            <a:avLst/>
+          </a:prstGeom>
+          <a:solidFill>
+            <a:srgbClr val="FFFFFF"/>
+          </a:solidFill>
+          <a:ln>
+            <a:noFill/>
+          </a:ln>
+        </p:spPr>
+        <p:style>
+          <a:lnRef idx="2">
+            <a:schemeClr val="accent1">
+              <a:shade val="50000"/>
+            </a:schemeClr>
+          </a:lnRef>
+          <a:fillRef idx="1">
+            <a:schemeClr val="accent1"/>
+          </a:fillRef>
+          <a:effectRef idx="0">
+            <a:schemeClr val="accent1"/>
+          </a:effectRef>
+          <a:fontRef idx="minor">
+            <a:schemeClr val="lt1"/>
+          </a:fontRef>
+        </p:style>
+        <p:txBody>
+          <a:bodyPr rtlCol="0" anchor="ctr"/>
+          <a:lstStyle/>
+          <a:p>
+            <a:pPr algn="ctr"/>
+            <a:endParaRPr lang="en-US"/>
+          </a:p>
+        </p:txBody>
+      </p:sp>
+      <p:sp>
+        <p:nvSpPr>
+          <p:cNvPr id="13" name="Rectangle 12">
+            <a:extLst>
+              <a:ext uri="{FF2B5EF4-FFF2-40B4-BE49-F238E27FC236}">
+                <a16:creationId xmlns:a16="http://schemas.microsoft.com/office/drawing/2014/main" id="{F2A658D9-F185-44F1-BA33-D50320D1D078}"/>
+              </a:ext>
+              <a:ext uri="{C183D7F6-B498-43B3-948B-1728B52AA6E4}">
+                <adec:decorative xmlns:adec="http://schemas.microsoft.com/office/drawing/2017/decorative" val="1"/>
+              </a:ext>
+            </a:extLst>
+          </p:cNvPr>
+          <p:cNvSpPr>
+            <a:spLocks noGrp="1" noRot="1" noChangeAspect="1" noMove="1" noResize="1" noEditPoints="1" noAdjustHandles="1" noChangeArrowheads="1" noChangeShapeType="1" noTextEdit="1"/>
+          </p:cNvSpPr>
+          <p:nvPr>
+            <p:extLst>
+              <p:ext uri="{386F3935-93C4-4BCD-93E2-E3B085C9AB24}">
+                <p16:designElem xmlns:p16="http://schemas.microsoft.com/office/powerpoint/2015/main" val="1"/>
+              </p:ext>
+            </p:extLst>
+          </p:nvPr>
+        </p:nvSpPr>
+        <p:spPr>
+          <a:xfrm>
+            <a:off x="1062228" y="1060704"/>
+            <a:ext cx="10067544" cy="4736592"/>
+          </a:xfrm>
+          <a:prstGeom prst="rect">
+            <a:avLst/>
+          </a:prstGeom>
+          <a:noFill/>
+          <a:ln w="31750" cap="sq">
+            <a:solidFill>
+              <a:srgbClr val="FFFFFF"/>
+            </a:solidFill>
+            <a:miter lim="800000"/>
+          </a:ln>
+        </p:spPr>
+        <p:style>
+          <a:lnRef idx="2">
+            <a:schemeClr val="accent1">
+              <a:shade val="50000"/>
+            </a:schemeClr>
+          </a:lnRef>
+          <a:fillRef idx="1">
+            <a:schemeClr val="accent1"/>
+          </a:fillRef>
+          <a:effectRef idx="0">
+            <a:schemeClr val="accent1"/>
+          </a:effectRef>
+          <a:fontRef idx="minor">
+            <a:schemeClr val="lt1"/>
+          </a:fontRef>
+        </p:style>
+        <p:txBody>
+          <a:bodyPr rtlCol="0" anchor="ctr"/>
+          <a:lstStyle/>
+          <a:p>
+            <a:pPr algn="ctr"/>
+            <a:endParaRPr lang="en-US"/>
+          </a:p>
+        </p:txBody>
+      </p:sp>
+      <p:sp>
+        <p:nvSpPr>
+          <p:cNvPr id="2" name="Title 1"/>
+          <p:cNvSpPr>
+            <a:spLocks noGrp="1"/>
+          </p:cNvSpPr>
+          <p:nvPr>
+            <p:ph type="title"/>
+          </p:nvPr>
+        </p:nvSpPr>
+        <p:spPr>
+          <a:xfrm>
+            <a:off x="2231136" y="467418"/>
+            <a:ext cx="7729728" cy="1188720"/>
+          </a:xfrm>
+          <a:solidFill>
+            <a:srgbClr val="FFFFFF"/>
+          </a:solidFill>
+        </p:spPr>
+        <p:txBody>
+          <a:bodyPr>
+            <a:normAutofit/>
+          </a:bodyPr>
+          <a:lstStyle/>
+          <a:p>
+            <a:r>
+              <a:rPr lang="en-US" dirty="0"/>
+              <a:t>summary</a:t>
+            </a:r>
+          </a:p>
+        </p:txBody>
+      </p:sp>
+      <p:sp>
+        <p:nvSpPr>
+          <p:cNvPr id="3" name="Content Placeholder 2"/>
+          <p:cNvSpPr>
+            <a:spLocks noGrp="1"/>
+          </p:cNvSpPr>
+          <p:nvPr>
+            <p:ph type="body" idx="1"/>
+          </p:nvPr>
+        </p:nvSpPr>
+        <p:spPr>
+          <a:xfrm>
+            <a:off x="1481959" y="2291262"/>
+            <a:ext cx="9175531" cy="2879256"/>
+          </a:xfrm>
+        </p:spPr>
+        <p:txBody>
+          <a:bodyPr>
+            <a:normAutofit/>
+          </a:bodyPr>
+          <a:lstStyle/>
+          <a:p>
+            <a:r>
+              <a:rPr lang="en-US" dirty="0">
+                <a:solidFill>
+                  <a:srgbClr val="404040"/>
+                </a:solidFill>
+              </a:rPr>
+              <a:t>Energy capacity increases with population and HDI in most cases</a:t>
+            </a:r>
+          </a:p>
+          <a:p>
+            <a:r>
+              <a:rPr lang="en-US" dirty="0">
+                <a:solidFill>
+                  <a:srgbClr val="404040"/>
+                </a:solidFill>
+              </a:rPr>
+              <a:t>Energy capacity is dependent on other variables (politics, war, etc.)</a:t>
+            </a:r>
+          </a:p>
+          <a:p>
+            <a:r>
+              <a:rPr lang="en-US" dirty="0">
+                <a:solidFill>
+                  <a:srgbClr val="404040"/>
+                </a:solidFill>
+              </a:rPr>
+              <a:t>Energy consumption per capita is mostly flat globally and in most geographic regions</a:t>
+            </a:r>
+          </a:p>
+          <a:p>
+            <a:r>
+              <a:rPr lang="en-US" dirty="0">
+                <a:solidFill>
+                  <a:srgbClr val="404040"/>
+                </a:solidFill>
+              </a:rPr>
+              <a:t>Energy consumption per capita is decreasing in the US and increasing in Middle East and Asia</a:t>
+            </a:r>
+          </a:p>
+          <a:p>
+            <a:r>
+              <a:rPr lang="en-US" dirty="0">
+                <a:solidFill>
+                  <a:srgbClr val="404040"/>
+                </a:solidFill>
+              </a:rPr>
+              <a:t>Energy cap/</a:t>
+            </a:r>
+            <a:r>
+              <a:rPr lang="en-US" dirty="0" err="1">
+                <a:solidFill>
+                  <a:srgbClr val="404040"/>
+                </a:solidFill>
+              </a:rPr>
+              <a:t>consump</a:t>
+            </a:r>
+            <a:r>
+              <a:rPr lang="en-US" dirty="0">
+                <a:solidFill>
+                  <a:srgbClr val="404040"/>
+                </a:solidFill>
+              </a:rPr>
+              <a:t>? of “green” fuel sources is ??? Compared to pop/HDI??</a:t>
+            </a:r>
+            <a:endParaRPr dirty="0">
+              <a:solidFill>
+                <a:srgbClr val="404040"/>
+              </a:solidFill>
+            </a:endParaRPr>
+          </a:p>
+        </p:txBody>
+      </p:sp>
+    </p:spTree>
+    <p:extLst>
+      <p:ext uri="{BB962C8B-B14F-4D97-AF65-F5344CB8AC3E}">
+        <p14:creationId xmlns:p14="http://schemas.microsoft.com/office/powerpoint/2010/main" val="1687361734"/>
+      </p:ext>
+    </p:extLst>
+  </p:cSld>
+  <p:clrMapOvr>
+    <a:masterClrMapping/>
+  </p:clrMapOvr>
+</p:sld>
+</file>
+
+<file path=ppt/slides/slide5.xml><?xml version="1.0" encoding="utf-8"?>
+<p:sld xmlns:a="http://schemas.openxmlformats.org/drawingml/2006/main" xmlns:r="http://schemas.openxmlformats.org/officeDocument/2006/relationships" xmlns:p="http://schemas.openxmlformats.org/presentationml/2006/main">
+  <p:cSld>
+    <p:spTree>
+      <p:nvGrpSpPr>
+        <p:cNvPr id="1" name=""/>
+        <p:cNvGrpSpPr/>
+        <p:nvPr/>
+      </p:nvGrpSpPr>
+      <p:grpSpPr>
+        <a:xfrm>
+          <a:off x="0" y="0"/>
+          <a:ext cx="0" cy="0"/>
+          <a:chOff x="0" y="0"/>
+          <a:chExt cx="0" cy="0"/>
+        </a:xfrm>
+      </p:grpSpPr>
+      <p:sp>
+        <p:nvSpPr>
+          <p:cNvPr id="2" name="Title 1"/>
+          <p:cNvSpPr>
+            <a:spLocks noGrp="1"/>
+          </p:cNvSpPr>
+          <p:nvPr>
+            <p:ph type="ctrTitle"/>
+          </p:nvPr>
+        </p:nvSpPr>
+        <p:spPr>
+          <a:xfrm>
+            <a:off x="1600199" y="5200150"/>
+            <a:ext cx="8991600" cy="1264762"/>
+          </a:xfrm>
+        </p:spPr>
+        <p:txBody>
+          <a:bodyPr>
+            <a:normAutofit/>
+          </a:bodyPr>
+          <a:lstStyle/>
+          <a:p>
+            <a:r>
+              <a:rPr lang="en-US" sz="4800" dirty="0"/>
+              <a:t>Our Data</a:t>
+            </a:r>
+          </a:p>
+        </p:txBody>
+      </p:sp>
       <p:pic>
         <p:nvPicPr>
-          <p:cNvPr id="14" name="Picture 6" descr="Related image">
+          <p:cNvPr id="1026" name="Picture 2" descr="Related image">
             <a:extLst>
               <a:ext uri="{FF2B5EF4-FFF2-40B4-BE49-F238E27FC236}">
-                <a16:creationId xmlns:a16="http://schemas.microsoft.com/office/drawing/2014/main" id="{64C7A855-26FC-47E0-9122-35932CE4C20D}"/>
+                <a16:creationId xmlns:a16="http://schemas.microsoft.com/office/drawing/2014/main" id="{4569A8A8-79E1-46D2-93BA-890C65DFD6AE}"/>
               </a:ext>
             </a:extLst>
           </p:cNvPr>
@@ -5265,6 +7590,112 @@
         </p:blipFill>
         <p:spPr bwMode="auto">
           <a:xfrm>
+            <a:off x="830316" y="2807633"/>
+            <a:ext cx="4750675" cy="1898212"/>
+          </a:xfrm>
+          <a:prstGeom prst="rect">
+            <a:avLst/>
+          </a:prstGeom>
+          <a:noFill/>
+          <a:ln w="28575">
+            <a:solidFill>
+              <a:schemeClr val="bg1"/>
+            </a:solidFill>
+          </a:ln>
+          <a:extLst>
+            <a:ext uri="{909E8E84-426E-40DD-AFC4-6F175D3DCCD1}">
+              <a14:hiddenFill xmlns:a14="http://schemas.microsoft.com/office/drawing/2010/main">
+                <a:solidFill>
+                  <a:srgbClr val="FFFFFF"/>
+                </a:solidFill>
+              </a14:hiddenFill>
+            </a:ext>
+          </a:extLst>
+        </p:spPr>
+      </p:pic>
+      <p:sp>
+        <p:nvSpPr>
+          <p:cNvPr id="8" name="Rectangle 7">
+            <a:extLst>
+              <a:ext uri="{FF2B5EF4-FFF2-40B4-BE49-F238E27FC236}">
+                <a16:creationId xmlns:a16="http://schemas.microsoft.com/office/drawing/2014/main" id="{B29A2BBA-E602-4F05-93B8-3DA9CABF880E}"/>
+              </a:ext>
+            </a:extLst>
+          </p:cNvPr>
+          <p:cNvSpPr/>
+          <p:nvPr/>
+        </p:nvSpPr>
+        <p:spPr>
+          <a:xfrm>
+            <a:off x="6607830" y="2807633"/>
+            <a:ext cx="4750675" cy="1898212"/>
+          </a:xfrm>
+          <a:prstGeom prst="rect">
+            <a:avLst/>
+          </a:prstGeom>
+          <a:solidFill>
+            <a:schemeClr val="tx1"/>
+          </a:solidFill>
+          <a:ln w="28575">
+            <a:solidFill>
+              <a:schemeClr val="bg1"/>
+            </a:solidFill>
+          </a:ln>
+        </p:spPr>
+        <p:style>
+          <a:lnRef idx="2">
+            <a:schemeClr val="accent1">
+              <a:shade val="50000"/>
+            </a:schemeClr>
+          </a:lnRef>
+          <a:fillRef idx="1">
+            <a:schemeClr val="accent1"/>
+          </a:fillRef>
+          <a:effectRef idx="0">
+            <a:schemeClr val="accent1"/>
+          </a:effectRef>
+          <a:fontRef idx="minor">
+            <a:schemeClr val="lt1"/>
+          </a:fontRef>
+        </p:style>
+        <p:txBody>
+          <a:bodyPr rtlCol="0" anchor="ctr"/>
+          <a:lstStyle/>
+          <a:p>
+            <a:pPr algn="ctr"/>
+            <a:endParaRPr lang="en-US"/>
+          </a:p>
+        </p:txBody>
+      </p:sp>
+      <p:pic>
+        <p:nvPicPr>
+          <p:cNvPr id="14" name="Picture 6" descr="Related image">
+            <a:extLst>
+              <a:ext uri="{FF2B5EF4-FFF2-40B4-BE49-F238E27FC236}">
+                <a16:creationId xmlns:a16="http://schemas.microsoft.com/office/drawing/2014/main" id="{64C7A855-26FC-47E0-9122-35932CE4C20D}"/>
+              </a:ext>
+            </a:extLst>
+          </p:cNvPr>
+          <p:cNvPicPr>
+            <a:picLocks noChangeAspect="1" noChangeArrowheads="1"/>
+          </p:cNvPicPr>
+          <p:nvPr/>
+        </p:nvPicPr>
+        <p:blipFill>
+          <a:blip r:embed="rId4">
+            <a:extLst>
+              <a:ext uri="{28A0092B-C50C-407E-A947-70E740481C1C}">
+                <a14:useLocalDpi xmlns:a14="http://schemas.microsoft.com/office/drawing/2010/main" val="0"/>
+              </a:ext>
+            </a:extLst>
+          </a:blip>
+          <a:srcRect/>
+          <a:stretch>
+            <a:fillRect/>
+          </a:stretch>
+        </p:blipFill>
+        <p:spPr bwMode="auto">
+          <a:xfrm>
             <a:off x="7199593" y="3328735"/>
             <a:ext cx="3762406" cy="1368682"/>
           </a:xfrm>
@@ -5301,7 +7732,7 @@
           <p:nvPr/>
         </p:nvPicPr>
         <p:blipFill rotWithShape="1">
-          <a:blip r:embed="rId4">
+          <a:blip r:embed="rId5">
             <a:extLst>
               <a:ext uri="{28A0092B-C50C-407E-A947-70E740481C1C}">
                 <a14:useLocalDpi xmlns:a14="http://schemas.microsoft.com/office/drawing/2010/main" val="0"/>
@@ -5351,7 +7782,7 @@
           <p:nvPr/>
         </p:nvPicPr>
         <p:blipFill rotWithShape="1">
-          <a:blip r:embed="rId5">
+          <a:blip r:embed="rId6">
             <a:extLst>
               <a:ext uri="{28A0092B-C50C-407E-A947-70E740481C1C}">
                 <a14:useLocalDpi xmlns:a14="http://schemas.microsoft.com/office/drawing/2010/main" val="0"/>
@@ -5644,7 +8075,547 @@
 </p:sld>
 </file>
 
-<file path=ppt/slides/slide4.xml><?xml version="1.0" encoding="utf-8"?>
+<file path=ppt/slides/slide6.xml><?xml version="1.0" encoding="utf-8"?>
+<p:sld xmlns:a="http://schemas.openxmlformats.org/drawingml/2006/main" xmlns:r="http://schemas.openxmlformats.org/officeDocument/2006/relationships" xmlns:p="http://schemas.openxmlformats.org/presentationml/2006/main">
+  <p:cSld>
+    <p:bg>
+      <p:bgPr>
+        <a:solidFill>
+          <a:schemeClr val="bg1"/>
+        </a:solidFill>
+        <a:effectLst/>
+      </p:bgPr>
+    </p:bg>
+    <p:spTree>
+      <p:nvGrpSpPr>
+        <p:cNvPr id="1" name=""/>
+        <p:cNvGrpSpPr/>
+        <p:nvPr/>
+      </p:nvGrpSpPr>
+      <p:grpSpPr>
+        <a:xfrm>
+          <a:off x="0" y="0"/>
+          <a:ext cx="0" cy="0"/>
+          <a:chOff x="0" y="0"/>
+          <a:chExt cx="0" cy="0"/>
+        </a:xfrm>
+      </p:grpSpPr>
+      <p:sp>
+        <p:nvSpPr>
+          <p:cNvPr id="9" name="Rectangle 8">
+            <a:extLst>
+              <a:ext uri="{FF2B5EF4-FFF2-40B4-BE49-F238E27FC236}">
+                <a16:creationId xmlns:a16="http://schemas.microsoft.com/office/drawing/2014/main" id="{C33976D1-3430-450C-A978-87A9A6E8E71F}"/>
+              </a:ext>
+              <a:ext uri="{C183D7F6-B498-43B3-948B-1728B52AA6E4}">
+                <adec:decorative xmlns:adec="http://schemas.microsoft.com/office/drawing/2017/decorative" val="1"/>
+              </a:ext>
+            </a:extLst>
+          </p:cNvPr>
+          <p:cNvSpPr>
+            <a:spLocks noGrp="1" noRot="1" noChangeAspect="1" noMove="1" noResize="1" noEditPoints="1" noAdjustHandles="1" noChangeArrowheads="1" noChangeShapeType="1" noTextEdit="1"/>
+          </p:cNvSpPr>
+          <p:nvPr>
+            <p:extLst>
+              <p:ext uri="{386F3935-93C4-4BCD-93E2-E3B085C9AB24}">
+                <p16:designElem xmlns:p16="http://schemas.microsoft.com/office/powerpoint/2015/main" val="1"/>
+              </p:ext>
+            </p:extLst>
+          </p:nvPr>
+        </p:nvSpPr>
+        <p:spPr>
+          <a:xfrm>
+            <a:off x="0" y="0"/>
+            <a:ext cx="12192000" cy="6858000"/>
+          </a:xfrm>
+          <a:prstGeom prst="rect">
+            <a:avLst/>
+          </a:prstGeom>
+          <a:solidFill>
+            <a:schemeClr val="accent2"/>
+          </a:solidFill>
+          <a:ln>
+            <a:noFill/>
+          </a:ln>
+        </p:spPr>
+        <p:style>
+          <a:lnRef idx="2">
+            <a:schemeClr val="accent1">
+              <a:shade val="50000"/>
+            </a:schemeClr>
+          </a:lnRef>
+          <a:fillRef idx="1">
+            <a:schemeClr val="accent1"/>
+          </a:fillRef>
+          <a:effectRef idx="0">
+            <a:schemeClr val="accent1"/>
+          </a:effectRef>
+          <a:fontRef idx="minor">
+            <a:schemeClr val="lt1"/>
+          </a:fontRef>
+        </p:style>
+        <p:txBody>
+          <a:bodyPr rtlCol="0" anchor="ctr"/>
+          <a:lstStyle/>
+          <a:p>
+            <a:pPr algn="ctr"/>
+            <a:endParaRPr lang="en-US"/>
+          </a:p>
+        </p:txBody>
+      </p:sp>
+      <p:sp>
+        <p:nvSpPr>
+          <p:cNvPr id="11" name="Rectangle 10">
+            <a:extLst>
+              <a:ext uri="{FF2B5EF4-FFF2-40B4-BE49-F238E27FC236}">
+                <a16:creationId xmlns:a16="http://schemas.microsoft.com/office/drawing/2014/main" id="{7D6AAC78-7D86-415A-ADC1-2B474807960C}"/>
+              </a:ext>
+              <a:ext uri="{C183D7F6-B498-43B3-948B-1728B52AA6E4}">
+                <adec:decorative xmlns:adec="http://schemas.microsoft.com/office/drawing/2017/decorative" val="1"/>
+              </a:ext>
+            </a:extLst>
+          </p:cNvPr>
+          <p:cNvSpPr>
+            <a:spLocks noGrp="1" noRot="1" noChangeAspect="1" noMove="1" noResize="1" noEditPoints="1" noAdjustHandles="1" noChangeArrowheads="1" noChangeShapeType="1" noTextEdit="1"/>
+          </p:cNvSpPr>
+          <p:nvPr>
+            <p:extLst>
+              <p:ext uri="{386F3935-93C4-4BCD-93E2-E3B085C9AB24}">
+                <p16:designElem xmlns:p16="http://schemas.microsoft.com/office/powerpoint/2015/main" val="1"/>
+              </p:ext>
+            </p:extLst>
+          </p:nvPr>
+        </p:nvSpPr>
+        <p:spPr>
+          <a:xfrm>
+            <a:off x="1249680" y="1248156"/>
+            <a:ext cx="9692640" cy="4361688"/>
+          </a:xfrm>
+          <a:prstGeom prst="rect">
+            <a:avLst/>
+          </a:prstGeom>
+          <a:solidFill>
+            <a:srgbClr val="FFFFFF"/>
+          </a:solidFill>
+          <a:ln>
+            <a:noFill/>
+          </a:ln>
+        </p:spPr>
+        <p:style>
+          <a:lnRef idx="2">
+            <a:schemeClr val="accent1">
+              <a:shade val="50000"/>
+            </a:schemeClr>
+          </a:lnRef>
+          <a:fillRef idx="1">
+            <a:schemeClr val="accent1"/>
+          </a:fillRef>
+          <a:effectRef idx="0">
+            <a:schemeClr val="accent1"/>
+          </a:effectRef>
+          <a:fontRef idx="minor">
+            <a:schemeClr val="lt1"/>
+          </a:fontRef>
+        </p:style>
+        <p:txBody>
+          <a:bodyPr rtlCol="0" anchor="ctr"/>
+          <a:lstStyle/>
+          <a:p>
+            <a:pPr algn="ctr"/>
+            <a:endParaRPr lang="en-US"/>
+          </a:p>
+        </p:txBody>
+      </p:sp>
+      <p:sp>
+        <p:nvSpPr>
+          <p:cNvPr id="13" name="Rectangle 12">
+            <a:extLst>
+              <a:ext uri="{FF2B5EF4-FFF2-40B4-BE49-F238E27FC236}">
+                <a16:creationId xmlns:a16="http://schemas.microsoft.com/office/drawing/2014/main" id="{F2A658D9-F185-44F1-BA33-D50320D1D078}"/>
+              </a:ext>
+              <a:ext uri="{C183D7F6-B498-43B3-948B-1728B52AA6E4}">
+                <adec:decorative xmlns:adec="http://schemas.microsoft.com/office/drawing/2017/decorative" val="1"/>
+              </a:ext>
+            </a:extLst>
+          </p:cNvPr>
+          <p:cNvSpPr>
+            <a:spLocks noGrp="1" noRot="1" noChangeAspect="1" noMove="1" noResize="1" noEditPoints="1" noAdjustHandles="1" noChangeArrowheads="1" noChangeShapeType="1" noTextEdit="1"/>
+          </p:cNvSpPr>
+          <p:nvPr>
+            <p:extLst>
+              <p:ext uri="{386F3935-93C4-4BCD-93E2-E3B085C9AB24}">
+                <p16:designElem xmlns:p16="http://schemas.microsoft.com/office/powerpoint/2015/main" val="1"/>
+              </p:ext>
+            </p:extLst>
+          </p:nvPr>
+        </p:nvSpPr>
+        <p:spPr>
+          <a:xfrm>
+            <a:off x="1062228" y="1060704"/>
+            <a:ext cx="10067544" cy="4736592"/>
+          </a:xfrm>
+          <a:prstGeom prst="rect">
+            <a:avLst/>
+          </a:prstGeom>
+          <a:noFill/>
+          <a:ln w="31750" cap="sq">
+            <a:solidFill>
+              <a:srgbClr val="FFFFFF"/>
+            </a:solidFill>
+            <a:miter lim="800000"/>
+          </a:ln>
+        </p:spPr>
+        <p:style>
+          <a:lnRef idx="2">
+            <a:schemeClr val="accent1">
+              <a:shade val="50000"/>
+            </a:schemeClr>
+          </a:lnRef>
+          <a:fillRef idx="1">
+            <a:schemeClr val="accent1"/>
+          </a:fillRef>
+          <a:effectRef idx="0">
+            <a:schemeClr val="accent1"/>
+          </a:effectRef>
+          <a:fontRef idx="minor">
+            <a:schemeClr val="lt1"/>
+          </a:fontRef>
+        </p:style>
+        <p:txBody>
+          <a:bodyPr rtlCol="0" anchor="ctr"/>
+          <a:lstStyle/>
+          <a:p>
+            <a:pPr algn="ctr"/>
+            <a:endParaRPr lang="en-US"/>
+          </a:p>
+        </p:txBody>
+      </p:sp>
+      <p:sp>
+        <p:nvSpPr>
+          <p:cNvPr id="2" name="Title 1"/>
+          <p:cNvSpPr>
+            <a:spLocks noGrp="1"/>
+          </p:cNvSpPr>
+          <p:nvPr>
+            <p:ph type="title"/>
+          </p:nvPr>
+        </p:nvSpPr>
+        <p:spPr>
+          <a:xfrm>
+            <a:off x="2231136" y="467418"/>
+            <a:ext cx="7729728" cy="1188720"/>
+          </a:xfrm>
+          <a:solidFill>
+            <a:srgbClr val="FFFFFF"/>
+          </a:solidFill>
+        </p:spPr>
+        <p:txBody>
+          <a:bodyPr>
+            <a:normAutofit/>
+          </a:bodyPr>
+          <a:lstStyle/>
+          <a:p>
+            <a:r>
+              <a:rPr lang="en-US" dirty="0"/>
+              <a:t>Insights / PROBLEMS</a:t>
+            </a:r>
+            <a:br>
+              <a:rPr lang="en-US" dirty="0"/>
+            </a:br>
+            <a:r>
+              <a:rPr lang="en-US" dirty="0"/>
+              <a:t>from data discovery</a:t>
+            </a:r>
+          </a:p>
+        </p:txBody>
+      </p:sp>
+      <p:sp>
+        <p:nvSpPr>
+          <p:cNvPr id="18" name="Content Placeholder 17">
+            <a:extLst>
+              <a:ext uri="{FF2B5EF4-FFF2-40B4-BE49-F238E27FC236}">
+                <a16:creationId xmlns:a16="http://schemas.microsoft.com/office/drawing/2014/main" id="{F18D8466-EAFC-4415-905B-2E7A6823B0D0}"/>
+              </a:ext>
+            </a:extLst>
+          </p:cNvPr>
+          <p:cNvSpPr>
+            <a:spLocks noGrp="1"/>
+          </p:cNvSpPr>
+          <p:nvPr>
+            <p:ph idx="1"/>
+          </p:nvPr>
+        </p:nvSpPr>
+        <p:spPr>
+          <a:xfrm>
+            <a:off x="2231136" y="2123556"/>
+            <a:ext cx="7729728" cy="3101983"/>
+          </a:xfrm>
+        </p:spPr>
+        <p:txBody>
+          <a:bodyPr>
+            <a:normAutofit/>
+          </a:bodyPr>
+          <a:lstStyle/>
+          <a:p>
+            <a:r>
+              <a:rPr lang="en-US" sz="2400" dirty="0"/>
+              <a:t>Political/geographical changes over recent history affect data</a:t>
+            </a:r>
+          </a:p>
+          <a:p>
+            <a:r>
+              <a:rPr lang="en-US" sz="2400" dirty="0"/>
+              <a:t>Official country names vs aka names are problematic when merging data from different sources</a:t>
+            </a:r>
+          </a:p>
+          <a:p>
+            <a:r>
+              <a:rPr lang="en-US" sz="2400" dirty="0"/>
+              <a:t>Data isn’t available for all countries</a:t>
+            </a:r>
+          </a:p>
+        </p:txBody>
+      </p:sp>
+    </p:spTree>
+    <p:extLst>
+      <p:ext uri="{BB962C8B-B14F-4D97-AF65-F5344CB8AC3E}">
+        <p14:creationId xmlns:p14="http://schemas.microsoft.com/office/powerpoint/2010/main" val="1406421963"/>
+      </p:ext>
+    </p:extLst>
+  </p:cSld>
+  <p:clrMapOvr>
+    <a:masterClrMapping/>
+  </p:clrMapOvr>
+</p:sld>
+</file>
+
+<file path=ppt/slides/slide7.xml><?xml version="1.0" encoding="utf-8"?>
+<p:sld xmlns:a="http://schemas.openxmlformats.org/drawingml/2006/main" xmlns:r="http://schemas.openxmlformats.org/officeDocument/2006/relationships" xmlns:p="http://schemas.openxmlformats.org/presentationml/2006/main">
+  <p:cSld>
+    <p:bg>
+      <p:bgPr>
+        <a:solidFill>
+          <a:schemeClr val="bg1"/>
+        </a:solidFill>
+        <a:effectLst/>
+      </p:bgPr>
+    </p:bg>
+    <p:spTree>
+      <p:nvGrpSpPr>
+        <p:cNvPr id="1" name=""/>
+        <p:cNvGrpSpPr/>
+        <p:nvPr/>
+      </p:nvGrpSpPr>
+      <p:grpSpPr>
+        <a:xfrm>
+          <a:off x="0" y="0"/>
+          <a:ext cx="0" cy="0"/>
+          <a:chOff x="0" y="0"/>
+          <a:chExt cx="0" cy="0"/>
+        </a:xfrm>
+      </p:grpSpPr>
+      <p:sp useBgFill="1">
+        <p:nvSpPr>
+          <p:cNvPr id="11" name="Rectangle 10">
+            <a:extLst>
+              <a:ext uri="{FF2B5EF4-FFF2-40B4-BE49-F238E27FC236}">
+                <a16:creationId xmlns:a16="http://schemas.microsoft.com/office/drawing/2014/main" id="{3ED03601-4724-4293-A32A-3A0879C5D491}"/>
+              </a:ext>
+              <a:ext uri="{C183D7F6-B498-43B3-948B-1728B52AA6E4}">
+                <adec:decorative xmlns:adec="http://schemas.microsoft.com/office/drawing/2017/decorative" val="1"/>
+              </a:ext>
+            </a:extLst>
+          </p:cNvPr>
+          <p:cNvSpPr>
+            <a:spLocks noGrp="1" noRot="1" noChangeAspect="1" noMove="1" noResize="1" noEditPoints="1" noAdjustHandles="1" noChangeArrowheads="1" noChangeShapeType="1" noTextEdit="1"/>
+          </p:cNvSpPr>
+          <p:nvPr>
+            <p:extLst>
+              <p:ext uri="{386F3935-93C4-4BCD-93E2-E3B085C9AB24}">
+                <p16:designElem xmlns:p16="http://schemas.microsoft.com/office/powerpoint/2015/main" val="1"/>
+              </p:ext>
+            </p:extLst>
+          </p:nvPr>
+        </p:nvSpPr>
+        <p:spPr>
+          <a:xfrm>
+            <a:off x="0" y="-2"/>
+            <a:ext cx="12192000" cy="6858002"/>
+          </a:xfrm>
+          <a:prstGeom prst="rect">
+            <a:avLst/>
+          </a:prstGeom>
+          <a:ln>
+            <a:noFill/>
+          </a:ln>
+        </p:spPr>
+        <p:style>
+          <a:lnRef idx="2">
+            <a:schemeClr val="accent1">
+              <a:shade val="50000"/>
+            </a:schemeClr>
+          </a:lnRef>
+          <a:fillRef idx="1">
+            <a:schemeClr val="accent1"/>
+          </a:fillRef>
+          <a:effectRef idx="0">
+            <a:schemeClr val="accent1"/>
+          </a:effectRef>
+          <a:fontRef idx="minor">
+            <a:schemeClr val="lt1"/>
+          </a:fontRef>
+        </p:style>
+        <p:txBody>
+          <a:bodyPr rtlCol="0" anchor="ctr"/>
+          <a:lstStyle/>
+          <a:p>
+            <a:pPr algn="ctr"/>
+            <a:endParaRPr lang="en-US"/>
+          </a:p>
+        </p:txBody>
+      </p:sp>
+      <p:sp>
+        <p:nvSpPr>
+          <p:cNvPr id="13" name="Rectangle 12">
+            <a:extLst>
+              <a:ext uri="{FF2B5EF4-FFF2-40B4-BE49-F238E27FC236}">
+                <a16:creationId xmlns:a16="http://schemas.microsoft.com/office/drawing/2014/main" id="{5E433AC3-E189-483B-9E8C-DFD5D2A18641}"/>
+              </a:ext>
+              <a:ext uri="{C183D7F6-B498-43B3-948B-1728B52AA6E4}">
+                <adec:decorative xmlns:adec="http://schemas.microsoft.com/office/drawing/2017/decorative" val="1"/>
+              </a:ext>
+            </a:extLst>
+          </p:cNvPr>
+          <p:cNvSpPr>
+            <a:spLocks noGrp="1" noRot="1" noChangeAspect="1" noMove="1" noResize="1" noEditPoints="1" noAdjustHandles="1" noChangeArrowheads="1" noChangeShapeType="1" noTextEdit="1"/>
+          </p:cNvSpPr>
+          <p:nvPr>
+            <p:extLst>
+              <p:ext uri="{386F3935-93C4-4BCD-93E2-E3B085C9AB24}">
+                <p16:designElem xmlns:p16="http://schemas.microsoft.com/office/powerpoint/2015/main" val="1"/>
+              </p:ext>
+            </p:extLst>
+          </p:nvPr>
+        </p:nvSpPr>
+        <p:spPr>
+          <a:xfrm>
+            <a:off x="0" y="4918509"/>
+            <a:ext cx="12192000" cy="1939491"/>
+          </a:xfrm>
+          <a:prstGeom prst="rect">
+            <a:avLst/>
+          </a:prstGeom>
+          <a:solidFill>
+            <a:schemeClr val="accent2"/>
+          </a:solidFill>
+          <a:ln>
+            <a:noFill/>
+          </a:ln>
+        </p:spPr>
+        <p:style>
+          <a:lnRef idx="2">
+            <a:schemeClr val="accent1">
+              <a:shade val="50000"/>
+            </a:schemeClr>
+          </a:lnRef>
+          <a:fillRef idx="1">
+            <a:schemeClr val="accent1"/>
+          </a:fillRef>
+          <a:effectRef idx="0">
+            <a:schemeClr val="accent1"/>
+          </a:effectRef>
+          <a:fontRef idx="minor">
+            <a:schemeClr val="lt1"/>
+          </a:fontRef>
+        </p:style>
+        <p:txBody>
+          <a:bodyPr rtlCol="0" anchor="ctr"/>
+          <a:lstStyle/>
+          <a:p>
+            <a:pPr algn="ctr"/>
+            <a:endParaRPr lang="en-US"/>
+          </a:p>
+        </p:txBody>
+      </p:sp>
+      <p:sp>
+        <p:nvSpPr>
+          <p:cNvPr id="2" name="Title 1"/>
+          <p:cNvSpPr>
+            <a:spLocks noGrp="1"/>
+          </p:cNvSpPr>
+          <p:nvPr>
+            <p:ph type="ctrTitle"/>
+          </p:nvPr>
+        </p:nvSpPr>
+        <p:spPr>
+          <a:xfrm>
+            <a:off x="1600200" y="4269282"/>
+            <a:ext cx="8991600" cy="1264762"/>
+          </a:xfrm>
+        </p:spPr>
+        <p:txBody>
+          <a:bodyPr>
+            <a:normAutofit/>
+          </a:bodyPr>
+          <a:lstStyle/>
+          <a:p>
+            <a:r>
+              <a:rPr lang="en-US" sz="6000" dirty="0"/>
+              <a:t>DATA  Analysis</a:t>
+            </a:r>
+          </a:p>
+        </p:txBody>
+      </p:sp>
+      <p:pic>
+        <p:nvPicPr>
+          <p:cNvPr id="21" name="Picture 20">
+            <a:extLst>
+              <a:ext uri="{FF2B5EF4-FFF2-40B4-BE49-F238E27FC236}">
+                <a16:creationId xmlns:a16="http://schemas.microsoft.com/office/drawing/2014/main" id="{DD969EBE-984C-49E4-95AC-27F33988A3EF}"/>
+              </a:ext>
+            </a:extLst>
+          </p:cNvPr>
+          <p:cNvPicPr>
+            <a:picLocks noChangeAspect="1"/>
+          </p:cNvPicPr>
+          <p:nvPr/>
+        </p:nvPicPr>
+        <p:blipFill>
+          <a:blip r:embed="rId2">
+            <a:extLst>
+              <a:ext uri="{837473B0-CC2E-450A-ABE3-18F120FF3D39}">
+                <a1611:picAttrSrcUrl xmlns:a1611="http://schemas.microsoft.com/office/drawing/2016/11/main" r:id="rId3"/>
+              </a:ext>
+            </a:extLst>
+          </a:blip>
+          <a:stretch>
+            <a:fillRect/>
+          </a:stretch>
+        </p:blipFill>
+        <p:spPr>
+          <a:xfrm>
+            <a:off x="3605045" y="474004"/>
+            <a:ext cx="4981910" cy="3321273"/>
+          </a:xfrm>
+          <a:prstGeom prst="rect">
+            <a:avLst/>
+          </a:prstGeom>
+        </p:spPr>
+      </p:pic>
+    </p:spTree>
+    <p:extLst>
+      <p:ext uri="{BB962C8B-B14F-4D97-AF65-F5344CB8AC3E}">
+        <p14:creationId xmlns:p14="http://schemas.microsoft.com/office/powerpoint/2010/main" val="3083807275"/>
+      </p:ext>
+    </p:extLst>
+  </p:cSld>
+  <p:clrMapOvr>
+    <a:overrideClrMapping bg1="lt1" tx1="dk1" bg2="lt2" tx2="dk2" accent1="accent1" accent2="accent2" accent3="accent3" accent4="accent4" accent5="accent5" accent6="accent6" hlink="hlink" folHlink="folHlink"/>
+  </p:clrMapOvr>
+</p:sld>
+</file>
+
+<file path=ppt/slides/slide8.xml><?xml version="1.0" encoding="utf-8"?>
 <p:sld xmlns:a="http://schemas.openxmlformats.org/drawingml/2006/main" xmlns:r="http://schemas.openxmlformats.org/officeDocument/2006/relationships" xmlns:p="http://schemas.openxmlformats.org/presentationml/2006/main">
   <p:cSld>
     <p:bg>
@@ -5895,41 +8866,6 @@
           </a:p>
         </p:txBody>
       </p:sp>
-      <p:sp>
-        <p:nvSpPr>
-          <p:cNvPr id="7" name="TextBox 6">
-            <a:extLst>
-              <a:ext uri="{FF2B5EF4-FFF2-40B4-BE49-F238E27FC236}">
-                <a16:creationId xmlns:a16="http://schemas.microsoft.com/office/drawing/2014/main" id="{FCD54170-41EA-41EA-AE21-D7E8EE48D15A}"/>
-              </a:ext>
-            </a:extLst>
-          </p:cNvPr>
-          <p:cNvSpPr txBox="1"/>
-          <p:nvPr/>
-        </p:nvSpPr>
-        <p:spPr>
-          <a:xfrm flipH="1">
-            <a:off x="6446519" y="2490952"/>
-            <a:ext cx="4165252" cy="646331"/>
-          </a:xfrm>
-          <a:prstGeom prst="rect">
-            <a:avLst/>
-          </a:prstGeom>
-          <a:noFill/>
-        </p:spPr>
-        <p:txBody>
-          <a:bodyPr wrap="square" rtlCol="0">
-            <a:spAutoFit/>
-          </a:bodyPr>
-          <a:lstStyle/>
-          <a:p>
-            <a:r>
-              <a:rPr lang="en-US" dirty="0"/>
-              <a:t>Add graph of energy capacity over time.  Heat map here?</a:t>
-            </a:r>
-          </a:p>
-        </p:txBody>
-      </p:sp>
       <p:pic>
         <p:nvPicPr>
           <p:cNvPr id="9" name="Picture 2" descr="https://www.challenge.ma/wp-content/uploads/2017/03/Noor-2.jpg">
@@ -6020,6 +8956,35 @@
           </a:extLst>
         </p:spPr>
       </p:pic>
+      <p:pic>
+        <p:nvPicPr>
+          <p:cNvPr id="4" name="Picture 3">
+            <a:extLst>
+              <a:ext uri="{FF2B5EF4-FFF2-40B4-BE49-F238E27FC236}">
+                <a16:creationId xmlns:a16="http://schemas.microsoft.com/office/drawing/2014/main" id="{18E71770-59DF-4B0B-A9DA-2394B92772D1}"/>
+              </a:ext>
+            </a:extLst>
+          </p:cNvPr>
+          <p:cNvPicPr>
+            <a:picLocks noChangeAspect="1"/>
+          </p:cNvPicPr>
+          <p:nvPr/>
+        </p:nvPicPr>
+        <p:blipFill rotWithShape="1">
+          <a:blip r:embed="rId5"/>
+          <a:srcRect l="12072" t="20921" r="20076" b="6191"/>
+          <a:stretch/>
+        </p:blipFill>
+        <p:spPr>
+          <a:xfrm>
+            <a:off x="5001137" y="1168984"/>
+            <a:ext cx="6845021" cy="4149250"/>
+          </a:xfrm>
+          <a:prstGeom prst="rect">
+            <a:avLst/>
+          </a:prstGeom>
+        </p:spPr>
+      </p:pic>
     </p:spTree>
     <p:extLst>
       <p:ext uri="{BB962C8B-B14F-4D97-AF65-F5344CB8AC3E}">
@@ -6033,7 +8998,7 @@
 </p:sld>
 </file>
 
-<file path=ppt/slides/slide5.xml><?xml version="1.0" encoding="utf-8"?>
+<file path=ppt/slides/slide9.xml><?xml version="1.0" encoding="utf-8"?>
 <p:sld xmlns:a="http://schemas.openxmlformats.org/drawingml/2006/main" xmlns:r="http://schemas.openxmlformats.org/officeDocument/2006/relationships" xmlns:p="http://schemas.openxmlformats.org/presentationml/2006/main">
   <p:cSld>
     <p:bg>
@@ -6266,7 +9231,7 @@
                   <a:schemeClr val="bg1"/>
                 </a:solidFill>
               </a:rPr>
-              <a:t>Amount of energy consumed</a:t>
+              <a:t>Total amount of energy consumed - residential, commercial, and industrial</a:t>
             </a:r>
           </a:p>
           <a:p>
@@ -6295,41 +9260,6 @@
                 </a:solidFill>
               </a:rPr>
               <a:t>BP Statistical Review of World Energy</a:t>
-            </a:r>
-          </a:p>
-        </p:txBody>
-      </p:sp>
-      <p:sp>
-        <p:nvSpPr>
-          <p:cNvPr id="7" name="TextBox 6">
-            <a:extLst>
-              <a:ext uri="{FF2B5EF4-FFF2-40B4-BE49-F238E27FC236}">
-                <a16:creationId xmlns:a16="http://schemas.microsoft.com/office/drawing/2014/main" id="{FCD54170-41EA-41EA-AE21-D7E8EE48D15A}"/>
-              </a:ext>
-            </a:extLst>
-          </p:cNvPr>
-          <p:cNvSpPr txBox="1"/>
-          <p:nvPr/>
-        </p:nvSpPr>
-        <p:spPr>
-          <a:xfrm flipH="1">
-            <a:off x="6740808" y="5319180"/>
-            <a:ext cx="4743505" cy="369332"/>
-          </a:xfrm>
-          <a:prstGeom prst="rect">
-            <a:avLst/>
-          </a:prstGeom>
-          <a:noFill/>
-        </p:spPr>
-        <p:txBody>
-          <a:bodyPr wrap="square" rtlCol="0">
-            <a:spAutoFit/>
-          </a:bodyPr>
-          <a:lstStyle/>
-          <a:p>
-            <a:r>
-              <a:rPr lang="en-US" dirty="0"/>
-              <a:t>Sample – need graph with new per capita data</a:t>
             </a:r>
           </a:p>
         </p:txBody>
@@ -6446,7 +9376,7 @@
         </p:blipFill>
         <p:spPr>
           <a:xfrm>
-            <a:off x="4848762" y="1969643"/>
+            <a:off x="4848762" y="3588231"/>
             <a:ext cx="7148179" cy="2918713"/>
           </a:xfrm>
           <a:prstGeom prst="rect">
@@ -6454,306 +9384,12 @@
           </a:prstGeom>
         </p:spPr>
       </p:pic>
-    </p:spTree>
-    <p:extLst>
-      <p:ext uri="{BB962C8B-B14F-4D97-AF65-F5344CB8AC3E}">
-        <p14:creationId xmlns:p14="http://schemas.microsoft.com/office/powerpoint/2010/main" val="3769715691"/>
-      </p:ext>
-    </p:extLst>
-  </p:cSld>
-  <p:clrMapOvr>
-    <a:masterClrMapping/>
-  </p:clrMapOvr>
-</p:sld>
-</file>
-
-<file path=ppt/slides/slide6.xml><?xml version="1.0" encoding="utf-8"?>
-<p:sld xmlns:a="http://schemas.openxmlformats.org/drawingml/2006/main" xmlns:r="http://schemas.openxmlformats.org/officeDocument/2006/relationships" xmlns:p="http://schemas.openxmlformats.org/presentationml/2006/main">
-  <p:cSld>
-    <p:bg>
-      <p:bgPr>
-        <a:solidFill>
-          <a:schemeClr val="bg1">
-            <a:lumMod val="95000"/>
-          </a:schemeClr>
-        </a:solidFill>
-        <a:effectLst/>
-      </p:bgPr>
-    </p:bg>
-    <p:spTree>
-      <p:nvGrpSpPr>
-        <p:cNvPr id="1" name=""/>
-        <p:cNvGrpSpPr/>
-        <p:nvPr/>
-      </p:nvGrpSpPr>
-      <p:grpSpPr>
-        <a:xfrm>
-          <a:off x="0" y="0"/>
-          <a:ext cx="0" cy="0"/>
-          <a:chOff x="0" y="0"/>
-          <a:chExt cx="0" cy="0"/>
-        </a:xfrm>
-      </p:grpSpPr>
-      <p:sp useBgFill="1">
-        <p:nvSpPr>
-          <p:cNvPr id="11" name="Rectangle 10">
+      <p:sp>
+        <p:nvSpPr>
+          <p:cNvPr id="10" name="TextBox 9">
             <a:extLst>
               <a:ext uri="{FF2B5EF4-FFF2-40B4-BE49-F238E27FC236}">
-                <a16:creationId xmlns:a16="http://schemas.microsoft.com/office/drawing/2014/main" id="{1660E788-AFA9-4A1B-9991-6AA74632A15B}"/>
-              </a:ext>
-              <a:ext uri="{C183D7F6-B498-43B3-948B-1728B52AA6E4}">
-                <adec:decorative xmlns:adec="http://schemas.microsoft.com/office/drawing/2017/decorative" val="1"/>
-              </a:ext>
-            </a:extLst>
-          </p:cNvPr>
-          <p:cNvSpPr>
-            <a:spLocks noGrp="1" noRot="1" noChangeAspect="1" noMove="1" noResize="1" noEditPoints="1" noAdjustHandles="1" noChangeArrowheads="1" noChangeShapeType="1" noTextEdit="1"/>
-          </p:cNvSpPr>
-          <p:nvPr>
-            <p:extLst>
-              <p:ext uri="{386F3935-93C4-4BCD-93E2-E3B085C9AB24}">
-                <p16:designElem xmlns:p16="http://schemas.microsoft.com/office/powerpoint/2015/main" val="1"/>
-              </p:ext>
-            </p:extLst>
-          </p:nvPr>
-        </p:nvSpPr>
-        <p:spPr>
-          <a:xfrm>
-            <a:off x="0" y="0"/>
-            <a:ext cx="12191999" cy="6858000"/>
-          </a:xfrm>
-          <a:prstGeom prst="rect">
-            <a:avLst/>
-          </a:prstGeom>
-          <a:ln>
-            <a:noFill/>
-          </a:ln>
-        </p:spPr>
-        <p:style>
-          <a:lnRef idx="2">
-            <a:schemeClr val="accent1">
-              <a:shade val="50000"/>
-            </a:schemeClr>
-          </a:lnRef>
-          <a:fillRef idx="1">
-            <a:schemeClr val="accent1"/>
-          </a:fillRef>
-          <a:effectRef idx="0">
-            <a:schemeClr val="accent1"/>
-          </a:effectRef>
-          <a:fontRef idx="minor">
-            <a:schemeClr val="lt1"/>
-          </a:fontRef>
-        </p:style>
-        <p:txBody>
-          <a:bodyPr rtlCol="0" anchor="ctr"/>
-          <a:lstStyle/>
-          <a:p>
-            <a:pPr algn="ctr"/>
-            <a:endParaRPr lang="en-US"/>
-          </a:p>
-        </p:txBody>
-      </p:sp>
-      <p:sp>
-        <p:nvSpPr>
-          <p:cNvPr id="13" name="Rectangle 12">
-            <a:extLst>
-              <a:ext uri="{FF2B5EF4-FFF2-40B4-BE49-F238E27FC236}">
-                <a16:creationId xmlns:a16="http://schemas.microsoft.com/office/drawing/2014/main" id="{867D4867-5BA7-4462-B2F6-A23F4A622AA7}"/>
-              </a:ext>
-              <a:ext uri="{C183D7F6-B498-43B3-948B-1728B52AA6E4}">
-                <adec:decorative xmlns:adec="http://schemas.microsoft.com/office/drawing/2017/decorative" val="1"/>
-              </a:ext>
-            </a:extLst>
-          </p:cNvPr>
-          <p:cNvSpPr>
-            <a:spLocks noGrp="1" noRot="1" noChangeAspect="1" noMove="1" noResize="1" noEditPoints="1" noAdjustHandles="1" noChangeArrowheads="1" noChangeShapeType="1" noTextEdit="1"/>
-          </p:cNvSpPr>
-          <p:nvPr>
-            <p:extLst>
-              <p:ext uri="{386F3935-93C4-4BCD-93E2-E3B085C9AB24}">
-                <p16:designElem xmlns:p16="http://schemas.microsoft.com/office/powerpoint/2015/main" val="1"/>
-              </p:ext>
-            </p:extLst>
-          </p:nvPr>
-        </p:nvSpPr>
-        <p:spPr>
-          <a:xfrm>
-            <a:off x="0" y="0"/>
-            <a:ext cx="4654296" cy="6858000"/>
-          </a:xfrm>
-          <a:prstGeom prst="rect">
-            <a:avLst/>
-          </a:prstGeom>
-          <a:solidFill>
-            <a:schemeClr val="tx2"/>
-          </a:solidFill>
-          <a:ln>
-            <a:noFill/>
-          </a:ln>
-        </p:spPr>
-        <p:style>
-          <a:lnRef idx="0">
-            <a:scrgbClr r="0" g="0" b="0"/>
-          </a:lnRef>
-          <a:fillRef idx="0">
-            <a:scrgbClr r="0" g="0" b="0"/>
-          </a:fillRef>
-          <a:effectRef idx="0">
-            <a:scrgbClr r="0" g="0" b="0"/>
-          </a:effectRef>
-          <a:fontRef idx="minor">
-            <a:schemeClr val="lt1"/>
-          </a:fontRef>
-        </p:style>
-        <p:txBody>
-          <a:bodyPr rtlCol="0" anchor="ctr"/>
-          <a:lstStyle/>
-          <a:p>
-            <a:pPr algn="ctr"/>
-            <a:endParaRPr lang="en-US"/>
-          </a:p>
-        </p:txBody>
-      </p:sp>
-      <p:sp>
-        <p:nvSpPr>
-          <p:cNvPr id="2" name="Title 1"/>
-          <p:cNvSpPr>
-            <a:spLocks noGrp="1"/>
-          </p:cNvSpPr>
-          <p:nvPr>
-            <p:ph type="title"/>
-          </p:nvPr>
-        </p:nvSpPr>
-        <p:spPr>
-          <a:xfrm>
-            <a:off x="645161" y="253516"/>
-            <a:ext cx="3363974" cy="1728044"/>
-          </a:xfrm>
-          <a:noFill/>
-          <a:ln>
-            <a:solidFill>
-              <a:schemeClr val="bg1"/>
-            </a:solidFill>
-          </a:ln>
-        </p:spPr>
-        <p:txBody>
-          <a:bodyPr wrap="square">
-            <a:normAutofit/>
-          </a:bodyPr>
-          <a:lstStyle/>
-          <a:p>
-            <a:r>
-              <a:rPr lang="en-US" dirty="0">
-                <a:solidFill>
-                  <a:schemeClr val="bg1"/>
-                </a:solidFill>
-              </a:rPr>
-              <a:t>Human</a:t>
-            </a:r>
-            <a:br>
-              <a:rPr lang="en-US" dirty="0">
-                <a:solidFill>
-                  <a:schemeClr val="bg1"/>
-                </a:solidFill>
-              </a:rPr>
-            </a:br>
-            <a:r>
-              <a:rPr lang="en-US" dirty="0">
-                <a:solidFill>
-                  <a:schemeClr val="bg1"/>
-                </a:solidFill>
-              </a:rPr>
-              <a:t>development</a:t>
-            </a:r>
-            <a:br>
-              <a:rPr lang="en-US" dirty="0">
-                <a:solidFill>
-                  <a:schemeClr val="bg1"/>
-                </a:solidFill>
-              </a:rPr>
-            </a:br>
-            <a:r>
-              <a:rPr lang="en-US" dirty="0">
-                <a:solidFill>
-                  <a:schemeClr val="bg1"/>
-                </a:solidFill>
-              </a:rPr>
-              <a:t>Index (HDI)</a:t>
-            </a:r>
-          </a:p>
-        </p:txBody>
-      </p:sp>
-      <p:sp>
-        <p:nvSpPr>
-          <p:cNvPr id="3" name="Content Placeholder 2"/>
-          <p:cNvSpPr>
-            <a:spLocks noGrp="1"/>
-          </p:cNvSpPr>
-          <p:nvPr>
-            <p:ph idx="1"/>
-          </p:nvPr>
-        </p:nvSpPr>
-        <p:spPr>
-          <a:xfrm>
-            <a:off x="185432" y="2244319"/>
-            <a:ext cx="4298730" cy="3415622"/>
-          </a:xfrm>
-        </p:spPr>
-        <p:txBody>
-          <a:bodyPr>
-            <a:normAutofit/>
-          </a:bodyPr>
-          <a:lstStyle/>
-          <a:p>
-            <a:pPr marL="0" indent="0" algn="ctr">
-              <a:buNone/>
-            </a:pPr>
-            <a:r>
-              <a:rPr lang="en-US" dirty="0">
-                <a:solidFill>
-                  <a:schemeClr val="bg1"/>
-                </a:solidFill>
-              </a:rPr>
-              <a:t> Composite statistic of life expectancy, education, and per capita income indicators</a:t>
-            </a:r>
-          </a:p>
-          <a:p>
-            <a:pPr marL="0" indent="0" algn="ctr">
-              <a:buNone/>
-            </a:pPr>
-            <a:r>
-              <a:rPr lang="en-US" dirty="0">
-                <a:solidFill>
-                  <a:schemeClr val="bg1"/>
-                </a:solidFill>
-              </a:rPr>
-              <a:t>Source:</a:t>
-            </a:r>
-            <a:br>
-              <a:rPr lang="en-US" dirty="0">
-                <a:solidFill>
-                  <a:schemeClr val="bg1"/>
-                </a:solidFill>
-              </a:rPr>
-            </a:br>
-            <a:r>
-              <a:rPr lang="en-US" dirty="0">
-                <a:solidFill>
-                  <a:schemeClr val="bg1"/>
-                </a:solidFill>
-              </a:rPr>
-              <a:t>United Nations Human Development Data</a:t>
-            </a:r>
-          </a:p>
-        </p:txBody>
-      </p:sp>
-      <p:sp>
-        <p:nvSpPr>
-          <p:cNvPr id="7" name="TextBox 6">
-            <a:extLst>
-              <a:ext uri="{FF2B5EF4-FFF2-40B4-BE49-F238E27FC236}">
-                <a16:creationId xmlns:a16="http://schemas.microsoft.com/office/drawing/2014/main" id="{FCD54170-41EA-41EA-AE21-D7E8EE48D15A}"/>
+                <a16:creationId xmlns:a16="http://schemas.microsoft.com/office/drawing/2014/main" id="{1C845D78-DAD9-4200-AA09-6A4046398AF4}"/>
               </a:ext>
             </a:extLst>
           </p:cNvPr>
@@ -6762,8 +9398,8 @@
         </p:nvSpPr>
         <p:spPr>
           <a:xfrm flipH="1">
-            <a:off x="6446519" y="2490952"/>
-            <a:ext cx="4165252" cy="369332"/>
+            <a:off x="6041353" y="969997"/>
+            <a:ext cx="5131143" cy="369332"/>
           </a:xfrm>
           <a:prstGeom prst="rect">
             <a:avLst/>
@@ -6778,1092 +9414,15 @@
           <a:p>
             <a:r>
               <a:rPr lang="en-US" dirty="0"/>
-              <a:t>Add graph of HDI over time</a:t>
-            </a:r>
-          </a:p>
-        </p:txBody>
-      </p:sp>
-      <p:pic>
-        <p:nvPicPr>
-          <p:cNvPr id="4098" name="Picture 2" descr="Image result for hDI images">
-            <a:extLst>
-              <a:ext uri="{FF2B5EF4-FFF2-40B4-BE49-F238E27FC236}">
-                <a16:creationId xmlns:a16="http://schemas.microsoft.com/office/drawing/2014/main" id="{ABCE68FF-32BB-400A-A394-46BB6AA87D3A}"/>
-              </a:ext>
-            </a:extLst>
-          </p:cNvPr>
-          <p:cNvPicPr>
-            <a:picLocks noChangeAspect="1" noChangeArrowheads="1"/>
-          </p:cNvPicPr>
-          <p:nvPr/>
-        </p:nvPicPr>
-        <p:blipFill rotWithShape="1">
-          <a:blip r:embed="rId3">
-            <a:extLst>
-              <a:ext uri="{28A0092B-C50C-407E-A947-70E740481C1C}">
-                <a14:useLocalDpi xmlns:a14="http://schemas.microsoft.com/office/drawing/2010/main" val="0"/>
-              </a:ext>
-            </a:extLst>
-          </a:blip>
-          <a:srcRect l="7455" t="4301" r="1821" b="7952"/>
-          <a:stretch/>
-        </p:blipFill>
-        <p:spPr bwMode="auto">
-          <a:xfrm>
-            <a:off x="830316" y="3794234"/>
-            <a:ext cx="3020733" cy="2921636"/>
-          </a:xfrm>
-          <a:prstGeom prst="rect">
-            <a:avLst/>
-          </a:prstGeom>
-          <a:noFill/>
-          <a:extLst>
-            <a:ext uri="{909E8E84-426E-40DD-AFC4-6F175D3DCCD1}">
-              <a14:hiddenFill xmlns:a14="http://schemas.microsoft.com/office/drawing/2010/main">
-                <a:solidFill>
-                  <a:srgbClr val="FFFFFF"/>
-                </a:solidFill>
-              </a14:hiddenFill>
-            </a:ext>
-          </a:extLst>
-        </p:spPr>
-      </p:pic>
+              <a:t>Add graph of non-per capital generation over time</a:t>
+            </a:r>
+          </a:p>
+        </p:txBody>
+      </p:sp>
     </p:spTree>
     <p:extLst>
       <p:ext uri="{BB962C8B-B14F-4D97-AF65-F5344CB8AC3E}">
-        <p14:creationId xmlns:p14="http://schemas.microsoft.com/office/powerpoint/2010/main" val="3084959748"/>
-      </p:ext>
-    </p:extLst>
-  </p:cSld>
-  <p:clrMapOvr>
-    <a:masterClrMapping/>
-  </p:clrMapOvr>
-</p:sld>
-</file>
-
-<file path=ppt/slides/slide7.xml><?xml version="1.0" encoding="utf-8"?>
-<p:sld xmlns:a="http://schemas.openxmlformats.org/drawingml/2006/main" xmlns:r="http://schemas.openxmlformats.org/officeDocument/2006/relationships" xmlns:p="http://schemas.openxmlformats.org/presentationml/2006/main">
-  <p:cSld>
-    <p:bg>
-      <p:bgPr>
-        <a:solidFill>
-          <a:schemeClr val="bg1">
-            <a:lumMod val="95000"/>
-          </a:schemeClr>
-        </a:solidFill>
-        <a:effectLst/>
-      </p:bgPr>
-    </p:bg>
-    <p:spTree>
-      <p:nvGrpSpPr>
-        <p:cNvPr id="1" name=""/>
-        <p:cNvGrpSpPr/>
-        <p:nvPr/>
-      </p:nvGrpSpPr>
-      <p:grpSpPr>
-        <a:xfrm>
-          <a:off x="0" y="0"/>
-          <a:ext cx="0" cy="0"/>
-          <a:chOff x="0" y="0"/>
-          <a:chExt cx="0" cy="0"/>
-        </a:xfrm>
-      </p:grpSpPr>
-      <p:sp useBgFill="1">
-        <p:nvSpPr>
-          <p:cNvPr id="11" name="Rectangle 10">
-            <a:extLst>
-              <a:ext uri="{FF2B5EF4-FFF2-40B4-BE49-F238E27FC236}">
-                <a16:creationId xmlns:a16="http://schemas.microsoft.com/office/drawing/2014/main" id="{1660E788-AFA9-4A1B-9991-6AA74632A15B}"/>
-              </a:ext>
-              <a:ext uri="{C183D7F6-B498-43B3-948B-1728B52AA6E4}">
-                <adec:decorative xmlns:adec="http://schemas.microsoft.com/office/drawing/2017/decorative" val="1"/>
-              </a:ext>
-            </a:extLst>
-          </p:cNvPr>
-          <p:cNvSpPr>
-            <a:spLocks noGrp="1" noRot="1" noChangeAspect="1" noMove="1" noResize="1" noEditPoints="1" noAdjustHandles="1" noChangeArrowheads="1" noChangeShapeType="1" noTextEdit="1"/>
-          </p:cNvSpPr>
-          <p:nvPr>
-            <p:extLst>
-              <p:ext uri="{386F3935-93C4-4BCD-93E2-E3B085C9AB24}">
-                <p16:designElem xmlns:p16="http://schemas.microsoft.com/office/powerpoint/2015/main" val="1"/>
-              </p:ext>
-            </p:extLst>
-          </p:nvPr>
-        </p:nvSpPr>
-        <p:spPr>
-          <a:xfrm>
-            <a:off x="0" y="0"/>
-            <a:ext cx="12191999" cy="6858000"/>
-          </a:xfrm>
-          <a:prstGeom prst="rect">
-            <a:avLst/>
-          </a:prstGeom>
-          <a:ln>
-            <a:noFill/>
-          </a:ln>
-        </p:spPr>
-        <p:style>
-          <a:lnRef idx="2">
-            <a:schemeClr val="accent1">
-              <a:shade val="50000"/>
-            </a:schemeClr>
-          </a:lnRef>
-          <a:fillRef idx="1">
-            <a:schemeClr val="accent1"/>
-          </a:fillRef>
-          <a:effectRef idx="0">
-            <a:schemeClr val="accent1"/>
-          </a:effectRef>
-          <a:fontRef idx="minor">
-            <a:schemeClr val="lt1"/>
-          </a:fontRef>
-        </p:style>
-        <p:txBody>
-          <a:bodyPr rtlCol="0" anchor="ctr"/>
-          <a:lstStyle/>
-          <a:p>
-            <a:pPr algn="ctr"/>
-            <a:endParaRPr lang="en-US"/>
-          </a:p>
-        </p:txBody>
-      </p:sp>
-      <p:sp>
-        <p:nvSpPr>
-          <p:cNvPr id="13" name="Rectangle 12">
-            <a:extLst>
-              <a:ext uri="{FF2B5EF4-FFF2-40B4-BE49-F238E27FC236}">
-                <a16:creationId xmlns:a16="http://schemas.microsoft.com/office/drawing/2014/main" id="{867D4867-5BA7-4462-B2F6-A23F4A622AA7}"/>
-              </a:ext>
-              <a:ext uri="{C183D7F6-B498-43B3-948B-1728B52AA6E4}">
-                <adec:decorative xmlns:adec="http://schemas.microsoft.com/office/drawing/2017/decorative" val="1"/>
-              </a:ext>
-            </a:extLst>
-          </p:cNvPr>
-          <p:cNvSpPr>
-            <a:spLocks noGrp="1" noRot="1" noChangeAspect="1" noMove="1" noResize="1" noEditPoints="1" noAdjustHandles="1" noChangeArrowheads="1" noChangeShapeType="1" noTextEdit="1"/>
-          </p:cNvSpPr>
-          <p:nvPr>
-            <p:extLst>
-              <p:ext uri="{386F3935-93C4-4BCD-93E2-E3B085C9AB24}">
-                <p16:designElem xmlns:p16="http://schemas.microsoft.com/office/powerpoint/2015/main" val="1"/>
-              </p:ext>
-            </p:extLst>
-          </p:nvPr>
-        </p:nvSpPr>
-        <p:spPr>
-          <a:xfrm>
-            <a:off x="0" y="0"/>
-            <a:ext cx="4654296" cy="6858000"/>
-          </a:xfrm>
-          <a:prstGeom prst="rect">
-            <a:avLst/>
-          </a:prstGeom>
-          <a:solidFill>
-            <a:schemeClr val="tx2"/>
-          </a:solidFill>
-          <a:ln>
-            <a:noFill/>
-          </a:ln>
-        </p:spPr>
-        <p:style>
-          <a:lnRef idx="0">
-            <a:scrgbClr r="0" g="0" b="0"/>
-          </a:lnRef>
-          <a:fillRef idx="0">
-            <a:scrgbClr r="0" g="0" b="0"/>
-          </a:fillRef>
-          <a:effectRef idx="0">
-            <a:scrgbClr r="0" g="0" b="0"/>
-          </a:effectRef>
-          <a:fontRef idx="minor">
-            <a:schemeClr val="lt1"/>
-          </a:fontRef>
-        </p:style>
-        <p:txBody>
-          <a:bodyPr rtlCol="0" anchor="ctr"/>
-          <a:lstStyle/>
-          <a:p>
-            <a:pPr algn="ctr"/>
-            <a:endParaRPr lang="en-US"/>
-          </a:p>
-        </p:txBody>
-      </p:sp>
-      <p:sp>
-        <p:nvSpPr>
-          <p:cNvPr id="2" name="Title 1"/>
-          <p:cNvSpPr>
-            <a:spLocks noGrp="1"/>
-          </p:cNvSpPr>
-          <p:nvPr>
-            <p:ph type="title"/>
-          </p:nvPr>
-        </p:nvSpPr>
-        <p:spPr>
-          <a:xfrm>
-            <a:off x="643467" y="643467"/>
-            <a:ext cx="3363974" cy="1728044"/>
-          </a:xfrm>
-          <a:noFill/>
-          <a:ln>
-            <a:solidFill>
-              <a:schemeClr val="bg1"/>
-            </a:solidFill>
-          </a:ln>
-        </p:spPr>
-        <p:txBody>
-          <a:bodyPr wrap="square">
-            <a:normAutofit/>
-          </a:bodyPr>
-          <a:lstStyle/>
-          <a:p>
-            <a:r>
-              <a:rPr lang="en-US" dirty="0">
-                <a:solidFill>
-                  <a:schemeClr val="bg1"/>
-                </a:solidFill>
-              </a:rPr>
-              <a:t>population</a:t>
-            </a:r>
-          </a:p>
-        </p:txBody>
-      </p:sp>
-      <p:sp>
-        <p:nvSpPr>
-          <p:cNvPr id="3" name="Content Placeholder 2"/>
-          <p:cNvSpPr>
-            <a:spLocks noGrp="1"/>
-          </p:cNvSpPr>
-          <p:nvPr>
-            <p:ph idx="1"/>
-          </p:nvPr>
-        </p:nvSpPr>
-        <p:spPr>
-          <a:xfrm>
-            <a:off x="643467" y="2750729"/>
-            <a:ext cx="3363974" cy="3415622"/>
-          </a:xfrm>
-        </p:spPr>
-        <p:txBody>
-          <a:bodyPr>
-            <a:normAutofit/>
-          </a:bodyPr>
-          <a:lstStyle/>
-          <a:p>
-            <a:pPr marL="0" indent="0" algn="ctr">
-              <a:buNone/>
-            </a:pPr>
-            <a:r>
-              <a:rPr lang="en-US" dirty="0">
-                <a:solidFill>
-                  <a:schemeClr val="bg1"/>
-                </a:solidFill>
-              </a:rPr>
-              <a:t>Count of humans in each country</a:t>
-            </a:r>
-          </a:p>
-          <a:p>
-            <a:pPr marL="0" indent="0" algn="ctr">
-              <a:buNone/>
-            </a:pPr>
-            <a:r>
-              <a:rPr lang="en-US" dirty="0">
-                <a:solidFill>
-                  <a:schemeClr val="bg1"/>
-                </a:solidFill>
-              </a:rPr>
-              <a:t>Source:</a:t>
-            </a:r>
-            <a:br>
-              <a:rPr lang="en-US" dirty="0">
-                <a:solidFill>
-                  <a:schemeClr val="bg1"/>
-                </a:solidFill>
-              </a:rPr>
-            </a:br>
-            <a:r>
-              <a:rPr lang="en-US" dirty="0">
-                <a:solidFill>
-                  <a:schemeClr val="bg1"/>
-                </a:solidFill>
-              </a:rPr>
-              <a:t>World Development Indicators</a:t>
-            </a:r>
-          </a:p>
-        </p:txBody>
-      </p:sp>
-      <p:pic>
-        <p:nvPicPr>
-          <p:cNvPr id="8" name="Picture 4" descr="Image result for population images">
-            <a:extLst>
-              <a:ext uri="{FF2B5EF4-FFF2-40B4-BE49-F238E27FC236}">
-                <a16:creationId xmlns:a16="http://schemas.microsoft.com/office/drawing/2014/main" id="{BE3318A3-E693-456A-9442-B0272A0DE7C1}"/>
-              </a:ext>
-            </a:extLst>
-          </p:cNvPr>
-          <p:cNvPicPr>
-            <a:picLocks noChangeAspect="1" noChangeArrowheads="1"/>
-          </p:cNvPicPr>
-          <p:nvPr/>
-        </p:nvPicPr>
-        <p:blipFill rotWithShape="1">
-          <a:blip r:embed="rId3">
-            <a:extLst>
-              <a:ext uri="{28A0092B-C50C-407E-A947-70E740481C1C}">
-                <a14:useLocalDpi xmlns:a14="http://schemas.microsoft.com/office/drawing/2010/main" val="0"/>
-              </a:ext>
-            </a:extLst>
-          </a:blip>
-          <a:srcRect t="-846" b="9654"/>
-          <a:stretch/>
-        </p:blipFill>
-        <p:spPr bwMode="auto">
-          <a:xfrm>
-            <a:off x="716735" y="3983421"/>
-            <a:ext cx="3236874" cy="2412807"/>
-          </a:xfrm>
-          <a:prstGeom prst="rect">
-            <a:avLst/>
-          </a:prstGeom>
-          <a:noFill/>
-          <a:extLst>
-            <a:ext uri="{909E8E84-426E-40DD-AFC4-6F175D3DCCD1}">
-              <a14:hiddenFill xmlns:a14="http://schemas.microsoft.com/office/drawing/2010/main">
-                <a:solidFill>
-                  <a:srgbClr val="FFFFFF"/>
-                </a:solidFill>
-              </a14:hiddenFill>
-            </a:ext>
-          </a:extLst>
-        </p:spPr>
-      </p:pic>
-      <p:sp>
-        <p:nvSpPr>
-          <p:cNvPr id="7" name="TextBox 6">
-            <a:extLst>
-              <a:ext uri="{FF2B5EF4-FFF2-40B4-BE49-F238E27FC236}">
-                <a16:creationId xmlns:a16="http://schemas.microsoft.com/office/drawing/2014/main" id="{FCD54170-41EA-41EA-AE21-D7E8EE48D15A}"/>
-              </a:ext>
-            </a:extLst>
-          </p:cNvPr>
-          <p:cNvSpPr txBox="1"/>
-          <p:nvPr/>
-        </p:nvSpPr>
-        <p:spPr>
-          <a:xfrm flipH="1">
-            <a:off x="6446519" y="2490952"/>
-            <a:ext cx="4165252" cy="369332"/>
-          </a:xfrm>
-          <a:prstGeom prst="rect">
-            <a:avLst/>
-          </a:prstGeom>
-          <a:noFill/>
-        </p:spPr>
-        <p:txBody>
-          <a:bodyPr wrap="square" rtlCol="0">
-            <a:spAutoFit/>
-          </a:bodyPr>
-          <a:lstStyle/>
-          <a:p>
-            <a:r>
-              <a:rPr lang="en-US" dirty="0"/>
-              <a:t>Add graph of population over time</a:t>
-            </a:r>
-          </a:p>
-        </p:txBody>
-      </p:sp>
-    </p:spTree>
-    <p:extLst>
-      <p:ext uri="{BB962C8B-B14F-4D97-AF65-F5344CB8AC3E}">
-        <p14:creationId xmlns:p14="http://schemas.microsoft.com/office/powerpoint/2010/main" val="2590798561"/>
-      </p:ext>
-    </p:extLst>
-  </p:cSld>
-  <p:clrMapOvr>
-    <a:masterClrMapping/>
-  </p:clrMapOvr>
-</p:sld>
-</file>
-
-<file path=ppt/slides/slide8.xml><?xml version="1.0" encoding="utf-8"?>
-<p:sld xmlns:a="http://schemas.openxmlformats.org/drawingml/2006/main" xmlns:r="http://schemas.openxmlformats.org/officeDocument/2006/relationships" xmlns:p="http://schemas.openxmlformats.org/presentationml/2006/main">
-  <p:cSld>
-    <p:bg>
-      <p:bgPr>
-        <a:solidFill>
-          <a:schemeClr val="bg1"/>
-        </a:solidFill>
-        <a:effectLst/>
-      </p:bgPr>
-    </p:bg>
-    <p:spTree>
-      <p:nvGrpSpPr>
-        <p:cNvPr id="1" name=""/>
-        <p:cNvGrpSpPr/>
-        <p:nvPr/>
-      </p:nvGrpSpPr>
-      <p:grpSpPr>
-        <a:xfrm>
-          <a:off x="0" y="0"/>
-          <a:ext cx="0" cy="0"/>
-          <a:chOff x="0" y="0"/>
-          <a:chExt cx="0" cy="0"/>
-        </a:xfrm>
-      </p:grpSpPr>
-      <p:sp>
-        <p:nvSpPr>
-          <p:cNvPr id="9" name="Rectangle 8">
-            <a:extLst>
-              <a:ext uri="{FF2B5EF4-FFF2-40B4-BE49-F238E27FC236}">
-                <a16:creationId xmlns:a16="http://schemas.microsoft.com/office/drawing/2014/main" id="{C33976D1-3430-450C-A978-87A9A6E8E71F}"/>
-              </a:ext>
-              <a:ext uri="{C183D7F6-B498-43B3-948B-1728B52AA6E4}">
-                <adec:decorative xmlns:adec="http://schemas.microsoft.com/office/drawing/2017/decorative" val="1"/>
-              </a:ext>
-            </a:extLst>
-          </p:cNvPr>
-          <p:cNvSpPr>
-            <a:spLocks noGrp="1" noRot="1" noChangeAspect="1" noMove="1" noResize="1" noEditPoints="1" noAdjustHandles="1" noChangeArrowheads="1" noChangeShapeType="1" noTextEdit="1"/>
-          </p:cNvSpPr>
-          <p:nvPr>
-            <p:extLst>
-              <p:ext uri="{386F3935-93C4-4BCD-93E2-E3B085C9AB24}">
-                <p16:designElem xmlns:p16="http://schemas.microsoft.com/office/powerpoint/2015/main" val="1"/>
-              </p:ext>
-            </p:extLst>
-          </p:nvPr>
-        </p:nvSpPr>
-        <p:spPr>
-          <a:xfrm>
-            <a:off x="0" y="0"/>
-            <a:ext cx="12192000" cy="6858000"/>
-          </a:xfrm>
-          <a:prstGeom prst="rect">
-            <a:avLst/>
-          </a:prstGeom>
-          <a:solidFill>
-            <a:schemeClr val="accent2"/>
-          </a:solidFill>
-          <a:ln>
-            <a:noFill/>
-          </a:ln>
-        </p:spPr>
-        <p:style>
-          <a:lnRef idx="2">
-            <a:schemeClr val="accent1">
-              <a:shade val="50000"/>
-            </a:schemeClr>
-          </a:lnRef>
-          <a:fillRef idx="1">
-            <a:schemeClr val="accent1"/>
-          </a:fillRef>
-          <a:effectRef idx="0">
-            <a:schemeClr val="accent1"/>
-          </a:effectRef>
-          <a:fontRef idx="minor">
-            <a:schemeClr val="lt1"/>
-          </a:fontRef>
-        </p:style>
-        <p:txBody>
-          <a:bodyPr rtlCol="0" anchor="ctr"/>
-          <a:lstStyle/>
-          <a:p>
-            <a:pPr algn="ctr"/>
-            <a:endParaRPr lang="en-US"/>
-          </a:p>
-        </p:txBody>
-      </p:sp>
-      <p:sp>
-        <p:nvSpPr>
-          <p:cNvPr id="11" name="Rectangle 10">
-            <a:extLst>
-              <a:ext uri="{FF2B5EF4-FFF2-40B4-BE49-F238E27FC236}">
-                <a16:creationId xmlns:a16="http://schemas.microsoft.com/office/drawing/2014/main" id="{7D6AAC78-7D86-415A-ADC1-2B474807960C}"/>
-              </a:ext>
-              <a:ext uri="{C183D7F6-B498-43B3-948B-1728B52AA6E4}">
-                <adec:decorative xmlns:adec="http://schemas.microsoft.com/office/drawing/2017/decorative" val="1"/>
-              </a:ext>
-            </a:extLst>
-          </p:cNvPr>
-          <p:cNvSpPr>
-            <a:spLocks noGrp="1" noRot="1" noChangeAspect="1" noMove="1" noResize="1" noEditPoints="1" noAdjustHandles="1" noChangeArrowheads="1" noChangeShapeType="1" noTextEdit="1"/>
-          </p:cNvSpPr>
-          <p:nvPr>
-            <p:extLst>
-              <p:ext uri="{386F3935-93C4-4BCD-93E2-E3B085C9AB24}">
-                <p16:designElem xmlns:p16="http://schemas.microsoft.com/office/powerpoint/2015/main" val="1"/>
-              </p:ext>
-            </p:extLst>
-          </p:nvPr>
-        </p:nvSpPr>
-        <p:spPr>
-          <a:xfrm>
-            <a:off x="1249680" y="1248156"/>
-            <a:ext cx="9692640" cy="4361688"/>
-          </a:xfrm>
-          <a:prstGeom prst="rect">
-            <a:avLst/>
-          </a:prstGeom>
-          <a:solidFill>
-            <a:srgbClr val="FFFFFF"/>
-          </a:solidFill>
-          <a:ln>
-            <a:noFill/>
-          </a:ln>
-        </p:spPr>
-        <p:style>
-          <a:lnRef idx="2">
-            <a:schemeClr val="accent1">
-              <a:shade val="50000"/>
-            </a:schemeClr>
-          </a:lnRef>
-          <a:fillRef idx="1">
-            <a:schemeClr val="accent1"/>
-          </a:fillRef>
-          <a:effectRef idx="0">
-            <a:schemeClr val="accent1"/>
-          </a:effectRef>
-          <a:fontRef idx="minor">
-            <a:schemeClr val="lt1"/>
-          </a:fontRef>
-        </p:style>
-        <p:txBody>
-          <a:bodyPr rtlCol="0" anchor="ctr"/>
-          <a:lstStyle/>
-          <a:p>
-            <a:pPr algn="ctr"/>
-            <a:endParaRPr lang="en-US"/>
-          </a:p>
-        </p:txBody>
-      </p:sp>
-      <p:sp>
-        <p:nvSpPr>
-          <p:cNvPr id="13" name="Rectangle 12">
-            <a:extLst>
-              <a:ext uri="{FF2B5EF4-FFF2-40B4-BE49-F238E27FC236}">
-                <a16:creationId xmlns:a16="http://schemas.microsoft.com/office/drawing/2014/main" id="{F2A658D9-F185-44F1-BA33-D50320D1D078}"/>
-              </a:ext>
-              <a:ext uri="{C183D7F6-B498-43B3-948B-1728B52AA6E4}">
-                <adec:decorative xmlns:adec="http://schemas.microsoft.com/office/drawing/2017/decorative" val="1"/>
-              </a:ext>
-            </a:extLst>
-          </p:cNvPr>
-          <p:cNvSpPr>
-            <a:spLocks noGrp="1" noRot="1" noChangeAspect="1" noMove="1" noResize="1" noEditPoints="1" noAdjustHandles="1" noChangeArrowheads="1" noChangeShapeType="1" noTextEdit="1"/>
-          </p:cNvSpPr>
-          <p:nvPr>
-            <p:extLst>
-              <p:ext uri="{386F3935-93C4-4BCD-93E2-E3B085C9AB24}">
-                <p16:designElem xmlns:p16="http://schemas.microsoft.com/office/powerpoint/2015/main" val="1"/>
-              </p:ext>
-            </p:extLst>
-          </p:nvPr>
-        </p:nvSpPr>
-        <p:spPr>
-          <a:xfrm>
-            <a:off x="1062228" y="1060704"/>
-            <a:ext cx="10067544" cy="4736592"/>
-          </a:xfrm>
-          <a:prstGeom prst="rect">
-            <a:avLst/>
-          </a:prstGeom>
-          <a:noFill/>
-          <a:ln w="31750" cap="sq">
-            <a:solidFill>
-              <a:srgbClr val="FFFFFF"/>
-            </a:solidFill>
-            <a:miter lim="800000"/>
-          </a:ln>
-        </p:spPr>
-        <p:style>
-          <a:lnRef idx="2">
-            <a:schemeClr val="accent1">
-              <a:shade val="50000"/>
-            </a:schemeClr>
-          </a:lnRef>
-          <a:fillRef idx="1">
-            <a:schemeClr val="accent1"/>
-          </a:fillRef>
-          <a:effectRef idx="0">
-            <a:schemeClr val="accent1"/>
-          </a:effectRef>
-          <a:fontRef idx="minor">
-            <a:schemeClr val="lt1"/>
-          </a:fontRef>
-        </p:style>
-        <p:txBody>
-          <a:bodyPr rtlCol="0" anchor="ctr"/>
-          <a:lstStyle/>
-          <a:p>
-            <a:pPr algn="ctr"/>
-            <a:endParaRPr lang="en-US"/>
-          </a:p>
-        </p:txBody>
-      </p:sp>
-      <p:sp>
-        <p:nvSpPr>
-          <p:cNvPr id="2" name="Title 1"/>
-          <p:cNvSpPr>
-            <a:spLocks noGrp="1"/>
-          </p:cNvSpPr>
-          <p:nvPr>
-            <p:ph type="title"/>
-          </p:nvPr>
-        </p:nvSpPr>
-        <p:spPr>
-          <a:xfrm>
-            <a:off x="2231136" y="467418"/>
-            <a:ext cx="7729728" cy="1188720"/>
-          </a:xfrm>
-          <a:solidFill>
-            <a:srgbClr val="FFFFFF"/>
-          </a:solidFill>
-        </p:spPr>
-        <p:txBody>
-          <a:bodyPr>
-            <a:normAutofit/>
-          </a:bodyPr>
-          <a:lstStyle/>
-          <a:p>
-            <a:r>
-              <a:rPr lang="en-US" dirty="0"/>
-              <a:t>Energy vs </a:t>
-            </a:r>
-            <a:r>
-              <a:rPr lang="en-US" dirty="0" err="1"/>
-              <a:t>Hdi</a:t>
-            </a:r>
-            <a:endParaRPr lang="en-US" dirty="0"/>
-          </a:p>
-        </p:txBody>
-      </p:sp>
-      <p:sp>
-        <p:nvSpPr>
-          <p:cNvPr id="3" name="Content Placeholder 2"/>
-          <p:cNvSpPr>
-            <a:spLocks noGrp="1"/>
-          </p:cNvSpPr>
-          <p:nvPr>
-            <p:ph idx="1"/>
-          </p:nvPr>
-        </p:nvSpPr>
-        <p:spPr>
-          <a:xfrm>
-            <a:off x="1706062" y="2291262"/>
-            <a:ext cx="8779512" cy="2879256"/>
-          </a:xfrm>
-        </p:spPr>
-        <p:txBody>
-          <a:bodyPr>
-            <a:normAutofit/>
-          </a:bodyPr>
-          <a:lstStyle/>
-          <a:p>
-            <a:r>
-              <a:rPr lang="en-US" dirty="0" err="1">
-                <a:solidFill>
-                  <a:srgbClr val="404040"/>
-                </a:solidFill>
-              </a:rPr>
-              <a:t>Jdslkfj</a:t>
-            </a:r>
-            <a:endParaRPr lang="en-US" dirty="0">
-              <a:solidFill>
-                <a:srgbClr val="404040"/>
-              </a:solidFill>
-            </a:endParaRPr>
-          </a:p>
-          <a:p>
-            <a:r>
-              <a:rPr lang="en-US" dirty="0" err="1">
-                <a:solidFill>
-                  <a:srgbClr val="404040"/>
-                </a:solidFill>
-              </a:rPr>
-              <a:t>Dsjflkj</a:t>
-            </a:r>
-            <a:endParaRPr lang="en-US" dirty="0">
-              <a:solidFill>
-                <a:srgbClr val="404040"/>
-              </a:solidFill>
-            </a:endParaRPr>
-          </a:p>
-          <a:p>
-            <a:r>
-              <a:rPr lang="en-US" dirty="0">
-                <a:solidFill>
-                  <a:srgbClr val="404040"/>
-                </a:solidFill>
-              </a:rPr>
-              <a:t>Graph?</a:t>
-            </a:r>
-          </a:p>
-        </p:txBody>
-      </p:sp>
-      <p:sp>
-        <p:nvSpPr>
-          <p:cNvPr id="4" name="TextBox 3">
-            <a:extLst>
-              <a:ext uri="{FF2B5EF4-FFF2-40B4-BE49-F238E27FC236}">
-                <a16:creationId xmlns:a16="http://schemas.microsoft.com/office/drawing/2014/main" id="{C73644BB-8AF2-431A-B177-A7BD34922263}"/>
-              </a:ext>
-            </a:extLst>
-          </p:cNvPr>
-          <p:cNvSpPr txBox="1"/>
-          <p:nvPr/>
-        </p:nvSpPr>
-        <p:spPr>
-          <a:xfrm>
-            <a:off x="8008883" y="2942897"/>
-            <a:ext cx="1618593" cy="369332"/>
-          </a:xfrm>
-          <a:prstGeom prst="rect">
-            <a:avLst/>
-          </a:prstGeom>
-          <a:noFill/>
-        </p:spPr>
-        <p:txBody>
-          <a:bodyPr wrap="square" rtlCol="0">
-            <a:spAutoFit/>
-          </a:bodyPr>
-          <a:lstStyle/>
-          <a:p>
-            <a:r>
-              <a:rPr lang="en-US" dirty="0"/>
-              <a:t>Graph</a:t>
-            </a:r>
-          </a:p>
-        </p:txBody>
-      </p:sp>
-    </p:spTree>
-    <p:extLst>
-      <p:ext uri="{BB962C8B-B14F-4D97-AF65-F5344CB8AC3E}">
-        <p14:creationId xmlns:p14="http://schemas.microsoft.com/office/powerpoint/2010/main" val="1406421963"/>
-      </p:ext>
-    </p:extLst>
-  </p:cSld>
-  <p:clrMapOvr>
-    <a:masterClrMapping/>
-  </p:clrMapOvr>
-</p:sld>
-</file>
-
-<file path=ppt/slides/slide9.xml><?xml version="1.0" encoding="utf-8"?>
-<p:sld xmlns:a="http://schemas.openxmlformats.org/drawingml/2006/main" xmlns:r="http://schemas.openxmlformats.org/officeDocument/2006/relationships" xmlns:p="http://schemas.openxmlformats.org/presentationml/2006/main">
-  <p:cSld>
-    <p:bg>
-      <p:bgPr>
-        <a:solidFill>
-          <a:schemeClr val="bg1"/>
-        </a:solidFill>
-        <a:effectLst/>
-      </p:bgPr>
-    </p:bg>
-    <p:spTree>
-      <p:nvGrpSpPr>
-        <p:cNvPr id="1" name=""/>
-        <p:cNvGrpSpPr/>
-        <p:nvPr/>
-      </p:nvGrpSpPr>
-      <p:grpSpPr>
-        <a:xfrm>
-          <a:off x="0" y="0"/>
-          <a:ext cx="0" cy="0"/>
-          <a:chOff x="0" y="0"/>
-          <a:chExt cx="0" cy="0"/>
-        </a:xfrm>
-      </p:grpSpPr>
-      <p:sp>
-        <p:nvSpPr>
-          <p:cNvPr id="9" name="Rectangle 8">
-            <a:extLst>
-              <a:ext uri="{FF2B5EF4-FFF2-40B4-BE49-F238E27FC236}">
-                <a16:creationId xmlns:a16="http://schemas.microsoft.com/office/drawing/2014/main" id="{C33976D1-3430-450C-A978-87A9A6E8E71F}"/>
-              </a:ext>
-              <a:ext uri="{C183D7F6-B498-43B3-948B-1728B52AA6E4}">
-                <adec:decorative xmlns:adec="http://schemas.microsoft.com/office/drawing/2017/decorative" val="1"/>
-              </a:ext>
-            </a:extLst>
-          </p:cNvPr>
-          <p:cNvSpPr>
-            <a:spLocks noGrp="1" noRot="1" noChangeAspect="1" noMove="1" noResize="1" noEditPoints="1" noAdjustHandles="1" noChangeArrowheads="1" noChangeShapeType="1" noTextEdit="1"/>
-          </p:cNvSpPr>
-          <p:nvPr>
-            <p:extLst>
-              <p:ext uri="{386F3935-93C4-4BCD-93E2-E3B085C9AB24}">
-                <p16:designElem xmlns:p16="http://schemas.microsoft.com/office/powerpoint/2015/main" val="1"/>
-              </p:ext>
-            </p:extLst>
-          </p:nvPr>
-        </p:nvSpPr>
-        <p:spPr>
-          <a:xfrm>
-            <a:off x="0" y="0"/>
-            <a:ext cx="12192000" cy="6858000"/>
-          </a:xfrm>
-          <a:prstGeom prst="rect">
-            <a:avLst/>
-          </a:prstGeom>
-          <a:solidFill>
-            <a:schemeClr val="accent2"/>
-          </a:solidFill>
-          <a:ln>
-            <a:noFill/>
-          </a:ln>
-        </p:spPr>
-        <p:style>
-          <a:lnRef idx="2">
-            <a:schemeClr val="accent1">
-              <a:shade val="50000"/>
-            </a:schemeClr>
-          </a:lnRef>
-          <a:fillRef idx="1">
-            <a:schemeClr val="accent1"/>
-          </a:fillRef>
-          <a:effectRef idx="0">
-            <a:schemeClr val="accent1"/>
-          </a:effectRef>
-          <a:fontRef idx="minor">
-            <a:schemeClr val="lt1"/>
-          </a:fontRef>
-        </p:style>
-        <p:txBody>
-          <a:bodyPr rtlCol="0" anchor="ctr"/>
-          <a:lstStyle/>
-          <a:p>
-            <a:pPr algn="ctr"/>
-            <a:endParaRPr lang="en-US"/>
-          </a:p>
-        </p:txBody>
-      </p:sp>
-      <p:sp>
-        <p:nvSpPr>
-          <p:cNvPr id="11" name="Rectangle 10">
-            <a:extLst>
-              <a:ext uri="{FF2B5EF4-FFF2-40B4-BE49-F238E27FC236}">
-                <a16:creationId xmlns:a16="http://schemas.microsoft.com/office/drawing/2014/main" id="{7D6AAC78-7D86-415A-ADC1-2B474807960C}"/>
-              </a:ext>
-              <a:ext uri="{C183D7F6-B498-43B3-948B-1728B52AA6E4}">
-                <adec:decorative xmlns:adec="http://schemas.microsoft.com/office/drawing/2017/decorative" val="1"/>
-              </a:ext>
-            </a:extLst>
-          </p:cNvPr>
-          <p:cNvSpPr>
-            <a:spLocks noGrp="1" noRot="1" noChangeAspect="1" noMove="1" noResize="1" noEditPoints="1" noAdjustHandles="1" noChangeArrowheads="1" noChangeShapeType="1" noTextEdit="1"/>
-          </p:cNvSpPr>
-          <p:nvPr>
-            <p:extLst>
-              <p:ext uri="{386F3935-93C4-4BCD-93E2-E3B085C9AB24}">
-                <p16:designElem xmlns:p16="http://schemas.microsoft.com/office/powerpoint/2015/main" val="1"/>
-              </p:ext>
-            </p:extLst>
-          </p:nvPr>
-        </p:nvSpPr>
-        <p:spPr>
-          <a:xfrm>
-            <a:off x="1249680" y="1248156"/>
-            <a:ext cx="9692640" cy="4361688"/>
-          </a:xfrm>
-          <a:prstGeom prst="rect">
-            <a:avLst/>
-          </a:prstGeom>
-          <a:solidFill>
-            <a:srgbClr val="FFFFFF"/>
-          </a:solidFill>
-          <a:ln>
-            <a:noFill/>
-          </a:ln>
-        </p:spPr>
-        <p:style>
-          <a:lnRef idx="2">
-            <a:schemeClr val="accent1">
-              <a:shade val="50000"/>
-            </a:schemeClr>
-          </a:lnRef>
-          <a:fillRef idx="1">
-            <a:schemeClr val="accent1"/>
-          </a:fillRef>
-          <a:effectRef idx="0">
-            <a:schemeClr val="accent1"/>
-          </a:effectRef>
-          <a:fontRef idx="minor">
-            <a:schemeClr val="lt1"/>
-          </a:fontRef>
-        </p:style>
-        <p:txBody>
-          <a:bodyPr rtlCol="0" anchor="ctr"/>
-          <a:lstStyle/>
-          <a:p>
-            <a:pPr algn="ctr"/>
-            <a:endParaRPr lang="en-US"/>
-          </a:p>
-        </p:txBody>
-      </p:sp>
-      <p:sp>
-        <p:nvSpPr>
-          <p:cNvPr id="13" name="Rectangle 12">
-            <a:extLst>
-              <a:ext uri="{FF2B5EF4-FFF2-40B4-BE49-F238E27FC236}">
-                <a16:creationId xmlns:a16="http://schemas.microsoft.com/office/drawing/2014/main" id="{F2A658D9-F185-44F1-BA33-D50320D1D078}"/>
-              </a:ext>
-              <a:ext uri="{C183D7F6-B498-43B3-948B-1728B52AA6E4}">
-                <adec:decorative xmlns:adec="http://schemas.microsoft.com/office/drawing/2017/decorative" val="1"/>
-              </a:ext>
-            </a:extLst>
-          </p:cNvPr>
-          <p:cNvSpPr>
-            <a:spLocks noGrp="1" noRot="1" noChangeAspect="1" noMove="1" noResize="1" noEditPoints="1" noAdjustHandles="1" noChangeArrowheads="1" noChangeShapeType="1" noTextEdit="1"/>
-          </p:cNvSpPr>
-          <p:nvPr>
-            <p:extLst>
-              <p:ext uri="{386F3935-93C4-4BCD-93E2-E3B085C9AB24}">
-                <p16:designElem xmlns:p16="http://schemas.microsoft.com/office/powerpoint/2015/main" val="1"/>
-              </p:ext>
-            </p:extLst>
-          </p:nvPr>
-        </p:nvSpPr>
-        <p:spPr>
-          <a:xfrm>
-            <a:off x="1062228" y="1060704"/>
-            <a:ext cx="10067544" cy="4736592"/>
-          </a:xfrm>
-          <a:prstGeom prst="rect">
-            <a:avLst/>
-          </a:prstGeom>
-          <a:noFill/>
-          <a:ln w="31750" cap="sq">
-            <a:solidFill>
-              <a:srgbClr val="FFFFFF"/>
-            </a:solidFill>
-            <a:miter lim="800000"/>
-          </a:ln>
-        </p:spPr>
-        <p:style>
-          <a:lnRef idx="2">
-            <a:schemeClr val="accent1">
-              <a:shade val="50000"/>
-            </a:schemeClr>
-          </a:lnRef>
-          <a:fillRef idx="1">
-            <a:schemeClr val="accent1"/>
-          </a:fillRef>
-          <a:effectRef idx="0">
-            <a:schemeClr val="accent1"/>
-          </a:effectRef>
-          <a:fontRef idx="minor">
-            <a:schemeClr val="lt1"/>
-          </a:fontRef>
-        </p:style>
-        <p:txBody>
-          <a:bodyPr rtlCol="0" anchor="ctr"/>
-          <a:lstStyle/>
-          <a:p>
-            <a:pPr algn="ctr"/>
-            <a:endParaRPr lang="en-US"/>
-          </a:p>
-        </p:txBody>
-      </p:sp>
-      <p:sp>
-        <p:nvSpPr>
-          <p:cNvPr id="2" name="Title 1"/>
-          <p:cNvSpPr>
-            <a:spLocks noGrp="1"/>
-          </p:cNvSpPr>
-          <p:nvPr>
-            <p:ph type="title"/>
-          </p:nvPr>
-        </p:nvSpPr>
-        <p:spPr>
-          <a:xfrm>
-            <a:off x="2231136" y="467418"/>
-            <a:ext cx="7729728" cy="1188720"/>
-          </a:xfrm>
-          <a:solidFill>
-            <a:srgbClr val="FFFFFF"/>
-          </a:solidFill>
-        </p:spPr>
-        <p:txBody>
-          <a:bodyPr>
-            <a:normAutofit/>
-          </a:bodyPr>
-          <a:lstStyle/>
-          <a:p>
-            <a:r>
-              <a:rPr lang="en-US" dirty="0"/>
-              <a:t>Energy by fuel type</a:t>
-            </a:r>
-          </a:p>
-        </p:txBody>
-      </p:sp>
-      <p:pic>
-        <p:nvPicPr>
-          <p:cNvPr id="7" name="Picture 6">
-            <a:extLst>
-              <a:ext uri="{FF2B5EF4-FFF2-40B4-BE49-F238E27FC236}">
-                <a16:creationId xmlns:a16="http://schemas.microsoft.com/office/drawing/2014/main" id="{835B3194-E780-48DC-BE1F-45E0D2CF849C}"/>
-              </a:ext>
-            </a:extLst>
-          </p:cNvPr>
-          <p:cNvPicPr>
-            <a:picLocks noChangeAspect="1"/>
-          </p:cNvPicPr>
-          <p:nvPr/>
-        </p:nvPicPr>
-        <p:blipFill>
-          <a:blip r:embed="rId3"/>
-          <a:stretch>
-            <a:fillRect/>
-          </a:stretch>
-        </p:blipFill>
-        <p:spPr>
-          <a:xfrm>
-            <a:off x="3840284" y="2228723"/>
-            <a:ext cx="4511431" cy="3353950"/>
-          </a:xfrm>
-          <a:prstGeom prst="rect">
-            <a:avLst/>
-          </a:prstGeom>
-        </p:spPr>
-      </p:pic>
-      <p:sp>
-        <p:nvSpPr>
-          <p:cNvPr id="10" name="TextBox 9">
-            <a:extLst>
-              <a:ext uri="{FF2B5EF4-FFF2-40B4-BE49-F238E27FC236}">
-                <a16:creationId xmlns:a16="http://schemas.microsoft.com/office/drawing/2014/main" id="{34D19370-CB54-4642-8753-407A5F014BE0}"/>
-              </a:ext>
-            </a:extLst>
-          </p:cNvPr>
-          <p:cNvSpPr txBox="1"/>
-          <p:nvPr/>
-        </p:nvSpPr>
-        <p:spPr>
-          <a:xfrm flipH="1">
-            <a:off x="2344237" y="2332849"/>
-            <a:ext cx="4743505" cy="369332"/>
-          </a:xfrm>
-          <a:prstGeom prst="rect">
-            <a:avLst/>
-          </a:prstGeom>
-          <a:noFill/>
-        </p:spPr>
-        <p:txBody>
-          <a:bodyPr wrap="square" rtlCol="0">
-            <a:spAutoFit/>
-          </a:bodyPr>
-          <a:lstStyle/>
-          <a:p>
-            <a:r>
-              <a:rPr lang="en-US" dirty="0"/>
-              <a:t>Sample – need graph with new per capita data</a:t>
-            </a:r>
-          </a:p>
-        </p:txBody>
-      </p:sp>
-    </p:spTree>
-    <p:extLst>
-      <p:ext uri="{BB962C8B-B14F-4D97-AF65-F5344CB8AC3E}">
-        <p14:creationId xmlns:p14="http://schemas.microsoft.com/office/powerpoint/2010/main" val="2776164869"/>
+        <p14:creationId xmlns:p14="http://schemas.microsoft.com/office/powerpoint/2010/main" val="3769715691"/>
       </p:ext>
     </p:extLst>
   </p:cSld>

--- a/Project 1.pptx
+++ b/Project 1.pptx
@@ -5,22 +5,23 @@
     <p:sldMasterId id="2147483696" r:id="rId1"/>
   </p:sldMasterIdLst>
   <p:notesMasterIdLst>
-    <p:notesMasterId r:id="rId15"/>
+    <p:notesMasterId r:id="rId16"/>
   </p:notesMasterIdLst>
   <p:sldIdLst>
     <p:sldId id="258" r:id="rId2"/>
     <p:sldId id="259" r:id="rId3"/>
-    <p:sldId id="270" r:id="rId4"/>
-    <p:sldId id="263" r:id="rId5"/>
-    <p:sldId id="264" r:id="rId6"/>
-    <p:sldId id="261" r:id="rId7"/>
-    <p:sldId id="275" r:id="rId8"/>
-    <p:sldId id="267" r:id="rId9"/>
-    <p:sldId id="268" r:id="rId10"/>
-    <p:sldId id="266" r:id="rId11"/>
-    <p:sldId id="273" r:id="rId12"/>
-    <p:sldId id="272" r:id="rId13"/>
-    <p:sldId id="274" r:id="rId14"/>
+    <p:sldId id="276" r:id="rId4"/>
+    <p:sldId id="270" r:id="rId5"/>
+    <p:sldId id="263" r:id="rId6"/>
+    <p:sldId id="264" r:id="rId7"/>
+    <p:sldId id="261" r:id="rId8"/>
+    <p:sldId id="275" r:id="rId9"/>
+    <p:sldId id="267" r:id="rId10"/>
+    <p:sldId id="268" r:id="rId11"/>
+    <p:sldId id="266" r:id="rId12"/>
+    <p:sldId id="273" r:id="rId13"/>
+    <p:sldId id="272" r:id="rId14"/>
+    <p:sldId id="274" r:id="rId15"/>
   </p:sldIdLst>
   <p:sldSz cx="12192000" cy="6858000"/>
   <p:notesSz cx="6858000" cy="9144000"/>
@@ -209,7 +210,7 @@
           <a:p>
             <a:fld id="{A5C20BB3-3CCB-4FE5-991B-82F6BCB48AF3}" type="datetimeFigureOut">
               <a:rPr lang="en-US" smtClean="0"/>
-              <a:t>8/3/2019</a:t>
+              <a:t>8/4/2019</a:t>
             </a:fld>
             <a:endParaRPr lang="en-US"/>
           </a:p>
@@ -592,7 +593,7 @@
           <a:p>
             <a:fld id="{E0746DE6-3336-457D-A091-FA20AC1C536E}" type="slidenum">
               <a:rPr lang="en-US" smtClean="0"/>
-              <a:t>3</a:t>
+              <a:t>4</a:t>
             </a:fld>
             <a:endParaRPr lang="en-US"/>
           </a:p>
@@ -676,7 +677,7 @@
           <a:p>
             <a:fld id="{E0746DE6-3336-457D-A091-FA20AC1C536E}" type="slidenum">
               <a:rPr lang="en-US" smtClean="0"/>
-              <a:t>13</a:t>
+              <a:t>14</a:t>
             </a:fld>
             <a:endParaRPr lang="en-US"/>
           </a:p>
@@ -797,7 +798,7 @@
           <a:p>
             <a:fld id="{E0746DE6-3336-457D-A091-FA20AC1C536E}" type="slidenum">
               <a:rPr lang="en-US" smtClean="0"/>
-              <a:t>4</a:t>
+              <a:t>5</a:t>
             </a:fld>
             <a:endParaRPr lang="en-US"/>
           </a:p>
@@ -945,7 +946,7 @@
           <a:p>
             <a:fld id="{E0746DE6-3336-457D-A091-FA20AC1C536E}" type="slidenum">
               <a:rPr lang="en-US" smtClean="0"/>
-              <a:t>5</a:t>
+              <a:t>6</a:t>
             </a:fld>
             <a:endParaRPr lang="en-US"/>
           </a:p>
@@ -1029,7 +1030,7 @@
           <a:p>
             <a:fld id="{E0746DE6-3336-457D-A091-FA20AC1C536E}" type="slidenum">
               <a:rPr lang="en-US" smtClean="0"/>
-              <a:t>6</a:t>
+              <a:t>7</a:t>
             </a:fld>
             <a:endParaRPr lang="en-US"/>
           </a:p>
@@ -1167,7 +1168,7 @@
           <a:p>
             <a:fld id="{E0746DE6-3336-457D-A091-FA20AC1C536E}" type="slidenum">
               <a:rPr lang="en-US" smtClean="0"/>
-              <a:t>8</a:t>
+              <a:t>9</a:t>
             </a:fld>
             <a:endParaRPr lang="en-US"/>
           </a:p>
@@ -1319,7 +1320,7 @@
           <a:p>
             <a:fld id="{E0746DE6-3336-457D-A091-FA20AC1C536E}" type="slidenum">
               <a:rPr lang="en-US" smtClean="0"/>
-              <a:t>9</a:t>
+              <a:t>10</a:t>
             </a:fld>
             <a:endParaRPr lang="en-US"/>
           </a:p>
@@ -1474,7 +1475,7 @@
           <a:p>
             <a:fld id="{E0746DE6-3336-457D-A091-FA20AC1C536E}" type="slidenum">
               <a:rPr lang="en-US" smtClean="0"/>
-              <a:t>10</a:t>
+              <a:t>11</a:t>
             </a:fld>
             <a:endParaRPr lang="en-US"/>
           </a:p>
@@ -1629,7 +1630,7 @@
           <a:p>
             <a:fld id="{E0746DE6-3336-457D-A091-FA20AC1C536E}" type="slidenum">
               <a:rPr lang="en-US" smtClean="0"/>
-              <a:t>11</a:t>
+              <a:t>12</a:t>
             </a:fld>
             <a:endParaRPr lang="en-US"/>
           </a:p>
@@ -1733,7 +1734,7 @@
           <a:p>
             <a:fld id="{E0746DE6-3336-457D-A091-FA20AC1C536E}" type="slidenum">
               <a:rPr lang="en-US" smtClean="0"/>
-              <a:t>12</a:t>
+              <a:t>13</a:t>
             </a:fld>
             <a:endParaRPr lang="en-US"/>
           </a:p>
@@ -1915,7 +1916,7 @@
           <a:p>
             <a:fld id="{1160EA64-D806-43AC-9DF2-F8C432F32B4C}" type="datetimeFigureOut">
               <a:rPr lang="en-US" dirty="0"/>
-              <a:t>8/3/2019</a:t>
+              <a:t>8/4/2019</a:t>
             </a:fld>
             <a:endParaRPr lang="en-US" dirty="0"/>
           </a:p>
@@ -2086,7 +2087,7 @@
           <a:p>
             <a:fld id="{E9F9C37B-1D36-470B-8223-D6C91242EC14}" type="datetimeFigureOut">
               <a:rPr lang="en-US" dirty="0"/>
-              <a:t>8/3/2019</a:t>
+              <a:t>8/4/2019</a:t>
             </a:fld>
             <a:endParaRPr lang="en-US" dirty="0"/>
           </a:p>
@@ -2266,7 +2267,7 @@
           <a:p>
             <a:fld id="{67C6F52A-A82B-47A2-A83A-8C4C91F2D59F}" type="datetimeFigureOut">
               <a:rPr lang="en-US" dirty="0"/>
-              <a:t>8/3/2019</a:t>
+              <a:t>8/4/2019</a:t>
             </a:fld>
             <a:endParaRPr lang="en-US" dirty="0"/>
           </a:p>
@@ -2436,7 +2437,7 @@
           <a:p>
             <a:fld id="{F070A7B3-6521-4DCA-87E5-044747A908C1}" type="datetimeFigureOut">
               <a:rPr lang="en-US" dirty="0"/>
-              <a:t>8/3/2019</a:t>
+              <a:t>8/4/2019</a:t>
             </a:fld>
             <a:endParaRPr lang="en-US" dirty="0"/>
           </a:p>
@@ -2705,7 +2706,7 @@
           <a:p>
             <a:fld id="{1160EA64-D806-43AC-9DF2-F8C432F32B4C}" type="datetimeFigureOut">
               <a:rPr lang="en-US" dirty="0"/>
-              <a:t>8/3/2019</a:t>
+              <a:t>8/4/2019</a:t>
             </a:fld>
             <a:endParaRPr lang="en-US" dirty="0"/>
           </a:p>
@@ -2938,7 +2939,7 @@
           <a:p>
             <a:fld id="{AB134690-1557-4C89-A502-4959FE7FAD70}" type="datetimeFigureOut">
               <a:rPr lang="en-US" dirty="0"/>
-              <a:t>8/3/2019</a:t>
+              <a:t>8/4/2019</a:t>
             </a:fld>
             <a:endParaRPr lang="en-US" dirty="0"/>
           </a:p>
@@ -3297,7 +3298,7 @@
           <a:p>
             <a:fld id="{4F7D4976-E339-4826-83B7-FBD03F55ECF8}" type="datetimeFigureOut">
               <a:rPr lang="en-US" dirty="0"/>
-              <a:t>8/3/2019</a:t>
+              <a:t>8/4/2019</a:t>
             </a:fld>
             <a:endParaRPr lang="en-US" dirty="0"/>
           </a:p>
@@ -3438,7 +3439,7 @@
           <a:p>
             <a:fld id="{E1037C31-9E7A-4F99-8774-A0E530DE1A42}" type="datetimeFigureOut">
               <a:rPr lang="en-US" dirty="0"/>
-              <a:t>8/3/2019</a:t>
+              <a:t>8/4/2019</a:t>
             </a:fld>
             <a:endParaRPr lang="en-US" dirty="0"/>
           </a:p>
@@ -3533,7 +3534,7 @@
           <a:p>
             <a:fld id="{C278504F-A551-4DE0-9316-4DCD1D8CC752}" type="datetimeFigureOut">
               <a:rPr lang="en-US" dirty="0"/>
-              <a:t>8/3/2019</a:t>
+              <a:t>8/4/2019</a:t>
             </a:fld>
             <a:endParaRPr lang="en-US" dirty="0"/>
           </a:p>
@@ -3890,7 +3891,7 @@
           <a:p>
             <a:fld id="{D1BE4249-C0D0-4B06-8692-E8BB871AF643}" type="datetimeFigureOut">
               <a:rPr lang="en-US" dirty="0"/>
-              <a:t>8/3/2019</a:t>
+              <a:t>8/4/2019</a:t>
             </a:fld>
             <a:endParaRPr lang="en-US" dirty="0"/>
           </a:p>
@@ -4247,7 +4248,7 @@
           <a:p>
             <a:fld id="{042B0DB6-F5C7-45FB-8CF3-31B45F9C2DAC}" type="datetimeFigureOut">
               <a:rPr lang="en-US" dirty="0"/>
-              <a:t>8/3/2019</a:t>
+              <a:t>8/4/2019</a:t>
             </a:fld>
             <a:endParaRPr lang="en-US" dirty="0"/>
           </a:p>
@@ -4489,7 +4490,7 @@
           <a:p>
             <a:fld id="{1160EA64-D806-43AC-9DF2-F8C432F32B4C}" type="datetimeFigureOut">
               <a:rPr lang="en-US" dirty="0"/>
-              <a:t>8/3/2019</a:t>
+              <a:t>8/4/2019</a:t>
             </a:fld>
             <a:endParaRPr lang="en-US" dirty="0"/>
           </a:p>
@@ -5100,6 +5101,7 @@
               <a:rPr lang="en-US" sz="6000" dirty="0"/>
               <a:t>Energy</a:t>
             </a:r>
+            <a:endParaRPr lang="en-US" sz="2000" cap="none" dirty="0"/>
           </a:p>
         </p:txBody>
       </p:sp>
@@ -5360,7 +5362,7 @@
         </p:nvSpPr>
         <p:spPr>
           <a:xfrm>
-            <a:off x="645161" y="253516"/>
+            <a:off x="643467" y="475307"/>
             <a:ext cx="3363974" cy="1728044"/>
           </a:xfrm>
           <a:noFill/>
@@ -5382,7 +5384,7 @@
                   <a:schemeClr val="bg1"/>
                 </a:solidFill>
               </a:rPr>
-              <a:t>Human</a:t>
+              <a:t>Energy consumption/</a:t>
             </a:r>
             <a:br>
               <a:rPr lang="en-US" dirty="0">
@@ -5397,22 +5399,7 @@
                   <a:schemeClr val="bg1"/>
                 </a:solidFill>
               </a:rPr>
-              <a:t>development</a:t>
-            </a:r>
-            <a:br>
-              <a:rPr lang="en-US" dirty="0">
-                <a:solidFill>
-                  <a:schemeClr val="bg1"/>
-                </a:solidFill>
-              </a:rPr>
-            </a:br>
-            <a:r>
-              <a:rPr lang="en-US" dirty="0">
-                <a:solidFill>
-                  <a:schemeClr val="bg1"/>
-                </a:solidFill>
-              </a:rPr>
-              <a:t>Index (HDI)</a:t>
+              <a:t>Generation</a:t>
             </a:r>
           </a:p>
         </p:txBody>
@@ -5429,8 +5416,8 @@
         </p:nvSpPr>
         <p:spPr>
           <a:xfrm>
-            <a:off x="185432" y="2076159"/>
-            <a:ext cx="4298730" cy="3415622"/>
+            <a:off x="294289" y="2260657"/>
+            <a:ext cx="4056993" cy="3415622"/>
           </a:xfrm>
         </p:spPr>
         <p:txBody>
@@ -5448,7 +5435,7 @@
                   <a:schemeClr val="bg1"/>
                 </a:solidFill>
               </a:rPr>
-              <a:t> Composite statistic of life expectancy, education, and per capita income indicators used to rate a country’s prosperity</a:t>
+              <a:t>Total amount of energy consumed - residential, commercial, and industrial</a:t>
             </a:r>
           </a:p>
           <a:p>
@@ -5476,52 +5463,17 @@
                   <a:schemeClr val="bg1"/>
                 </a:solidFill>
               </a:rPr>
-              <a:t>United Nations Human Development Data</a:t>
-            </a:r>
-          </a:p>
-        </p:txBody>
-      </p:sp>
-      <p:sp>
-        <p:nvSpPr>
-          <p:cNvPr id="7" name="TextBox 6">
+              <a:t>BP Statistical Review of World Energy</a:t>
+            </a:r>
+          </a:p>
+        </p:txBody>
+      </p:sp>
+      <p:pic>
+        <p:nvPicPr>
+          <p:cNvPr id="7170" name="Picture 2" descr="Image result for industrial production plant image">
             <a:extLst>
               <a:ext uri="{FF2B5EF4-FFF2-40B4-BE49-F238E27FC236}">
-                <a16:creationId xmlns:a16="http://schemas.microsoft.com/office/drawing/2014/main" id="{FCD54170-41EA-41EA-AE21-D7E8EE48D15A}"/>
-              </a:ext>
-            </a:extLst>
-          </p:cNvPr>
-          <p:cNvSpPr txBox="1"/>
-          <p:nvPr/>
-        </p:nvSpPr>
-        <p:spPr>
-          <a:xfrm flipH="1">
-            <a:off x="6446519" y="2490952"/>
-            <a:ext cx="4165252" cy="369332"/>
-          </a:xfrm>
-          <a:prstGeom prst="rect">
-            <a:avLst/>
-          </a:prstGeom>
-          <a:noFill/>
-        </p:spPr>
-        <p:txBody>
-          <a:bodyPr wrap="square" rtlCol="0">
-            <a:spAutoFit/>
-          </a:bodyPr>
-          <a:lstStyle/>
-          <a:p>
-            <a:r>
-              <a:rPr lang="en-US" dirty="0"/>
-              <a:t>Add graph of HDI over time</a:t>
-            </a:r>
-          </a:p>
-        </p:txBody>
-      </p:sp>
-      <p:pic>
-        <p:nvPicPr>
-          <p:cNvPr id="4098" name="Picture 2" descr="Image result for hDI images">
-            <a:extLst>
-              <a:ext uri="{FF2B5EF4-FFF2-40B4-BE49-F238E27FC236}">
-                <a16:creationId xmlns:a16="http://schemas.microsoft.com/office/drawing/2014/main" id="{ABCE68FF-32BB-400A-A394-46BB6AA87D3A}"/>
+                <a16:creationId xmlns:a16="http://schemas.microsoft.com/office/drawing/2014/main" id="{CD736658-6A8B-401F-992B-6131240739D0}"/>
               </a:ext>
             </a:extLst>
           </p:cNvPr>
@@ -5538,13 +5490,13 @@
               </a:ext>
             </a:extLst>
           </a:blip>
-          <a:srcRect l="7455" t="4301" r="1821" b="7952"/>
+          <a:srcRect b="13878"/>
           <a:stretch/>
         </p:blipFill>
         <p:spPr bwMode="auto">
           <a:xfrm>
-            <a:off x="830316" y="3794234"/>
-            <a:ext cx="3020733" cy="2921636"/>
+            <a:off x="791769" y="5304141"/>
+            <a:ext cx="3062031" cy="1353048"/>
           </a:xfrm>
           <a:prstGeom prst="rect">
             <a:avLst/>
@@ -5561,10 +5513,85 @@
           </a:extLst>
         </p:spPr>
       </p:pic>
+      <p:pic>
+        <p:nvPicPr>
+          <p:cNvPr id="7172" name="Picture 4" descr="Image result for home energy use image">
+            <a:extLst>
+              <a:ext uri="{FF2B5EF4-FFF2-40B4-BE49-F238E27FC236}">
+                <a16:creationId xmlns:a16="http://schemas.microsoft.com/office/drawing/2014/main" id="{1C5A529C-7A2B-469D-9D9B-650E9121DC06}"/>
+              </a:ext>
+            </a:extLst>
+          </p:cNvPr>
+          <p:cNvPicPr>
+            <a:picLocks noChangeAspect="1" noChangeArrowheads="1"/>
+          </p:cNvPicPr>
+          <p:nvPr/>
+        </p:nvPicPr>
+        <p:blipFill rotWithShape="1">
+          <a:blip r:embed="rId4">
+            <a:extLst>
+              <a:ext uri="{28A0092B-C50C-407E-A947-70E740481C1C}">
+                <a14:useLocalDpi xmlns:a14="http://schemas.microsoft.com/office/drawing/2010/main" val="0"/>
+              </a:ext>
+            </a:extLst>
+          </a:blip>
+          <a:srcRect l="4530" t="31859" r="3967" b="3527"/>
+          <a:stretch/>
+        </p:blipFill>
+        <p:spPr bwMode="auto">
+          <a:xfrm>
+            <a:off x="791769" y="3676191"/>
+            <a:ext cx="3062031" cy="1353048"/>
+          </a:xfrm>
+          <a:prstGeom prst="rect">
+            <a:avLst/>
+          </a:prstGeom>
+          <a:noFill/>
+          <a:extLst>
+            <a:ext uri="{909E8E84-426E-40DD-AFC4-6F175D3DCCD1}">
+              <a14:hiddenFill xmlns:a14="http://schemas.microsoft.com/office/drawing/2010/main">
+                <a:solidFill>
+                  <a:srgbClr val="FFFFFF"/>
+                </a:solidFill>
+              </a14:hiddenFill>
+            </a:ext>
+          </a:extLst>
+        </p:spPr>
+      </p:pic>
+      <p:pic>
+        <p:nvPicPr>
+          <p:cNvPr id="12" name="Picture 11">
+            <a:extLst>
+              <a:ext uri="{FF2B5EF4-FFF2-40B4-BE49-F238E27FC236}">
+                <a16:creationId xmlns:a16="http://schemas.microsoft.com/office/drawing/2014/main" id="{4F164F6B-C5AC-44A1-BEC7-ECD24BD256EF}"/>
+              </a:ext>
+            </a:extLst>
+          </p:cNvPr>
+          <p:cNvPicPr>
+            <a:picLocks noChangeAspect="1"/>
+          </p:cNvPicPr>
+          <p:nvPr/>
+        </p:nvPicPr>
+        <p:blipFill>
+          <a:blip r:embed="rId5"/>
+          <a:stretch>
+            <a:fillRect/>
+          </a:stretch>
+        </p:blipFill>
+        <p:spPr>
+          <a:xfrm>
+            <a:off x="4702014" y="1195875"/>
+            <a:ext cx="7382613" cy="3708634"/>
+          </a:xfrm>
+          <a:prstGeom prst="rect">
+            <a:avLst/>
+          </a:prstGeom>
+        </p:spPr>
+      </p:pic>
     </p:spTree>
     <p:extLst>
       <p:ext uri="{BB962C8B-B14F-4D97-AF65-F5344CB8AC3E}">
-        <p14:creationId xmlns:p14="http://schemas.microsoft.com/office/powerpoint/2010/main" val="3084959748"/>
+        <p14:creationId xmlns:p14="http://schemas.microsoft.com/office/powerpoint/2010/main" val="3769715691"/>
       </p:ext>
     </p:extLst>
   </p:cSld>
@@ -5734,7 +5761,7 @@
         </p:nvSpPr>
         <p:spPr>
           <a:xfrm>
-            <a:off x="643467" y="643467"/>
+            <a:off x="645161" y="253516"/>
             <a:ext cx="3363974" cy="1728044"/>
           </a:xfrm>
           <a:noFill/>
@@ -5756,7 +5783,7 @@
                   <a:schemeClr val="bg1"/>
                 </a:solidFill>
               </a:rPr>
-              <a:t>Energy consumption</a:t>
+              <a:t>Human</a:t>
             </a:r>
             <a:br>
               <a:rPr lang="en-US" dirty="0">
@@ -5771,7 +5798,22 @@
                   <a:schemeClr val="bg1"/>
                 </a:solidFill>
               </a:rPr>
-              <a:t>by fuel type</a:t>
+              <a:t>development</a:t>
+            </a:r>
+            <a:br>
+              <a:rPr lang="en-US" dirty="0">
+                <a:solidFill>
+                  <a:schemeClr val="bg1"/>
+                </a:solidFill>
+              </a:rPr>
+            </a:br>
+            <a:r>
+              <a:rPr lang="en-US" dirty="0">
+                <a:solidFill>
+                  <a:schemeClr val="bg1"/>
+                </a:solidFill>
+              </a:rPr>
+              <a:t>Index (HDI)</a:t>
             </a:r>
           </a:p>
         </p:txBody>
@@ -5788,8 +5830,8 @@
         </p:nvSpPr>
         <p:spPr>
           <a:xfrm>
-            <a:off x="643467" y="2750729"/>
-            <a:ext cx="3363974" cy="3415622"/>
+            <a:off x="185432" y="2076159"/>
+            <a:ext cx="4298730" cy="3415622"/>
           </a:xfrm>
         </p:spPr>
         <p:txBody>
@@ -5807,7 +5849,366 @@
                   <a:schemeClr val="bg1"/>
                 </a:solidFill>
               </a:rPr>
-              <a:t>Count of humans in each country</a:t>
+              <a:t> Composite statistic of life expectancy, education, and per capita income indicators used to rate a country’s prosperity</a:t>
+            </a:r>
+          </a:p>
+          <a:p>
+            <a:pPr marL="0" indent="0" algn="ctr">
+              <a:buNone/>
+            </a:pPr>
+            <a:r>
+              <a:rPr lang="en-US" dirty="0">
+                <a:solidFill>
+                  <a:schemeClr val="bg1"/>
+                </a:solidFill>
+              </a:rPr>
+              <a:t>Source:</a:t>
+            </a:r>
+            <a:br>
+              <a:rPr lang="en-US" dirty="0">
+                <a:solidFill>
+                  <a:schemeClr val="bg1"/>
+                </a:solidFill>
+              </a:rPr>
+            </a:br>
+            <a:r>
+              <a:rPr lang="en-US" dirty="0">
+                <a:solidFill>
+                  <a:schemeClr val="bg1"/>
+                </a:solidFill>
+              </a:rPr>
+              <a:t>United Nations Human Development Data</a:t>
+            </a:r>
+          </a:p>
+        </p:txBody>
+      </p:sp>
+      <p:sp>
+        <p:nvSpPr>
+          <p:cNvPr id="7" name="TextBox 6">
+            <a:extLst>
+              <a:ext uri="{FF2B5EF4-FFF2-40B4-BE49-F238E27FC236}">
+                <a16:creationId xmlns:a16="http://schemas.microsoft.com/office/drawing/2014/main" id="{FCD54170-41EA-41EA-AE21-D7E8EE48D15A}"/>
+              </a:ext>
+            </a:extLst>
+          </p:cNvPr>
+          <p:cNvSpPr txBox="1"/>
+          <p:nvPr/>
+        </p:nvSpPr>
+        <p:spPr>
+          <a:xfrm flipH="1">
+            <a:off x="6446519" y="2490952"/>
+            <a:ext cx="4165252" cy="369332"/>
+          </a:xfrm>
+          <a:prstGeom prst="rect">
+            <a:avLst/>
+          </a:prstGeom>
+          <a:noFill/>
+        </p:spPr>
+        <p:txBody>
+          <a:bodyPr wrap="square" rtlCol="0">
+            <a:spAutoFit/>
+          </a:bodyPr>
+          <a:lstStyle/>
+          <a:p>
+            <a:r>
+              <a:rPr lang="en-US" dirty="0"/>
+              <a:t>Add graph of HDI over time</a:t>
+            </a:r>
+          </a:p>
+        </p:txBody>
+      </p:sp>
+      <p:pic>
+        <p:nvPicPr>
+          <p:cNvPr id="4098" name="Picture 2" descr="Image result for hDI images">
+            <a:extLst>
+              <a:ext uri="{FF2B5EF4-FFF2-40B4-BE49-F238E27FC236}">
+                <a16:creationId xmlns:a16="http://schemas.microsoft.com/office/drawing/2014/main" id="{ABCE68FF-32BB-400A-A394-46BB6AA87D3A}"/>
+              </a:ext>
+            </a:extLst>
+          </p:cNvPr>
+          <p:cNvPicPr>
+            <a:picLocks noChangeAspect="1" noChangeArrowheads="1"/>
+          </p:cNvPicPr>
+          <p:nvPr/>
+        </p:nvPicPr>
+        <p:blipFill rotWithShape="1">
+          <a:blip r:embed="rId3">
+            <a:extLst>
+              <a:ext uri="{28A0092B-C50C-407E-A947-70E740481C1C}">
+                <a14:useLocalDpi xmlns:a14="http://schemas.microsoft.com/office/drawing/2010/main" val="0"/>
+              </a:ext>
+            </a:extLst>
+          </a:blip>
+          <a:srcRect l="7455" t="4301" r="1821" b="7952"/>
+          <a:stretch/>
+        </p:blipFill>
+        <p:spPr bwMode="auto">
+          <a:xfrm>
+            <a:off x="830316" y="3794234"/>
+            <a:ext cx="3020733" cy="2921636"/>
+          </a:xfrm>
+          <a:prstGeom prst="rect">
+            <a:avLst/>
+          </a:prstGeom>
+          <a:noFill/>
+          <a:extLst>
+            <a:ext uri="{909E8E84-426E-40DD-AFC4-6F175D3DCCD1}">
+              <a14:hiddenFill xmlns:a14="http://schemas.microsoft.com/office/drawing/2010/main">
+                <a:solidFill>
+                  <a:srgbClr val="FFFFFF"/>
+                </a:solidFill>
+              </a14:hiddenFill>
+            </a:ext>
+          </a:extLst>
+        </p:spPr>
+      </p:pic>
+    </p:spTree>
+    <p:extLst>
+      <p:ext uri="{BB962C8B-B14F-4D97-AF65-F5344CB8AC3E}">
+        <p14:creationId xmlns:p14="http://schemas.microsoft.com/office/powerpoint/2010/main" val="3084959748"/>
+      </p:ext>
+    </p:extLst>
+  </p:cSld>
+  <p:clrMapOvr>
+    <a:masterClrMapping/>
+  </p:clrMapOvr>
+</p:sld>
+</file>
+
+<file path=ppt/slides/slide12.xml><?xml version="1.0" encoding="utf-8"?>
+<p:sld xmlns:a="http://schemas.openxmlformats.org/drawingml/2006/main" xmlns:r="http://schemas.openxmlformats.org/officeDocument/2006/relationships" xmlns:p="http://schemas.openxmlformats.org/presentationml/2006/main">
+  <p:cSld>
+    <p:bg>
+      <p:bgPr>
+        <a:solidFill>
+          <a:schemeClr val="bg1">
+            <a:lumMod val="95000"/>
+          </a:schemeClr>
+        </a:solidFill>
+        <a:effectLst/>
+      </p:bgPr>
+    </p:bg>
+    <p:spTree>
+      <p:nvGrpSpPr>
+        <p:cNvPr id="1" name=""/>
+        <p:cNvGrpSpPr/>
+        <p:nvPr/>
+      </p:nvGrpSpPr>
+      <p:grpSpPr>
+        <a:xfrm>
+          <a:off x="0" y="0"/>
+          <a:ext cx="0" cy="0"/>
+          <a:chOff x="0" y="0"/>
+          <a:chExt cx="0" cy="0"/>
+        </a:xfrm>
+      </p:grpSpPr>
+      <p:sp useBgFill="1">
+        <p:nvSpPr>
+          <p:cNvPr id="11" name="Rectangle 10">
+            <a:extLst>
+              <a:ext uri="{FF2B5EF4-FFF2-40B4-BE49-F238E27FC236}">
+                <a16:creationId xmlns:a16="http://schemas.microsoft.com/office/drawing/2014/main" id="{1660E788-AFA9-4A1B-9991-6AA74632A15B}"/>
+              </a:ext>
+              <a:ext uri="{C183D7F6-B498-43B3-948B-1728B52AA6E4}">
+                <adec:decorative xmlns:adec="http://schemas.microsoft.com/office/drawing/2017/decorative" val="1"/>
+              </a:ext>
+            </a:extLst>
+          </p:cNvPr>
+          <p:cNvSpPr>
+            <a:spLocks noGrp="1" noRot="1" noChangeAspect="1" noMove="1" noResize="1" noEditPoints="1" noAdjustHandles="1" noChangeArrowheads="1" noChangeShapeType="1" noTextEdit="1"/>
+          </p:cNvSpPr>
+          <p:nvPr>
+            <p:extLst>
+              <p:ext uri="{386F3935-93C4-4BCD-93E2-E3B085C9AB24}">
+                <p16:designElem xmlns:p16="http://schemas.microsoft.com/office/powerpoint/2015/main" val="1"/>
+              </p:ext>
+            </p:extLst>
+          </p:nvPr>
+        </p:nvSpPr>
+        <p:spPr>
+          <a:xfrm>
+            <a:off x="0" y="0"/>
+            <a:ext cx="12191999" cy="6858000"/>
+          </a:xfrm>
+          <a:prstGeom prst="rect">
+            <a:avLst/>
+          </a:prstGeom>
+          <a:ln>
+            <a:noFill/>
+          </a:ln>
+        </p:spPr>
+        <p:style>
+          <a:lnRef idx="2">
+            <a:schemeClr val="accent1">
+              <a:shade val="50000"/>
+            </a:schemeClr>
+          </a:lnRef>
+          <a:fillRef idx="1">
+            <a:schemeClr val="accent1"/>
+          </a:fillRef>
+          <a:effectRef idx="0">
+            <a:schemeClr val="accent1"/>
+          </a:effectRef>
+          <a:fontRef idx="minor">
+            <a:schemeClr val="lt1"/>
+          </a:fontRef>
+        </p:style>
+        <p:txBody>
+          <a:bodyPr rtlCol="0" anchor="ctr"/>
+          <a:lstStyle/>
+          <a:p>
+            <a:pPr algn="ctr"/>
+            <a:endParaRPr lang="en-US"/>
+          </a:p>
+        </p:txBody>
+      </p:sp>
+      <p:sp>
+        <p:nvSpPr>
+          <p:cNvPr id="13" name="Rectangle 12">
+            <a:extLst>
+              <a:ext uri="{FF2B5EF4-FFF2-40B4-BE49-F238E27FC236}">
+                <a16:creationId xmlns:a16="http://schemas.microsoft.com/office/drawing/2014/main" id="{867D4867-5BA7-4462-B2F6-A23F4A622AA7}"/>
+              </a:ext>
+              <a:ext uri="{C183D7F6-B498-43B3-948B-1728B52AA6E4}">
+                <adec:decorative xmlns:adec="http://schemas.microsoft.com/office/drawing/2017/decorative" val="1"/>
+              </a:ext>
+            </a:extLst>
+          </p:cNvPr>
+          <p:cNvSpPr>
+            <a:spLocks noGrp="1" noRot="1" noChangeAspect="1" noMove="1" noResize="1" noEditPoints="1" noAdjustHandles="1" noChangeArrowheads="1" noChangeShapeType="1" noTextEdit="1"/>
+          </p:cNvSpPr>
+          <p:nvPr>
+            <p:extLst>
+              <p:ext uri="{386F3935-93C4-4BCD-93E2-E3B085C9AB24}">
+                <p16:designElem xmlns:p16="http://schemas.microsoft.com/office/powerpoint/2015/main" val="1"/>
+              </p:ext>
+            </p:extLst>
+          </p:nvPr>
+        </p:nvSpPr>
+        <p:spPr>
+          <a:xfrm>
+            <a:off x="0" y="0"/>
+            <a:ext cx="4654296" cy="6858000"/>
+          </a:xfrm>
+          <a:prstGeom prst="rect">
+            <a:avLst/>
+          </a:prstGeom>
+          <a:solidFill>
+            <a:schemeClr val="tx2"/>
+          </a:solidFill>
+          <a:ln>
+            <a:noFill/>
+          </a:ln>
+        </p:spPr>
+        <p:style>
+          <a:lnRef idx="0">
+            <a:scrgbClr r="0" g="0" b="0"/>
+          </a:lnRef>
+          <a:fillRef idx="0">
+            <a:scrgbClr r="0" g="0" b="0"/>
+          </a:fillRef>
+          <a:effectRef idx="0">
+            <a:scrgbClr r="0" g="0" b="0"/>
+          </a:effectRef>
+          <a:fontRef idx="minor">
+            <a:schemeClr val="lt1"/>
+          </a:fontRef>
+        </p:style>
+        <p:txBody>
+          <a:bodyPr rtlCol="0" anchor="ctr"/>
+          <a:lstStyle/>
+          <a:p>
+            <a:pPr algn="ctr"/>
+            <a:endParaRPr lang="en-US"/>
+          </a:p>
+        </p:txBody>
+      </p:sp>
+      <p:sp>
+        <p:nvSpPr>
+          <p:cNvPr id="2" name="Title 1"/>
+          <p:cNvSpPr>
+            <a:spLocks noGrp="1"/>
+          </p:cNvSpPr>
+          <p:nvPr>
+            <p:ph type="title"/>
+          </p:nvPr>
+        </p:nvSpPr>
+        <p:spPr>
+          <a:xfrm>
+            <a:off x="643467" y="457780"/>
+            <a:ext cx="3363974" cy="1728044"/>
+          </a:xfrm>
+          <a:noFill/>
+          <a:ln>
+            <a:solidFill>
+              <a:schemeClr val="bg1"/>
+            </a:solidFill>
+          </a:ln>
+        </p:spPr>
+        <p:txBody>
+          <a:bodyPr wrap="square">
+            <a:normAutofit/>
+          </a:bodyPr>
+          <a:lstStyle/>
+          <a:p>
+            <a:r>
+              <a:rPr lang="en-US" dirty="0">
+                <a:solidFill>
+                  <a:schemeClr val="bg1"/>
+                </a:solidFill>
+              </a:rPr>
+              <a:t>Energy consumption</a:t>
+            </a:r>
+            <a:br>
+              <a:rPr lang="en-US" dirty="0">
+                <a:solidFill>
+                  <a:schemeClr val="bg1"/>
+                </a:solidFill>
+              </a:rPr>
+            </a:br>
+            <a:r>
+              <a:rPr lang="en-US" dirty="0">
+                <a:solidFill>
+                  <a:schemeClr val="bg1"/>
+                </a:solidFill>
+              </a:rPr>
+              <a:t>by fuel type</a:t>
+            </a:r>
+          </a:p>
+        </p:txBody>
+      </p:sp>
+      <p:sp>
+        <p:nvSpPr>
+          <p:cNvPr id="3" name="Content Placeholder 2"/>
+          <p:cNvSpPr>
+            <a:spLocks noGrp="1"/>
+          </p:cNvSpPr>
+          <p:nvPr>
+            <p:ph idx="1"/>
+          </p:nvPr>
+        </p:nvSpPr>
+        <p:spPr>
+          <a:xfrm>
+            <a:off x="643467" y="2486352"/>
+            <a:ext cx="3363974" cy="3589406"/>
+          </a:xfrm>
+        </p:spPr>
+        <p:txBody>
+          <a:bodyPr>
+            <a:normAutofit/>
+          </a:bodyPr>
+          <a:lstStyle/>
+          <a:p>
+            <a:pPr marL="0" indent="0" algn="ctr">
+              <a:buNone/>
+            </a:pPr>
+            <a:r>
+              <a:rPr lang="en-US" dirty="0">
+                <a:solidFill>
+                  <a:schemeClr val="bg1"/>
+                </a:solidFill>
+              </a:rPr>
+              <a:t>Total amount of energy consumed by “green” sources</a:t>
             </a:r>
           </a:p>
           <a:p>
@@ -5867,8 +6268,8 @@
         </p:blipFill>
         <p:spPr bwMode="auto">
           <a:xfrm>
-            <a:off x="707017" y="4099368"/>
-            <a:ext cx="3236874" cy="2412807"/>
+            <a:off x="269894" y="4371648"/>
+            <a:ext cx="4111120" cy="2345420"/>
           </a:xfrm>
           <a:prstGeom prst="rect">
             <a:avLst/>
@@ -5885,47 +6286,12 @@
           </a:extLst>
         </p:spPr>
       </p:pic>
-      <p:sp>
-        <p:nvSpPr>
-          <p:cNvPr id="7" name="TextBox 6">
+      <p:pic>
+        <p:nvPicPr>
+          <p:cNvPr id="6" name="Picture 5">
             <a:extLst>
               <a:ext uri="{FF2B5EF4-FFF2-40B4-BE49-F238E27FC236}">
-                <a16:creationId xmlns:a16="http://schemas.microsoft.com/office/drawing/2014/main" id="{FCD54170-41EA-41EA-AE21-D7E8EE48D15A}"/>
-              </a:ext>
-            </a:extLst>
-          </p:cNvPr>
-          <p:cNvSpPr txBox="1"/>
-          <p:nvPr/>
-        </p:nvSpPr>
-        <p:spPr>
-          <a:xfrm flipH="1">
-            <a:off x="6709277" y="1138157"/>
-            <a:ext cx="4165252" cy="369332"/>
-          </a:xfrm>
-          <a:prstGeom prst="rect">
-            <a:avLst/>
-          </a:prstGeom>
-          <a:noFill/>
-        </p:spPr>
-        <p:txBody>
-          <a:bodyPr wrap="square" rtlCol="0">
-            <a:spAutoFit/>
-          </a:bodyPr>
-          <a:lstStyle/>
-          <a:p>
-            <a:r>
-              <a:rPr lang="en-US" dirty="0"/>
-              <a:t>Add graph of population over time</a:t>
-            </a:r>
-          </a:p>
-        </p:txBody>
-      </p:sp>
-      <p:pic>
-        <p:nvPicPr>
-          <p:cNvPr id="9" name="Picture 8">
-            <a:extLst>
-              <a:ext uri="{FF2B5EF4-FFF2-40B4-BE49-F238E27FC236}">
-                <a16:creationId xmlns:a16="http://schemas.microsoft.com/office/drawing/2014/main" id="{623EC88A-5D7A-41B7-A3AD-DCC380AF4539}"/>
+                <a16:creationId xmlns:a16="http://schemas.microsoft.com/office/drawing/2014/main" id="{1B3FA093-37D8-4C23-9C70-60766F46C408}"/>
               </a:ext>
             </a:extLst>
           </p:cNvPr>
@@ -5934,15 +6300,46 @@
           </p:cNvPicPr>
           <p:nvPr/>
         </p:nvPicPr>
-        <p:blipFill rotWithShape="1">
+        <p:blipFill>
           <a:blip r:embed="rId4"/>
-          <a:srcRect t="1779" b="4063"/>
-          <a:stretch/>
+          <a:stretch>
+            <a:fillRect/>
+          </a:stretch>
         </p:blipFill>
         <p:spPr>
           <a:xfrm>
-            <a:off x="5371031" y="3037540"/>
-            <a:ext cx="6133328" cy="3583978"/>
+            <a:off x="5297763" y="189188"/>
+            <a:ext cx="6149600" cy="3239812"/>
+          </a:xfrm>
+          <a:prstGeom prst="rect">
+            <a:avLst/>
+          </a:prstGeom>
+        </p:spPr>
+      </p:pic>
+      <p:pic>
+        <p:nvPicPr>
+          <p:cNvPr id="10" name="Picture 9">
+            <a:extLst>
+              <a:ext uri="{FF2B5EF4-FFF2-40B4-BE49-F238E27FC236}">
+                <a16:creationId xmlns:a16="http://schemas.microsoft.com/office/drawing/2014/main" id="{48E9EB68-C630-427C-BE78-F0B9996CD75A}"/>
+              </a:ext>
+            </a:extLst>
+          </p:cNvPr>
+          <p:cNvPicPr>
+            <a:picLocks noChangeAspect="1"/>
+          </p:cNvPicPr>
+          <p:nvPr/>
+        </p:nvPicPr>
+        <p:blipFill>
+          <a:blip r:embed="rId5"/>
+          <a:stretch>
+            <a:fillRect/>
+          </a:stretch>
+        </p:blipFill>
+        <p:spPr>
+          <a:xfrm>
+            <a:off x="5742292" y="3568307"/>
+            <a:ext cx="5361708" cy="3100506"/>
           </a:xfrm>
           <a:prstGeom prst="rect">
             <a:avLst/>
@@ -5953,347 +6350,6 @@
     <p:extLst>
       <p:ext uri="{BB962C8B-B14F-4D97-AF65-F5344CB8AC3E}">
         <p14:creationId xmlns:p14="http://schemas.microsoft.com/office/powerpoint/2010/main" val="1861769564"/>
-      </p:ext>
-    </p:extLst>
-  </p:cSld>
-  <p:clrMapOvr>
-    <a:masterClrMapping/>
-  </p:clrMapOvr>
-</p:sld>
-</file>
-
-<file path=ppt/slides/slide12.xml><?xml version="1.0" encoding="utf-8"?>
-<p:sld xmlns:a="http://schemas.openxmlformats.org/drawingml/2006/main" xmlns:r="http://schemas.openxmlformats.org/officeDocument/2006/relationships" xmlns:p="http://schemas.openxmlformats.org/presentationml/2006/main">
-  <p:cSld>
-    <p:bg>
-      <p:bgPr>
-        <a:solidFill>
-          <a:schemeClr val="bg1"/>
-        </a:solidFill>
-        <a:effectLst/>
-      </p:bgPr>
-    </p:bg>
-    <p:spTree>
-      <p:nvGrpSpPr>
-        <p:cNvPr id="1" name=""/>
-        <p:cNvGrpSpPr/>
-        <p:nvPr/>
-      </p:nvGrpSpPr>
-      <p:grpSpPr>
-        <a:xfrm>
-          <a:off x="0" y="0"/>
-          <a:ext cx="0" cy="0"/>
-          <a:chOff x="0" y="0"/>
-          <a:chExt cx="0" cy="0"/>
-        </a:xfrm>
-      </p:grpSpPr>
-      <p:sp>
-        <p:nvSpPr>
-          <p:cNvPr id="9" name="Rectangle 8">
-            <a:extLst>
-              <a:ext uri="{FF2B5EF4-FFF2-40B4-BE49-F238E27FC236}">
-                <a16:creationId xmlns:a16="http://schemas.microsoft.com/office/drawing/2014/main" id="{C33976D1-3430-450C-A978-87A9A6E8E71F}"/>
-              </a:ext>
-              <a:ext uri="{C183D7F6-B498-43B3-948B-1728B52AA6E4}">
-                <adec:decorative xmlns:adec="http://schemas.microsoft.com/office/drawing/2017/decorative" val="1"/>
-              </a:ext>
-            </a:extLst>
-          </p:cNvPr>
-          <p:cNvSpPr>
-            <a:spLocks noGrp="1" noRot="1" noChangeAspect="1" noMove="1" noResize="1" noEditPoints="1" noAdjustHandles="1" noChangeArrowheads="1" noChangeShapeType="1" noTextEdit="1"/>
-          </p:cNvSpPr>
-          <p:nvPr>
-            <p:extLst>
-              <p:ext uri="{386F3935-93C4-4BCD-93E2-E3B085C9AB24}">
-                <p16:designElem xmlns:p16="http://schemas.microsoft.com/office/powerpoint/2015/main" val="1"/>
-              </p:ext>
-            </p:extLst>
-          </p:nvPr>
-        </p:nvSpPr>
-        <p:spPr>
-          <a:xfrm>
-            <a:off x="0" y="0"/>
-            <a:ext cx="12192000" cy="6858000"/>
-          </a:xfrm>
-          <a:prstGeom prst="rect">
-            <a:avLst/>
-          </a:prstGeom>
-          <a:solidFill>
-            <a:schemeClr val="accent2"/>
-          </a:solidFill>
-          <a:ln>
-            <a:noFill/>
-          </a:ln>
-        </p:spPr>
-        <p:style>
-          <a:lnRef idx="2">
-            <a:schemeClr val="accent1">
-              <a:shade val="50000"/>
-            </a:schemeClr>
-          </a:lnRef>
-          <a:fillRef idx="1">
-            <a:schemeClr val="accent1"/>
-          </a:fillRef>
-          <a:effectRef idx="0">
-            <a:schemeClr val="accent1"/>
-          </a:effectRef>
-          <a:fontRef idx="minor">
-            <a:schemeClr val="lt1"/>
-          </a:fontRef>
-        </p:style>
-        <p:txBody>
-          <a:bodyPr rtlCol="0" anchor="ctr"/>
-          <a:lstStyle/>
-          <a:p>
-            <a:pPr algn="ctr"/>
-            <a:endParaRPr lang="en-US"/>
-          </a:p>
-        </p:txBody>
-      </p:sp>
-      <p:sp>
-        <p:nvSpPr>
-          <p:cNvPr id="11" name="Rectangle 10">
-            <a:extLst>
-              <a:ext uri="{FF2B5EF4-FFF2-40B4-BE49-F238E27FC236}">
-                <a16:creationId xmlns:a16="http://schemas.microsoft.com/office/drawing/2014/main" id="{7D6AAC78-7D86-415A-ADC1-2B474807960C}"/>
-              </a:ext>
-              <a:ext uri="{C183D7F6-B498-43B3-948B-1728B52AA6E4}">
-                <adec:decorative xmlns:adec="http://schemas.microsoft.com/office/drawing/2017/decorative" val="1"/>
-              </a:ext>
-            </a:extLst>
-          </p:cNvPr>
-          <p:cNvSpPr>
-            <a:spLocks noGrp="1" noRot="1" noChangeAspect="1" noMove="1" noResize="1" noEditPoints="1" noAdjustHandles="1" noChangeArrowheads="1" noChangeShapeType="1" noTextEdit="1"/>
-          </p:cNvSpPr>
-          <p:nvPr>
-            <p:extLst>
-              <p:ext uri="{386F3935-93C4-4BCD-93E2-E3B085C9AB24}">
-                <p16:designElem xmlns:p16="http://schemas.microsoft.com/office/powerpoint/2015/main" val="1"/>
-              </p:ext>
-            </p:extLst>
-          </p:nvPr>
-        </p:nvSpPr>
-        <p:spPr>
-          <a:xfrm>
-            <a:off x="1249680" y="1248156"/>
-            <a:ext cx="9692640" cy="4361688"/>
-          </a:xfrm>
-          <a:prstGeom prst="rect">
-            <a:avLst/>
-          </a:prstGeom>
-          <a:solidFill>
-            <a:srgbClr val="FFFFFF"/>
-          </a:solidFill>
-          <a:ln>
-            <a:noFill/>
-          </a:ln>
-        </p:spPr>
-        <p:style>
-          <a:lnRef idx="2">
-            <a:schemeClr val="accent1">
-              <a:shade val="50000"/>
-            </a:schemeClr>
-          </a:lnRef>
-          <a:fillRef idx="1">
-            <a:schemeClr val="accent1"/>
-          </a:fillRef>
-          <a:effectRef idx="0">
-            <a:schemeClr val="accent1"/>
-          </a:effectRef>
-          <a:fontRef idx="minor">
-            <a:schemeClr val="lt1"/>
-          </a:fontRef>
-        </p:style>
-        <p:txBody>
-          <a:bodyPr rtlCol="0" anchor="ctr"/>
-          <a:lstStyle/>
-          <a:p>
-            <a:pPr algn="ctr"/>
-            <a:endParaRPr lang="en-US"/>
-          </a:p>
-        </p:txBody>
-      </p:sp>
-      <p:sp>
-        <p:nvSpPr>
-          <p:cNvPr id="13" name="Rectangle 12">
-            <a:extLst>
-              <a:ext uri="{FF2B5EF4-FFF2-40B4-BE49-F238E27FC236}">
-                <a16:creationId xmlns:a16="http://schemas.microsoft.com/office/drawing/2014/main" id="{F2A658D9-F185-44F1-BA33-D50320D1D078}"/>
-              </a:ext>
-              <a:ext uri="{C183D7F6-B498-43B3-948B-1728B52AA6E4}">
-                <adec:decorative xmlns:adec="http://schemas.microsoft.com/office/drawing/2017/decorative" val="1"/>
-              </a:ext>
-            </a:extLst>
-          </p:cNvPr>
-          <p:cNvSpPr>
-            <a:spLocks noGrp="1" noRot="1" noChangeAspect="1" noMove="1" noResize="1" noEditPoints="1" noAdjustHandles="1" noChangeArrowheads="1" noChangeShapeType="1" noTextEdit="1"/>
-          </p:cNvSpPr>
-          <p:nvPr>
-            <p:extLst>
-              <p:ext uri="{386F3935-93C4-4BCD-93E2-E3B085C9AB24}">
-                <p16:designElem xmlns:p16="http://schemas.microsoft.com/office/powerpoint/2015/main" val="1"/>
-              </p:ext>
-            </p:extLst>
-          </p:nvPr>
-        </p:nvSpPr>
-        <p:spPr>
-          <a:xfrm>
-            <a:off x="1062228" y="1060704"/>
-            <a:ext cx="10067544" cy="4736592"/>
-          </a:xfrm>
-          <a:prstGeom prst="rect">
-            <a:avLst/>
-          </a:prstGeom>
-          <a:noFill/>
-          <a:ln w="31750" cap="sq">
-            <a:solidFill>
-              <a:srgbClr val="FFFFFF"/>
-            </a:solidFill>
-            <a:miter lim="800000"/>
-          </a:ln>
-        </p:spPr>
-        <p:style>
-          <a:lnRef idx="2">
-            <a:schemeClr val="accent1">
-              <a:shade val="50000"/>
-            </a:schemeClr>
-          </a:lnRef>
-          <a:fillRef idx="1">
-            <a:schemeClr val="accent1"/>
-          </a:fillRef>
-          <a:effectRef idx="0">
-            <a:schemeClr val="accent1"/>
-          </a:effectRef>
-          <a:fontRef idx="minor">
-            <a:schemeClr val="lt1"/>
-          </a:fontRef>
-        </p:style>
-        <p:txBody>
-          <a:bodyPr rtlCol="0" anchor="ctr"/>
-          <a:lstStyle/>
-          <a:p>
-            <a:pPr algn="ctr"/>
-            <a:endParaRPr lang="en-US"/>
-          </a:p>
-        </p:txBody>
-      </p:sp>
-      <p:sp>
-        <p:nvSpPr>
-          <p:cNvPr id="2" name="Title 1"/>
-          <p:cNvSpPr>
-            <a:spLocks noGrp="1"/>
-          </p:cNvSpPr>
-          <p:nvPr>
-            <p:ph type="title"/>
-          </p:nvPr>
-        </p:nvSpPr>
-        <p:spPr>
-          <a:xfrm>
-            <a:off x="2231136" y="467418"/>
-            <a:ext cx="7729728" cy="1188720"/>
-          </a:xfrm>
-          <a:solidFill>
-            <a:srgbClr val="FFFFFF"/>
-          </a:solidFill>
-        </p:spPr>
-        <p:txBody>
-          <a:bodyPr>
-            <a:normAutofit/>
-          </a:bodyPr>
-          <a:lstStyle/>
-          <a:p>
-            <a:r>
-              <a:rPr lang="en-US" dirty="0"/>
-              <a:t>Post Mortem</a:t>
-            </a:r>
-          </a:p>
-        </p:txBody>
-      </p:sp>
-      <p:sp>
-        <p:nvSpPr>
-          <p:cNvPr id="3" name="Content Placeholder 2"/>
-          <p:cNvSpPr>
-            <a:spLocks noGrp="1"/>
-          </p:cNvSpPr>
-          <p:nvPr>
-            <p:ph idx="1"/>
-          </p:nvPr>
-        </p:nvSpPr>
-        <p:spPr>
-          <a:xfrm>
-            <a:off x="1706062" y="2291262"/>
-            <a:ext cx="8779512" cy="2879256"/>
-          </a:xfrm>
-        </p:spPr>
-        <p:txBody>
-          <a:bodyPr>
-            <a:normAutofit/>
-          </a:bodyPr>
-          <a:lstStyle/>
-          <a:p>
-            <a:r>
-              <a:rPr lang="en-US" sz="2400" dirty="0">
-                <a:solidFill>
-                  <a:schemeClr val="tx1"/>
-                </a:solidFill>
-              </a:rPr>
-              <a:t>Find alternative data sources</a:t>
-            </a:r>
-          </a:p>
-          <a:p>
-            <a:pPr lvl="2">
-              <a:buFont typeface="Gill Sans MT" panose="020B0502020104020203" pitchFamily="34" charset="0"/>
-              <a:buChar char="–"/>
-            </a:pPr>
-            <a:r>
-              <a:rPr lang="en-US" sz="2400" dirty="0">
-                <a:solidFill>
-                  <a:schemeClr val="tx1"/>
-                </a:solidFill>
-              </a:rPr>
-              <a:t>Search for missing data (Africa)</a:t>
-            </a:r>
-          </a:p>
-          <a:p>
-            <a:pPr lvl="2">
-              <a:buFont typeface="Gill Sans MT" panose="020B0502020104020203" pitchFamily="34" charset="0"/>
-              <a:buChar char="–"/>
-            </a:pPr>
-            <a:r>
-              <a:rPr lang="en-US" sz="2400" dirty="0">
-                <a:solidFill>
-                  <a:schemeClr val="tx1"/>
-                </a:solidFill>
-              </a:rPr>
-              <a:t>Baseline capacity before 1990</a:t>
-            </a:r>
-          </a:p>
-          <a:p>
-            <a:r>
-              <a:rPr lang="en-US" sz="2400" dirty="0">
-                <a:solidFill>
-                  <a:schemeClr val="tx1"/>
-                </a:solidFill>
-              </a:rPr>
-              <a:t>Learn how to label Google Maps</a:t>
-            </a:r>
-          </a:p>
-          <a:p>
-            <a:r>
-              <a:rPr lang="en-US" sz="2400" dirty="0">
-                <a:solidFill>
-                  <a:schemeClr val="tx1"/>
-                </a:solidFill>
-              </a:rPr>
-              <a:t>Research other indicators for areas where HDI didn’t correlate with energy use/capacity</a:t>
-            </a:r>
-          </a:p>
-        </p:txBody>
-      </p:sp>
-    </p:spTree>
-    <p:extLst>
-      <p:ext uri="{BB962C8B-B14F-4D97-AF65-F5344CB8AC3E}">
-        <p14:creationId xmlns:p14="http://schemas.microsoft.com/office/powerpoint/2010/main" val="4103291626"/>
       </p:ext>
     </p:extLst>
   </p:cSld>
@@ -6328,12 +6384,12 @@
           <a:chExt cx="0" cy="0"/>
         </a:xfrm>
       </p:grpSpPr>
-      <p:sp useBgFill="1">
-        <p:nvSpPr>
-          <p:cNvPr id="11" name="Rectangle 10">
+      <p:sp>
+        <p:nvSpPr>
+          <p:cNvPr id="9" name="Rectangle 8">
             <a:extLst>
               <a:ext uri="{FF2B5EF4-FFF2-40B4-BE49-F238E27FC236}">
-                <a16:creationId xmlns:a16="http://schemas.microsoft.com/office/drawing/2014/main" id="{3ED03601-4724-4293-A32A-3A0879C5D491}"/>
+                <a16:creationId xmlns:a16="http://schemas.microsoft.com/office/drawing/2014/main" id="{C33976D1-3430-450C-A978-87A9A6E8E71F}"/>
               </a:ext>
               <a:ext uri="{C183D7F6-B498-43B3-948B-1728B52AA6E4}">
                 <adec:decorative xmlns:adec="http://schemas.microsoft.com/office/drawing/2017/decorative" val="1"/>
@@ -6353,12 +6409,15 @@
         </p:nvSpPr>
         <p:spPr>
           <a:xfrm>
-            <a:off x="0" y="-2"/>
-            <a:ext cx="12192000" cy="6858002"/>
+            <a:off x="0" y="0"/>
+            <a:ext cx="12192000" cy="6858000"/>
           </a:xfrm>
           <a:prstGeom prst="rect">
             <a:avLst/>
           </a:prstGeom>
+          <a:solidFill>
+            <a:schemeClr val="accent2"/>
+          </a:solidFill>
           <a:ln>
             <a:noFill/>
           </a:ln>
@@ -6390,10 +6449,10 @@
       </p:sp>
       <p:sp>
         <p:nvSpPr>
-          <p:cNvPr id="13" name="Rectangle 12">
+          <p:cNvPr id="11" name="Rectangle 10">
             <a:extLst>
               <a:ext uri="{FF2B5EF4-FFF2-40B4-BE49-F238E27FC236}">
-                <a16:creationId xmlns:a16="http://schemas.microsoft.com/office/drawing/2014/main" id="{5E433AC3-E189-483B-9E8C-DFD5D2A18641}"/>
+                <a16:creationId xmlns:a16="http://schemas.microsoft.com/office/drawing/2014/main" id="{7D6AAC78-7D86-415A-ADC1-2B474807960C}"/>
               </a:ext>
               <a:ext uri="{C183D7F6-B498-43B3-948B-1728B52AA6E4}">
                 <adec:decorative xmlns:adec="http://schemas.microsoft.com/office/drawing/2017/decorative" val="1"/>
@@ -6413,14 +6472,14 @@
         </p:nvSpPr>
         <p:spPr>
           <a:xfrm>
-            <a:off x="0" y="4918509"/>
-            <a:ext cx="12192000" cy="1939491"/>
+            <a:off x="1249680" y="1248156"/>
+            <a:ext cx="9692640" cy="4361688"/>
           </a:xfrm>
           <a:prstGeom prst="rect">
             <a:avLst/>
           </a:prstGeom>
           <a:solidFill>
-            <a:schemeClr val="accent2"/>
+            <a:srgbClr val="FFFFFF"/>
           </a:solidFill>
           <a:ln>
             <a:noFill/>
@@ -6453,19 +6512,86 @@
       </p:sp>
       <p:sp>
         <p:nvSpPr>
+          <p:cNvPr id="13" name="Rectangle 12">
+            <a:extLst>
+              <a:ext uri="{FF2B5EF4-FFF2-40B4-BE49-F238E27FC236}">
+                <a16:creationId xmlns:a16="http://schemas.microsoft.com/office/drawing/2014/main" id="{F2A658D9-F185-44F1-BA33-D50320D1D078}"/>
+              </a:ext>
+              <a:ext uri="{C183D7F6-B498-43B3-948B-1728B52AA6E4}">
+                <adec:decorative xmlns:adec="http://schemas.microsoft.com/office/drawing/2017/decorative" val="1"/>
+              </a:ext>
+            </a:extLst>
+          </p:cNvPr>
+          <p:cNvSpPr>
+            <a:spLocks noGrp="1" noRot="1" noChangeAspect="1" noMove="1" noResize="1" noEditPoints="1" noAdjustHandles="1" noChangeArrowheads="1" noChangeShapeType="1" noTextEdit="1"/>
+          </p:cNvSpPr>
+          <p:nvPr>
+            <p:extLst>
+              <p:ext uri="{386F3935-93C4-4BCD-93E2-E3B085C9AB24}">
+                <p16:designElem xmlns:p16="http://schemas.microsoft.com/office/powerpoint/2015/main" val="1"/>
+              </p:ext>
+            </p:extLst>
+          </p:nvPr>
+        </p:nvSpPr>
+        <p:spPr>
+          <a:xfrm>
+            <a:off x="1062228" y="1060704"/>
+            <a:ext cx="10067544" cy="4736592"/>
+          </a:xfrm>
+          <a:prstGeom prst="rect">
+            <a:avLst/>
+          </a:prstGeom>
+          <a:noFill/>
+          <a:ln w="31750" cap="sq">
+            <a:solidFill>
+              <a:srgbClr val="FFFFFF"/>
+            </a:solidFill>
+            <a:miter lim="800000"/>
+          </a:ln>
+        </p:spPr>
+        <p:style>
+          <a:lnRef idx="2">
+            <a:schemeClr val="accent1">
+              <a:shade val="50000"/>
+            </a:schemeClr>
+          </a:lnRef>
+          <a:fillRef idx="1">
+            <a:schemeClr val="accent1"/>
+          </a:fillRef>
+          <a:effectRef idx="0">
+            <a:schemeClr val="accent1"/>
+          </a:effectRef>
+          <a:fontRef idx="minor">
+            <a:schemeClr val="lt1"/>
+          </a:fontRef>
+        </p:style>
+        <p:txBody>
+          <a:bodyPr rtlCol="0" anchor="ctr"/>
+          <a:lstStyle/>
+          <a:p>
+            <a:pPr algn="ctr"/>
+            <a:endParaRPr lang="en-US"/>
+          </a:p>
+        </p:txBody>
+      </p:sp>
+      <p:sp>
+        <p:nvSpPr>
           <p:cNvPr id="2" name="Title 1"/>
           <p:cNvSpPr>
             <a:spLocks noGrp="1"/>
           </p:cNvSpPr>
           <p:nvPr>
-            <p:ph type="ctrTitle"/>
+            <p:ph type="title"/>
           </p:nvPr>
         </p:nvSpPr>
         <p:spPr>
           <a:xfrm>
-            <a:off x="1600200" y="4269282"/>
-            <a:ext cx="8991600" cy="1264762"/>
-          </a:xfrm>
+            <a:off x="2231136" y="467418"/>
+            <a:ext cx="7729728" cy="1188720"/>
+          </a:xfrm>
+          <a:solidFill>
+            <a:srgbClr val="FFFFFF"/>
+          </a:solidFill>
         </p:spPr>
         <p:txBody>
           <a:bodyPr>
@@ -6474,6 +6600,277 @@
           <a:lstStyle/>
           <a:p>
             <a:r>
+              <a:rPr lang="en-US" dirty="0"/>
+              <a:t>Post Mortem</a:t>
+            </a:r>
+          </a:p>
+        </p:txBody>
+      </p:sp>
+      <p:sp>
+        <p:nvSpPr>
+          <p:cNvPr id="3" name="Content Placeholder 2"/>
+          <p:cNvSpPr>
+            <a:spLocks noGrp="1"/>
+          </p:cNvSpPr>
+          <p:nvPr>
+            <p:ph idx="1"/>
+          </p:nvPr>
+        </p:nvSpPr>
+        <p:spPr>
+          <a:xfrm>
+            <a:off x="1706062" y="2291262"/>
+            <a:ext cx="8779512" cy="2879256"/>
+          </a:xfrm>
+        </p:spPr>
+        <p:txBody>
+          <a:bodyPr>
+            <a:normAutofit/>
+          </a:bodyPr>
+          <a:lstStyle/>
+          <a:p>
+            <a:r>
+              <a:rPr lang="en-US" sz="2400" dirty="0">
+                <a:solidFill>
+                  <a:schemeClr val="tx1"/>
+                </a:solidFill>
+              </a:rPr>
+              <a:t>Find alternative data sources</a:t>
+            </a:r>
+          </a:p>
+          <a:p>
+            <a:pPr lvl="2">
+              <a:buFont typeface="Gill Sans MT" panose="020B0502020104020203" pitchFamily="34" charset="0"/>
+              <a:buChar char="–"/>
+            </a:pPr>
+            <a:r>
+              <a:rPr lang="en-US" sz="2400" dirty="0">
+                <a:solidFill>
+                  <a:schemeClr val="tx1"/>
+                </a:solidFill>
+              </a:rPr>
+              <a:t>Search for missing data (Africa)</a:t>
+            </a:r>
+          </a:p>
+          <a:p>
+            <a:pPr lvl="2">
+              <a:buFont typeface="Gill Sans MT" panose="020B0502020104020203" pitchFamily="34" charset="0"/>
+              <a:buChar char="–"/>
+            </a:pPr>
+            <a:r>
+              <a:rPr lang="en-US" sz="2400" dirty="0">
+                <a:solidFill>
+                  <a:schemeClr val="tx1"/>
+                </a:solidFill>
+              </a:rPr>
+              <a:t>Baseline capacity before 1990</a:t>
+            </a:r>
+          </a:p>
+          <a:p>
+            <a:r>
+              <a:rPr lang="en-US" sz="2400" dirty="0">
+                <a:solidFill>
+                  <a:schemeClr val="tx1"/>
+                </a:solidFill>
+              </a:rPr>
+              <a:t>Learn how to label Google Maps</a:t>
+            </a:r>
+          </a:p>
+          <a:p>
+            <a:r>
+              <a:rPr lang="en-US" sz="2400" dirty="0">
+                <a:solidFill>
+                  <a:schemeClr val="tx1"/>
+                </a:solidFill>
+              </a:rPr>
+              <a:t>Research other indicators for areas where HDI didn’t correlate with energy use/capacity</a:t>
+            </a:r>
+          </a:p>
+        </p:txBody>
+      </p:sp>
+    </p:spTree>
+    <p:extLst>
+      <p:ext uri="{BB962C8B-B14F-4D97-AF65-F5344CB8AC3E}">
+        <p14:creationId xmlns:p14="http://schemas.microsoft.com/office/powerpoint/2010/main" val="4103291626"/>
+      </p:ext>
+    </p:extLst>
+  </p:cSld>
+  <p:clrMapOvr>
+    <a:masterClrMapping/>
+  </p:clrMapOvr>
+</p:sld>
+</file>
+
+<file path=ppt/slides/slide14.xml><?xml version="1.0" encoding="utf-8"?>
+<p:sld xmlns:a="http://schemas.openxmlformats.org/drawingml/2006/main" xmlns:r="http://schemas.openxmlformats.org/officeDocument/2006/relationships" xmlns:p="http://schemas.openxmlformats.org/presentationml/2006/main">
+  <p:cSld>
+    <p:bg>
+      <p:bgPr>
+        <a:solidFill>
+          <a:schemeClr val="bg1"/>
+        </a:solidFill>
+        <a:effectLst/>
+      </p:bgPr>
+    </p:bg>
+    <p:spTree>
+      <p:nvGrpSpPr>
+        <p:cNvPr id="1" name=""/>
+        <p:cNvGrpSpPr/>
+        <p:nvPr/>
+      </p:nvGrpSpPr>
+      <p:grpSpPr>
+        <a:xfrm>
+          <a:off x="0" y="0"/>
+          <a:ext cx="0" cy="0"/>
+          <a:chOff x="0" y="0"/>
+          <a:chExt cx="0" cy="0"/>
+        </a:xfrm>
+      </p:grpSpPr>
+      <p:sp useBgFill="1">
+        <p:nvSpPr>
+          <p:cNvPr id="11" name="Rectangle 10">
+            <a:extLst>
+              <a:ext uri="{FF2B5EF4-FFF2-40B4-BE49-F238E27FC236}">
+                <a16:creationId xmlns:a16="http://schemas.microsoft.com/office/drawing/2014/main" id="{3ED03601-4724-4293-A32A-3A0879C5D491}"/>
+              </a:ext>
+              <a:ext uri="{C183D7F6-B498-43B3-948B-1728B52AA6E4}">
+                <adec:decorative xmlns:adec="http://schemas.microsoft.com/office/drawing/2017/decorative" val="1"/>
+              </a:ext>
+            </a:extLst>
+          </p:cNvPr>
+          <p:cNvSpPr>
+            <a:spLocks noGrp="1" noRot="1" noChangeAspect="1" noMove="1" noResize="1" noEditPoints="1" noAdjustHandles="1" noChangeArrowheads="1" noChangeShapeType="1" noTextEdit="1"/>
+          </p:cNvSpPr>
+          <p:nvPr>
+            <p:extLst>
+              <p:ext uri="{386F3935-93C4-4BCD-93E2-E3B085C9AB24}">
+                <p16:designElem xmlns:p16="http://schemas.microsoft.com/office/powerpoint/2015/main" val="1"/>
+              </p:ext>
+            </p:extLst>
+          </p:nvPr>
+        </p:nvSpPr>
+        <p:spPr>
+          <a:xfrm>
+            <a:off x="0" y="-2"/>
+            <a:ext cx="12192000" cy="6858002"/>
+          </a:xfrm>
+          <a:prstGeom prst="rect">
+            <a:avLst/>
+          </a:prstGeom>
+          <a:ln>
+            <a:noFill/>
+          </a:ln>
+        </p:spPr>
+        <p:style>
+          <a:lnRef idx="2">
+            <a:schemeClr val="accent1">
+              <a:shade val="50000"/>
+            </a:schemeClr>
+          </a:lnRef>
+          <a:fillRef idx="1">
+            <a:schemeClr val="accent1"/>
+          </a:fillRef>
+          <a:effectRef idx="0">
+            <a:schemeClr val="accent1"/>
+          </a:effectRef>
+          <a:fontRef idx="minor">
+            <a:schemeClr val="lt1"/>
+          </a:fontRef>
+        </p:style>
+        <p:txBody>
+          <a:bodyPr rtlCol="0" anchor="ctr"/>
+          <a:lstStyle/>
+          <a:p>
+            <a:pPr algn="ctr"/>
+            <a:endParaRPr lang="en-US"/>
+          </a:p>
+        </p:txBody>
+      </p:sp>
+      <p:sp>
+        <p:nvSpPr>
+          <p:cNvPr id="13" name="Rectangle 12">
+            <a:extLst>
+              <a:ext uri="{FF2B5EF4-FFF2-40B4-BE49-F238E27FC236}">
+                <a16:creationId xmlns:a16="http://schemas.microsoft.com/office/drawing/2014/main" id="{5E433AC3-E189-483B-9E8C-DFD5D2A18641}"/>
+              </a:ext>
+              <a:ext uri="{C183D7F6-B498-43B3-948B-1728B52AA6E4}">
+                <adec:decorative xmlns:adec="http://schemas.microsoft.com/office/drawing/2017/decorative" val="1"/>
+              </a:ext>
+            </a:extLst>
+          </p:cNvPr>
+          <p:cNvSpPr>
+            <a:spLocks noGrp="1" noRot="1" noChangeAspect="1" noMove="1" noResize="1" noEditPoints="1" noAdjustHandles="1" noChangeArrowheads="1" noChangeShapeType="1" noTextEdit="1"/>
+          </p:cNvSpPr>
+          <p:nvPr>
+            <p:extLst>
+              <p:ext uri="{386F3935-93C4-4BCD-93E2-E3B085C9AB24}">
+                <p16:designElem xmlns:p16="http://schemas.microsoft.com/office/powerpoint/2015/main" val="1"/>
+              </p:ext>
+            </p:extLst>
+          </p:nvPr>
+        </p:nvSpPr>
+        <p:spPr>
+          <a:xfrm>
+            <a:off x="0" y="4918509"/>
+            <a:ext cx="12192000" cy="1939491"/>
+          </a:xfrm>
+          <a:prstGeom prst="rect">
+            <a:avLst/>
+          </a:prstGeom>
+          <a:solidFill>
+            <a:schemeClr val="accent2"/>
+          </a:solidFill>
+          <a:ln>
+            <a:noFill/>
+          </a:ln>
+        </p:spPr>
+        <p:style>
+          <a:lnRef idx="2">
+            <a:schemeClr val="accent1">
+              <a:shade val="50000"/>
+            </a:schemeClr>
+          </a:lnRef>
+          <a:fillRef idx="1">
+            <a:schemeClr val="accent1"/>
+          </a:fillRef>
+          <a:effectRef idx="0">
+            <a:schemeClr val="accent1"/>
+          </a:effectRef>
+          <a:fontRef idx="minor">
+            <a:schemeClr val="lt1"/>
+          </a:fontRef>
+        </p:style>
+        <p:txBody>
+          <a:bodyPr rtlCol="0" anchor="ctr"/>
+          <a:lstStyle/>
+          <a:p>
+            <a:pPr algn="ctr"/>
+            <a:endParaRPr lang="en-US"/>
+          </a:p>
+        </p:txBody>
+      </p:sp>
+      <p:sp>
+        <p:nvSpPr>
+          <p:cNvPr id="2" name="Title 1"/>
+          <p:cNvSpPr>
+            <a:spLocks noGrp="1"/>
+          </p:cNvSpPr>
+          <p:nvPr>
+            <p:ph type="ctrTitle"/>
+          </p:nvPr>
+        </p:nvSpPr>
+        <p:spPr>
+          <a:xfrm>
+            <a:off x="1600200" y="4269282"/>
+            <a:ext cx="8991600" cy="1264762"/>
+          </a:xfrm>
+        </p:spPr>
+        <p:txBody>
+          <a:bodyPr>
+            <a:normAutofit/>
+          </a:bodyPr>
+          <a:lstStyle/>
+          <a:p>
+            <a:r>
               <a:rPr lang="en-US" sz="6000" dirty="0"/>
               <a:t>Questions</a:t>
             </a:r>
@@ -6482,10 +6879,10 @@
       </p:sp>
       <p:pic>
         <p:nvPicPr>
-          <p:cNvPr id="12" name="Picture 11">
+          <p:cNvPr id="5" name="Picture 4">
             <a:extLst>
               <a:ext uri="{FF2B5EF4-FFF2-40B4-BE49-F238E27FC236}">
-                <a16:creationId xmlns:a16="http://schemas.microsoft.com/office/drawing/2014/main" id="{E185D679-59F2-4F1D-8FCB-05970BCCCEA6}"/>
+                <a16:creationId xmlns:a16="http://schemas.microsoft.com/office/drawing/2014/main" id="{EE242A46-86B5-4F63-86AE-5AB8ABC921BD}"/>
               </a:ext>
             </a:extLst>
           </p:cNvPr>
@@ -6494,22 +6891,15 @@
           </p:cNvPicPr>
           <p:nvPr/>
         </p:nvPicPr>
-        <p:blipFill>
-          <a:blip r:embed="rId3">
-            <a:extLst>
-              <a:ext uri="{837473B0-CC2E-450A-ABE3-18F120FF3D39}">
-                <a1611:picAttrSrcUrl xmlns:a1611="http://schemas.microsoft.com/office/drawing/2016/11/main" r:id="rId4"/>
-              </a:ext>
-            </a:extLst>
-          </a:blip>
-          <a:stretch>
-            <a:fillRect/>
-          </a:stretch>
+        <p:blipFill rotWithShape="1">
+          <a:blip r:embed="rId3"/>
+          <a:srcRect r="5338"/>
+          <a:stretch/>
         </p:blipFill>
         <p:spPr>
           <a:xfrm>
-            <a:off x="4363271" y="717467"/>
-            <a:ext cx="3025502" cy="3227202"/>
+            <a:off x="4599088" y="875965"/>
+            <a:ext cx="2993824" cy="3162636"/>
           </a:xfrm>
           <a:prstGeom prst="rect">
             <a:avLst/>
@@ -6771,7 +7161,7 @@
           <a:p>
             <a:r>
               <a:rPr lang="en-US" dirty="0"/>
-              <a:t>Project hypothesis</a:t>
+              <a:t>Definition</a:t>
             </a:r>
           </a:p>
         </p:txBody>
@@ -6788,7 +7178,7 @@
         </p:nvSpPr>
         <p:spPr>
           <a:xfrm>
-            <a:off x="1706062" y="2448910"/>
+            <a:off x="1706244" y="2272187"/>
             <a:ext cx="8779512" cy="2721608"/>
           </a:xfrm>
         </p:spPr>
@@ -6802,12 +7192,12 @@
               <a:buNone/>
             </a:pPr>
             <a:r>
-              <a:rPr lang="en-US" sz="2400" dirty="0">
+              <a:rPr lang="en-US" sz="3600" dirty="0">
                 <a:solidFill>
                   <a:srgbClr val="404040"/>
                 </a:solidFill>
               </a:rPr>
-              <a:t>A country’s energy consumption and use of “green” </a:t>
+              <a:t>en·er·gy</a:t>
             </a:r>
           </a:p>
           <a:p>
@@ -6815,12 +7205,12 @@
               <a:buNone/>
             </a:pPr>
             <a:r>
-              <a:rPr lang="en-US" sz="2400" dirty="0">
+              <a:rPr lang="en-US" sz="3600" dirty="0">
                 <a:solidFill>
                   <a:srgbClr val="404040"/>
                 </a:solidFill>
               </a:rPr>
-              <a:t>energy increases with prosperity</a:t>
+              <a:t>/ˈenərjē/</a:t>
             </a:r>
           </a:p>
           <a:p>
@@ -6832,6 +7222,19 @@
                 <a:srgbClr val="404040"/>
               </a:solidFill>
             </a:endParaRPr>
+          </a:p>
+          <a:p>
+            <a:pPr marL="0" indent="0" algn="ctr">
+              <a:buNone/>
+            </a:pPr>
+            <a:r>
+              <a:rPr lang="en-US" sz="2400" dirty="0">
+                <a:solidFill>
+                  <a:srgbClr val="404040"/>
+                </a:solidFill>
+              </a:rPr>
+              <a:t>power derived from the utilization of physical or chemical resources, especially to provide light and heat or to work machines.</a:t>
+            </a:r>
           </a:p>
         </p:txBody>
       </p:sp>
@@ -7090,7 +7493,7 @@
           <a:p>
             <a:r>
               <a:rPr lang="en-US" dirty="0"/>
-              <a:t>OUR QUESTIONS</a:t>
+              <a:t>Project hypothesis</a:t>
             </a:r>
           </a:p>
         </p:txBody>
@@ -7107,8 +7510,8 @@
         </p:nvSpPr>
         <p:spPr>
           <a:xfrm>
-            <a:off x="1706244" y="2632842"/>
-            <a:ext cx="8779512" cy="2879256"/>
+            <a:off x="1706244" y="2869314"/>
+            <a:ext cx="8779512" cy="2721608"/>
           </a:xfrm>
         </p:spPr>
         <p:txBody>
@@ -7117,41 +7520,47 @@
           </a:bodyPr>
           <a:lstStyle/>
           <a:p>
+            <a:pPr marL="0" indent="0" algn="ctr">
+              <a:buNone/>
+            </a:pPr>
             <a:r>
               <a:rPr lang="en-US" sz="2400" dirty="0">
                 <a:solidFill>
                   <a:srgbClr val="404040"/>
                 </a:solidFill>
               </a:rPr>
-              <a:t>Is energy consumption related to a country’s prosperity?</a:t>
-            </a:r>
-          </a:p>
-          <a:p>
+              <a:t>A country’s energy consumption and use of “green” </a:t>
+            </a:r>
+          </a:p>
+          <a:p>
+            <a:pPr marL="0" indent="0" algn="ctr">
+              <a:buNone/>
+            </a:pPr>
             <a:r>
               <a:rPr lang="en-US" sz="2400" dirty="0">
                 <a:solidFill>
                   <a:srgbClr val="404040"/>
                 </a:solidFill>
               </a:rPr>
-              <a:t>Is energy consumption increasing or decreasing over time?</a:t>
-            </a:r>
-          </a:p>
-          <a:p>
-            <a:r>
-              <a:rPr lang="en-US" sz="2400" dirty="0">
-                <a:solidFill>
-                  <a:srgbClr val="404040"/>
-                </a:solidFill>
-              </a:rPr>
-              <a:t>Do more prosperous areas use more “green” energy.</a:t>
-            </a:r>
+              <a:t>energy increases with prosperity</a:t>
+            </a:r>
+          </a:p>
+          <a:p>
+            <a:pPr marL="0" indent="0" algn="ctr">
+              <a:buNone/>
+            </a:pPr>
+            <a:endParaRPr lang="en-US" sz="2400" dirty="0">
+              <a:solidFill>
+                <a:srgbClr val="404040"/>
+              </a:solidFill>
+            </a:endParaRPr>
           </a:p>
         </p:txBody>
       </p:sp>
     </p:spTree>
     <p:extLst>
       <p:ext uri="{BB962C8B-B14F-4D97-AF65-F5344CB8AC3E}">
-        <p14:creationId xmlns:p14="http://schemas.microsoft.com/office/powerpoint/2010/main" val="1363155423"/>
+        <p14:creationId xmlns:p14="http://schemas.microsoft.com/office/powerpoint/2010/main" val="4030745487"/>
       </p:ext>
     </p:extLst>
   </p:cSld>
@@ -7403,7 +7812,7 @@
           <a:p>
             <a:r>
               <a:rPr lang="en-US" dirty="0"/>
-              <a:t>summary</a:t>
+              <a:t>OUR QUESTIONS</a:t>
             </a:r>
           </a:p>
         </p:txBody>
@@ -7420,8 +7829,8 @@
         </p:nvSpPr>
         <p:spPr>
           <a:xfrm>
-            <a:off x="1481959" y="2291262"/>
-            <a:ext cx="9175531" cy="2879256"/>
+            <a:off x="1706244" y="2632842"/>
+            <a:ext cx="8779512" cy="2879256"/>
           </a:xfrm>
         </p:spPr>
         <p:txBody>
@@ -7431,70 +7840,357 @@
           <a:lstStyle/>
           <a:p>
             <a:r>
-              <a:rPr lang="en-US" dirty="0">
+              <a:rPr lang="en-US" sz="2400" dirty="0">
                 <a:solidFill>
                   <a:srgbClr val="404040"/>
                 </a:solidFill>
               </a:rPr>
-              <a:t>Energy capacity increases with population and HDI in most cases</a:t>
-            </a:r>
-          </a:p>
-          <a:p>
-            <a:r>
-              <a:rPr lang="en-US" dirty="0">
+              <a:t>Is energy consumption related to a country’s prosperity?</a:t>
+            </a:r>
+          </a:p>
+          <a:p>
+            <a:r>
+              <a:rPr lang="en-US" sz="2400" dirty="0">
                 <a:solidFill>
                   <a:srgbClr val="404040"/>
                 </a:solidFill>
               </a:rPr>
-              <a:t>Energy capacity is dependent on other variables (politics, war, etc.)</a:t>
-            </a:r>
-          </a:p>
-          <a:p>
-            <a:r>
-              <a:rPr lang="en-US" dirty="0">
+              <a:t>Is energy consumption increasing or decreasing over time?</a:t>
+            </a:r>
+          </a:p>
+          <a:p>
+            <a:r>
+              <a:rPr lang="en-US" sz="2400" dirty="0">
                 <a:solidFill>
                   <a:srgbClr val="404040"/>
                 </a:solidFill>
               </a:rPr>
-              <a:t>Energy consumption per capita is mostly flat globally and in most geographic regions</a:t>
-            </a:r>
-          </a:p>
-          <a:p>
-            <a:r>
-              <a:rPr lang="en-US" dirty="0">
+              <a:t>Do more prosperous areas use more “green” energy.</a:t>
+            </a:r>
+          </a:p>
+        </p:txBody>
+      </p:sp>
+    </p:spTree>
+    <p:extLst>
+      <p:ext uri="{BB962C8B-B14F-4D97-AF65-F5344CB8AC3E}">
+        <p14:creationId xmlns:p14="http://schemas.microsoft.com/office/powerpoint/2010/main" val="1363155423"/>
+      </p:ext>
+    </p:extLst>
+  </p:cSld>
+  <p:clrMapOvr>
+    <a:masterClrMapping/>
+  </p:clrMapOvr>
+</p:sld>
+</file>
+
+<file path=ppt/slides/slide5.xml><?xml version="1.0" encoding="utf-8"?>
+<p:sld xmlns:a="http://schemas.openxmlformats.org/drawingml/2006/main" xmlns:r="http://schemas.openxmlformats.org/officeDocument/2006/relationships" xmlns:p="http://schemas.openxmlformats.org/presentationml/2006/main">
+  <p:cSld>
+    <p:bg>
+      <p:bgPr>
+        <a:solidFill>
+          <a:schemeClr val="bg1"/>
+        </a:solidFill>
+        <a:effectLst/>
+      </p:bgPr>
+    </p:bg>
+    <p:spTree>
+      <p:nvGrpSpPr>
+        <p:cNvPr id="1" name=""/>
+        <p:cNvGrpSpPr/>
+        <p:nvPr/>
+      </p:nvGrpSpPr>
+      <p:grpSpPr>
+        <a:xfrm>
+          <a:off x="0" y="0"/>
+          <a:ext cx="0" cy="0"/>
+          <a:chOff x="0" y="0"/>
+          <a:chExt cx="0" cy="0"/>
+        </a:xfrm>
+      </p:grpSpPr>
+      <p:sp>
+        <p:nvSpPr>
+          <p:cNvPr id="9" name="Rectangle 8">
+            <a:extLst>
+              <a:ext uri="{FF2B5EF4-FFF2-40B4-BE49-F238E27FC236}">
+                <a16:creationId xmlns:a16="http://schemas.microsoft.com/office/drawing/2014/main" id="{C33976D1-3430-450C-A978-87A9A6E8E71F}"/>
+              </a:ext>
+              <a:ext uri="{C183D7F6-B498-43B3-948B-1728B52AA6E4}">
+                <adec:decorative xmlns:adec="http://schemas.microsoft.com/office/drawing/2017/decorative" val="1"/>
+              </a:ext>
+            </a:extLst>
+          </p:cNvPr>
+          <p:cNvSpPr>
+            <a:spLocks noGrp="1" noRot="1" noChangeAspect="1" noMove="1" noResize="1" noEditPoints="1" noAdjustHandles="1" noChangeArrowheads="1" noChangeShapeType="1" noTextEdit="1"/>
+          </p:cNvSpPr>
+          <p:nvPr>
+            <p:extLst>
+              <p:ext uri="{386F3935-93C4-4BCD-93E2-E3B085C9AB24}">
+                <p16:designElem xmlns:p16="http://schemas.microsoft.com/office/powerpoint/2015/main" val="1"/>
+              </p:ext>
+            </p:extLst>
+          </p:nvPr>
+        </p:nvSpPr>
+        <p:spPr>
+          <a:xfrm>
+            <a:off x="0" y="0"/>
+            <a:ext cx="12192000" cy="6858000"/>
+          </a:xfrm>
+          <a:prstGeom prst="rect">
+            <a:avLst/>
+          </a:prstGeom>
+          <a:solidFill>
+            <a:schemeClr val="accent2"/>
+          </a:solidFill>
+          <a:ln>
+            <a:noFill/>
+          </a:ln>
+        </p:spPr>
+        <p:style>
+          <a:lnRef idx="2">
+            <a:schemeClr val="accent1">
+              <a:shade val="50000"/>
+            </a:schemeClr>
+          </a:lnRef>
+          <a:fillRef idx="1">
+            <a:schemeClr val="accent1"/>
+          </a:fillRef>
+          <a:effectRef idx="0">
+            <a:schemeClr val="accent1"/>
+          </a:effectRef>
+          <a:fontRef idx="minor">
+            <a:schemeClr val="lt1"/>
+          </a:fontRef>
+        </p:style>
+        <p:txBody>
+          <a:bodyPr rtlCol="0" anchor="ctr"/>
+          <a:lstStyle/>
+          <a:p>
+            <a:pPr algn="ctr"/>
+            <a:endParaRPr lang="en-US"/>
+          </a:p>
+        </p:txBody>
+      </p:sp>
+      <p:sp>
+        <p:nvSpPr>
+          <p:cNvPr id="11" name="Rectangle 10">
+            <a:extLst>
+              <a:ext uri="{FF2B5EF4-FFF2-40B4-BE49-F238E27FC236}">
+                <a16:creationId xmlns:a16="http://schemas.microsoft.com/office/drawing/2014/main" id="{7D6AAC78-7D86-415A-ADC1-2B474807960C}"/>
+              </a:ext>
+              <a:ext uri="{C183D7F6-B498-43B3-948B-1728B52AA6E4}">
+                <adec:decorative xmlns:adec="http://schemas.microsoft.com/office/drawing/2017/decorative" val="1"/>
+              </a:ext>
+            </a:extLst>
+          </p:cNvPr>
+          <p:cNvSpPr>
+            <a:spLocks noGrp="1" noRot="1" noChangeAspect="1" noMove="1" noResize="1" noEditPoints="1" noAdjustHandles="1" noChangeArrowheads="1" noChangeShapeType="1" noTextEdit="1"/>
+          </p:cNvSpPr>
+          <p:nvPr>
+            <p:extLst>
+              <p:ext uri="{386F3935-93C4-4BCD-93E2-E3B085C9AB24}">
+                <p16:designElem xmlns:p16="http://schemas.microsoft.com/office/powerpoint/2015/main" val="1"/>
+              </p:ext>
+            </p:extLst>
+          </p:nvPr>
+        </p:nvSpPr>
+        <p:spPr>
+          <a:xfrm>
+            <a:off x="1249680" y="1248156"/>
+            <a:ext cx="9692640" cy="4361688"/>
+          </a:xfrm>
+          <a:prstGeom prst="rect">
+            <a:avLst/>
+          </a:prstGeom>
+          <a:solidFill>
+            <a:srgbClr val="FFFFFF"/>
+          </a:solidFill>
+          <a:ln>
+            <a:noFill/>
+          </a:ln>
+        </p:spPr>
+        <p:style>
+          <a:lnRef idx="2">
+            <a:schemeClr val="accent1">
+              <a:shade val="50000"/>
+            </a:schemeClr>
+          </a:lnRef>
+          <a:fillRef idx="1">
+            <a:schemeClr val="accent1"/>
+          </a:fillRef>
+          <a:effectRef idx="0">
+            <a:schemeClr val="accent1"/>
+          </a:effectRef>
+          <a:fontRef idx="minor">
+            <a:schemeClr val="lt1"/>
+          </a:fontRef>
+        </p:style>
+        <p:txBody>
+          <a:bodyPr rtlCol="0" anchor="ctr"/>
+          <a:lstStyle/>
+          <a:p>
+            <a:pPr algn="ctr"/>
+            <a:endParaRPr lang="en-US"/>
+          </a:p>
+        </p:txBody>
+      </p:sp>
+      <p:sp>
+        <p:nvSpPr>
+          <p:cNvPr id="13" name="Rectangle 12">
+            <a:extLst>
+              <a:ext uri="{FF2B5EF4-FFF2-40B4-BE49-F238E27FC236}">
+                <a16:creationId xmlns:a16="http://schemas.microsoft.com/office/drawing/2014/main" id="{F2A658D9-F185-44F1-BA33-D50320D1D078}"/>
+              </a:ext>
+              <a:ext uri="{C183D7F6-B498-43B3-948B-1728B52AA6E4}">
+                <adec:decorative xmlns:adec="http://schemas.microsoft.com/office/drawing/2017/decorative" val="1"/>
+              </a:ext>
+            </a:extLst>
+          </p:cNvPr>
+          <p:cNvSpPr>
+            <a:spLocks noGrp="1" noRot="1" noChangeAspect="1" noMove="1" noResize="1" noEditPoints="1" noAdjustHandles="1" noChangeArrowheads="1" noChangeShapeType="1" noTextEdit="1"/>
+          </p:cNvSpPr>
+          <p:nvPr>
+            <p:extLst>
+              <p:ext uri="{386F3935-93C4-4BCD-93E2-E3B085C9AB24}">
+                <p16:designElem xmlns:p16="http://schemas.microsoft.com/office/powerpoint/2015/main" val="1"/>
+              </p:ext>
+            </p:extLst>
+          </p:nvPr>
+        </p:nvSpPr>
+        <p:spPr>
+          <a:xfrm>
+            <a:off x="1062228" y="1060704"/>
+            <a:ext cx="10067544" cy="4736592"/>
+          </a:xfrm>
+          <a:prstGeom prst="rect">
+            <a:avLst/>
+          </a:prstGeom>
+          <a:noFill/>
+          <a:ln w="31750" cap="sq">
+            <a:solidFill>
+              <a:srgbClr val="FFFFFF"/>
+            </a:solidFill>
+            <a:miter lim="800000"/>
+          </a:ln>
+        </p:spPr>
+        <p:style>
+          <a:lnRef idx="2">
+            <a:schemeClr val="accent1">
+              <a:shade val="50000"/>
+            </a:schemeClr>
+          </a:lnRef>
+          <a:fillRef idx="1">
+            <a:schemeClr val="accent1"/>
+          </a:fillRef>
+          <a:effectRef idx="0">
+            <a:schemeClr val="accent1"/>
+          </a:effectRef>
+          <a:fontRef idx="minor">
+            <a:schemeClr val="lt1"/>
+          </a:fontRef>
+        </p:style>
+        <p:txBody>
+          <a:bodyPr rtlCol="0" anchor="ctr"/>
+          <a:lstStyle/>
+          <a:p>
+            <a:pPr algn="ctr"/>
+            <a:endParaRPr lang="en-US"/>
+          </a:p>
+        </p:txBody>
+      </p:sp>
+      <p:sp>
+        <p:nvSpPr>
+          <p:cNvPr id="2" name="Title 1"/>
+          <p:cNvSpPr>
+            <a:spLocks noGrp="1"/>
+          </p:cNvSpPr>
+          <p:nvPr>
+            <p:ph type="title"/>
+          </p:nvPr>
+        </p:nvSpPr>
+        <p:spPr>
+          <a:xfrm>
+            <a:off x="2231136" y="467418"/>
+            <a:ext cx="7729728" cy="1188720"/>
+          </a:xfrm>
+          <a:solidFill>
+            <a:srgbClr val="FFFFFF"/>
+          </a:solidFill>
+        </p:spPr>
+        <p:txBody>
+          <a:bodyPr>
+            <a:normAutofit/>
+          </a:bodyPr>
+          <a:lstStyle/>
+          <a:p>
+            <a:r>
+              <a:rPr lang="en-US" dirty="0"/>
+              <a:t>summary</a:t>
+            </a:r>
+          </a:p>
+        </p:txBody>
+      </p:sp>
+      <p:sp>
+        <p:nvSpPr>
+          <p:cNvPr id="3" name="Content Placeholder 2"/>
+          <p:cNvSpPr>
+            <a:spLocks noGrp="1"/>
+          </p:cNvSpPr>
+          <p:nvPr>
+            <p:ph type="body" idx="1"/>
+          </p:nvPr>
+        </p:nvSpPr>
+        <p:spPr>
+          <a:xfrm>
+            <a:off x="1481959" y="1874569"/>
+            <a:ext cx="9175531" cy="2879256"/>
+          </a:xfrm>
+        </p:spPr>
+        <p:txBody>
+          <a:bodyPr>
+            <a:noAutofit/>
+          </a:bodyPr>
+          <a:lstStyle/>
+          <a:p>
+            <a:r>
+              <a:rPr lang="en-US" sz="2400" dirty="0">
                 <a:solidFill>
                   <a:srgbClr val="404040"/>
                 </a:solidFill>
               </a:rPr>
-              <a:t>Energy consumption per capita is decreasing in the US and increasing in Middle East and Asia</a:t>
-            </a:r>
-          </a:p>
-          <a:p>
-            <a:r>
-              <a:rPr lang="en-US" dirty="0">
+              <a:t>Capacity increases with population and HDI in most cases</a:t>
+            </a:r>
+          </a:p>
+          <a:p>
+            <a:r>
+              <a:rPr lang="en-US" sz="2400" dirty="0">
                 <a:solidFill>
                   <a:srgbClr val="404040"/>
                 </a:solidFill>
               </a:rPr>
-              <a:t>Energy cap/</a:t>
-            </a:r>
-            <a:r>
-              <a:rPr lang="en-US" dirty="0" err="1">
+              <a:t>Capacity is dependent on other variables (politics, war, etc.)</a:t>
+            </a:r>
+          </a:p>
+          <a:p>
+            <a:r>
+              <a:rPr lang="en-US" sz="2400" dirty="0">
                 <a:solidFill>
                   <a:srgbClr val="404040"/>
                 </a:solidFill>
               </a:rPr>
-              <a:t>consump</a:t>
-            </a:r>
-            <a:r>
-              <a:rPr lang="en-US" dirty="0">
+              <a:t>Consumption per capita is mostly flat globally and in most geographic regions (except decreasing in the US and increasing in Middle East and Asia)</a:t>
+            </a:r>
+          </a:p>
+          <a:p>
+            <a:r>
+              <a:rPr lang="en-US" sz="2400" dirty="0">
                 <a:solidFill>
                   <a:srgbClr val="404040"/>
                 </a:solidFill>
               </a:rPr>
-              <a:t>? of “green” fuel sources is ??? Compared to pop/HDI??</a:t>
-            </a:r>
-            <a:endParaRPr dirty="0">
+              <a:t>Consumption from “green” fuel sources is not related to prosperity</a:t>
+            </a:r>
+            <a:endParaRPr sz="2400" dirty="0">
               <a:solidFill>
                 <a:srgbClr val="404040"/>
               </a:solidFill>
@@ -7515,7 +8211,7 @@
 </p:sld>
 </file>
 
-<file path=ppt/slides/slide5.xml><?xml version="1.0" encoding="utf-8"?>
+<file path=ppt/slides/slide6.xml><?xml version="1.0" encoding="utf-8"?>
 <p:sld xmlns:a="http://schemas.openxmlformats.org/drawingml/2006/main" xmlns:r="http://schemas.openxmlformats.org/officeDocument/2006/relationships" xmlns:p="http://schemas.openxmlformats.org/presentationml/2006/main">
   <p:cSld>
     <p:spTree>
@@ -8066,320 +8762,6 @@
     <p:extLst>
       <p:ext uri="{BB962C8B-B14F-4D97-AF65-F5344CB8AC3E}">
         <p14:creationId xmlns:p14="http://schemas.microsoft.com/office/powerpoint/2010/main" val="3650933489"/>
-      </p:ext>
-    </p:extLst>
-  </p:cSld>
-  <p:clrMapOvr>
-    <a:masterClrMapping/>
-  </p:clrMapOvr>
-</p:sld>
-</file>
-
-<file path=ppt/slides/slide6.xml><?xml version="1.0" encoding="utf-8"?>
-<p:sld xmlns:a="http://schemas.openxmlformats.org/drawingml/2006/main" xmlns:r="http://schemas.openxmlformats.org/officeDocument/2006/relationships" xmlns:p="http://schemas.openxmlformats.org/presentationml/2006/main">
-  <p:cSld>
-    <p:bg>
-      <p:bgPr>
-        <a:solidFill>
-          <a:schemeClr val="bg1"/>
-        </a:solidFill>
-        <a:effectLst/>
-      </p:bgPr>
-    </p:bg>
-    <p:spTree>
-      <p:nvGrpSpPr>
-        <p:cNvPr id="1" name=""/>
-        <p:cNvGrpSpPr/>
-        <p:nvPr/>
-      </p:nvGrpSpPr>
-      <p:grpSpPr>
-        <a:xfrm>
-          <a:off x="0" y="0"/>
-          <a:ext cx="0" cy="0"/>
-          <a:chOff x="0" y="0"/>
-          <a:chExt cx="0" cy="0"/>
-        </a:xfrm>
-      </p:grpSpPr>
-      <p:sp>
-        <p:nvSpPr>
-          <p:cNvPr id="9" name="Rectangle 8">
-            <a:extLst>
-              <a:ext uri="{FF2B5EF4-FFF2-40B4-BE49-F238E27FC236}">
-                <a16:creationId xmlns:a16="http://schemas.microsoft.com/office/drawing/2014/main" id="{C33976D1-3430-450C-A978-87A9A6E8E71F}"/>
-              </a:ext>
-              <a:ext uri="{C183D7F6-B498-43B3-948B-1728B52AA6E4}">
-                <adec:decorative xmlns:adec="http://schemas.microsoft.com/office/drawing/2017/decorative" val="1"/>
-              </a:ext>
-            </a:extLst>
-          </p:cNvPr>
-          <p:cNvSpPr>
-            <a:spLocks noGrp="1" noRot="1" noChangeAspect="1" noMove="1" noResize="1" noEditPoints="1" noAdjustHandles="1" noChangeArrowheads="1" noChangeShapeType="1" noTextEdit="1"/>
-          </p:cNvSpPr>
-          <p:nvPr>
-            <p:extLst>
-              <p:ext uri="{386F3935-93C4-4BCD-93E2-E3B085C9AB24}">
-                <p16:designElem xmlns:p16="http://schemas.microsoft.com/office/powerpoint/2015/main" val="1"/>
-              </p:ext>
-            </p:extLst>
-          </p:nvPr>
-        </p:nvSpPr>
-        <p:spPr>
-          <a:xfrm>
-            <a:off x="0" y="0"/>
-            <a:ext cx="12192000" cy="6858000"/>
-          </a:xfrm>
-          <a:prstGeom prst="rect">
-            <a:avLst/>
-          </a:prstGeom>
-          <a:solidFill>
-            <a:schemeClr val="accent2"/>
-          </a:solidFill>
-          <a:ln>
-            <a:noFill/>
-          </a:ln>
-        </p:spPr>
-        <p:style>
-          <a:lnRef idx="2">
-            <a:schemeClr val="accent1">
-              <a:shade val="50000"/>
-            </a:schemeClr>
-          </a:lnRef>
-          <a:fillRef idx="1">
-            <a:schemeClr val="accent1"/>
-          </a:fillRef>
-          <a:effectRef idx="0">
-            <a:schemeClr val="accent1"/>
-          </a:effectRef>
-          <a:fontRef idx="minor">
-            <a:schemeClr val="lt1"/>
-          </a:fontRef>
-        </p:style>
-        <p:txBody>
-          <a:bodyPr rtlCol="0" anchor="ctr"/>
-          <a:lstStyle/>
-          <a:p>
-            <a:pPr algn="ctr"/>
-            <a:endParaRPr lang="en-US"/>
-          </a:p>
-        </p:txBody>
-      </p:sp>
-      <p:sp>
-        <p:nvSpPr>
-          <p:cNvPr id="11" name="Rectangle 10">
-            <a:extLst>
-              <a:ext uri="{FF2B5EF4-FFF2-40B4-BE49-F238E27FC236}">
-                <a16:creationId xmlns:a16="http://schemas.microsoft.com/office/drawing/2014/main" id="{7D6AAC78-7D86-415A-ADC1-2B474807960C}"/>
-              </a:ext>
-              <a:ext uri="{C183D7F6-B498-43B3-948B-1728B52AA6E4}">
-                <adec:decorative xmlns:adec="http://schemas.microsoft.com/office/drawing/2017/decorative" val="1"/>
-              </a:ext>
-            </a:extLst>
-          </p:cNvPr>
-          <p:cNvSpPr>
-            <a:spLocks noGrp="1" noRot="1" noChangeAspect="1" noMove="1" noResize="1" noEditPoints="1" noAdjustHandles="1" noChangeArrowheads="1" noChangeShapeType="1" noTextEdit="1"/>
-          </p:cNvSpPr>
-          <p:nvPr>
-            <p:extLst>
-              <p:ext uri="{386F3935-93C4-4BCD-93E2-E3B085C9AB24}">
-                <p16:designElem xmlns:p16="http://schemas.microsoft.com/office/powerpoint/2015/main" val="1"/>
-              </p:ext>
-            </p:extLst>
-          </p:nvPr>
-        </p:nvSpPr>
-        <p:spPr>
-          <a:xfrm>
-            <a:off x="1249680" y="1248156"/>
-            <a:ext cx="9692640" cy="4361688"/>
-          </a:xfrm>
-          <a:prstGeom prst="rect">
-            <a:avLst/>
-          </a:prstGeom>
-          <a:solidFill>
-            <a:srgbClr val="FFFFFF"/>
-          </a:solidFill>
-          <a:ln>
-            <a:noFill/>
-          </a:ln>
-        </p:spPr>
-        <p:style>
-          <a:lnRef idx="2">
-            <a:schemeClr val="accent1">
-              <a:shade val="50000"/>
-            </a:schemeClr>
-          </a:lnRef>
-          <a:fillRef idx="1">
-            <a:schemeClr val="accent1"/>
-          </a:fillRef>
-          <a:effectRef idx="0">
-            <a:schemeClr val="accent1"/>
-          </a:effectRef>
-          <a:fontRef idx="minor">
-            <a:schemeClr val="lt1"/>
-          </a:fontRef>
-        </p:style>
-        <p:txBody>
-          <a:bodyPr rtlCol="0" anchor="ctr"/>
-          <a:lstStyle/>
-          <a:p>
-            <a:pPr algn="ctr"/>
-            <a:endParaRPr lang="en-US"/>
-          </a:p>
-        </p:txBody>
-      </p:sp>
-      <p:sp>
-        <p:nvSpPr>
-          <p:cNvPr id="13" name="Rectangle 12">
-            <a:extLst>
-              <a:ext uri="{FF2B5EF4-FFF2-40B4-BE49-F238E27FC236}">
-                <a16:creationId xmlns:a16="http://schemas.microsoft.com/office/drawing/2014/main" id="{F2A658D9-F185-44F1-BA33-D50320D1D078}"/>
-              </a:ext>
-              <a:ext uri="{C183D7F6-B498-43B3-948B-1728B52AA6E4}">
-                <adec:decorative xmlns:adec="http://schemas.microsoft.com/office/drawing/2017/decorative" val="1"/>
-              </a:ext>
-            </a:extLst>
-          </p:cNvPr>
-          <p:cNvSpPr>
-            <a:spLocks noGrp="1" noRot="1" noChangeAspect="1" noMove="1" noResize="1" noEditPoints="1" noAdjustHandles="1" noChangeArrowheads="1" noChangeShapeType="1" noTextEdit="1"/>
-          </p:cNvSpPr>
-          <p:nvPr>
-            <p:extLst>
-              <p:ext uri="{386F3935-93C4-4BCD-93E2-E3B085C9AB24}">
-                <p16:designElem xmlns:p16="http://schemas.microsoft.com/office/powerpoint/2015/main" val="1"/>
-              </p:ext>
-            </p:extLst>
-          </p:nvPr>
-        </p:nvSpPr>
-        <p:spPr>
-          <a:xfrm>
-            <a:off x="1062228" y="1060704"/>
-            <a:ext cx="10067544" cy="4736592"/>
-          </a:xfrm>
-          <a:prstGeom prst="rect">
-            <a:avLst/>
-          </a:prstGeom>
-          <a:noFill/>
-          <a:ln w="31750" cap="sq">
-            <a:solidFill>
-              <a:srgbClr val="FFFFFF"/>
-            </a:solidFill>
-            <a:miter lim="800000"/>
-          </a:ln>
-        </p:spPr>
-        <p:style>
-          <a:lnRef idx="2">
-            <a:schemeClr val="accent1">
-              <a:shade val="50000"/>
-            </a:schemeClr>
-          </a:lnRef>
-          <a:fillRef idx="1">
-            <a:schemeClr val="accent1"/>
-          </a:fillRef>
-          <a:effectRef idx="0">
-            <a:schemeClr val="accent1"/>
-          </a:effectRef>
-          <a:fontRef idx="minor">
-            <a:schemeClr val="lt1"/>
-          </a:fontRef>
-        </p:style>
-        <p:txBody>
-          <a:bodyPr rtlCol="0" anchor="ctr"/>
-          <a:lstStyle/>
-          <a:p>
-            <a:pPr algn="ctr"/>
-            <a:endParaRPr lang="en-US"/>
-          </a:p>
-        </p:txBody>
-      </p:sp>
-      <p:sp>
-        <p:nvSpPr>
-          <p:cNvPr id="2" name="Title 1"/>
-          <p:cNvSpPr>
-            <a:spLocks noGrp="1"/>
-          </p:cNvSpPr>
-          <p:nvPr>
-            <p:ph type="title"/>
-          </p:nvPr>
-        </p:nvSpPr>
-        <p:spPr>
-          <a:xfrm>
-            <a:off x="2231136" y="467418"/>
-            <a:ext cx="7729728" cy="1188720"/>
-          </a:xfrm>
-          <a:solidFill>
-            <a:srgbClr val="FFFFFF"/>
-          </a:solidFill>
-        </p:spPr>
-        <p:txBody>
-          <a:bodyPr>
-            <a:normAutofit/>
-          </a:bodyPr>
-          <a:lstStyle/>
-          <a:p>
-            <a:r>
-              <a:rPr lang="en-US" dirty="0"/>
-              <a:t>Insights / PROBLEMS</a:t>
-            </a:r>
-            <a:br>
-              <a:rPr lang="en-US" dirty="0"/>
-            </a:br>
-            <a:r>
-              <a:rPr lang="en-US" dirty="0"/>
-              <a:t>from data discovery</a:t>
-            </a:r>
-          </a:p>
-        </p:txBody>
-      </p:sp>
-      <p:sp>
-        <p:nvSpPr>
-          <p:cNvPr id="18" name="Content Placeholder 17">
-            <a:extLst>
-              <a:ext uri="{FF2B5EF4-FFF2-40B4-BE49-F238E27FC236}">
-                <a16:creationId xmlns:a16="http://schemas.microsoft.com/office/drawing/2014/main" id="{F18D8466-EAFC-4415-905B-2E7A6823B0D0}"/>
-              </a:ext>
-            </a:extLst>
-          </p:cNvPr>
-          <p:cNvSpPr>
-            <a:spLocks noGrp="1"/>
-          </p:cNvSpPr>
-          <p:nvPr>
-            <p:ph idx="1"/>
-          </p:nvPr>
-        </p:nvSpPr>
-        <p:spPr>
-          <a:xfrm>
-            <a:off x="2231136" y="2123556"/>
-            <a:ext cx="7729728" cy="3101983"/>
-          </a:xfrm>
-        </p:spPr>
-        <p:txBody>
-          <a:bodyPr>
-            <a:normAutofit/>
-          </a:bodyPr>
-          <a:lstStyle/>
-          <a:p>
-            <a:r>
-              <a:rPr lang="en-US" sz="2400" dirty="0"/>
-              <a:t>Political/geographical changes over recent history affect data</a:t>
-            </a:r>
-          </a:p>
-          <a:p>
-            <a:r>
-              <a:rPr lang="en-US" sz="2400" dirty="0"/>
-              <a:t>Official country names vs aka names are problematic when merging data from different sources</a:t>
-            </a:r>
-          </a:p>
-          <a:p>
-            <a:r>
-              <a:rPr lang="en-US" sz="2400" dirty="0"/>
-              <a:t>Data isn’t available for all countries</a:t>
-            </a:r>
-          </a:p>
-        </p:txBody>
-      </p:sp>
-    </p:spTree>
-    <p:extLst>
-      <p:ext uri="{BB962C8B-B14F-4D97-AF65-F5344CB8AC3E}">
-        <p14:creationId xmlns:p14="http://schemas.microsoft.com/office/powerpoint/2010/main" val="1406421963"/>
       </p:ext>
     </p:extLst>
   </p:cSld>
@@ -8414,6 +8796,320 @@
           <a:chExt cx="0" cy="0"/>
         </a:xfrm>
       </p:grpSpPr>
+      <p:sp>
+        <p:nvSpPr>
+          <p:cNvPr id="9" name="Rectangle 8">
+            <a:extLst>
+              <a:ext uri="{FF2B5EF4-FFF2-40B4-BE49-F238E27FC236}">
+                <a16:creationId xmlns:a16="http://schemas.microsoft.com/office/drawing/2014/main" id="{C33976D1-3430-450C-A978-87A9A6E8E71F}"/>
+              </a:ext>
+              <a:ext uri="{C183D7F6-B498-43B3-948B-1728B52AA6E4}">
+                <adec:decorative xmlns:adec="http://schemas.microsoft.com/office/drawing/2017/decorative" val="1"/>
+              </a:ext>
+            </a:extLst>
+          </p:cNvPr>
+          <p:cNvSpPr>
+            <a:spLocks noGrp="1" noRot="1" noChangeAspect="1" noMove="1" noResize="1" noEditPoints="1" noAdjustHandles="1" noChangeArrowheads="1" noChangeShapeType="1" noTextEdit="1"/>
+          </p:cNvSpPr>
+          <p:nvPr>
+            <p:extLst>
+              <p:ext uri="{386F3935-93C4-4BCD-93E2-E3B085C9AB24}">
+                <p16:designElem xmlns:p16="http://schemas.microsoft.com/office/powerpoint/2015/main" val="1"/>
+              </p:ext>
+            </p:extLst>
+          </p:nvPr>
+        </p:nvSpPr>
+        <p:spPr>
+          <a:xfrm>
+            <a:off x="0" y="0"/>
+            <a:ext cx="12192000" cy="6858000"/>
+          </a:xfrm>
+          <a:prstGeom prst="rect">
+            <a:avLst/>
+          </a:prstGeom>
+          <a:solidFill>
+            <a:schemeClr val="accent2"/>
+          </a:solidFill>
+          <a:ln>
+            <a:noFill/>
+          </a:ln>
+        </p:spPr>
+        <p:style>
+          <a:lnRef idx="2">
+            <a:schemeClr val="accent1">
+              <a:shade val="50000"/>
+            </a:schemeClr>
+          </a:lnRef>
+          <a:fillRef idx="1">
+            <a:schemeClr val="accent1"/>
+          </a:fillRef>
+          <a:effectRef idx="0">
+            <a:schemeClr val="accent1"/>
+          </a:effectRef>
+          <a:fontRef idx="minor">
+            <a:schemeClr val="lt1"/>
+          </a:fontRef>
+        </p:style>
+        <p:txBody>
+          <a:bodyPr rtlCol="0" anchor="ctr"/>
+          <a:lstStyle/>
+          <a:p>
+            <a:pPr algn="ctr"/>
+            <a:endParaRPr lang="en-US"/>
+          </a:p>
+        </p:txBody>
+      </p:sp>
+      <p:sp>
+        <p:nvSpPr>
+          <p:cNvPr id="11" name="Rectangle 10">
+            <a:extLst>
+              <a:ext uri="{FF2B5EF4-FFF2-40B4-BE49-F238E27FC236}">
+                <a16:creationId xmlns:a16="http://schemas.microsoft.com/office/drawing/2014/main" id="{7D6AAC78-7D86-415A-ADC1-2B474807960C}"/>
+              </a:ext>
+              <a:ext uri="{C183D7F6-B498-43B3-948B-1728B52AA6E4}">
+                <adec:decorative xmlns:adec="http://schemas.microsoft.com/office/drawing/2017/decorative" val="1"/>
+              </a:ext>
+            </a:extLst>
+          </p:cNvPr>
+          <p:cNvSpPr>
+            <a:spLocks noGrp="1" noRot="1" noChangeAspect="1" noMove="1" noResize="1" noEditPoints="1" noAdjustHandles="1" noChangeArrowheads="1" noChangeShapeType="1" noTextEdit="1"/>
+          </p:cNvSpPr>
+          <p:nvPr>
+            <p:extLst>
+              <p:ext uri="{386F3935-93C4-4BCD-93E2-E3B085C9AB24}">
+                <p16:designElem xmlns:p16="http://schemas.microsoft.com/office/powerpoint/2015/main" val="1"/>
+              </p:ext>
+            </p:extLst>
+          </p:nvPr>
+        </p:nvSpPr>
+        <p:spPr>
+          <a:xfrm>
+            <a:off x="1249680" y="1248156"/>
+            <a:ext cx="9692640" cy="4361688"/>
+          </a:xfrm>
+          <a:prstGeom prst="rect">
+            <a:avLst/>
+          </a:prstGeom>
+          <a:solidFill>
+            <a:srgbClr val="FFFFFF"/>
+          </a:solidFill>
+          <a:ln>
+            <a:noFill/>
+          </a:ln>
+        </p:spPr>
+        <p:style>
+          <a:lnRef idx="2">
+            <a:schemeClr val="accent1">
+              <a:shade val="50000"/>
+            </a:schemeClr>
+          </a:lnRef>
+          <a:fillRef idx="1">
+            <a:schemeClr val="accent1"/>
+          </a:fillRef>
+          <a:effectRef idx="0">
+            <a:schemeClr val="accent1"/>
+          </a:effectRef>
+          <a:fontRef idx="minor">
+            <a:schemeClr val="lt1"/>
+          </a:fontRef>
+        </p:style>
+        <p:txBody>
+          <a:bodyPr rtlCol="0" anchor="ctr"/>
+          <a:lstStyle/>
+          <a:p>
+            <a:pPr algn="ctr"/>
+            <a:endParaRPr lang="en-US"/>
+          </a:p>
+        </p:txBody>
+      </p:sp>
+      <p:sp>
+        <p:nvSpPr>
+          <p:cNvPr id="13" name="Rectangle 12">
+            <a:extLst>
+              <a:ext uri="{FF2B5EF4-FFF2-40B4-BE49-F238E27FC236}">
+                <a16:creationId xmlns:a16="http://schemas.microsoft.com/office/drawing/2014/main" id="{F2A658D9-F185-44F1-BA33-D50320D1D078}"/>
+              </a:ext>
+              <a:ext uri="{C183D7F6-B498-43B3-948B-1728B52AA6E4}">
+                <adec:decorative xmlns:adec="http://schemas.microsoft.com/office/drawing/2017/decorative" val="1"/>
+              </a:ext>
+            </a:extLst>
+          </p:cNvPr>
+          <p:cNvSpPr>
+            <a:spLocks noGrp="1" noRot="1" noChangeAspect="1" noMove="1" noResize="1" noEditPoints="1" noAdjustHandles="1" noChangeArrowheads="1" noChangeShapeType="1" noTextEdit="1"/>
+          </p:cNvSpPr>
+          <p:nvPr>
+            <p:extLst>
+              <p:ext uri="{386F3935-93C4-4BCD-93E2-E3B085C9AB24}">
+                <p16:designElem xmlns:p16="http://schemas.microsoft.com/office/powerpoint/2015/main" val="1"/>
+              </p:ext>
+            </p:extLst>
+          </p:nvPr>
+        </p:nvSpPr>
+        <p:spPr>
+          <a:xfrm>
+            <a:off x="1062228" y="1060704"/>
+            <a:ext cx="10067544" cy="4736592"/>
+          </a:xfrm>
+          <a:prstGeom prst="rect">
+            <a:avLst/>
+          </a:prstGeom>
+          <a:noFill/>
+          <a:ln w="31750" cap="sq">
+            <a:solidFill>
+              <a:srgbClr val="FFFFFF"/>
+            </a:solidFill>
+            <a:miter lim="800000"/>
+          </a:ln>
+        </p:spPr>
+        <p:style>
+          <a:lnRef idx="2">
+            <a:schemeClr val="accent1">
+              <a:shade val="50000"/>
+            </a:schemeClr>
+          </a:lnRef>
+          <a:fillRef idx="1">
+            <a:schemeClr val="accent1"/>
+          </a:fillRef>
+          <a:effectRef idx="0">
+            <a:schemeClr val="accent1"/>
+          </a:effectRef>
+          <a:fontRef idx="minor">
+            <a:schemeClr val="lt1"/>
+          </a:fontRef>
+        </p:style>
+        <p:txBody>
+          <a:bodyPr rtlCol="0" anchor="ctr"/>
+          <a:lstStyle/>
+          <a:p>
+            <a:pPr algn="ctr"/>
+            <a:endParaRPr lang="en-US"/>
+          </a:p>
+        </p:txBody>
+      </p:sp>
+      <p:sp>
+        <p:nvSpPr>
+          <p:cNvPr id="2" name="Title 1"/>
+          <p:cNvSpPr>
+            <a:spLocks noGrp="1"/>
+          </p:cNvSpPr>
+          <p:nvPr>
+            <p:ph type="title"/>
+          </p:nvPr>
+        </p:nvSpPr>
+        <p:spPr>
+          <a:xfrm>
+            <a:off x="2231136" y="467418"/>
+            <a:ext cx="7729728" cy="1188720"/>
+          </a:xfrm>
+          <a:solidFill>
+            <a:srgbClr val="FFFFFF"/>
+          </a:solidFill>
+        </p:spPr>
+        <p:txBody>
+          <a:bodyPr>
+            <a:normAutofit/>
+          </a:bodyPr>
+          <a:lstStyle/>
+          <a:p>
+            <a:r>
+              <a:rPr lang="en-US" dirty="0"/>
+              <a:t>Insights / PROBLEMS</a:t>
+            </a:r>
+            <a:br>
+              <a:rPr lang="en-US" dirty="0"/>
+            </a:br>
+            <a:r>
+              <a:rPr lang="en-US" dirty="0"/>
+              <a:t>from data discovery</a:t>
+            </a:r>
+          </a:p>
+        </p:txBody>
+      </p:sp>
+      <p:sp>
+        <p:nvSpPr>
+          <p:cNvPr id="18" name="Content Placeholder 17">
+            <a:extLst>
+              <a:ext uri="{FF2B5EF4-FFF2-40B4-BE49-F238E27FC236}">
+                <a16:creationId xmlns:a16="http://schemas.microsoft.com/office/drawing/2014/main" id="{F18D8466-EAFC-4415-905B-2E7A6823B0D0}"/>
+              </a:ext>
+            </a:extLst>
+          </p:cNvPr>
+          <p:cNvSpPr>
+            <a:spLocks noGrp="1"/>
+          </p:cNvSpPr>
+          <p:nvPr>
+            <p:ph idx="1"/>
+          </p:nvPr>
+        </p:nvSpPr>
+        <p:spPr>
+          <a:xfrm>
+            <a:off x="2231136" y="2123556"/>
+            <a:ext cx="7729728" cy="3101983"/>
+          </a:xfrm>
+        </p:spPr>
+        <p:txBody>
+          <a:bodyPr>
+            <a:normAutofit/>
+          </a:bodyPr>
+          <a:lstStyle/>
+          <a:p>
+            <a:r>
+              <a:rPr lang="en-US" sz="2400" dirty="0"/>
+              <a:t>Political/geographical changes over recent history affect our data</a:t>
+            </a:r>
+          </a:p>
+          <a:p>
+            <a:r>
+              <a:rPr lang="en-US" sz="2400" dirty="0"/>
+              <a:t>Official country names vs aka names are problematic when merging data from different sources</a:t>
+            </a:r>
+          </a:p>
+          <a:p>
+            <a:r>
+              <a:rPr lang="en-US" sz="2400" dirty="0"/>
+              <a:t>Data isn’t available for all countries</a:t>
+            </a:r>
+          </a:p>
+        </p:txBody>
+      </p:sp>
+    </p:spTree>
+    <p:extLst>
+      <p:ext uri="{BB962C8B-B14F-4D97-AF65-F5344CB8AC3E}">
+        <p14:creationId xmlns:p14="http://schemas.microsoft.com/office/powerpoint/2010/main" val="1406421963"/>
+      </p:ext>
+    </p:extLst>
+  </p:cSld>
+  <p:clrMapOvr>
+    <a:masterClrMapping/>
+  </p:clrMapOvr>
+</p:sld>
+</file>
+
+<file path=ppt/slides/slide8.xml><?xml version="1.0" encoding="utf-8"?>
+<p:sld xmlns:a="http://schemas.openxmlformats.org/drawingml/2006/main" xmlns:r="http://schemas.openxmlformats.org/officeDocument/2006/relationships" xmlns:p="http://schemas.openxmlformats.org/presentationml/2006/main">
+  <p:cSld>
+    <p:bg>
+      <p:bgPr>
+        <a:solidFill>
+          <a:schemeClr val="bg1"/>
+        </a:solidFill>
+        <a:effectLst/>
+      </p:bgPr>
+    </p:bg>
+    <p:spTree>
+      <p:nvGrpSpPr>
+        <p:cNvPr id="1" name=""/>
+        <p:cNvGrpSpPr/>
+        <p:nvPr/>
+      </p:nvGrpSpPr>
+      <p:grpSpPr>
+        <a:xfrm>
+          <a:off x="0" y="0"/>
+          <a:ext cx="0" cy="0"/>
+          <a:chOff x="0" y="0"/>
+          <a:chExt cx="0" cy="0"/>
+        </a:xfrm>
+      </p:grpSpPr>
       <p:sp useBgFill="1">
         <p:nvSpPr>
           <p:cNvPr id="11" name="Rectangle 10">
@@ -8611,389 +9307,6 @@
   </p:cSld>
   <p:clrMapOvr>
     <a:overrideClrMapping bg1="lt1" tx1="dk1" bg2="lt2" tx2="dk2" accent1="accent1" accent2="accent2" accent3="accent3" accent4="accent4" accent5="accent5" accent6="accent6" hlink="hlink" folHlink="folHlink"/>
-  </p:clrMapOvr>
-</p:sld>
-</file>
-
-<file path=ppt/slides/slide8.xml><?xml version="1.0" encoding="utf-8"?>
-<p:sld xmlns:a="http://schemas.openxmlformats.org/drawingml/2006/main" xmlns:r="http://schemas.openxmlformats.org/officeDocument/2006/relationships" xmlns:p="http://schemas.openxmlformats.org/presentationml/2006/main">
-  <p:cSld>
-    <p:bg>
-      <p:bgPr>
-        <a:solidFill>
-          <a:schemeClr val="bg1">
-            <a:lumMod val="95000"/>
-          </a:schemeClr>
-        </a:solidFill>
-        <a:effectLst/>
-      </p:bgPr>
-    </p:bg>
-    <p:spTree>
-      <p:nvGrpSpPr>
-        <p:cNvPr id="1" name=""/>
-        <p:cNvGrpSpPr/>
-        <p:nvPr/>
-      </p:nvGrpSpPr>
-      <p:grpSpPr>
-        <a:xfrm>
-          <a:off x="0" y="0"/>
-          <a:ext cx="0" cy="0"/>
-          <a:chOff x="0" y="0"/>
-          <a:chExt cx="0" cy="0"/>
-        </a:xfrm>
-      </p:grpSpPr>
-      <p:sp useBgFill="1">
-        <p:nvSpPr>
-          <p:cNvPr id="11" name="Rectangle 10">
-            <a:extLst>
-              <a:ext uri="{FF2B5EF4-FFF2-40B4-BE49-F238E27FC236}">
-                <a16:creationId xmlns:a16="http://schemas.microsoft.com/office/drawing/2014/main" id="{1660E788-AFA9-4A1B-9991-6AA74632A15B}"/>
-              </a:ext>
-              <a:ext uri="{C183D7F6-B498-43B3-948B-1728B52AA6E4}">
-                <adec:decorative xmlns:adec="http://schemas.microsoft.com/office/drawing/2017/decorative" val="1"/>
-              </a:ext>
-            </a:extLst>
-          </p:cNvPr>
-          <p:cNvSpPr>
-            <a:spLocks noGrp="1" noRot="1" noChangeAspect="1" noMove="1" noResize="1" noEditPoints="1" noAdjustHandles="1" noChangeArrowheads="1" noChangeShapeType="1" noTextEdit="1"/>
-          </p:cNvSpPr>
-          <p:nvPr>
-            <p:extLst>
-              <p:ext uri="{386F3935-93C4-4BCD-93E2-E3B085C9AB24}">
-                <p16:designElem xmlns:p16="http://schemas.microsoft.com/office/powerpoint/2015/main" val="1"/>
-              </p:ext>
-            </p:extLst>
-          </p:nvPr>
-        </p:nvSpPr>
-        <p:spPr>
-          <a:xfrm>
-            <a:off x="0" y="0"/>
-            <a:ext cx="12191999" cy="6858000"/>
-          </a:xfrm>
-          <a:prstGeom prst="rect">
-            <a:avLst/>
-          </a:prstGeom>
-          <a:ln>
-            <a:noFill/>
-          </a:ln>
-        </p:spPr>
-        <p:style>
-          <a:lnRef idx="2">
-            <a:schemeClr val="accent1">
-              <a:shade val="50000"/>
-            </a:schemeClr>
-          </a:lnRef>
-          <a:fillRef idx="1">
-            <a:schemeClr val="accent1"/>
-          </a:fillRef>
-          <a:effectRef idx="0">
-            <a:schemeClr val="accent1"/>
-          </a:effectRef>
-          <a:fontRef idx="minor">
-            <a:schemeClr val="lt1"/>
-          </a:fontRef>
-        </p:style>
-        <p:txBody>
-          <a:bodyPr rtlCol="0" anchor="ctr"/>
-          <a:lstStyle/>
-          <a:p>
-            <a:pPr algn="ctr"/>
-            <a:endParaRPr lang="en-US"/>
-          </a:p>
-        </p:txBody>
-      </p:sp>
-      <p:sp>
-        <p:nvSpPr>
-          <p:cNvPr id="13" name="Rectangle 12">
-            <a:extLst>
-              <a:ext uri="{FF2B5EF4-FFF2-40B4-BE49-F238E27FC236}">
-                <a16:creationId xmlns:a16="http://schemas.microsoft.com/office/drawing/2014/main" id="{867D4867-5BA7-4462-B2F6-A23F4A622AA7}"/>
-              </a:ext>
-              <a:ext uri="{C183D7F6-B498-43B3-948B-1728B52AA6E4}">
-                <adec:decorative xmlns:adec="http://schemas.microsoft.com/office/drawing/2017/decorative" val="1"/>
-              </a:ext>
-            </a:extLst>
-          </p:cNvPr>
-          <p:cNvSpPr>
-            <a:spLocks noGrp="1" noRot="1" noChangeAspect="1" noMove="1" noResize="1" noEditPoints="1" noAdjustHandles="1" noChangeArrowheads="1" noChangeShapeType="1" noTextEdit="1"/>
-          </p:cNvSpPr>
-          <p:nvPr>
-            <p:extLst>
-              <p:ext uri="{386F3935-93C4-4BCD-93E2-E3B085C9AB24}">
-                <p16:designElem xmlns:p16="http://schemas.microsoft.com/office/powerpoint/2015/main" val="1"/>
-              </p:ext>
-            </p:extLst>
-          </p:nvPr>
-        </p:nvSpPr>
-        <p:spPr>
-          <a:xfrm>
-            <a:off x="0" y="0"/>
-            <a:ext cx="4654296" cy="6858000"/>
-          </a:xfrm>
-          <a:prstGeom prst="rect">
-            <a:avLst/>
-          </a:prstGeom>
-          <a:solidFill>
-            <a:schemeClr val="tx2"/>
-          </a:solidFill>
-          <a:ln>
-            <a:noFill/>
-          </a:ln>
-        </p:spPr>
-        <p:style>
-          <a:lnRef idx="0">
-            <a:scrgbClr r="0" g="0" b="0"/>
-          </a:lnRef>
-          <a:fillRef idx="0">
-            <a:scrgbClr r="0" g="0" b="0"/>
-          </a:fillRef>
-          <a:effectRef idx="0">
-            <a:scrgbClr r="0" g="0" b="0"/>
-          </a:effectRef>
-          <a:fontRef idx="minor">
-            <a:schemeClr val="lt1"/>
-          </a:fontRef>
-        </p:style>
-        <p:txBody>
-          <a:bodyPr rtlCol="0" anchor="ctr"/>
-          <a:lstStyle/>
-          <a:p>
-            <a:pPr algn="ctr"/>
-            <a:endParaRPr lang="en-US"/>
-          </a:p>
-        </p:txBody>
-      </p:sp>
-      <p:sp>
-        <p:nvSpPr>
-          <p:cNvPr id="2" name="Title 1"/>
-          <p:cNvSpPr>
-            <a:spLocks noGrp="1"/>
-          </p:cNvSpPr>
-          <p:nvPr>
-            <p:ph type="title"/>
-          </p:nvPr>
-        </p:nvSpPr>
-        <p:spPr>
-          <a:xfrm>
-            <a:off x="643467" y="643467"/>
-            <a:ext cx="3363974" cy="1728044"/>
-          </a:xfrm>
-          <a:noFill/>
-          <a:ln>
-            <a:solidFill>
-              <a:schemeClr val="bg1"/>
-            </a:solidFill>
-          </a:ln>
-        </p:spPr>
-        <p:txBody>
-          <a:bodyPr wrap="square">
-            <a:normAutofit/>
-          </a:bodyPr>
-          <a:lstStyle/>
-          <a:p>
-            <a:r>
-              <a:rPr lang="en-US" dirty="0">
-                <a:solidFill>
-                  <a:schemeClr val="bg1"/>
-                </a:solidFill>
-              </a:rPr>
-              <a:t>Energy capacity</a:t>
-            </a:r>
-          </a:p>
-        </p:txBody>
-      </p:sp>
-      <p:sp>
-        <p:nvSpPr>
-          <p:cNvPr id="3" name="Content Placeholder 2"/>
-          <p:cNvSpPr>
-            <a:spLocks noGrp="1"/>
-          </p:cNvSpPr>
-          <p:nvPr>
-            <p:ph idx="1"/>
-          </p:nvPr>
-        </p:nvSpPr>
-        <p:spPr>
-          <a:xfrm>
-            <a:off x="346841" y="2629057"/>
-            <a:ext cx="3962400" cy="3415622"/>
-          </a:xfrm>
-        </p:spPr>
-        <p:txBody>
-          <a:bodyPr>
-            <a:normAutofit/>
-          </a:bodyPr>
-          <a:lstStyle/>
-          <a:p>
-            <a:pPr marL="0" indent="0" algn="ctr">
-              <a:buNone/>
-            </a:pPr>
-            <a:r>
-              <a:rPr lang="en-US" dirty="0">
-                <a:solidFill>
-                  <a:schemeClr val="bg1"/>
-                </a:solidFill>
-              </a:rPr>
-              <a:t>Maximum energy production capability calculated from power plant commissioning of all fuel types</a:t>
-            </a:r>
-          </a:p>
-          <a:p>
-            <a:pPr marL="0" indent="0" algn="ctr">
-              <a:buNone/>
-            </a:pPr>
-            <a:r>
-              <a:rPr lang="en-US" dirty="0">
-                <a:solidFill>
-                  <a:schemeClr val="bg1"/>
-                </a:solidFill>
-              </a:rPr>
-              <a:t>Source:</a:t>
-            </a:r>
-            <a:br>
-              <a:rPr lang="en-US" dirty="0">
-                <a:solidFill>
-                  <a:schemeClr val="bg1"/>
-                </a:solidFill>
-              </a:rPr>
-            </a:br>
-            <a:r>
-              <a:rPr lang="en-US" dirty="0">
-                <a:solidFill>
-                  <a:schemeClr val="bg1"/>
-                </a:solidFill>
-              </a:rPr>
-              <a:t>Global Power Plant Database</a:t>
-            </a:r>
-          </a:p>
-        </p:txBody>
-      </p:sp>
-      <p:pic>
-        <p:nvPicPr>
-          <p:cNvPr id="9" name="Picture 2" descr="https://www.challenge.ma/wp-content/uploads/2017/03/Noor-2.jpg">
-            <a:extLst>
-              <a:ext uri="{FF2B5EF4-FFF2-40B4-BE49-F238E27FC236}">
-                <a16:creationId xmlns:a16="http://schemas.microsoft.com/office/drawing/2014/main" id="{FD29FDC2-3A19-4202-BAB7-E4A838BA4186}"/>
-              </a:ext>
-            </a:extLst>
-          </p:cNvPr>
-          <p:cNvPicPr>
-            <a:picLocks noChangeAspect="1" noChangeArrowheads="1"/>
-          </p:cNvPicPr>
-          <p:nvPr/>
-        </p:nvPicPr>
-        <p:blipFill rotWithShape="1">
-          <a:blip r:embed="rId3">
-            <a:extLst>
-              <a:ext uri="{28A0092B-C50C-407E-A947-70E740481C1C}">
-                <a14:useLocalDpi xmlns:a14="http://schemas.microsoft.com/office/drawing/2010/main" val="0"/>
-              </a:ext>
-            </a:extLst>
-          </a:blip>
-          <a:srcRect r="35068"/>
-          <a:stretch/>
-        </p:blipFill>
-        <p:spPr bwMode="auto">
-          <a:xfrm>
-            <a:off x="161678" y="4625449"/>
-            <a:ext cx="1978321" cy="1787087"/>
-          </a:xfrm>
-          <a:prstGeom prst="rect">
-            <a:avLst/>
-          </a:prstGeom>
-          <a:noFill/>
-          <a:extLst>
-            <a:ext uri="{909E8E84-426E-40DD-AFC4-6F175D3DCCD1}">
-              <a14:hiddenFill xmlns:a14="http://schemas.microsoft.com/office/drawing/2010/main">
-                <a:solidFill>
-                  <a:srgbClr val="FFFFFF"/>
-                </a:solidFill>
-              </a14:hiddenFill>
-            </a:ext>
-          </a:extLst>
-        </p:spPr>
-      </p:pic>
-      <p:pic>
-        <p:nvPicPr>
-          <p:cNvPr id="6146" name="Picture 2" descr="Image result for power plant image">
-            <a:extLst>
-              <a:ext uri="{FF2B5EF4-FFF2-40B4-BE49-F238E27FC236}">
-                <a16:creationId xmlns:a16="http://schemas.microsoft.com/office/drawing/2014/main" id="{375340A0-0230-4553-9682-37394B44C3DB}"/>
-              </a:ext>
-            </a:extLst>
-          </p:cNvPr>
-          <p:cNvPicPr>
-            <a:picLocks noChangeAspect="1" noChangeArrowheads="1"/>
-          </p:cNvPicPr>
-          <p:nvPr/>
-        </p:nvPicPr>
-        <p:blipFill rotWithShape="1">
-          <a:blip r:embed="rId4">
-            <a:extLst>
-              <a:ext uri="{28A0092B-C50C-407E-A947-70E740481C1C}">
-                <a14:useLocalDpi xmlns:a14="http://schemas.microsoft.com/office/drawing/2010/main" val="0"/>
-              </a:ext>
-            </a:extLst>
-          </a:blip>
-          <a:srcRect l="15788"/>
-          <a:stretch/>
-        </p:blipFill>
-        <p:spPr bwMode="auto">
-          <a:xfrm>
-            <a:off x="2325454" y="4625448"/>
-            <a:ext cx="2163776" cy="1787087"/>
-          </a:xfrm>
-          <a:prstGeom prst="rect">
-            <a:avLst/>
-          </a:prstGeom>
-          <a:noFill/>
-          <a:extLst>
-            <a:ext uri="{909E8E84-426E-40DD-AFC4-6F175D3DCCD1}">
-              <a14:hiddenFill xmlns:a14="http://schemas.microsoft.com/office/drawing/2010/main">
-                <a:solidFill>
-                  <a:srgbClr val="FFFFFF"/>
-                </a:solidFill>
-              </a14:hiddenFill>
-            </a:ext>
-          </a:extLst>
-        </p:spPr>
-      </p:pic>
-      <p:pic>
-        <p:nvPicPr>
-          <p:cNvPr id="4" name="Picture 3">
-            <a:extLst>
-              <a:ext uri="{FF2B5EF4-FFF2-40B4-BE49-F238E27FC236}">
-                <a16:creationId xmlns:a16="http://schemas.microsoft.com/office/drawing/2014/main" id="{18E71770-59DF-4B0B-A9DA-2394B92772D1}"/>
-              </a:ext>
-            </a:extLst>
-          </p:cNvPr>
-          <p:cNvPicPr>
-            <a:picLocks noChangeAspect="1"/>
-          </p:cNvPicPr>
-          <p:nvPr/>
-        </p:nvPicPr>
-        <p:blipFill rotWithShape="1">
-          <a:blip r:embed="rId5"/>
-          <a:srcRect l="12072" t="20921" r="20076" b="6191"/>
-          <a:stretch/>
-        </p:blipFill>
-        <p:spPr>
-          <a:xfrm>
-            <a:off x="5001137" y="1168984"/>
-            <a:ext cx="6845021" cy="4149250"/>
-          </a:xfrm>
-          <a:prstGeom prst="rect">
-            <a:avLst/>
-          </a:prstGeom>
-        </p:spPr>
-      </p:pic>
-    </p:spTree>
-    <p:extLst>
-      <p:ext uri="{BB962C8B-B14F-4D97-AF65-F5344CB8AC3E}">
-        <p14:creationId xmlns:p14="http://schemas.microsoft.com/office/powerpoint/2010/main" val="3387975780"/>
-      </p:ext>
-    </p:extLst>
-  </p:cSld>
-  <p:clrMapOvr>
-    <a:masterClrMapping/>
   </p:clrMapOvr>
 </p:sld>
 </file>
@@ -9158,7 +9471,7 @@
         </p:nvSpPr>
         <p:spPr>
           <a:xfrm>
-            <a:off x="643467" y="475307"/>
+            <a:off x="643467" y="643467"/>
             <a:ext cx="3363974" cy="1728044"/>
           </a:xfrm>
           <a:noFill/>
@@ -9180,22 +9493,7 @@
                   <a:schemeClr val="bg1"/>
                 </a:solidFill>
               </a:rPr>
-              <a:t>Energy consumption/</a:t>
-            </a:r>
-            <a:br>
-              <a:rPr lang="en-US" dirty="0">
-                <a:solidFill>
-                  <a:schemeClr val="bg1"/>
-                </a:solidFill>
-              </a:rPr>
-            </a:br>
-            <a:r>
-              <a:rPr lang="en-US" dirty="0">
-                <a:solidFill>
-                  <a:schemeClr val="bg1"/>
-                </a:solidFill>
-              </a:rPr>
-              <a:t>Generation</a:t>
+              <a:t>Energy capacity</a:t>
             </a:r>
           </a:p>
         </p:txBody>
@@ -9212,8 +9510,8 @@
         </p:nvSpPr>
         <p:spPr>
           <a:xfrm>
-            <a:off x="294289" y="2364832"/>
-            <a:ext cx="4056993" cy="3415622"/>
+            <a:off x="346841" y="2629057"/>
+            <a:ext cx="3962400" cy="3415622"/>
           </a:xfrm>
         </p:spPr>
         <p:txBody>
@@ -9231,7 +9529,7 @@
                   <a:schemeClr val="bg1"/>
                 </a:solidFill>
               </a:rPr>
-              <a:t>Total amount of energy consumed - residential, commercial, and industrial</a:t>
+              <a:t>Maximum energy production capability calculated from power plant commissioning of all fuel types</a:t>
             </a:r>
           </a:p>
           <a:p>
@@ -9259,17 +9557,17 @@
                   <a:schemeClr val="bg1"/>
                 </a:solidFill>
               </a:rPr>
-              <a:t>BP Statistical Review of World Energy</a:t>
+              <a:t>Global Power Plant Database</a:t>
             </a:r>
           </a:p>
         </p:txBody>
       </p:sp>
       <p:pic>
         <p:nvPicPr>
-          <p:cNvPr id="7170" name="Picture 2" descr="Image result for industrial production plant image">
+          <p:cNvPr id="9" name="Picture 2" descr="https://www.challenge.ma/wp-content/uploads/2017/03/Noor-2.jpg">
             <a:extLst>
               <a:ext uri="{FF2B5EF4-FFF2-40B4-BE49-F238E27FC236}">
-                <a16:creationId xmlns:a16="http://schemas.microsoft.com/office/drawing/2014/main" id="{CD736658-6A8B-401F-992B-6131240739D0}"/>
+                <a16:creationId xmlns:a16="http://schemas.microsoft.com/office/drawing/2014/main" id="{FD29FDC2-3A19-4202-BAB7-E4A838BA4186}"/>
               </a:ext>
             </a:extLst>
           </p:cNvPr>
@@ -9286,13 +9584,13 @@
               </a:ext>
             </a:extLst>
           </a:blip>
-          <a:srcRect b="13878"/>
+          <a:srcRect r="35068"/>
           <a:stretch/>
         </p:blipFill>
         <p:spPr bwMode="auto">
           <a:xfrm>
-            <a:off x="791769" y="5304141"/>
-            <a:ext cx="3062031" cy="1353048"/>
+            <a:off x="161678" y="4625449"/>
+            <a:ext cx="1978321" cy="1787087"/>
           </a:xfrm>
           <a:prstGeom prst="rect">
             <a:avLst/>
@@ -9311,10 +9609,10 @@
       </p:pic>
       <p:pic>
         <p:nvPicPr>
-          <p:cNvPr id="7172" name="Picture 4" descr="Image result for home energy use image">
+          <p:cNvPr id="6146" name="Picture 2" descr="Image result for power plant image">
             <a:extLst>
               <a:ext uri="{FF2B5EF4-FFF2-40B4-BE49-F238E27FC236}">
-                <a16:creationId xmlns:a16="http://schemas.microsoft.com/office/drawing/2014/main" id="{1C5A529C-7A2B-469D-9D9B-650E9121DC06}"/>
+                <a16:creationId xmlns:a16="http://schemas.microsoft.com/office/drawing/2014/main" id="{375340A0-0230-4553-9682-37394B44C3DB}"/>
               </a:ext>
             </a:extLst>
           </p:cNvPr>
@@ -9331,13 +9629,13 @@
               </a:ext>
             </a:extLst>
           </a:blip>
-          <a:srcRect l="4530" t="31859" r="3967" b="3527"/>
+          <a:srcRect l="15788"/>
           <a:stretch/>
         </p:blipFill>
         <p:spPr bwMode="auto">
           <a:xfrm>
-            <a:off x="791769" y="3676191"/>
-            <a:ext cx="3062031" cy="1353048"/>
+            <a:off x="2325454" y="4625448"/>
+            <a:ext cx="2163776" cy="1787087"/>
           </a:xfrm>
           <a:prstGeom prst="rect">
             <a:avLst/>
@@ -9359,7 +9657,7 @@
           <p:cNvPr id="4" name="Picture 3">
             <a:extLst>
               <a:ext uri="{FF2B5EF4-FFF2-40B4-BE49-F238E27FC236}">
-                <a16:creationId xmlns:a16="http://schemas.microsoft.com/office/drawing/2014/main" id="{E025D48B-BD8C-4835-BC9B-08DFABF6C46D}"/>
+                <a16:creationId xmlns:a16="http://schemas.microsoft.com/office/drawing/2014/main" id="{18E71770-59DF-4B0B-A9DA-2394B92772D1}"/>
               </a:ext>
             </a:extLst>
           </p:cNvPr>
@@ -9368,61 +9666,25 @@
           </p:cNvPicPr>
           <p:nvPr/>
         </p:nvPicPr>
-        <p:blipFill>
+        <p:blipFill rotWithShape="1">
           <a:blip r:embed="rId5"/>
-          <a:stretch>
-            <a:fillRect/>
-          </a:stretch>
+          <a:srcRect l="12072" t="20921" r="20076" b="6191"/>
+          <a:stretch/>
         </p:blipFill>
         <p:spPr>
           <a:xfrm>
-            <a:off x="4848762" y="3588231"/>
-            <a:ext cx="7148179" cy="2918713"/>
+            <a:off x="5001137" y="1168984"/>
+            <a:ext cx="6845021" cy="4149250"/>
           </a:xfrm>
           <a:prstGeom prst="rect">
             <a:avLst/>
           </a:prstGeom>
         </p:spPr>
       </p:pic>
-      <p:sp>
-        <p:nvSpPr>
-          <p:cNvPr id="10" name="TextBox 9">
-            <a:extLst>
-              <a:ext uri="{FF2B5EF4-FFF2-40B4-BE49-F238E27FC236}">
-                <a16:creationId xmlns:a16="http://schemas.microsoft.com/office/drawing/2014/main" id="{1C845D78-DAD9-4200-AA09-6A4046398AF4}"/>
-              </a:ext>
-            </a:extLst>
-          </p:cNvPr>
-          <p:cNvSpPr txBox="1"/>
-          <p:nvPr/>
-        </p:nvSpPr>
-        <p:spPr>
-          <a:xfrm flipH="1">
-            <a:off x="6041353" y="969997"/>
-            <a:ext cx="5131143" cy="369332"/>
-          </a:xfrm>
-          <a:prstGeom prst="rect">
-            <a:avLst/>
-          </a:prstGeom>
-          <a:noFill/>
-        </p:spPr>
-        <p:txBody>
-          <a:bodyPr wrap="square" rtlCol="0">
-            <a:spAutoFit/>
-          </a:bodyPr>
-          <a:lstStyle/>
-          <a:p>
-            <a:r>
-              <a:rPr lang="en-US" dirty="0"/>
-              <a:t>Add graph of non-per capital generation over time</a:t>
-            </a:r>
-          </a:p>
-        </p:txBody>
-      </p:sp>
     </p:spTree>
     <p:extLst>
       <p:ext uri="{BB962C8B-B14F-4D97-AF65-F5344CB8AC3E}">
-        <p14:creationId xmlns:p14="http://schemas.microsoft.com/office/powerpoint/2010/main" val="3769715691"/>
+        <p14:creationId xmlns:p14="http://schemas.microsoft.com/office/powerpoint/2010/main" val="3387975780"/>
       </p:ext>
     </p:extLst>
   </p:cSld>

--- a/Project 1.pptx
+++ b/Project 1.pptx
@@ -210,7 +210,7 @@
           <a:p>
             <a:fld id="{A5C20BB3-3CCB-4FE5-991B-82F6BCB48AF3}" type="datetimeFigureOut">
               <a:rPr lang="en-US" smtClean="0"/>
-              <a:t>8/4/2019</a:t>
+              <a:t>8/5/2019</a:t>
             </a:fld>
             <a:endParaRPr lang="en-US"/>
           </a:p>
@@ -1446,7 +1446,19 @@
                 <a:ea typeface="+mn-ea"/>
                 <a:cs typeface="+mn-cs"/>
               </a:rPr>
-              <a:t>Discuss your findings. Did you find what you expected to find? If not, why not? What inferences or general conclusions can you draw from your analysis?</a:t>
+              <a:t>Discuss your findings. Did you find what you expected to find? If not, why not? What inferences or general conclusions can you draw from </a:t>
+            </a:r>
+            <a:r>
+              <a:rPr lang="en-US" sz="1200" b="0" i="0" kern="1200">
+                <a:solidFill>
+                  <a:schemeClr val="tx1"/>
+                </a:solidFill>
+                <a:effectLst/>
+                <a:latin typeface="+mn-lt"/>
+                <a:ea typeface="+mn-ea"/>
+                <a:cs typeface="+mn-cs"/>
+              </a:rPr>
+              <a:t>your analysis</a:t>
             </a:r>
             <a:br>
               <a:rPr lang="en-US" dirty="0"/>
@@ -1916,7 +1928,7 @@
           <a:p>
             <a:fld id="{1160EA64-D806-43AC-9DF2-F8C432F32B4C}" type="datetimeFigureOut">
               <a:rPr lang="en-US" dirty="0"/>
-              <a:t>8/4/2019</a:t>
+              <a:t>8/5/2019</a:t>
             </a:fld>
             <a:endParaRPr lang="en-US" dirty="0"/>
           </a:p>
@@ -2087,7 +2099,7 @@
           <a:p>
             <a:fld id="{E9F9C37B-1D36-470B-8223-D6C91242EC14}" type="datetimeFigureOut">
               <a:rPr lang="en-US" dirty="0"/>
-              <a:t>8/4/2019</a:t>
+              <a:t>8/5/2019</a:t>
             </a:fld>
             <a:endParaRPr lang="en-US" dirty="0"/>
           </a:p>
@@ -2267,7 +2279,7 @@
           <a:p>
             <a:fld id="{67C6F52A-A82B-47A2-A83A-8C4C91F2D59F}" type="datetimeFigureOut">
               <a:rPr lang="en-US" dirty="0"/>
-              <a:t>8/4/2019</a:t>
+              <a:t>8/5/2019</a:t>
             </a:fld>
             <a:endParaRPr lang="en-US" dirty="0"/>
           </a:p>
@@ -2437,7 +2449,7 @@
           <a:p>
             <a:fld id="{F070A7B3-6521-4DCA-87E5-044747A908C1}" type="datetimeFigureOut">
               <a:rPr lang="en-US" dirty="0"/>
-              <a:t>8/4/2019</a:t>
+              <a:t>8/5/2019</a:t>
             </a:fld>
             <a:endParaRPr lang="en-US" dirty="0"/>
           </a:p>
@@ -2706,7 +2718,7 @@
           <a:p>
             <a:fld id="{1160EA64-D806-43AC-9DF2-F8C432F32B4C}" type="datetimeFigureOut">
               <a:rPr lang="en-US" dirty="0"/>
-              <a:t>8/4/2019</a:t>
+              <a:t>8/5/2019</a:t>
             </a:fld>
             <a:endParaRPr lang="en-US" dirty="0"/>
           </a:p>
@@ -2939,7 +2951,7 @@
           <a:p>
             <a:fld id="{AB134690-1557-4C89-A502-4959FE7FAD70}" type="datetimeFigureOut">
               <a:rPr lang="en-US" dirty="0"/>
-              <a:t>8/4/2019</a:t>
+              <a:t>8/5/2019</a:t>
             </a:fld>
             <a:endParaRPr lang="en-US" dirty="0"/>
           </a:p>
@@ -3298,7 +3310,7 @@
           <a:p>
             <a:fld id="{4F7D4976-E339-4826-83B7-FBD03F55ECF8}" type="datetimeFigureOut">
               <a:rPr lang="en-US" dirty="0"/>
-              <a:t>8/4/2019</a:t>
+              <a:t>8/5/2019</a:t>
             </a:fld>
             <a:endParaRPr lang="en-US" dirty="0"/>
           </a:p>
@@ -3439,7 +3451,7 @@
           <a:p>
             <a:fld id="{E1037C31-9E7A-4F99-8774-A0E530DE1A42}" type="datetimeFigureOut">
               <a:rPr lang="en-US" dirty="0"/>
-              <a:t>8/4/2019</a:t>
+              <a:t>8/5/2019</a:t>
             </a:fld>
             <a:endParaRPr lang="en-US" dirty="0"/>
           </a:p>
@@ -3534,7 +3546,7 @@
           <a:p>
             <a:fld id="{C278504F-A551-4DE0-9316-4DCD1D8CC752}" type="datetimeFigureOut">
               <a:rPr lang="en-US" dirty="0"/>
-              <a:t>8/4/2019</a:t>
+              <a:t>8/5/2019</a:t>
             </a:fld>
             <a:endParaRPr lang="en-US" dirty="0"/>
           </a:p>
@@ -3891,7 +3903,7 @@
           <a:p>
             <a:fld id="{D1BE4249-C0D0-4B06-8692-E8BB871AF643}" type="datetimeFigureOut">
               <a:rPr lang="en-US" dirty="0"/>
-              <a:t>8/4/2019</a:t>
+              <a:t>8/5/2019</a:t>
             </a:fld>
             <a:endParaRPr lang="en-US" dirty="0"/>
           </a:p>
@@ -4248,7 +4260,7 @@
           <a:p>
             <a:fld id="{042B0DB6-F5C7-45FB-8CF3-31B45F9C2DAC}" type="datetimeFigureOut">
               <a:rPr lang="en-US" dirty="0"/>
-              <a:t>8/4/2019</a:t>
+              <a:t>8/5/2019</a:t>
             </a:fld>
             <a:endParaRPr lang="en-US" dirty="0"/>
           </a:p>
@@ -4490,7 +4502,7 @@
           <a:p>
             <a:fld id="{1160EA64-D806-43AC-9DF2-F8C432F32B4C}" type="datetimeFigureOut">
               <a:rPr lang="en-US" dirty="0"/>
-              <a:t>8/4/2019</a:t>
+              <a:t>8/5/2019</a:t>
             </a:fld>
             <a:endParaRPr lang="en-US" dirty="0"/>
           </a:p>
@@ -5560,10 +5572,10 @@
       </p:pic>
       <p:pic>
         <p:nvPicPr>
-          <p:cNvPr id="12" name="Picture 11">
+          <p:cNvPr id="4" name="Picture 3">
             <a:extLst>
               <a:ext uri="{FF2B5EF4-FFF2-40B4-BE49-F238E27FC236}">
-                <a16:creationId xmlns:a16="http://schemas.microsoft.com/office/drawing/2014/main" id="{4F164F6B-C5AC-44A1-BEC7-ECD24BD256EF}"/>
+                <a16:creationId xmlns:a16="http://schemas.microsoft.com/office/drawing/2014/main" id="{5C92F0EB-B928-4D5A-A474-ECFCDFC966CA}"/>
               </a:ext>
             </a:extLst>
           </p:cNvPr>
@@ -5580,8 +5592,38 @@
         </p:blipFill>
         <p:spPr>
           <a:xfrm>
-            <a:off x="4702014" y="1195875"/>
-            <a:ext cx="7382613" cy="3708634"/>
+            <a:off x="4853595" y="3245114"/>
+            <a:ext cx="7218662" cy="3522194"/>
+          </a:xfrm>
+          <a:prstGeom prst="rect">
+            <a:avLst/>
+          </a:prstGeom>
+        </p:spPr>
+      </p:pic>
+      <p:pic>
+        <p:nvPicPr>
+          <p:cNvPr id="5" name="Picture 4">
+            <a:extLst>
+              <a:ext uri="{FF2B5EF4-FFF2-40B4-BE49-F238E27FC236}">
+                <a16:creationId xmlns:a16="http://schemas.microsoft.com/office/drawing/2014/main" id="{B8186518-75F3-40F5-B996-3CBA6FC991DC}"/>
+              </a:ext>
+            </a:extLst>
+          </p:cNvPr>
+          <p:cNvPicPr>
+            <a:picLocks noChangeAspect="1"/>
+          </p:cNvPicPr>
+          <p:nvPr/>
+        </p:nvPicPr>
+        <p:blipFill>
+          <a:blip r:embed="rId6"/>
+          <a:stretch>
+            <a:fillRect/>
+          </a:stretch>
+        </p:blipFill>
+        <p:spPr>
+          <a:xfrm>
+            <a:off x="4853595" y="91862"/>
+            <a:ext cx="7218662" cy="3028474"/>
           </a:xfrm>
           <a:prstGeom prst="rect">
             <a:avLst/>
@@ -5882,41 +5924,6 @@
           </a:p>
         </p:txBody>
       </p:sp>
-      <p:sp>
-        <p:nvSpPr>
-          <p:cNvPr id="7" name="TextBox 6">
-            <a:extLst>
-              <a:ext uri="{FF2B5EF4-FFF2-40B4-BE49-F238E27FC236}">
-                <a16:creationId xmlns:a16="http://schemas.microsoft.com/office/drawing/2014/main" id="{FCD54170-41EA-41EA-AE21-D7E8EE48D15A}"/>
-              </a:ext>
-            </a:extLst>
-          </p:cNvPr>
-          <p:cNvSpPr txBox="1"/>
-          <p:nvPr/>
-        </p:nvSpPr>
-        <p:spPr>
-          <a:xfrm flipH="1">
-            <a:off x="6446519" y="2490952"/>
-            <a:ext cx="4165252" cy="369332"/>
-          </a:xfrm>
-          <a:prstGeom prst="rect">
-            <a:avLst/>
-          </a:prstGeom>
-          <a:noFill/>
-        </p:spPr>
-        <p:txBody>
-          <a:bodyPr wrap="square" rtlCol="0">
-            <a:spAutoFit/>
-          </a:bodyPr>
-          <a:lstStyle/>
-          <a:p>
-            <a:r>
-              <a:rPr lang="en-US" dirty="0"/>
-              <a:t>Add graph of HDI over time</a:t>
-            </a:r>
-          </a:p>
-        </p:txBody>
-      </p:sp>
       <p:pic>
         <p:nvPicPr>
           <p:cNvPr id="4098" name="Picture 2" descr="Image result for hDI images">
@@ -5960,6 +5967,36 @@
               </a14:hiddenFill>
             </a:ext>
           </a:extLst>
+        </p:spPr>
+      </p:pic>
+      <p:pic>
+        <p:nvPicPr>
+          <p:cNvPr id="4" name="Picture 3">
+            <a:extLst>
+              <a:ext uri="{FF2B5EF4-FFF2-40B4-BE49-F238E27FC236}">
+                <a16:creationId xmlns:a16="http://schemas.microsoft.com/office/drawing/2014/main" id="{26310073-FCD9-4147-9089-8771661E7646}"/>
+              </a:ext>
+            </a:extLst>
+          </p:cNvPr>
+          <p:cNvPicPr>
+            <a:picLocks noChangeAspect="1"/>
+          </p:cNvPicPr>
+          <p:nvPr/>
+        </p:nvPicPr>
+        <p:blipFill>
+          <a:blip r:embed="rId4"/>
+          <a:stretch>
+            <a:fillRect/>
+          </a:stretch>
+        </p:blipFill>
+        <p:spPr>
+          <a:xfrm>
+            <a:off x="5299180" y="1215957"/>
+            <a:ext cx="6247659" cy="4401232"/>
+          </a:xfrm>
+          <a:prstGeom prst="rect">
+            <a:avLst/>
+          </a:prstGeom>
         </p:spPr>
       </p:pic>
     </p:spTree>
@@ -6189,8 +6226,8 @@
         </p:nvSpPr>
         <p:spPr>
           <a:xfrm>
-            <a:off x="643467" y="2486352"/>
-            <a:ext cx="3363974" cy="3589406"/>
+            <a:off x="313267" y="2354744"/>
+            <a:ext cx="3987800" cy="3589406"/>
           </a:xfrm>
         </p:spPr>
         <p:txBody>
@@ -6208,7 +6245,7 @@
                   <a:schemeClr val="bg1"/>
                 </a:solidFill>
               </a:rPr>
-              <a:t>Total amount of energy consumed by “green” sources</a:t>
+              <a:t>Green Sources = Hydro &amp; Renewables (Solar,  Wind, Biomass, Geothermal)</a:t>
             </a:r>
           </a:p>
           <a:p>
@@ -6221,6 +6258,19 @@
                   <a:schemeClr val="bg1"/>
                 </a:solidFill>
               </a:rPr>
+              <a:t>Non-Green = Oil, Natural Gas, &amp; Coal</a:t>
+            </a:r>
+          </a:p>
+          <a:p>
+            <a:pPr marL="0" indent="0" algn="ctr">
+              <a:buNone/>
+            </a:pPr>
+            <a:r>
+              <a:rPr lang="en-US" dirty="0">
+                <a:solidFill>
+                  <a:schemeClr val="bg1"/>
+                </a:solidFill>
+              </a:rPr>
               <a:t>Source:</a:t>
             </a:r>
             <a:br>
@@ -6241,57 +6291,42 @@
           </a:p>
         </p:txBody>
       </p:sp>
-      <p:pic>
-        <p:nvPicPr>
-          <p:cNvPr id="8" name="Picture 4" descr="Image result for population images">
-            <a:extLst>
-              <a:ext uri="{FF2B5EF4-FFF2-40B4-BE49-F238E27FC236}">
-                <a16:creationId xmlns:a16="http://schemas.microsoft.com/office/drawing/2014/main" id="{BE3318A3-E693-456A-9442-B0272A0DE7C1}"/>
-              </a:ext>
-            </a:extLst>
-          </p:cNvPr>
-          <p:cNvPicPr>
-            <a:picLocks noChangeAspect="1" noChangeArrowheads="1"/>
-          </p:cNvPicPr>
-          <p:nvPr/>
-        </p:nvPicPr>
-        <p:blipFill rotWithShape="1">
-          <a:blip r:embed="rId3">
-            <a:extLst>
-              <a:ext uri="{28A0092B-C50C-407E-A947-70E740481C1C}">
-                <a14:useLocalDpi xmlns:a14="http://schemas.microsoft.com/office/drawing/2010/main" val="0"/>
-              </a:ext>
-            </a:extLst>
-          </a:blip>
-          <a:srcRect t="-846" b="9654"/>
-          <a:stretch/>
-        </p:blipFill>
-        <p:spPr bwMode="auto">
-          <a:xfrm>
-            <a:off x="269894" y="4371648"/>
-            <a:ext cx="4111120" cy="2345420"/>
-          </a:xfrm>
-          <a:prstGeom prst="rect">
-            <a:avLst/>
-          </a:prstGeom>
-          <a:noFill/>
-          <a:extLst>
-            <a:ext uri="{909E8E84-426E-40DD-AFC4-6F175D3DCCD1}">
-              <a14:hiddenFill xmlns:a14="http://schemas.microsoft.com/office/drawing/2010/main">
-                <a:solidFill>
-                  <a:srgbClr val="FFFFFF"/>
-                </a:solidFill>
-              </a14:hiddenFill>
-            </a:ext>
-          </a:extLst>
-        </p:spPr>
-      </p:pic>
       <p:pic>
         <p:nvPicPr>
           <p:cNvPr id="6" name="Picture 5">
             <a:extLst>
               <a:ext uri="{FF2B5EF4-FFF2-40B4-BE49-F238E27FC236}">
                 <a16:creationId xmlns:a16="http://schemas.microsoft.com/office/drawing/2014/main" id="{1B3FA093-37D8-4C23-9C70-60766F46C408}"/>
+              </a:ext>
+            </a:extLst>
+          </p:cNvPr>
+          <p:cNvPicPr>
+            <a:picLocks noChangeAspect="1"/>
+          </p:cNvPicPr>
+          <p:nvPr/>
+        </p:nvPicPr>
+        <p:blipFill>
+          <a:blip r:embed="rId3"/>
+          <a:stretch>
+            <a:fillRect/>
+          </a:stretch>
+        </p:blipFill>
+        <p:spPr>
+          <a:xfrm>
+            <a:off x="5297763" y="147624"/>
+            <a:ext cx="6149600" cy="3239812"/>
+          </a:xfrm>
+          <a:prstGeom prst="rect">
+            <a:avLst/>
+          </a:prstGeom>
+        </p:spPr>
+      </p:pic>
+      <p:pic>
+        <p:nvPicPr>
+          <p:cNvPr id="10" name="Picture 9">
+            <a:extLst>
+              <a:ext uri="{FF2B5EF4-FFF2-40B4-BE49-F238E27FC236}">
+                <a16:creationId xmlns:a16="http://schemas.microsoft.com/office/drawing/2014/main" id="{48E9EB68-C630-427C-BE78-F0B9996CD75A}"/>
               </a:ext>
             </a:extLst>
           </p:cNvPr>
@@ -6308,8 +6343,8 @@
         </p:blipFill>
         <p:spPr>
           <a:xfrm>
-            <a:off x="5297763" y="189188"/>
-            <a:ext cx="6149600" cy="3239812"/>
+            <a:off x="6961781" y="387775"/>
+            <a:ext cx="3227691" cy="1866472"/>
           </a:xfrm>
           <a:prstGeom prst="rect">
             <a:avLst/>
@@ -6318,10 +6353,199 @@
       </p:pic>
       <p:pic>
         <p:nvPicPr>
-          <p:cNvPr id="10" name="Picture 9">
+          <p:cNvPr id="9" name="Picture 8">
             <a:extLst>
               <a:ext uri="{FF2B5EF4-FFF2-40B4-BE49-F238E27FC236}">
-                <a16:creationId xmlns:a16="http://schemas.microsoft.com/office/drawing/2014/main" id="{48E9EB68-C630-427C-BE78-F0B9996CD75A}"/>
+                <a16:creationId xmlns:a16="http://schemas.microsoft.com/office/drawing/2014/main" id="{03AA7482-6741-4BF9-8331-44A9699C5D50}"/>
+              </a:ext>
+            </a:extLst>
+          </p:cNvPr>
+          <p:cNvPicPr>
+            <a:picLocks noChangeAspect="1"/>
+          </p:cNvPicPr>
+          <p:nvPr/>
+        </p:nvPicPr>
+        <p:blipFill rotWithShape="1">
+          <a:blip r:embed="rId3"/>
+          <a:srcRect l="44646" t="6951" r="37386" b="68460"/>
+          <a:stretch/>
+        </p:blipFill>
+        <p:spPr>
+          <a:xfrm>
+            <a:off x="5902035" y="387775"/>
+            <a:ext cx="1104900" cy="796637"/>
+          </a:xfrm>
+          <a:prstGeom prst="rect">
+            <a:avLst/>
+          </a:prstGeom>
+        </p:spPr>
+      </p:pic>
+      <p:pic>
+        <p:nvPicPr>
+          <p:cNvPr id="15" name="Picture 2" descr="https://www.challenge.ma/wp-content/uploads/2017/03/Noor-2.jpg">
+            <a:extLst>
+              <a:ext uri="{FF2B5EF4-FFF2-40B4-BE49-F238E27FC236}">
+                <a16:creationId xmlns:a16="http://schemas.microsoft.com/office/drawing/2014/main" id="{7299DBBF-3C96-45AC-AADE-944B7D9CB52F}"/>
+              </a:ext>
+            </a:extLst>
+          </p:cNvPr>
+          <p:cNvPicPr>
+            <a:picLocks noChangeAspect="1" noChangeArrowheads="1"/>
+          </p:cNvPicPr>
+          <p:nvPr/>
+        </p:nvPicPr>
+        <p:blipFill rotWithShape="1">
+          <a:blip r:embed="rId5">
+            <a:extLst>
+              <a:ext uri="{28A0092B-C50C-407E-A947-70E740481C1C}">
+                <a14:useLocalDpi xmlns:a14="http://schemas.microsoft.com/office/drawing/2010/main" val="0"/>
+              </a:ext>
+            </a:extLst>
+          </a:blip>
+          <a:srcRect r="24941"/>
+          <a:stretch/>
+        </p:blipFill>
+        <p:spPr bwMode="auto">
+          <a:xfrm>
+            <a:off x="76566" y="5426137"/>
+            <a:ext cx="1383928" cy="1143000"/>
+          </a:xfrm>
+          <a:prstGeom prst="rect">
+            <a:avLst/>
+          </a:prstGeom>
+          <a:noFill/>
+          <a:extLst>
+            <a:ext uri="{909E8E84-426E-40DD-AFC4-6F175D3DCCD1}">
+              <a14:hiddenFill xmlns:a14="http://schemas.microsoft.com/office/drawing/2010/main">
+                <a:solidFill>
+                  <a:srgbClr val="FFFFFF"/>
+                </a:solidFill>
+              </a14:hiddenFill>
+            </a:ext>
+          </a:extLst>
+        </p:spPr>
+      </p:pic>
+      <p:pic>
+        <p:nvPicPr>
+          <p:cNvPr id="21" name="Picture 20">
+            <a:extLst>
+              <a:ext uri="{FF2B5EF4-FFF2-40B4-BE49-F238E27FC236}">
+                <a16:creationId xmlns:a16="http://schemas.microsoft.com/office/drawing/2014/main" id="{9A766A6C-F76E-4F7E-B024-488F5A18932E}"/>
+              </a:ext>
+            </a:extLst>
+          </p:cNvPr>
+          <p:cNvPicPr>
+            <a:picLocks noChangeAspect="1"/>
+          </p:cNvPicPr>
+          <p:nvPr/>
+        </p:nvPicPr>
+        <p:blipFill rotWithShape="1">
+          <a:blip r:embed="rId6">
+            <a:extLst>
+              <a:ext uri="{837473B0-CC2E-450A-ABE3-18F120FF3D39}">
+                <a1611:picAttrSrcUrl xmlns:a1611="http://schemas.microsoft.com/office/drawing/2016/11/main" r:id="rId7"/>
+              </a:ext>
+            </a:extLst>
+          </a:blip>
+          <a:srcRect l="25437" t="20968" r="14856"/>
+          <a:stretch/>
+        </p:blipFill>
+        <p:spPr>
+          <a:xfrm>
+            <a:off x="76568" y="4149447"/>
+            <a:ext cx="1383930" cy="1143000"/>
+          </a:xfrm>
+          <a:prstGeom prst="rect">
+            <a:avLst/>
+          </a:prstGeom>
+        </p:spPr>
+      </p:pic>
+      <p:pic>
+        <p:nvPicPr>
+          <p:cNvPr id="16" name="Picture 2" descr="Image result for power plant image">
+            <a:extLst>
+              <a:ext uri="{FF2B5EF4-FFF2-40B4-BE49-F238E27FC236}">
+                <a16:creationId xmlns:a16="http://schemas.microsoft.com/office/drawing/2014/main" id="{04FE6B50-E0BD-4874-A74F-7140A43F5D2F}"/>
+              </a:ext>
+            </a:extLst>
+          </p:cNvPr>
+          <p:cNvPicPr>
+            <a:picLocks noChangeAspect="1" noChangeArrowheads="1"/>
+          </p:cNvPicPr>
+          <p:nvPr/>
+        </p:nvPicPr>
+        <p:blipFill rotWithShape="1">
+          <a:blip r:embed="rId8">
+            <a:extLst>
+              <a:ext uri="{28A0092B-C50C-407E-A947-70E740481C1C}">
+                <a14:useLocalDpi xmlns:a14="http://schemas.microsoft.com/office/drawing/2010/main" val="0"/>
+              </a:ext>
+            </a:extLst>
+          </a:blip>
+          <a:srcRect l="15788"/>
+          <a:stretch/>
+        </p:blipFill>
+        <p:spPr bwMode="auto">
+          <a:xfrm>
+            <a:off x="1606214" y="5426137"/>
+            <a:ext cx="1383928" cy="1143000"/>
+          </a:xfrm>
+          <a:prstGeom prst="rect">
+            <a:avLst/>
+          </a:prstGeom>
+          <a:noFill/>
+          <a:extLst>
+            <a:ext uri="{909E8E84-426E-40DD-AFC4-6F175D3DCCD1}">
+              <a14:hiddenFill xmlns:a14="http://schemas.microsoft.com/office/drawing/2010/main">
+                <a:solidFill>
+                  <a:srgbClr val="FFFFFF"/>
+                </a:solidFill>
+              </a14:hiddenFill>
+            </a:ext>
+          </a:extLst>
+        </p:spPr>
+      </p:pic>
+      <p:pic>
+        <p:nvPicPr>
+          <p:cNvPr id="18" name="Picture 17">
+            <a:extLst>
+              <a:ext uri="{FF2B5EF4-FFF2-40B4-BE49-F238E27FC236}">
+                <a16:creationId xmlns:a16="http://schemas.microsoft.com/office/drawing/2014/main" id="{629B0AEE-CC48-4046-AACC-C5799BED4BBA}"/>
+              </a:ext>
+            </a:extLst>
+          </p:cNvPr>
+          <p:cNvPicPr>
+            <a:picLocks noChangeAspect="1"/>
+          </p:cNvPicPr>
+          <p:nvPr/>
+        </p:nvPicPr>
+        <p:blipFill rotWithShape="1">
+          <a:blip r:embed="rId9">
+            <a:extLst>
+              <a:ext uri="{837473B0-CC2E-450A-ABE3-18F120FF3D39}">
+                <a1611:picAttrSrcUrl xmlns:a1611="http://schemas.microsoft.com/office/drawing/2016/11/main" r:id="rId10"/>
+              </a:ext>
+            </a:extLst>
+          </a:blip>
+          <a:srcRect r="10099"/>
+          <a:stretch/>
+        </p:blipFill>
+        <p:spPr>
+          <a:xfrm>
+            <a:off x="1602154" y="4149447"/>
+            <a:ext cx="1394079" cy="1143000"/>
+          </a:xfrm>
+          <a:prstGeom prst="rect">
+            <a:avLst/>
+          </a:prstGeom>
+        </p:spPr>
+      </p:pic>
+      <p:pic>
+        <p:nvPicPr>
+          <p:cNvPr id="24" name="Picture 23">
+            <a:extLst>
+              <a:ext uri="{FF2B5EF4-FFF2-40B4-BE49-F238E27FC236}">
+                <a16:creationId xmlns:a16="http://schemas.microsoft.com/office/drawing/2014/main" id="{8658E818-B918-47D7-AFAA-80A9CFA78509}"/>
               </a:ext>
             </a:extLst>
           </p:cNvPr>
@@ -6331,15 +6555,87 @@
           <p:nvPr/>
         </p:nvPicPr>
         <p:blipFill>
-          <a:blip r:embed="rId5"/>
+          <a:blip r:embed="rId11">
+            <a:extLst>
+              <a:ext uri="{837473B0-CC2E-450A-ABE3-18F120FF3D39}">
+                <a1611:picAttrSrcUrl xmlns:a1611="http://schemas.microsoft.com/office/drawing/2016/11/main" r:id="rId12"/>
+              </a:ext>
+            </a:extLst>
+          </a:blip>
           <a:stretch>
             <a:fillRect/>
           </a:stretch>
         </p:blipFill>
         <p:spPr>
           <a:xfrm>
-            <a:off x="5742292" y="3568307"/>
-            <a:ext cx="5361708" cy="3100506"/>
+            <a:off x="3093041" y="4149447"/>
+            <a:ext cx="1428750" cy="1143000"/>
+          </a:xfrm>
+          <a:prstGeom prst="rect">
+            <a:avLst/>
+          </a:prstGeom>
+        </p:spPr>
+      </p:pic>
+      <p:pic>
+        <p:nvPicPr>
+          <p:cNvPr id="27" name="Picture 26">
+            <a:extLst>
+              <a:ext uri="{FF2B5EF4-FFF2-40B4-BE49-F238E27FC236}">
+                <a16:creationId xmlns:a16="http://schemas.microsoft.com/office/drawing/2014/main" id="{B7C748F6-AB5E-4E51-A5BB-877405A493AC}"/>
+              </a:ext>
+            </a:extLst>
+          </p:cNvPr>
+          <p:cNvPicPr>
+            <a:picLocks noChangeAspect="1"/>
+          </p:cNvPicPr>
+          <p:nvPr/>
+        </p:nvPicPr>
+        <p:blipFill>
+          <a:blip r:embed="rId13">
+            <a:extLst>
+              <a:ext uri="{837473B0-CC2E-450A-ABE3-18F120FF3D39}">
+                <a1611:picAttrSrcUrl xmlns:a1611="http://schemas.microsoft.com/office/drawing/2016/11/main" r:id="rId14"/>
+              </a:ext>
+            </a:extLst>
+          </a:blip>
+          <a:stretch>
+            <a:fillRect/>
+          </a:stretch>
+        </p:blipFill>
+        <p:spPr>
+          <a:xfrm>
+            <a:off x="3093041" y="5426137"/>
+            <a:ext cx="1428750" cy="1143000"/>
+          </a:xfrm>
+          <a:prstGeom prst="rect">
+            <a:avLst/>
+          </a:prstGeom>
+        </p:spPr>
+      </p:pic>
+      <p:pic>
+        <p:nvPicPr>
+          <p:cNvPr id="4" name="Picture 3">
+            <a:extLst>
+              <a:ext uri="{FF2B5EF4-FFF2-40B4-BE49-F238E27FC236}">
+                <a16:creationId xmlns:a16="http://schemas.microsoft.com/office/drawing/2014/main" id="{7E88186A-F3AE-4DC1-9377-A138EB1AAE37}"/>
+              </a:ext>
+            </a:extLst>
+          </p:cNvPr>
+          <p:cNvPicPr>
+            <a:picLocks noChangeAspect="1"/>
+          </p:cNvPicPr>
+          <p:nvPr/>
+        </p:nvPicPr>
+        <p:blipFill>
+          <a:blip r:embed="rId15"/>
+          <a:stretch>
+            <a:fillRect/>
+          </a:stretch>
+        </p:blipFill>
+        <p:spPr>
+          <a:xfrm>
+            <a:off x="6452753" y="3505978"/>
+            <a:ext cx="4208320" cy="3210730"/>
           </a:xfrm>
           <a:prstGeom prst="rect">
             <a:avLst/>
@@ -7542,7 +7838,7 @@
                   <a:srgbClr val="404040"/>
                 </a:solidFill>
               </a:rPr>
-              <a:t>energy increases with prosperity</a:t>
+              <a:t>energy increases with its prosperity</a:t>
             </a:r>
           </a:p>
           <a:p>
@@ -8142,8 +8438,8 @@
         </p:nvSpPr>
         <p:spPr>
           <a:xfrm>
-            <a:off x="1481959" y="1874569"/>
-            <a:ext cx="9175531" cy="2879256"/>
+            <a:off x="1970842" y="1874569"/>
+            <a:ext cx="8220723" cy="2879256"/>
           </a:xfrm>
         </p:spPr>
         <p:txBody>
@@ -8152,28 +8448,82 @@
           </a:bodyPr>
           <a:lstStyle/>
           <a:p>
+            <a:pPr marL="0" indent="0" algn="ctr">
+              <a:buNone/>
+            </a:pPr>
             <a:r>
               <a:rPr lang="en-US" sz="2400" dirty="0">
                 <a:solidFill>
                   <a:srgbClr val="404040"/>
                 </a:solidFill>
               </a:rPr>
-              <a:t>Capacity increases with population and HDI in most cases</a:t>
-            </a:r>
-          </a:p>
-          <a:p>
+              <a:t>A country’s energy consumption and use of “green” </a:t>
+            </a:r>
+          </a:p>
+          <a:p>
+            <a:pPr marL="0" indent="0" algn="ctr">
+              <a:buNone/>
+            </a:pPr>
             <a:r>
               <a:rPr lang="en-US" sz="2400" dirty="0">
                 <a:solidFill>
                   <a:srgbClr val="404040"/>
                 </a:solidFill>
               </a:rPr>
-              <a:t>Capacity is dependent on other variables (politics, war, etc.)</a:t>
-            </a:r>
-          </a:p>
-          <a:p>
+              <a:t>energy </a:t>
+            </a:r>
+            <a:r>
+              <a:rPr lang="en-US" sz="2400" u="sng" dirty="0">
+                <a:solidFill>
+                  <a:srgbClr val="404040"/>
+                </a:solidFill>
+              </a:rPr>
+              <a:t>does not</a:t>
+            </a:r>
             <a:r>
               <a:rPr lang="en-US" sz="2400" dirty="0">
+                <a:solidFill>
+                  <a:srgbClr val="404040"/>
+                </a:solidFill>
+              </a:rPr>
+              <a:t> always increase with its prosperity</a:t>
+            </a:r>
+            <a:br>
+              <a:rPr lang="en-US" sz="2400" dirty="0">
+                <a:solidFill>
+                  <a:srgbClr val="404040"/>
+                </a:solidFill>
+              </a:rPr>
+            </a:br>
+            <a:endParaRPr lang="en-US" sz="2400" dirty="0">
+              <a:solidFill>
+                <a:srgbClr val="404040"/>
+              </a:solidFill>
+            </a:endParaRPr>
+          </a:p>
+          <a:p>
+            <a:r>
+              <a:rPr lang="en-US" sz="2000" dirty="0">
+                <a:solidFill>
+                  <a:srgbClr val="404040"/>
+                </a:solidFill>
+              </a:rPr>
+              <a:t>Capacity increases with population and prosperity in most cases</a:t>
+            </a:r>
+          </a:p>
+          <a:p>
+            <a:r>
+              <a:rPr lang="en-US" sz="2000" dirty="0">
+                <a:solidFill>
+                  <a:srgbClr val="404040"/>
+                </a:solidFill>
+              </a:rPr>
+              <a:t>Consumption is dependent on other variables (politics, war, etc.)</a:t>
+            </a:r>
+          </a:p>
+          <a:p>
+            <a:r>
+              <a:rPr lang="en-US" sz="2000" dirty="0">
                 <a:solidFill>
                   <a:srgbClr val="404040"/>
                 </a:solidFill>
@@ -8183,14 +8533,14 @@
           </a:p>
           <a:p>
             <a:r>
-              <a:rPr lang="en-US" sz="2400" dirty="0">
+              <a:rPr lang="en-US" sz="2000" dirty="0">
                 <a:solidFill>
                   <a:srgbClr val="404040"/>
                 </a:solidFill>
               </a:rPr>
               <a:t>Consumption from “green” fuel sources is not related to prosperity</a:t>
             </a:r>
-            <a:endParaRPr sz="2400" dirty="0">
+            <a:endParaRPr sz="2000" dirty="0">
               <a:solidFill>
                 <a:srgbClr val="404040"/>
               </a:solidFill>

--- a/Project 1.pptx
+++ b/Project 1.pptx
@@ -5,7 +5,7 @@
     <p:sldMasterId id="2147483696" r:id="rId1"/>
   </p:sldMasterIdLst>
   <p:notesMasterIdLst>
-    <p:notesMasterId r:id="rId16"/>
+    <p:notesMasterId r:id="rId19"/>
   </p:notesMasterIdLst>
   <p:sldIdLst>
     <p:sldId id="258" r:id="rId2"/>
@@ -17,14 +17,17 @@
     <p:sldId id="261" r:id="rId8"/>
     <p:sldId id="275" r:id="rId9"/>
     <p:sldId id="267" r:id="rId10"/>
-    <p:sldId id="268" r:id="rId11"/>
-    <p:sldId id="266" r:id="rId12"/>
-    <p:sldId id="273" r:id="rId13"/>
-    <p:sldId id="272" r:id="rId14"/>
-    <p:sldId id="274" r:id="rId15"/>
+    <p:sldId id="278" r:id="rId11"/>
+    <p:sldId id="268" r:id="rId12"/>
+    <p:sldId id="266" r:id="rId13"/>
+    <p:sldId id="279" r:id="rId14"/>
+    <p:sldId id="273" r:id="rId15"/>
+    <p:sldId id="280" r:id="rId16"/>
+    <p:sldId id="272" r:id="rId17"/>
+    <p:sldId id="274" r:id="rId18"/>
   </p:sldIdLst>
   <p:sldSz cx="12192000" cy="6858000"/>
-  <p:notesSz cx="6858000" cy="9144000"/>
+  <p:notesSz cx="6858000" cy="9313863"/>
   <p:defaultTextStyle>
     <a:defPPr>
       <a:defRPr lang="en-US"/>
@@ -163,7 +166,7 @@
         <p:spPr>
           <a:xfrm>
             <a:off x="0" y="0"/>
-            <a:ext cx="2971800" cy="458788"/>
+            <a:ext cx="2971800" cy="467311"/>
           </a:xfrm>
           <a:prstGeom prst="rect">
             <a:avLst/>
@@ -194,7 +197,7 @@
         <p:spPr>
           <a:xfrm>
             <a:off x="3884613" y="0"/>
-            <a:ext cx="2971800" cy="458788"/>
+            <a:ext cx="2971800" cy="467311"/>
           </a:xfrm>
           <a:prstGeom prst="rect">
             <a:avLst/>
@@ -228,8 +231,8 @@
         </p:nvSpPr>
         <p:spPr>
           <a:xfrm>
-            <a:off x="685800" y="1143000"/>
-            <a:ext cx="5486400" cy="3086100"/>
+            <a:off x="635000" y="1163638"/>
+            <a:ext cx="5588000" cy="3143250"/>
           </a:xfrm>
           <a:prstGeom prst="rect">
             <a:avLst/>
@@ -261,8 +264,8 @@
         </p:nvSpPr>
         <p:spPr>
           <a:xfrm>
-            <a:off x="685800" y="4400550"/>
-            <a:ext cx="5486400" cy="3600450"/>
+            <a:off x="685800" y="4482296"/>
+            <a:ext cx="5486400" cy="3667334"/>
           </a:xfrm>
           <a:prstGeom prst="rect">
             <a:avLst/>
@@ -320,8 +323,8 @@
         </p:nvSpPr>
         <p:spPr>
           <a:xfrm>
-            <a:off x="0" y="8685213"/>
-            <a:ext cx="2971800" cy="458787"/>
+            <a:off x="0" y="8846554"/>
+            <a:ext cx="2971800" cy="467310"/>
           </a:xfrm>
           <a:prstGeom prst="rect">
             <a:avLst/>
@@ -351,8 +354,8 @@
         </p:nvSpPr>
         <p:spPr>
           <a:xfrm>
-            <a:off x="3884613" y="8685213"/>
-            <a:ext cx="2971800" cy="458787"/>
+            <a:off x="3884613" y="8846554"/>
+            <a:ext cx="2971800" cy="467310"/>
           </a:xfrm>
           <a:prstGeom prst="rect">
             <a:avLst/>
@@ -572,7 +575,36 @@
               </a:rPr>
               <a:t>Describe whether you were able to answer these questions to your satisfaction, and briefly summarize your findings</a:t>
             </a:r>
-            <a:endParaRPr lang="en-US" dirty="0"/>
+          </a:p>
+          <a:p>
+            <a:endParaRPr lang="en-US" sz="1200" b="0" i="0" kern="1200" dirty="0">
+              <a:solidFill>
+                <a:schemeClr val="tx1"/>
+              </a:solidFill>
+              <a:effectLst/>
+              <a:latin typeface="+mn-lt"/>
+              <a:ea typeface="+mn-ea"/>
+              <a:cs typeface="+mn-cs"/>
+            </a:endParaRPr>
+          </a:p>
+          <a:p>
+            <a:r>
+              <a:rPr lang="en-US" sz="1200" b="0" i="0" kern="1200" dirty="0">
+                <a:solidFill>
+                  <a:srgbClr val="FF0000"/>
+                </a:solidFill>
+                <a:effectLst/>
+                <a:latin typeface="+mn-lt"/>
+                <a:ea typeface="+mn-ea"/>
+                <a:cs typeface="+mn-cs"/>
+              </a:rPr>
+              <a:t>SWAPPED ORDER OF QUESTIONS</a:t>
+            </a:r>
+            <a:endParaRPr lang="en-US" dirty="0">
+              <a:solidFill>
+                <a:srgbClr val="FF0000"/>
+              </a:solidFill>
+            </a:endParaRPr>
           </a:p>
         </p:txBody>
       </p:sp>
@@ -656,8 +688,104 @@
           <a:bodyPr/>
           <a:lstStyle/>
           <a:p>
+            <a:r>
+              <a:rPr lang="en-US" sz="1200" b="0" i="0" kern="1200" dirty="0">
+                <a:solidFill>
+                  <a:schemeClr val="tx1"/>
+                </a:solidFill>
+                <a:effectLst/>
+                <a:latin typeface="+mn-lt"/>
+                <a:ea typeface="+mn-ea"/>
+                <a:cs typeface="+mn-cs"/>
+              </a:rPr>
+              <a:t>Discuss the steps you took to analyze the data and answer each question you asked in your proposal</a:t>
+            </a:r>
+            <a:br>
+              <a:rPr lang="en-US" dirty="0"/>
+            </a:br>
+            <a:r>
+              <a:rPr lang="en-US" sz="1200" b="0" i="0" kern="1200" dirty="0">
+                <a:solidFill>
+                  <a:schemeClr val="tx1"/>
+                </a:solidFill>
+                <a:effectLst/>
+                <a:latin typeface="+mn-lt"/>
+                <a:ea typeface="+mn-ea"/>
+                <a:cs typeface="+mn-cs"/>
+              </a:rPr>
+              <a:t>Present and discuss interesting figures developed during analysis, ideally with the help of </a:t>
+            </a:r>
+            <a:r>
+              <a:rPr lang="en-US" sz="1200" b="0" i="0" kern="1200" dirty="0" err="1">
+                <a:solidFill>
+                  <a:schemeClr val="tx1"/>
+                </a:solidFill>
+                <a:effectLst/>
+                <a:latin typeface="+mn-lt"/>
+                <a:ea typeface="+mn-ea"/>
+                <a:cs typeface="+mn-cs"/>
+              </a:rPr>
+              <a:t>Jupyter</a:t>
+            </a:r>
+            <a:r>
+              <a:rPr lang="en-US" sz="1200" b="0" i="0" kern="1200" dirty="0">
+                <a:solidFill>
+                  <a:schemeClr val="tx1"/>
+                </a:solidFill>
+                <a:effectLst/>
+                <a:latin typeface="+mn-lt"/>
+                <a:ea typeface="+mn-ea"/>
+                <a:cs typeface="+mn-cs"/>
+              </a:rPr>
+              <a:t> Notebook</a:t>
+            </a:r>
+          </a:p>
+          <a:p>
+            <a:r>
+              <a:rPr lang="en-US" sz="1200" b="0" i="0" kern="1200" dirty="0">
+                <a:solidFill>
+                  <a:schemeClr val="tx1"/>
+                </a:solidFill>
+                <a:effectLst/>
+                <a:latin typeface="+mn-lt"/>
+                <a:ea typeface="+mn-ea"/>
+                <a:cs typeface="+mn-cs"/>
+              </a:rPr>
+              <a:t>Discuss your findings. Did you find what you expected to find? If not, why not? What inferences or general conclusions can you draw from your analysis?</a:t>
+            </a:r>
+          </a:p>
+          <a:p>
+            <a:endParaRPr lang="en-US" sz="1200" b="0" i="0" kern="1200" dirty="0">
+              <a:solidFill>
+                <a:schemeClr val="tx1"/>
+              </a:solidFill>
+              <a:effectLst/>
+              <a:latin typeface="+mn-lt"/>
+              <a:ea typeface="+mn-ea"/>
+              <a:cs typeface="+mn-cs"/>
+            </a:endParaRPr>
+          </a:p>
+          <a:p>
+            <a:r>
+              <a:rPr lang="en-US" sz="1200" b="0" i="0" kern="1200" dirty="0">
+                <a:solidFill>
+                  <a:schemeClr val="tx1"/>
+                </a:solidFill>
+                <a:effectLst/>
+                <a:latin typeface="+mn-lt"/>
+                <a:ea typeface="+mn-ea"/>
+                <a:cs typeface="+mn-cs"/>
+              </a:rPr>
+              <a:t>ADDED SOURCES &amp; NUCLEAR to Non-green description</a:t>
+            </a:r>
+            <a:br>
+              <a:rPr lang="en-US" dirty="0"/>
+            </a:br>
             <a:endParaRPr lang="en-US" dirty="0"/>
           </a:p>
+          <a:p>
+            <a:endParaRPr lang="en-US" dirty="0"/>
+          </a:p>
         </p:txBody>
       </p:sp>
       <p:sp>
@@ -667,7 +795,7 @@
             <a:spLocks noGrp="1"/>
           </p:cNvSpPr>
           <p:nvPr>
-            <p:ph type="sldNum" sz="quarter" idx="5"/>
+            <p:ph type="sldNum" sz="quarter" idx="10"/>
           </p:nvPr>
         </p:nvSpPr>
         <p:spPr/>
@@ -678,6 +806,194 @@
             <a:fld id="{E0746DE6-3336-457D-A091-FA20AC1C536E}" type="slidenum">
               <a:rPr lang="en-US" smtClean="0"/>
               <a:t>14</a:t>
+            </a:fld>
+            <a:endParaRPr lang="en-US"/>
+          </a:p>
+        </p:txBody>
+      </p:sp>
+    </p:spTree>
+    <p:extLst>
+      <p:ext uri="{BB962C8B-B14F-4D97-AF65-F5344CB8AC3E}">
+        <p14:creationId xmlns:p14="http://schemas.microsoft.com/office/powerpoint/2010/main" val="2149978445"/>
+      </p:ext>
+    </p:extLst>
+  </p:cSld>
+  <p:clrMapOvr>
+    <a:masterClrMapping/>
+  </p:clrMapOvr>
+</p:notes>
+</file>
+
+<file path=ppt/notesSlides/notesSlide11.xml><?xml version="1.0" encoding="utf-8"?>
+<p:notes xmlns:a="http://schemas.openxmlformats.org/drawingml/2006/main" xmlns:r="http://schemas.openxmlformats.org/officeDocument/2006/relationships" xmlns:p="http://schemas.openxmlformats.org/presentationml/2006/main">
+  <p:cSld>
+    <p:spTree>
+      <p:nvGrpSpPr>
+        <p:cNvPr id="1" name=""/>
+        <p:cNvGrpSpPr/>
+        <p:nvPr/>
+      </p:nvGrpSpPr>
+      <p:grpSpPr>
+        <a:xfrm>
+          <a:off x="0" y="0"/>
+          <a:ext cx="0" cy="0"/>
+          <a:chOff x="0" y="0"/>
+          <a:chExt cx="0" cy="0"/>
+        </a:xfrm>
+      </p:grpSpPr>
+      <p:sp>
+        <p:nvSpPr>
+          <p:cNvPr id="2" name="Slide Image Placeholder 1"/>
+          <p:cNvSpPr>
+            <a:spLocks noGrp="1" noRot="1" noChangeAspect="1"/>
+          </p:cNvSpPr>
+          <p:nvPr>
+            <p:ph type="sldImg"/>
+          </p:nvPr>
+        </p:nvSpPr>
+        <p:spPr/>
+      </p:sp>
+      <p:sp>
+        <p:nvSpPr>
+          <p:cNvPr id="3" name="Notes Placeholder 2"/>
+          <p:cNvSpPr>
+            <a:spLocks noGrp="1"/>
+          </p:cNvSpPr>
+          <p:nvPr>
+            <p:ph type="body" idx="1"/>
+          </p:nvPr>
+        </p:nvSpPr>
+        <p:spPr/>
+        <p:txBody>
+          <a:bodyPr/>
+          <a:lstStyle/>
+          <a:p>
+            <a:r>
+              <a:rPr lang="en-US" dirty="0">
+                <a:solidFill>
+                  <a:srgbClr val="FF0000"/>
+                </a:solidFill>
+              </a:rPr>
+              <a:t>Discuss any additional questions that came up, but which you didn't have time to answer:</a:t>
+            </a:r>
+          </a:p>
+          <a:p>
+            <a:r>
+              <a:rPr lang="en-US" dirty="0">
+                <a:solidFill>
+                  <a:srgbClr val="FF0000"/>
+                </a:solidFill>
+              </a:rPr>
+              <a:t>What would you research next, if you had two more weeks?</a:t>
+            </a:r>
+          </a:p>
+          <a:p>
+            <a:endParaRPr lang="en-US" dirty="0"/>
+          </a:p>
+        </p:txBody>
+      </p:sp>
+      <p:sp>
+        <p:nvSpPr>
+          <p:cNvPr id="4" name="Slide Number Placeholder 3"/>
+          <p:cNvSpPr>
+            <a:spLocks noGrp="1"/>
+          </p:cNvSpPr>
+          <p:nvPr>
+            <p:ph type="sldNum" sz="quarter" idx="10"/>
+          </p:nvPr>
+        </p:nvSpPr>
+        <p:spPr/>
+        <p:txBody>
+          <a:bodyPr/>
+          <a:lstStyle/>
+          <a:p>
+            <a:fld id="{E0746DE6-3336-457D-A091-FA20AC1C536E}" type="slidenum">
+              <a:rPr lang="en-US" smtClean="0"/>
+              <a:t>16</a:t>
+            </a:fld>
+            <a:endParaRPr lang="en-US"/>
+          </a:p>
+        </p:txBody>
+      </p:sp>
+    </p:spTree>
+    <p:extLst>
+      <p:ext uri="{BB962C8B-B14F-4D97-AF65-F5344CB8AC3E}">
+        <p14:creationId xmlns:p14="http://schemas.microsoft.com/office/powerpoint/2010/main" val="3861664294"/>
+      </p:ext>
+    </p:extLst>
+  </p:cSld>
+  <p:clrMapOvr>
+    <a:masterClrMapping/>
+  </p:clrMapOvr>
+</p:notes>
+</file>
+
+<file path=ppt/notesSlides/notesSlide12.xml><?xml version="1.0" encoding="utf-8"?>
+<p:notes xmlns:a="http://schemas.openxmlformats.org/drawingml/2006/main" xmlns:r="http://schemas.openxmlformats.org/officeDocument/2006/relationships" xmlns:p="http://schemas.openxmlformats.org/presentationml/2006/main">
+  <p:cSld>
+    <p:spTree>
+      <p:nvGrpSpPr>
+        <p:cNvPr id="1" name=""/>
+        <p:cNvGrpSpPr/>
+        <p:nvPr/>
+      </p:nvGrpSpPr>
+      <p:grpSpPr>
+        <a:xfrm>
+          <a:off x="0" y="0"/>
+          <a:ext cx="0" cy="0"/>
+          <a:chOff x="0" y="0"/>
+          <a:chExt cx="0" cy="0"/>
+        </a:xfrm>
+      </p:grpSpPr>
+      <p:sp>
+        <p:nvSpPr>
+          <p:cNvPr id="2" name="Slide Image Placeholder 1"/>
+          <p:cNvSpPr>
+            <a:spLocks noGrp="1" noRot="1" noChangeAspect="1"/>
+          </p:cNvSpPr>
+          <p:nvPr>
+            <p:ph type="sldImg"/>
+          </p:nvPr>
+        </p:nvSpPr>
+        <p:spPr/>
+      </p:sp>
+      <p:sp>
+        <p:nvSpPr>
+          <p:cNvPr id="3" name="Notes Placeholder 2"/>
+          <p:cNvSpPr>
+            <a:spLocks noGrp="1"/>
+          </p:cNvSpPr>
+          <p:nvPr>
+            <p:ph type="body" idx="1"/>
+          </p:nvPr>
+        </p:nvSpPr>
+        <p:spPr/>
+        <p:txBody>
+          <a:bodyPr/>
+          <a:lstStyle/>
+          <a:p>
+            <a:endParaRPr lang="en-US" dirty="0"/>
+          </a:p>
+        </p:txBody>
+      </p:sp>
+      <p:sp>
+        <p:nvSpPr>
+          <p:cNvPr id="4" name="Slide Number Placeholder 3"/>
+          <p:cNvSpPr>
+            <a:spLocks noGrp="1"/>
+          </p:cNvSpPr>
+          <p:nvPr>
+            <p:ph type="sldNum" sz="quarter" idx="5"/>
+          </p:nvPr>
+        </p:nvSpPr>
+        <p:spPr/>
+        <p:txBody>
+          <a:bodyPr/>
+          <a:lstStyle/>
+          <a:p>
+            <a:fld id="{E0746DE6-3336-457D-A091-FA20AC1C536E}" type="slidenum">
+              <a:rPr lang="en-US" smtClean="0"/>
+              <a:t>17</a:t>
             </a:fld>
             <a:endParaRPr lang="en-US"/>
           </a:p>
@@ -1282,20 +1598,6 @@
               </a:rPr>
               <a:t> Notebook</a:t>
             </a:r>
-          </a:p>
-          <a:p>
-            <a:r>
-              <a:rPr lang="en-US" sz="1200" b="0" i="0" kern="1200" dirty="0">
-                <a:solidFill>
-                  <a:schemeClr val="tx1"/>
-                </a:solidFill>
-                <a:effectLst/>
-                <a:latin typeface="+mn-lt"/>
-                <a:ea typeface="+mn-ea"/>
-                <a:cs typeface="+mn-cs"/>
-              </a:rPr>
-              <a:t>Discuss your findings. Did you find what you expected to find? If not, why not? What inferences or general conclusions can you draw from your analysis?</a:t>
-            </a:r>
             <a:br>
               <a:rPr lang="en-US" dirty="0"/>
             </a:br>
@@ -1329,7 +1631,7 @@
     </p:spTree>
     <p:extLst>
       <p:ext uri="{BB962C8B-B14F-4D97-AF65-F5344CB8AC3E}">
-        <p14:creationId xmlns:p14="http://schemas.microsoft.com/office/powerpoint/2010/main" val="4284903701"/>
+        <p14:creationId xmlns:p14="http://schemas.microsoft.com/office/powerpoint/2010/main" val="3500987670"/>
       </p:ext>
     </p:extLst>
   </p:cSld>
@@ -1446,10 +1748,23 @@
                 <a:ea typeface="+mn-ea"/>
                 <a:cs typeface="+mn-cs"/>
               </a:rPr>
-              <a:t>Discuss your findings. Did you find what you expected to find? If not, why not? What inferences or general conclusions can you draw from </a:t>
-            </a:r>
-            <a:r>
-              <a:rPr lang="en-US" sz="1200" b="0" i="0" kern="1200">
+              <a:t>Discuss your findings. Did you find what you expected to find? If not, why not? What inferences or general conclusions can you draw from your analysis?</a:t>
+            </a:r>
+          </a:p>
+          <a:p>
+            <a:endParaRPr lang="en-US" sz="1200" b="0" i="0" kern="1200" dirty="0">
+              <a:solidFill>
+                <a:schemeClr val="tx1"/>
+              </a:solidFill>
+              <a:effectLst/>
+              <a:latin typeface="+mn-lt"/>
+              <a:ea typeface="+mn-ea"/>
+              <a:cs typeface="+mn-cs"/>
+            </a:endParaRPr>
+          </a:p>
+          <a:p>
+            <a:r>
+              <a:rPr lang="en-US" sz="1200" b="0" i="0" kern="1200" dirty="0">
                 <a:solidFill>
                   <a:schemeClr val="tx1"/>
                 </a:solidFill>
@@ -1458,14 +1773,11 @@
                 <a:ea typeface="+mn-ea"/>
                 <a:cs typeface="+mn-cs"/>
               </a:rPr>
-              <a:t>your analysis</a:t>
+              <a:t>ADDED Correlation</a:t>
             </a:r>
             <a:br>
               <a:rPr lang="en-US" dirty="0"/>
             </a:br>
-            <a:endParaRPr lang="en-US" dirty="0"/>
-          </a:p>
-          <a:p>
             <a:endParaRPr lang="en-US" dirty="0"/>
           </a:p>
         </p:txBody>
@@ -1496,7 +1808,7 @@
     </p:spTree>
     <p:extLst>
       <p:ext uri="{BB962C8B-B14F-4D97-AF65-F5344CB8AC3E}">
-        <p14:creationId xmlns:p14="http://schemas.microsoft.com/office/powerpoint/2010/main" val="1606509343"/>
+        <p14:creationId xmlns:p14="http://schemas.microsoft.com/office/powerpoint/2010/main" val="4284903701"/>
       </p:ext>
     </p:extLst>
   </p:cSld>
@@ -1613,7 +1925,19 @@
                 <a:ea typeface="+mn-ea"/>
                 <a:cs typeface="+mn-cs"/>
               </a:rPr>
-              <a:t>Discuss your findings. Did you find what you expected to find? If not, why not? What inferences or general conclusions can you draw from your analysis?</a:t>
+              <a:t>Discuss your findings. Did you find what you expected to find? If not, why not? What inferences or general conclusions can you draw from </a:t>
+            </a:r>
+            <a:r>
+              <a:rPr lang="en-US" sz="1200" b="0" i="0" kern="1200">
+                <a:solidFill>
+                  <a:schemeClr val="tx1"/>
+                </a:solidFill>
+                <a:effectLst/>
+                <a:latin typeface="+mn-lt"/>
+                <a:ea typeface="+mn-ea"/>
+                <a:cs typeface="+mn-cs"/>
+              </a:rPr>
+              <a:t>your analysis</a:t>
             </a:r>
             <a:br>
               <a:rPr lang="en-US" dirty="0"/>
@@ -1651,7 +1975,7 @@
     </p:spTree>
     <p:extLst>
       <p:ext uri="{BB962C8B-B14F-4D97-AF65-F5344CB8AC3E}">
-        <p14:creationId xmlns:p14="http://schemas.microsoft.com/office/powerpoint/2010/main" val="2149978445"/>
+        <p14:creationId xmlns:p14="http://schemas.microsoft.com/office/powerpoint/2010/main" val="1606509343"/>
       </p:ext>
     </p:extLst>
   </p:cSld>
@@ -1706,23 +2030,86 @@
           <a:lstStyle/>
           <a:p>
             <a:r>
-              <a:rPr lang="en-US" dirty="0">
-                <a:solidFill>
-                  <a:srgbClr val="FF0000"/>
-                </a:solidFill>
+              <a:rPr lang="en-US" sz="1200" b="0" i="0" kern="1200" dirty="0">
+                <a:solidFill>
+                  <a:schemeClr val="tx1"/>
+                </a:solidFill>
+                <a:effectLst/>
+                <a:latin typeface="+mn-lt"/>
+                <a:ea typeface="+mn-ea"/>
+                <a:cs typeface="+mn-cs"/>
               </a:rPr>
-              <a:t>Discuss any additional questions that came up, but which you didn't have time to answer:</a:t>
-            </a:r>
-          </a:p>
-          <a:p>
-            <a:r>
-              <a:rPr lang="en-US" dirty="0">
-                <a:solidFill>
-                  <a:srgbClr val="FF0000"/>
-                </a:solidFill>
+              <a:t>Discuss the steps you took to analyze the data and answer each question you asked in your proposal</a:t>
+            </a:r>
+            <a:br>
+              <a:rPr lang="en-US" dirty="0"/>
+            </a:br>
+            <a:r>
+              <a:rPr lang="en-US" sz="1200" b="0" i="0" kern="1200" dirty="0">
+                <a:solidFill>
+                  <a:schemeClr val="tx1"/>
+                </a:solidFill>
+                <a:effectLst/>
+                <a:latin typeface="+mn-lt"/>
+                <a:ea typeface="+mn-ea"/>
+                <a:cs typeface="+mn-cs"/>
               </a:rPr>
-              <a:t>What would you research next, if you had two more weeks?</a:t>
-            </a:r>
+              <a:t>Present and discuss interesting figures developed during analysis, ideally with the help of </a:t>
+            </a:r>
+            <a:r>
+              <a:rPr lang="en-US" sz="1200" b="0" i="0" kern="1200" dirty="0" err="1">
+                <a:solidFill>
+                  <a:schemeClr val="tx1"/>
+                </a:solidFill>
+                <a:effectLst/>
+                <a:latin typeface="+mn-lt"/>
+                <a:ea typeface="+mn-ea"/>
+                <a:cs typeface="+mn-cs"/>
+              </a:rPr>
+              <a:t>Jupyter</a:t>
+            </a:r>
+            <a:r>
+              <a:rPr lang="en-US" sz="1200" b="0" i="0" kern="1200" dirty="0">
+                <a:solidFill>
+                  <a:schemeClr val="tx1"/>
+                </a:solidFill>
+                <a:effectLst/>
+                <a:latin typeface="+mn-lt"/>
+                <a:ea typeface="+mn-ea"/>
+                <a:cs typeface="+mn-cs"/>
+              </a:rPr>
+              <a:t> Notebook</a:t>
+            </a:r>
+          </a:p>
+          <a:p>
+            <a:r>
+              <a:rPr lang="en-US" sz="1200" b="0" i="0" kern="1200" dirty="0">
+                <a:solidFill>
+                  <a:schemeClr val="tx1"/>
+                </a:solidFill>
+                <a:effectLst/>
+                <a:latin typeface="+mn-lt"/>
+                <a:ea typeface="+mn-ea"/>
+                <a:cs typeface="+mn-cs"/>
+              </a:rPr>
+              <a:t>Discuss your findings. Did you find what you expected to find? If not, why not? What inferences or general conclusions can you draw from </a:t>
+            </a:r>
+            <a:r>
+              <a:rPr lang="en-US" sz="1200" b="0" i="0" kern="1200">
+                <a:solidFill>
+                  <a:schemeClr val="tx1"/>
+                </a:solidFill>
+                <a:effectLst/>
+                <a:latin typeface="+mn-lt"/>
+                <a:ea typeface="+mn-ea"/>
+                <a:cs typeface="+mn-cs"/>
+              </a:rPr>
+              <a:t>your analysis</a:t>
+            </a:r>
+            <a:br>
+              <a:rPr lang="en-US" dirty="0"/>
+            </a:br>
+            <a:endParaRPr lang="en-US" dirty="0"/>
           </a:p>
           <a:p>
             <a:endParaRPr lang="en-US" dirty="0"/>
@@ -1755,7 +2142,7 @@
     </p:spTree>
     <p:extLst>
       <p:ext uri="{BB962C8B-B14F-4D97-AF65-F5344CB8AC3E}">
-        <p14:creationId xmlns:p14="http://schemas.microsoft.com/office/powerpoint/2010/main" val="3861664294"/>
+        <p14:creationId xmlns:p14="http://schemas.microsoft.com/office/powerpoint/2010/main" val="3450716076"/>
       </p:ext>
     </p:extLst>
   </p:cSld>
@@ -5374,7 +5761,7 @@
         </p:nvSpPr>
         <p:spPr>
           <a:xfrm>
-            <a:off x="643467" y="475307"/>
+            <a:off x="643467" y="643467"/>
             <a:ext cx="3363974" cy="1728044"/>
           </a:xfrm>
           <a:noFill/>
@@ -5396,22 +5783,7 @@
                   <a:schemeClr val="bg1"/>
                 </a:solidFill>
               </a:rPr>
-              <a:t>Energy consumption/</a:t>
-            </a:r>
-            <a:br>
-              <a:rPr lang="en-US" dirty="0">
-                <a:solidFill>
-                  <a:schemeClr val="bg1"/>
-                </a:solidFill>
-              </a:rPr>
-            </a:br>
-            <a:r>
-              <a:rPr lang="en-US" dirty="0">
-                <a:solidFill>
-                  <a:schemeClr val="bg1"/>
-                </a:solidFill>
-              </a:rPr>
-              <a:t>Generation</a:t>
+              <a:t>Energy capacity</a:t>
             </a:r>
           </a:p>
         </p:txBody>
@@ -5428,8 +5800,8 @@
         </p:nvSpPr>
         <p:spPr>
           <a:xfrm>
-            <a:off x="294289" y="2260657"/>
-            <a:ext cx="4056993" cy="3415622"/>
+            <a:off x="346841" y="2629057"/>
+            <a:ext cx="3962400" cy="3415622"/>
           </a:xfrm>
         </p:spPr>
         <p:txBody>
@@ -5447,7 +5819,7 @@
                   <a:schemeClr val="bg1"/>
                 </a:solidFill>
               </a:rPr>
-              <a:t>Total amount of energy consumed - residential, commercial, and industrial</a:t>
+              <a:t>Maximum energy production capability calculated from power plant commissioning of all fuel types</a:t>
             </a:r>
           </a:p>
           <a:p>
@@ -5475,17 +5847,17 @@
                   <a:schemeClr val="bg1"/>
                 </a:solidFill>
               </a:rPr>
-              <a:t>BP Statistical Review of World Energy</a:t>
+              <a:t>Global Power Plant Database</a:t>
             </a:r>
           </a:p>
         </p:txBody>
       </p:sp>
       <p:pic>
         <p:nvPicPr>
-          <p:cNvPr id="7170" name="Picture 2" descr="Image result for industrial production plant image">
+          <p:cNvPr id="9" name="Picture 2" descr="https://www.challenge.ma/wp-content/uploads/2017/03/Noor-2.jpg">
             <a:extLst>
               <a:ext uri="{FF2B5EF4-FFF2-40B4-BE49-F238E27FC236}">
-                <a16:creationId xmlns:a16="http://schemas.microsoft.com/office/drawing/2014/main" id="{CD736658-6A8B-401F-992B-6131240739D0}"/>
+                <a16:creationId xmlns:a16="http://schemas.microsoft.com/office/drawing/2014/main" id="{FD29FDC2-3A19-4202-BAB7-E4A838BA4186}"/>
               </a:ext>
             </a:extLst>
           </p:cNvPr>
@@ -5502,13 +5874,13 @@
               </a:ext>
             </a:extLst>
           </a:blip>
-          <a:srcRect b="13878"/>
+          <a:srcRect r="35068"/>
           <a:stretch/>
         </p:blipFill>
         <p:spPr bwMode="auto">
           <a:xfrm>
-            <a:off x="791769" y="5304141"/>
-            <a:ext cx="3062031" cy="1353048"/>
+            <a:off x="161678" y="4625449"/>
+            <a:ext cx="1978321" cy="1787087"/>
           </a:xfrm>
           <a:prstGeom prst="rect">
             <a:avLst/>
@@ -5527,10 +5899,10 @@
       </p:pic>
       <p:pic>
         <p:nvPicPr>
-          <p:cNvPr id="7172" name="Picture 4" descr="Image result for home energy use image">
+          <p:cNvPr id="6146" name="Picture 2" descr="Image result for power plant image">
             <a:extLst>
               <a:ext uri="{FF2B5EF4-FFF2-40B4-BE49-F238E27FC236}">
-                <a16:creationId xmlns:a16="http://schemas.microsoft.com/office/drawing/2014/main" id="{1C5A529C-7A2B-469D-9D9B-650E9121DC06}"/>
+                <a16:creationId xmlns:a16="http://schemas.microsoft.com/office/drawing/2014/main" id="{375340A0-0230-4553-9682-37394B44C3DB}"/>
               </a:ext>
             </a:extLst>
           </p:cNvPr>
@@ -5547,13 +5919,13 @@
               </a:ext>
             </a:extLst>
           </a:blip>
-          <a:srcRect l="4530" t="31859" r="3967" b="3527"/>
+          <a:srcRect l="15788"/>
           <a:stretch/>
         </p:blipFill>
         <p:spPr bwMode="auto">
           <a:xfrm>
-            <a:off x="791769" y="3676191"/>
-            <a:ext cx="3062031" cy="1353048"/>
+            <a:off x="2325454" y="4625448"/>
+            <a:ext cx="2163776" cy="1787087"/>
           </a:xfrm>
           <a:prstGeom prst="rect">
             <a:avLst/>
@@ -5570,12 +5942,47 @@
           </a:extLst>
         </p:spPr>
       </p:pic>
+      <p:sp>
+        <p:nvSpPr>
+          <p:cNvPr id="10" name="TextBox 9">
+            <a:extLst>
+              <a:ext uri="{FF2B5EF4-FFF2-40B4-BE49-F238E27FC236}">
+                <a16:creationId xmlns:a16="http://schemas.microsoft.com/office/drawing/2014/main" id="{974ECB4F-69AF-409A-8B0A-F52092D3FF02}"/>
+              </a:ext>
+            </a:extLst>
+          </p:cNvPr>
+          <p:cNvSpPr txBox="1"/>
+          <p:nvPr/>
+        </p:nvSpPr>
+        <p:spPr>
+          <a:xfrm>
+            <a:off x="5435284" y="698578"/>
+            <a:ext cx="6184918" cy="923330"/>
+          </a:xfrm>
+          <a:prstGeom prst="rect">
+            <a:avLst/>
+          </a:prstGeom>
+          <a:noFill/>
+        </p:spPr>
+        <p:txBody>
+          <a:bodyPr wrap="square" rtlCol="0">
+            <a:spAutoFit/>
+          </a:bodyPr>
+          <a:lstStyle/>
+          <a:p>
+            <a:r>
+              <a:rPr lang="en-US" dirty="0"/>
+              <a:t>A linear regression reveals the for every MW added to capacity a countries generation/consumption increases by 0.40 MWh. In other words about 40% of added capacity is used.</a:t>
+            </a:r>
+          </a:p>
+        </p:txBody>
+      </p:sp>
       <p:pic>
         <p:nvPicPr>
-          <p:cNvPr id="4" name="Picture 3">
+          <p:cNvPr id="12" name="Picture 11">
             <a:extLst>
               <a:ext uri="{FF2B5EF4-FFF2-40B4-BE49-F238E27FC236}">
-                <a16:creationId xmlns:a16="http://schemas.microsoft.com/office/drawing/2014/main" id="{5C92F0EB-B928-4D5A-A474-ECFCDFC966CA}"/>
+                <a16:creationId xmlns:a16="http://schemas.microsoft.com/office/drawing/2014/main" id="{7DA279BB-A871-45B2-ABC9-DE035ED15380}"/>
               </a:ext>
             </a:extLst>
           </p:cNvPr>
@@ -5592,38 +5999,8 @@
         </p:blipFill>
         <p:spPr>
           <a:xfrm>
-            <a:off x="4853595" y="3245114"/>
-            <a:ext cx="7218662" cy="3522194"/>
-          </a:xfrm>
-          <a:prstGeom prst="rect">
-            <a:avLst/>
-          </a:prstGeom>
-        </p:spPr>
-      </p:pic>
-      <p:pic>
-        <p:nvPicPr>
-          <p:cNvPr id="5" name="Picture 4">
-            <a:extLst>
-              <a:ext uri="{FF2B5EF4-FFF2-40B4-BE49-F238E27FC236}">
-                <a16:creationId xmlns:a16="http://schemas.microsoft.com/office/drawing/2014/main" id="{B8186518-75F3-40F5-B996-3CBA6FC991DC}"/>
-              </a:ext>
-            </a:extLst>
-          </p:cNvPr>
-          <p:cNvPicPr>
-            <a:picLocks noChangeAspect="1"/>
-          </p:cNvPicPr>
-          <p:nvPr/>
-        </p:nvPicPr>
-        <p:blipFill>
-          <a:blip r:embed="rId6"/>
-          <a:stretch>
-            <a:fillRect/>
-          </a:stretch>
-        </p:blipFill>
-        <p:spPr>
-          <a:xfrm>
-            <a:off x="4853595" y="91862"/>
-            <a:ext cx="7218662" cy="3028474"/>
+            <a:off x="5129046" y="2127383"/>
+            <a:ext cx="6700803" cy="4395384"/>
           </a:xfrm>
           <a:prstGeom prst="rect">
             <a:avLst/>
@@ -5633,7 +6010,7 @@
     </p:spTree>
     <p:extLst>
       <p:ext uri="{BB962C8B-B14F-4D97-AF65-F5344CB8AC3E}">
-        <p14:creationId xmlns:p14="http://schemas.microsoft.com/office/powerpoint/2010/main" val="3769715691"/>
+        <p14:creationId xmlns:p14="http://schemas.microsoft.com/office/powerpoint/2010/main" val="3933795400"/>
       </p:ext>
     </p:extLst>
   </p:cSld>
@@ -5803,7 +6180,7 @@
         </p:nvSpPr>
         <p:spPr>
           <a:xfrm>
-            <a:off x="645161" y="253516"/>
+            <a:off x="643467" y="475307"/>
             <a:ext cx="3363974" cy="1728044"/>
           </a:xfrm>
           <a:noFill/>
@@ -5825,7 +6202,7 @@
                   <a:schemeClr val="bg1"/>
                 </a:solidFill>
               </a:rPr>
-              <a:t>Human</a:t>
+              <a:t>Energy consumption/</a:t>
             </a:r>
             <a:br>
               <a:rPr lang="en-US" dirty="0">
@@ -5840,22 +6217,7 @@
                   <a:schemeClr val="bg1"/>
                 </a:solidFill>
               </a:rPr>
-              <a:t>development</a:t>
-            </a:r>
-            <a:br>
-              <a:rPr lang="en-US" dirty="0">
-                <a:solidFill>
-                  <a:schemeClr val="bg1"/>
-                </a:solidFill>
-              </a:rPr>
-            </a:br>
-            <a:r>
-              <a:rPr lang="en-US" dirty="0">
-                <a:solidFill>
-                  <a:schemeClr val="bg1"/>
-                </a:solidFill>
-              </a:rPr>
-              <a:t>Index (HDI)</a:t>
+              <a:t>Generation</a:t>
             </a:r>
           </a:p>
         </p:txBody>
@@ -5872,8 +6234,8 @@
         </p:nvSpPr>
         <p:spPr>
           <a:xfrm>
-            <a:off x="185432" y="2076159"/>
-            <a:ext cx="4298730" cy="3415622"/>
+            <a:off x="294289" y="2260657"/>
+            <a:ext cx="4056993" cy="3415622"/>
           </a:xfrm>
         </p:spPr>
         <p:txBody>
@@ -5891,7 +6253,7 @@
                   <a:schemeClr val="bg1"/>
                 </a:solidFill>
               </a:rPr>
-              <a:t> Composite statistic of life expectancy, education, and per capita income indicators used to rate a country’s prosperity</a:t>
+              <a:t>Total amount of energy consumed - residential, commercial, and industrial</a:t>
             </a:r>
           </a:p>
           <a:p>
@@ -5919,17 +6281,17 @@
                   <a:schemeClr val="bg1"/>
                 </a:solidFill>
               </a:rPr>
-              <a:t>United Nations Human Development Data</a:t>
+              <a:t>BP Statistical Review of World Energy</a:t>
             </a:r>
           </a:p>
         </p:txBody>
       </p:sp>
       <p:pic>
         <p:nvPicPr>
-          <p:cNvPr id="4098" name="Picture 2" descr="Image result for hDI images">
+          <p:cNvPr id="7170" name="Picture 2" descr="Image result for industrial production plant image">
             <a:extLst>
               <a:ext uri="{FF2B5EF4-FFF2-40B4-BE49-F238E27FC236}">
-                <a16:creationId xmlns:a16="http://schemas.microsoft.com/office/drawing/2014/main" id="{ABCE68FF-32BB-400A-A394-46BB6AA87D3A}"/>
+                <a16:creationId xmlns:a16="http://schemas.microsoft.com/office/drawing/2014/main" id="{CD736658-6A8B-401F-992B-6131240739D0}"/>
               </a:ext>
             </a:extLst>
           </p:cNvPr>
@@ -5946,13 +6308,13 @@
               </a:ext>
             </a:extLst>
           </a:blip>
-          <a:srcRect l="7455" t="4301" r="1821" b="7952"/>
+          <a:srcRect b="13878"/>
           <a:stretch/>
         </p:blipFill>
         <p:spPr bwMode="auto">
           <a:xfrm>
-            <a:off x="830316" y="3794234"/>
-            <a:ext cx="3020733" cy="2921636"/>
+            <a:off x="791769" y="5304141"/>
+            <a:ext cx="3062031" cy="1353048"/>
           </a:xfrm>
           <a:prstGeom prst="rect">
             <a:avLst/>
@@ -5971,10 +6333,55 @@
       </p:pic>
       <p:pic>
         <p:nvPicPr>
+          <p:cNvPr id="7172" name="Picture 4" descr="Image result for home energy use image">
+            <a:extLst>
+              <a:ext uri="{FF2B5EF4-FFF2-40B4-BE49-F238E27FC236}">
+                <a16:creationId xmlns:a16="http://schemas.microsoft.com/office/drawing/2014/main" id="{1C5A529C-7A2B-469D-9D9B-650E9121DC06}"/>
+              </a:ext>
+            </a:extLst>
+          </p:cNvPr>
+          <p:cNvPicPr>
+            <a:picLocks noChangeAspect="1" noChangeArrowheads="1"/>
+          </p:cNvPicPr>
+          <p:nvPr/>
+        </p:nvPicPr>
+        <p:blipFill rotWithShape="1">
+          <a:blip r:embed="rId4">
+            <a:extLst>
+              <a:ext uri="{28A0092B-C50C-407E-A947-70E740481C1C}">
+                <a14:useLocalDpi xmlns:a14="http://schemas.microsoft.com/office/drawing/2010/main" val="0"/>
+              </a:ext>
+            </a:extLst>
+          </a:blip>
+          <a:srcRect l="4530" t="31859" r="3967" b="3527"/>
+          <a:stretch/>
+        </p:blipFill>
+        <p:spPr bwMode="auto">
+          <a:xfrm>
+            <a:off x="791769" y="3676191"/>
+            <a:ext cx="3062031" cy="1353048"/>
+          </a:xfrm>
+          <a:prstGeom prst="rect">
+            <a:avLst/>
+          </a:prstGeom>
+          <a:noFill/>
+          <a:extLst>
+            <a:ext uri="{909E8E84-426E-40DD-AFC4-6F175D3DCCD1}">
+              <a14:hiddenFill xmlns:a14="http://schemas.microsoft.com/office/drawing/2010/main">
+                <a:solidFill>
+                  <a:srgbClr val="FFFFFF"/>
+                </a:solidFill>
+              </a14:hiddenFill>
+            </a:ext>
+          </a:extLst>
+        </p:spPr>
+      </p:pic>
+      <p:pic>
+        <p:nvPicPr>
           <p:cNvPr id="4" name="Picture 3">
             <a:extLst>
               <a:ext uri="{FF2B5EF4-FFF2-40B4-BE49-F238E27FC236}">
-                <a16:creationId xmlns:a16="http://schemas.microsoft.com/office/drawing/2014/main" id="{26310073-FCD9-4147-9089-8771661E7646}"/>
+                <a16:creationId xmlns:a16="http://schemas.microsoft.com/office/drawing/2014/main" id="{5C92F0EB-B928-4D5A-A474-ECFCDFC966CA}"/>
               </a:ext>
             </a:extLst>
           </p:cNvPr>
@@ -5984,25 +6391,136 @@
           <p:nvPr/>
         </p:nvPicPr>
         <p:blipFill>
-          <a:blip r:embed="rId4"/>
+          <a:blip r:embed="rId5"/>
           <a:stretch>
             <a:fillRect/>
           </a:stretch>
         </p:blipFill>
         <p:spPr>
           <a:xfrm>
-            <a:off x="5299180" y="1215957"/>
-            <a:ext cx="6247659" cy="4401232"/>
+            <a:off x="4853595" y="3245114"/>
+            <a:ext cx="7218662" cy="3522194"/>
           </a:xfrm>
           <a:prstGeom prst="rect">
             <a:avLst/>
           </a:prstGeom>
         </p:spPr>
       </p:pic>
+      <p:pic>
+        <p:nvPicPr>
+          <p:cNvPr id="5" name="Picture 4">
+            <a:extLst>
+              <a:ext uri="{FF2B5EF4-FFF2-40B4-BE49-F238E27FC236}">
+                <a16:creationId xmlns:a16="http://schemas.microsoft.com/office/drawing/2014/main" id="{B8186518-75F3-40F5-B996-3CBA6FC991DC}"/>
+              </a:ext>
+            </a:extLst>
+          </p:cNvPr>
+          <p:cNvPicPr>
+            <a:picLocks noChangeAspect="1"/>
+          </p:cNvPicPr>
+          <p:nvPr/>
+        </p:nvPicPr>
+        <p:blipFill>
+          <a:blip r:embed="rId6"/>
+          <a:stretch>
+            <a:fillRect/>
+          </a:stretch>
+        </p:blipFill>
+        <p:spPr>
+          <a:xfrm>
+            <a:off x="4853595" y="50298"/>
+            <a:ext cx="7218662" cy="3028474"/>
+          </a:xfrm>
+          <a:prstGeom prst="rect">
+            <a:avLst/>
+          </a:prstGeom>
+        </p:spPr>
+      </p:pic>
+      <p:pic>
+        <p:nvPicPr>
+          <p:cNvPr id="7" name="Picture 6">
+            <a:extLst>
+              <a:ext uri="{FF2B5EF4-FFF2-40B4-BE49-F238E27FC236}">
+                <a16:creationId xmlns:a16="http://schemas.microsoft.com/office/drawing/2014/main" id="{DF4B7CB9-DEF8-4A4E-BDC9-A2C7636FF756}"/>
+              </a:ext>
+            </a:extLst>
+          </p:cNvPr>
+          <p:cNvPicPr>
+            <a:picLocks noChangeAspect="1"/>
+          </p:cNvPicPr>
+          <p:nvPr/>
+        </p:nvPicPr>
+        <p:blipFill rotWithShape="1">
+          <a:blip r:embed="rId7"/>
+          <a:srcRect l="5217" t="27143" r="27309" b="23701"/>
+          <a:stretch/>
+        </p:blipFill>
+        <p:spPr>
+          <a:xfrm>
+            <a:off x="9283142" y="1729189"/>
+            <a:ext cx="2716378" cy="1042154"/>
+          </a:xfrm>
+          <a:prstGeom prst="rect">
+            <a:avLst/>
+          </a:prstGeom>
+        </p:spPr>
+      </p:pic>
+      <p:sp>
+        <p:nvSpPr>
+          <p:cNvPr id="9" name="Oval 8">
+            <a:extLst>
+              <a:ext uri="{FF2B5EF4-FFF2-40B4-BE49-F238E27FC236}">
+                <a16:creationId xmlns:a16="http://schemas.microsoft.com/office/drawing/2014/main" id="{BDC49030-40EA-4B20-A46C-3A906C285097}"/>
+              </a:ext>
+            </a:extLst>
+          </p:cNvPr>
+          <p:cNvSpPr/>
+          <p:nvPr/>
+        </p:nvSpPr>
+        <p:spPr>
+          <a:xfrm>
+            <a:off x="10544902" y="2461843"/>
+            <a:ext cx="609600" cy="193431"/>
+          </a:xfrm>
+          <a:prstGeom prst="ellipse">
+            <a:avLst/>
+          </a:prstGeom>
+          <a:noFill/>
+          <a:ln w="19050">
+            <a:solidFill>
+              <a:srgbClr val="FF0000"/>
+            </a:solidFill>
+          </a:ln>
+        </p:spPr>
+        <p:style>
+          <a:lnRef idx="2">
+            <a:schemeClr val="accent1">
+              <a:shade val="50000"/>
+            </a:schemeClr>
+          </a:lnRef>
+          <a:fillRef idx="1">
+            <a:schemeClr val="accent1"/>
+          </a:fillRef>
+          <a:effectRef idx="0">
+            <a:schemeClr val="accent1"/>
+          </a:effectRef>
+          <a:fontRef idx="minor">
+            <a:schemeClr val="lt1"/>
+          </a:fontRef>
+        </p:style>
+        <p:txBody>
+          <a:bodyPr rtlCol="0" anchor="ctr"/>
+          <a:lstStyle/>
+          <a:p>
+            <a:pPr algn="ctr"/>
+            <a:endParaRPr lang="en-US"/>
+          </a:p>
+        </p:txBody>
+      </p:sp>
     </p:spTree>
     <p:extLst>
       <p:ext uri="{BB962C8B-B14F-4D97-AF65-F5344CB8AC3E}">
-        <p14:creationId xmlns:p14="http://schemas.microsoft.com/office/powerpoint/2010/main" val="3084959748"/>
+        <p14:creationId xmlns:p14="http://schemas.microsoft.com/office/powerpoint/2010/main" val="3769715691"/>
       </p:ext>
     </p:extLst>
   </p:cSld>
@@ -6172,7 +6690,7 @@
         </p:nvSpPr>
         <p:spPr>
           <a:xfrm>
-            <a:off x="643467" y="457780"/>
+            <a:off x="645161" y="253516"/>
             <a:ext cx="3363974" cy="1728044"/>
           </a:xfrm>
           <a:noFill/>
@@ -6194,7 +6712,7 @@
                   <a:schemeClr val="bg1"/>
                 </a:solidFill>
               </a:rPr>
-              <a:t>Energy consumption</a:t>
+              <a:t>Human</a:t>
             </a:r>
             <a:br>
               <a:rPr lang="en-US" dirty="0">
@@ -6209,7 +6727,22 @@
                   <a:schemeClr val="bg1"/>
                 </a:solidFill>
               </a:rPr>
-              <a:t>by fuel type</a:t>
+              <a:t>development</a:t>
+            </a:r>
+            <a:br>
+              <a:rPr lang="en-US" dirty="0">
+                <a:solidFill>
+                  <a:schemeClr val="bg1"/>
+                </a:solidFill>
+              </a:rPr>
+            </a:br>
+            <a:r>
+              <a:rPr lang="en-US" dirty="0">
+                <a:solidFill>
+                  <a:schemeClr val="bg1"/>
+                </a:solidFill>
+              </a:rPr>
+              <a:t>Index (HDI)</a:t>
             </a:r>
           </a:p>
         </p:txBody>
@@ -6226,8 +6759,8 @@
         </p:nvSpPr>
         <p:spPr>
           <a:xfrm>
-            <a:off x="313267" y="2354744"/>
-            <a:ext cx="3987800" cy="3589406"/>
+            <a:off x="185432" y="2076159"/>
+            <a:ext cx="4298730" cy="3415622"/>
           </a:xfrm>
         </p:spPr>
         <p:txBody>
@@ -6245,7 +6778,7 @@
                   <a:schemeClr val="bg1"/>
                 </a:solidFill>
               </a:rPr>
-              <a:t>Green Sources = Hydro &amp; Renewables (Solar,  Wind, Biomass, Geothermal)</a:t>
+              <a:t> Composite statistic of life expectancy, education, and per capita income indicators used to rate a country’s prosperity</a:t>
             </a:r>
           </a:p>
           <a:p>
@@ -6258,7 +6791,729 @@
                   <a:schemeClr val="bg1"/>
                 </a:solidFill>
               </a:rPr>
-              <a:t>Non-Green = Oil, Natural Gas, &amp; Coal</a:t>
+              <a:t>Source:</a:t>
+            </a:r>
+            <a:br>
+              <a:rPr lang="en-US" dirty="0">
+                <a:solidFill>
+                  <a:schemeClr val="bg1"/>
+                </a:solidFill>
+              </a:rPr>
+            </a:br>
+            <a:r>
+              <a:rPr lang="en-US" dirty="0">
+                <a:solidFill>
+                  <a:schemeClr val="bg1"/>
+                </a:solidFill>
+              </a:rPr>
+              <a:t>United Nations Human Development Data</a:t>
+            </a:r>
+          </a:p>
+        </p:txBody>
+      </p:sp>
+      <p:pic>
+        <p:nvPicPr>
+          <p:cNvPr id="4098" name="Picture 2" descr="Image result for hDI images">
+            <a:extLst>
+              <a:ext uri="{FF2B5EF4-FFF2-40B4-BE49-F238E27FC236}">
+                <a16:creationId xmlns:a16="http://schemas.microsoft.com/office/drawing/2014/main" id="{ABCE68FF-32BB-400A-A394-46BB6AA87D3A}"/>
+              </a:ext>
+            </a:extLst>
+          </p:cNvPr>
+          <p:cNvPicPr>
+            <a:picLocks noChangeAspect="1" noChangeArrowheads="1"/>
+          </p:cNvPicPr>
+          <p:nvPr/>
+        </p:nvPicPr>
+        <p:blipFill rotWithShape="1">
+          <a:blip r:embed="rId3">
+            <a:extLst>
+              <a:ext uri="{28A0092B-C50C-407E-A947-70E740481C1C}">
+                <a14:useLocalDpi xmlns:a14="http://schemas.microsoft.com/office/drawing/2010/main" val="0"/>
+              </a:ext>
+            </a:extLst>
+          </a:blip>
+          <a:srcRect l="7455" t="4301" r="1821" b="7952"/>
+          <a:stretch/>
+        </p:blipFill>
+        <p:spPr bwMode="auto">
+          <a:xfrm>
+            <a:off x="830316" y="3794234"/>
+            <a:ext cx="3020733" cy="2921636"/>
+          </a:xfrm>
+          <a:prstGeom prst="rect">
+            <a:avLst/>
+          </a:prstGeom>
+          <a:noFill/>
+          <a:extLst>
+            <a:ext uri="{909E8E84-426E-40DD-AFC4-6F175D3DCCD1}">
+              <a14:hiddenFill xmlns:a14="http://schemas.microsoft.com/office/drawing/2010/main">
+                <a:solidFill>
+                  <a:srgbClr val="FFFFFF"/>
+                </a:solidFill>
+              </a14:hiddenFill>
+            </a:ext>
+          </a:extLst>
+        </p:spPr>
+      </p:pic>
+      <p:pic>
+        <p:nvPicPr>
+          <p:cNvPr id="6" name="Picture 5">
+            <a:extLst>
+              <a:ext uri="{FF2B5EF4-FFF2-40B4-BE49-F238E27FC236}">
+                <a16:creationId xmlns:a16="http://schemas.microsoft.com/office/drawing/2014/main" id="{74E731C6-930A-4009-A429-EC1303194045}"/>
+              </a:ext>
+            </a:extLst>
+          </p:cNvPr>
+          <p:cNvPicPr>
+            <a:picLocks noChangeAspect="1"/>
+          </p:cNvPicPr>
+          <p:nvPr/>
+        </p:nvPicPr>
+        <p:blipFill>
+          <a:blip r:embed="rId4"/>
+          <a:stretch>
+            <a:fillRect/>
+          </a:stretch>
+        </p:blipFill>
+        <p:spPr>
+          <a:xfrm>
+            <a:off x="4757103" y="889000"/>
+            <a:ext cx="7340600" cy="5181600"/>
+          </a:xfrm>
+          <a:prstGeom prst="rect">
+            <a:avLst/>
+          </a:prstGeom>
+        </p:spPr>
+      </p:pic>
+    </p:spTree>
+    <p:extLst>
+      <p:ext uri="{BB962C8B-B14F-4D97-AF65-F5344CB8AC3E}">
+        <p14:creationId xmlns:p14="http://schemas.microsoft.com/office/powerpoint/2010/main" val="3084959748"/>
+      </p:ext>
+    </p:extLst>
+  </p:cSld>
+  <p:clrMapOvr>
+    <a:masterClrMapping/>
+  </p:clrMapOvr>
+</p:sld>
+</file>
+
+<file path=ppt/slides/slide13.xml><?xml version="1.0" encoding="utf-8"?>
+<p:sld xmlns:a="http://schemas.openxmlformats.org/drawingml/2006/main" xmlns:r="http://schemas.openxmlformats.org/officeDocument/2006/relationships" xmlns:p="http://schemas.openxmlformats.org/presentationml/2006/main">
+  <p:cSld>
+    <p:bg>
+      <p:bgPr>
+        <a:solidFill>
+          <a:schemeClr val="bg1">
+            <a:lumMod val="95000"/>
+          </a:schemeClr>
+        </a:solidFill>
+        <a:effectLst/>
+      </p:bgPr>
+    </p:bg>
+    <p:spTree>
+      <p:nvGrpSpPr>
+        <p:cNvPr id="1" name=""/>
+        <p:cNvGrpSpPr/>
+        <p:nvPr/>
+      </p:nvGrpSpPr>
+      <p:grpSpPr>
+        <a:xfrm>
+          <a:off x="0" y="0"/>
+          <a:ext cx="0" cy="0"/>
+          <a:chOff x="0" y="0"/>
+          <a:chExt cx="0" cy="0"/>
+        </a:xfrm>
+      </p:grpSpPr>
+      <p:sp useBgFill="1">
+        <p:nvSpPr>
+          <p:cNvPr id="11" name="Rectangle 10">
+            <a:extLst>
+              <a:ext uri="{FF2B5EF4-FFF2-40B4-BE49-F238E27FC236}">
+                <a16:creationId xmlns:a16="http://schemas.microsoft.com/office/drawing/2014/main" id="{1660E788-AFA9-4A1B-9991-6AA74632A15B}"/>
+              </a:ext>
+              <a:ext uri="{C183D7F6-B498-43B3-948B-1728B52AA6E4}">
+                <adec:decorative xmlns:adec="http://schemas.microsoft.com/office/drawing/2017/decorative" val="1"/>
+              </a:ext>
+            </a:extLst>
+          </p:cNvPr>
+          <p:cNvSpPr>
+            <a:spLocks noGrp="1" noRot="1" noChangeAspect="1" noMove="1" noResize="1" noEditPoints="1" noAdjustHandles="1" noChangeArrowheads="1" noChangeShapeType="1" noTextEdit="1"/>
+          </p:cNvSpPr>
+          <p:nvPr>
+            <p:extLst>
+              <p:ext uri="{386F3935-93C4-4BCD-93E2-E3B085C9AB24}">
+                <p16:designElem xmlns:p16="http://schemas.microsoft.com/office/powerpoint/2015/main" val="1"/>
+              </p:ext>
+            </p:extLst>
+          </p:nvPr>
+        </p:nvSpPr>
+        <p:spPr>
+          <a:xfrm>
+            <a:off x="0" y="0"/>
+            <a:ext cx="12191999" cy="6858000"/>
+          </a:xfrm>
+          <a:prstGeom prst="rect">
+            <a:avLst/>
+          </a:prstGeom>
+          <a:ln>
+            <a:noFill/>
+          </a:ln>
+        </p:spPr>
+        <p:style>
+          <a:lnRef idx="2">
+            <a:schemeClr val="accent1">
+              <a:shade val="50000"/>
+            </a:schemeClr>
+          </a:lnRef>
+          <a:fillRef idx="1">
+            <a:schemeClr val="accent1"/>
+          </a:fillRef>
+          <a:effectRef idx="0">
+            <a:schemeClr val="accent1"/>
+          </a:effectRef>
+          <a:fontRef idx="minor">
+            <a:schemeClr val="lt1"/>
+          </a:fontRef>
+        </p:style>
+        <p:txBody>
+          <a:bodyPr rtlCol="0" anchor="ctr"/>
+          <a:lstStyle/>
+          <a:p>
+            <a:pPr algn="ctr"/>
+            <a:endParaRPr lang="en-US"/>
+          </a:p>
+        </p:txBody>
+      </p:sp>
+      <p:sp>
+        <p:nvSpPr>
+          <p:cNvPr id="13" name="Rectangle 12">
+            <a:extLst>
+              <a:ext uri="{FF2B5EF4-FFF2-40B4-BE49-F238E27FC236}">
+                <a16:creationId xmlns:a16="http://schemas.microsoft.com/office/drawing/2014/main" id="{867D4867-5BA7-4462-B2F6-A23F4A622AA7}"/>
+              </a:ext>
+              <a:ext uri="{C183D7F6-B498-43B3-948B-1728B52AA6E4}">
+                <adec:decorative xmlns:adec="http://schemas.microsoft.com/office/drawing/2017/decorative" val="1"/>
+              </a:ext>
+            </a:extLst>
+          </p:cNvPr>
+          <p:cNvSpPr>
+            <a:spLocks noGrp="1" noRot="1" noChangeAspect="1" noMove="1" noResize="1" noEditPoints="1" noAdjustHandles="1" noChangeArrowheads="1" noChangeShapeType="1" noTextEdit="1"/>
+          </p:cNvSpPr>
+          <p:nvPr>
+            <p:extLst>
+              <p:ext uri="{386F3935-93C4-4BCD-93E2-E3B085C9AB24}">
+                <p16:designElem xmlns:p16="http://schemas.microsoft.com/office/powerpoint/2015/main" val="1"/>
+              </p:ext>
+            </p:extLst>
+          </p:nvPr>
+        </p:nvSpPr>
+        <p:spPr>
+          <a:xfrm>
+            <a:off x="0" y="0"/>
+            <a:ext cx="4654296" cy="6858000"/>
+          </a:xfrm>
+          <a:prstGeom prst="rect">
+            <a:avLst/>
+          </a:prstGeom>
+          <a:solidFill>
+            <a:schemeClr val="tx2"/>
+          </a:solidFill>
+          <a:ln>
+            <a:noFill/>
+          </a:ln>
+        </p:spPr>
+        <p:style>
+          <a:lnRef idx="0">
+            <a:scrgbClr r="0" g="0" b="0"/>
+          </a:lnRef>
+          <a:fillRef idx="0">
+            <a:scrgbClr r="0" g="0" b="0"/>
+          </a:fillRef>
+          <a:effectRef idx="0">
+            <a:scrgbClr r="0" g="0" b="0"/>
+          </a:effectRef>
+          <a:fontRef idx="minor">
+            <a:schemeClr val="lt1"/>
+          </a:fontRef>
+        </p:style>
+        <p:txBody>
+          <a:bodyPr rtlCol="0" anchor="ctr"/>
+          <a:lstStyle/>
+          <a:p>
+            <a:pPr algn="ctr"/>
+            <a:endParaRPr lang="en-US"/>
+          </a:p>
+        </p:txBody>
+      </p:sp>
+      <p:sp>
+        <p:nvSpPr>
+          <p:cNvPr id="2" name="Title 1"/>
+          <p:cNvSpPr>
+            <a:spLocks noGrp="1"/>
+          </p:cNvSpPr>
+          <p:nvPr>
+            <p:ph type="title"/>
+          </p:nvPr>
+        </p:nvSpPr>
+        <p:spPr>
+          <a:xfrm>
+            <a:off x="645161" y="253516"/>
+            <a:ext cx="3363974" cy="1728044"/>
+          </a:xfrm>
+          <a:noFill/>
+          <a:ln>
+            <a:solidFill>
+              <a:schemeClr val="bg1"/>
+            </a:solidFill>
+          </a:ln>
+        </p:spPr>
+        <p:txBody>
+          <a:bodyPr wrap="square">
+            <a:normAutofit/>
+          </a:bodyPr>
+          <a:lstStyle/>
+          <a:p>
+            <a:r>
+              <a:rPr lang="en-US" dirty="0">
+                <a:solidFill>
+                  <a:schemeClr val="bg1"/>
+                </a:solidFill>
+              </a:rPr>
+              <a:t>Human</a:t>
+            </a:r>
+            <a:br>
+              <a:rPr lang="en-US" dirty="0">
+                <a:solidFill>
+                  <a:schemeClr val="bg1"/>
+                </a:solidFill>
+              </a:rPr>
+            </a:br>
+            <a:r>
+              <a:rPr lang="en-US" dirty="0">
+                <a:solidFill>
+                  <a:schemeClr val="bg1"/>
+                </a:solidFill>
+              </a:rPr>
+              <a:t>development</a:t>
+            </a:r>
+            <a:br>
+              <a:rPr lang="en-US" dirty="0">
+                <a:solidFill>
+                  <a:schemeClr val="bg1"/>
+                </a:solidFill>
+              </a:rPr>
+            </a:br>
+            <a:r>
+              <a:rPr lang="en-US" dirty="0">
+                <a:solidFill>
+                  <a:schemeClr val="bg1"/>
+                </a:solidFill>
+              </a:rPr>
+              <a:t>Index (HDI)</a:t>
+            </a:r>
+          </a:p>
+        </p:txBody>
+      </p:sp>
+      <p:sp>
+        <p:nvSpPr>
+          <p:cNvPr id="3" name="Content Placeholder 2"/>
+          <p:cNvSpPr>
+            <a:spLocks noGrp="1"/>
+          </p:cNvSpPr>
+          <p:nvPr>
+            <p:ph idx="1"/>
+          </p:nvPr>
+        </p:nvSpPr>
+        <p:spPr>
+          <a:xfrm>
+            <a:off x="185432" y="2076159"/>
+            <a:ext cx="4298730" cy="3415622"/>
+          </a:xfrm>
+        </p:spPr>
+        <p:txBody>
+          <a:bodyPr>
+            <a:normAutofit/>
+          </a:bodyPr>
+          <a:lstStyle/>
+          <a:p>
+            <a:pPr marL="0" indent="0" algn="ctr">
+              <a:buNone/>
+            </a:pPr>
+            <a:r>
+              <a:rPr lang="en-US" dirty="0">
+                <a:solidFill>
+                  <a:schemeClr val="bg1"/>
+                </a:solidFill>
+              </a:rPr>
+              <a:t> Composite statistic of life expectancy, education, and per capita income indicators used to rate a country’s prosperity</a:t>
+            </a:r>
+          </a:p>
+          <a:p>
+            <a:pPr marL="0" indent="0" algn="ctr">
+              <a:buNone/>
+            </a:pPr>
+            <a:r>
+              <a:rPr lang="en-US" dirty="0">
+                <a:solidFill>
+                  <a:schemeClr val="bg1"/>
+                </a:solidFill>
+              </a:rPr>
+              <a:t>Source:</a:t>
+            </a:r>
+            <a:br>
+              <a:rPr lang="en-US" dirty="0">
+                <a:solidFill>
+                  <a:schemeClr val="bg1"/>
+                </a:solidFill>
+              </a:rPr>
+            </a:br>
+            <a:r>
+              <a:rPr lang="en-US" dirty="0">
+                <a:solidFill>
+                  <a:schemeClr val="bg1"/>
+                </a:solidFill>
+              </a:rPr>
+              <a:t>United Nations Human Development Data</a:t>
+            </a:r>
+          </a:p>
+        </p:txBody>
+      </p:sp>
+      <p:pic>
+        <p:nvPicPr>
+          <p:cNvPr id="4098" name="Picture 2" descr="Image result for hDI images">
+            <a:extLst>
+              <a:ext uri="{FF2B5EF4-FFF2-40B4-BE49-F238E27FC236}">
+                <a16:creationId xmlns:a16="http://schemas.microsoft.com/office/drawing/2014/main" id="{ABCE68FF-32BB-400A-A394-46BB6AA87D3A}"/>
+              </a:ext>
+            </a:extLst>
+          </p:cNvPr>
+          <p:cNvPicPr>
+            <a:picLocks noChangeAspect="1" noChangeArrowheads="1"/>
+          </p:cNvPicPr>
+          <p:nvPr/>
+        </p:nvPicPr>
+        <p:blipFill rotWithShape="1">
+          <a:blip r:embed="rId3">
+            <a:extLst>
+              <a:ext uri="{28A0092B-C50C-407E-A947-70E740481C1C}">
+                <a14:useLocalDpi xmlns:a14="http://schemas.microsoft.com/office/drawing/2010/main" val="0"/>
+              </a:ext>
+            </a:extLst>
+          </a:blip>
+          <a:srcRect l="7455" t="4301" r="1821" b="7952"/>
+          <a:stretch/>
+        </p:blipFill>
+        <p:spPr bwMode="auto">
+          <a:xfrm>
+            <a:off x="830316" y="3794234"/>
+            <a:ext cx="3020733" cy="2921636"/>
+          </a:xfrm>
+          <a:prstGeom prst="rect">
+            <a:avLst/>
+          </a:prstGeom>
+          <a:noFill/>
+          <a:extLst>
+            <a:ext uri="{909E8E84-426E-40DD-AFC4-6F175D3DCCD1}">
+              <a14:hiddenFill xmlns:a14="http://schemas.microsoft.com/office/drawing/2010/main">
+                <a:solidFill>
+                  <a:srgbClr val="FFFFFF"/>
+                </a:solidFill>
+              </a14:hiddenFill>
+            </a:ext>
+          </a:extLst>
+        </p:spPr>
+      </p:pic>
+      <p:pic>
+        <p:nvPicPr>
+          <p:cNvPr id="4" name="Picture 3">
+            <a:extLst>
+              <a:ext uri="{FF2B5EF4-FFF2-40B4-BE49-F238E27FC236}">
+                <a16:creationId xmlns:a16="http://schemas.microsoft.com/office/drawing/2014/main" id="{9100FA72-D464-4C42-B088-C82C81AF6D58}"/>
+              </a:ext>
+            </a:extLst>
+          </p:cNvPr>
+          <p:cNvPicPr>
+            <a:picLocks noChangeAspect="1"/>
+          </p:cNvPicPr>
+          <p:nvPr/>
+        </p:nvPicPr>
+        <p:blipFill rotWithShape="1">
+          <a:blip r:embed="rId4"/>
+          <a:srcRect l="38444" t="15925" r="2770" b="10187"/>
+          <a:stretch/>
+        </p:blipFill>
+        <p:spPr>
+          <a:xfrm>
+            <a:off x="4839451" y="895350"/>
+            <a:ext cx="7167118" cy="5067300"/>
+          </a:xfrm>
+          <a:prstGeom prst="rect">
+            <a:avLst/>
+          </a:prstGeom>
+        </p:spPr>
+      </p:pic>
+    </p:spTree>
+    <p:extLst>
+      <p:ext uri="{BB962C8B-B14F-4D97-AF65-F5344CB8AC3E}">
+        <p14:creationId xmlns:p14="http://schemas.microsoft.com/office/powerpoint/2010/main" val="64081179"/>
+      </p:ext>
+    </p:extLst>
+  </p:cSld>
+  <p:clrMapOvr>
+    <a:masterClrMapping/>
+  </p:clrMapOvr>
+</p:sld>
+</file>
+
+<file path=ppt/slides/slide14.xml><?xml version="1.0" encoding="utf-8"?>
+<p:sld xmlns:a="http://schemas.openxmlformats.org/drawingml/2006/main" xmlns:r="http://schemas.openxmlformats.org/officeDocument/2006/relationships" xmlns:p="http://schemas.openxmlformats.org/presentationml/2006/main">
+  <p:cSld>
+    <p:bg>
+      <p:bgPr>
+        <a:solidFill>
+          <a:schemeClr val="bg1">
+            <a:lumMod val="95000"/>
+          </a:schemeClr>
+        </a:solidFill>
+        <a:effectLst/>
+      </p:bgPr>
+    </p:bg>
+    <p:spTree>
+      <p:nvGrpSpPr>
+        <p:cNvPr id="1" name=""/>
+        <p:cNvGrpSpPr/>
+        <p:nvPr/>
+      </p:nvGrpSpPr>
+      <p:grpSpPr>
+        <a:xfrm>
+          <a:off x="0" y="0"/>
+          <a:ext cx="0" cy="0"/>
+          <a:chOff x="0" y="0"/>
+          <a:chExt cx="0" cy="0"/>
+        </a:xfrm>
+      </p:grpSpPr>
+      <p:sp useBgFill="1">
+        <p:nvSpPr>
+          <p:cNvPr id="11" name="Rectangle 10">
+            <a:extLst>
+              <a:ext uri="{FF2B5EF4-FFF2-40B4-BE49-F238E27FC236}">
+                <a16:creationId xmlns:a16="http://schemas.microsoft.com/office/drawing/2014/main" id="{1660E788-AFA9-4A1B-9991-6AA74632A15B}"/>
+              </a:ext>
+              <a:ext uri="{C183D7F6-B498-43B3-948B-1728B52AA6E4}">
+                <adec:decorative xmlns:adec="http://schemas.microsoft.com/office/drawing/2017/decorative" val="1"/>
+              </a:ext>
+            </a:extLst>
+          </p:cNvPr>
+          <p:cNvSpPr>
+            <a:spLocks noGrp="1" noRot="1" noChangeAspect="1" noMove="1" noResize="1" noEditPoints="1" noAdjustHandles="1" noChangeArrowheads="1" noChangeShapeType="1" noTextEdit="1"/>
+          </p:cNvSpPr>
+          <p:nvPr>
+            <p:extLst>
+              <p:ext uri="{386F3935-93C4-4BCD-93E2-E3B085C9AB24}">
+                <p16:designElem xmlns:p16="http://schemas.microsoft.com/office/powerpoint/2015/main" val="1"/>
+              </p:ext>
+            </p:extLst>
+          </p:nvPr>
+        </p:nvSpPr>
+        <p:spPr>
+          <a:xfrm>
+            <a:off x="0" y="0"/>
+            <a:ext cx="12191999" cy="6858000"/>
+          </a:xfrm>
+          <a:prstGeom prst="rect">
+            <a:avLst/>
+          </a:prstGeom>
+          <a:ln>
+            <a:noFill/>
+          </a:ln>
+        </p:spPr>
+        <p:style>
+          <a:lnRef idx="2">
+            <a:schemeClr val="accent1">
+              <a:shade val="50000"/>
+            </a:schemeClr>
+          </a:lnRef>
+          <a:fillRef idx="1">
+            <a:schemeClr val="accent1"/>
+          </a:fillRef>
+          <a:effectRef idx="0">
+            <a:schemeClr val="accent1"/>
+          </a:effectRef>
+          <a:fontRef idx="minor">
+            <a:schemeClr val="lt1"/>
+          </a:fontRef>
+        </p:style>
+        <p:txBody>
+          <a:bodyPr rtlCol="0" anchor="ctr"/>
+          <a:lstStyle/>
+          <a:p>
+            <a:pPr algn="ctr"/>
+            <a:endParaRPr lang="en-US"/>
+          </a:p>
+        </p:txBody>
+      </p:sp>
+      <p:sp>
+        <p:nvSpPr>
+          <p:cNvPr id="13" name="Rectangle 12">
+            <a:extLst>
+              <a:ext uri="{FF2B5EF4-FFF2-40B4-BE49-F238E27FC236}">
+                <a16:creationId xmlns:a16="http://schemas.microsoft.com/office/drawing/2014/main" id="{867D4867-5BA7-4462-B2F6-A23F4A622AA7}"/>
+              </a:ext>
+              <a:ext uri="{C183D7F6-B498-43B3-948B-1728B52AA6E4}">
+                <adec:decorative xmlns:adec="http://schemas.microsoft.com/office/drawing/2017/decorative" val="1"/>
+              </a:ext>
+            </a:extLst>
+          </p:cNvPr>
+          <p:cNvSpPr>
+            <a:spLocks noGrp="1" noRot="1" noChangeAspect="1" noMove="1" noResize="1" noEditPoints="1" noAdjustHandles="1" noChangeArrowheads="1" noChangeShapeType="1" noTextEdit="1"/>
+          </p:cNvSpPr>
+          <p:nvPr>
+            <p:extLst>
+              <p:ext uri="{386F3935-93C4-4BCD-93E2-E3B085C9AB24}">
+                <p16:designElem xmlns:p16="http://schemas.microsoft.com/office/powerpoint/2015/main" val="1"/>
+              </p:ext>
+            </p:extLst>
+          </p:nvPr>
+        </p:nvSpPr>
+        <p:spPr>
+          <a:xfrm>
+            <a:off x="0" y="0"/>
+            <a:ext cx="4654296" cy="6858000"/>
+          </a:xfrm>
+          <a:prstGeom prst="rect">
+            <a:avLst/>
+          </a:prstGeom>
+          <a:solidFill>
+            <a:schemeClr val="tx2"/>
+          </a:solidFill>
+          <a:ln>
+            <a:noFill/>
+          </a:ln>
+        </p:spPr>
+        <p:style>
+          <a:lnRef idx="0">
+            <a:scrgbClr r="0" g="0" b="0"/>
+          </a:lnRef>
+          <a:fillRef idx="0">
+            <a:scrgbClr r="0" g="0" b="0"/>
+          </a:fillRef>
+          <a:effectRef idx="0">
+            <a:scrgbClr r="0" g="0" b="0"/>
+          </a:effectRef>
+          <a:fontRef idx="minor">
+            <a:schemeClr val="lt1"/>
+          </a:fontRef>
+        </p:style>
+        <p:txBody>
+          <a:bodyPr rtlCol="0" anchor="ctr"/>
+          <a:lstStyle/>
+          <a:p>
+            <a:pPr algn="ctr"/>
+            <a:endParaRPr lang="en-US"/>
+          </a:p>
+        </p:txBody>
+      </p:sp>
+      <p:sp>
+        <p:nvSpPr>
+          <p:cNvPr id="2" name="Title 1"/>
+          <p:cNvSpPr>
+            <a:spLocks noGrp="1"/>
+          </p:cNvSpPr>
+          <p:nvPr>
+            <p:ph type="title"/>
+          </p:nvPr>
+        </p:nvSpPr>
+        <p:spPr>
+          <a:xfrm>
+            <a:off x="643467" y="457780"/>
+            <a:ext cx="3363974" cy="1728044"/>
+          </a:xfrm>
+          <a:noFill/>
+          <a:ln>
+            <a:solidFill>
+              <a:schemeClr val="bg1"/>
+            </a:solidFill>
+          </a:ln>
+        </p:spPr>
+        <p:txBody>
+          <a:bodyPr wrap="square">
+            <a:normAutofit/>
+          </a:bodyPr>
+          <a:lstStyle/>
+          <a:p>
+            <a:r>
+              <a:rPr lang="en-US" dirty="0">
+                <a:solidFill>
+                  <a:schemeClr val="bg1"/>
+                </a:solidFill>
+              </a:rPr>
+              <a:t>Energy consumption</a:t>
+            </a:r>
+            <a:br>
+              <a:rPr lang="en-US" dirty="0">
+                <a:solidFill>
+                  <a:schemeClr val="bg1"/>
+                </a:solidFill>
+              </a:rPr>
+            </a:br>
+            <a:r>
+              <a:rPr lang="en-US" dirty="0">
+                <a:solidFill>
+                  <a:schemeClr val="bg1"/>
+                </a:solidFill>
+              </a:rPr>
+              <a:t>by fuel type</a:t>
+            </a:r>
+          </a:p>
+        </p:txBody>
+      </p:sp>
+      <p:sp>
+        <p:nvSpPr>
+          <p:cNvPr id="3" name="Content Placeholder 2"/>
+          <p:cNvSpPr>
+            <a:spLocks noGrp="1"/>
+          </p:cNvSpPr>
+          <p:nvPr>
+            <p:ph idx="1"/>
+          </p:nvPr>
+        </p:nvSpPr>
+        <p:spPr>
+          <a:xfrm>
+            <a:off x="313267" y="2271616"/>
+            <a:ext cx="3987800" cy="3589406"/>
+          </a:xfrm>
+        </p:spPr>
+        <p:txBody>
+          <a:bodyPr>
+            <a:normAutofit/>
+          </a:bodyPr>
+          <a:lstStyle/>
+          <a:p>
+            <a:pPr marL="0" indent="0" algn="ctr">
+              <a:buNone/>
+            </a:pPr>
+            <a:r>
+              <a:rPr lang="en-US" dirty="0">
+                <a:solidFill>
+                  <a:schemeClr val="bg1"/>
+                </a:solidFill>
+              </a:rPr>
+              <a:t>Green Sources = Hydro &amp; Renewables (Solar,  Wind, Biomass, Geothermal)</a:t>
+            </a:r>
+          </a:p>
+          <a:p>
+            <a:pPr marL="0" indent="0" algn="ctr">
+              <a:buNone/>
+            </a:pPr>
+            <a:r>
+              <a:rPr lang="en-US" dirty="0">
+                <a:solidFill>
+                  <a:schemeClr val="bg1"/>
+                </a:solidFill>
+              </a:rPr>
+              <a:t>Non-Green Sources = Oil, Natural Gas, Nuclear, &amp; Coal</a:t>
             </a:r>
           </a:p>
           <a:p>
@@ -6407,7 +7662,7 @@
         </p:blipFill>
         <p:spPr bwMode="auto">
           <a:xfrm>
-            <a:off x="76566" y="5426137"/>
+            <a:off x="76566" y="5602784"/>
             <a:ext cx="1383928" cy="1143000"/>
           </a:xfrm>
           <a:prstGeom prst="rect">
@@ -6452,7 +7707,7 @@
         </p:blipFill>
         <p:spPr>
           <a:xfrm>
-            <a:off x="76568" y="4149447"/>
+            <a:off x="76568" y="4326094"/>
             <a:ext cx="1383930" cy="1143000"/>
           </a:xfrm>
           <a:prstGeom prst="rect">
@@ -6487,7 +7742,7 @@
         </p:blipFill>
         <p:spPr bwMode="auto">
           <a:xfrm>
-            <a:off x="1606214" y="5426137"/>
+            <a:off x="1606214" y="5602784"/>
             <a:ext cx="1383928" cy="1143000"/>
           </a:xfrm>
           <a:prstGeom prst="rect">
@@ -6532,7 +7787,7 @@
         </p:blipFill>
         <p:spPr>
           <a:xfrm>
-            <a:off x="1602154" y="4149447"/>
+            <a:off x="1602154" y="4326094"/>
             <a:ext cx="1394079" cy="1143000"/>
           </a:xfrm>
           <a:prstGeom prst="rect">
@@ -6568,7 +7823,7 @@
         </p:blipFill>
         <p:spPr>
           <a:xfrm>
-            <a:off x="3093041" y="4149447"/>
+            <a:off x="3093041" y="4326094"/>
             <a:ext cx="1428750" cy="1143000"/>
           </a:xfrm>
           <a:prstGeom prst="rect">
@@ -6604,7 +7859,7 @@
         </p:blipFill>
         <p:spPr>
           <a:xfrm>
-            <a:off x="3093041" y="5426137"/>
+            <a:off x="3093041" y="5602784"/>
             <a:ext cx="1428750" cy="1143000"/>
           </a:xfrm>
           <a:prstGeom prst="rect">
@@ -6655,7 +7910,161 @@
 </p:sld>
 </file>
 
-<file path=ppt/slides/slide13.xml><?xml version="1.0" encoding="utf-8"?>
+<file path=ppt/slides/slide15.xml><?xml version="1.0" encoding="utf-8"?>
+<p:sld xmlns:a="http://schemas.openxmlformats.org/drawingml/2006/main" xmlns:r="http://schemas.openxmlformats.org/officeDocument/2006/relationships" xmlns:p="http://schemas.openxmlformats.org/presentationml/2006/main">
+  <p:cSld>
+    <p:spTree>
+      <p:nvGrpSpPr>
+        <p:cNvPr id="1" name=""/>
+        <p:cNvGrpSpPr/>
+        <p:nvPr/>
+      </p:nvGrpSpPr>
+      <p:grpSpPr>
+        <a:xfrm>
+          <a:off x="0" y="0"/>
+          <a:ext cx="0" cy="0"/>
+          <a:chOff x="0" y="0"/>
+          <a:chExt cx="0" cy="0"/>
+        </a:xfrm>
+      </p:grpSpPr>
+      <p:pic>
+        <p:nvPicPr>
+          <p:cNvPr id="7" name="Picture 6">
+            <a:extLst>
+              <a:ext uri="{FF2B5EF4-FFF2-40B4-BE49-F238E27FC236}">
+                <a16:creationId xmlns:a16="http://schemas.microsoft.com/office/drawing/2014/main" id="{624BF2D5-25D4-45D3-9297-6EE461EE2370}"/>
+              </a:ext>
+            </a:extLst>
+          </p:cNvPr>
+          <p:cNvPicPr>
+            <a:picLocks noChangeAspect="1"/>
+          </p:cNvPicPr>
+          <p:nvPr/>
+        </p:nvPicPr>
+        <p:blipFill rotWithShape="1">
+          <a:blip r:embed="rId2"/>
+          <a:srcRect l="2531" t="4456" r="4092" b="5646"/>
+          <a:stretch/>
+        </p:blipFill>
+        <p:spPr>
+          <a:xfrm>
+            <a:off x="88900" y="925113"/>
+            <a:ext cx="7226300" cy="5105105"/>
+          </a:xfrm>
+          <a:prstGeom prst="rect">
+            <a:avLst/>
+          </a:prstGeom>
+          <a:ln w="38100">
+            <a:solidFill>
+              <a:schemeClr val="tx1"/>
+            </a:solidFill>
+          </a:ln>
+        </p:spPr>
+      </p:pic>
+      <p:pic>
+        <p:nvPicPr>
+          <p:cNvPr id="8" name="Picture 7">
+            <a:extLst>
+              <a:ext uri="{FF2B5EF4-FFF2-40B4-BE49-F238E27FC236}">
+                <a16:creationId xmlns:a16="http://schemas.microsoft.com/office/drawing/2014/main" id="{FE6AF84B-88EE-4945-8426-3F188658B4BC}"/>
+              </a:ext>
+            </a:extLst>
+          </p:cNvPr>
+          <p:cNvPicPr>
+            <a:picLocks noChangeAspect="1"/>
+          </p:cNvPicPr>
+          <p:nvPr/>
+        </p:nvPicPr>
+        <p:blipFill>
+          <a:blip r:embed="rId3"/>
+          <a:stretch>
+            <a:fillRect/>
+          </a:stretch>
+        </p:blipFill>
+        <p:spPr>
+          <a:xfrm>
+            <a:off x="7434362" y="147624"/>
+            <a:ext cx="4630638" cy="2557476"/>
+          </a:xfrm>
+          <a:prstGeom prst="rect">
+            <a:avLst/>
+          </a:prstGeom>
+        </p:spPr>
+      </p:pic>
+      <p:pic>
+        <p:nvPicPr>
+          <p:cNvPr id="9" name="Picture 8">
+            <a:extLst>
+              <a:ext uri="{FF2B5EF4-FFF2-40B4-BE49-F238E27FC236}">
+                <a16:creationId xmlns:a16="http://schemas.microsoft.com/office/drawing/2014/main" id="{9F466E3F-C6AF-4EB3-BAFC-A4E091F72F1C}"/>
+              </a:ext>
+            </a:extLst>
+          </p:cNvPr>
+          <p:cNvPicPr>
+            <a:picLocks noChangeAspect="1"/>
+          </p:cNvPicPr>
+          <p:nvPr/>
+        </p:nvPicPr>
+        <p:blipFill>
+          <a:blip r:embed="rId4"/>
+          <a:stretch>
+            <a:fillRect/>
+          </a:stretch>
+        </p:blipFill>
+        <p:spPr>
+          <a:xfrm>
+            <a:off x="8390864" y="387775"/>
+            <a:ext cx="2547908" cy="1473375"/>
+          </a:xfrm>
+          <a:prstGeom prst="rect">
+            <a:avLst/>
+          </a:prstGeom>
+        </p:spPr>
+      </p:pic>
+      <p:pic>
+        <p:nvPicPr>
+          <p:cNvPr id="10" name="Picture 9">
+            <a:extLst>
+              <a:ext uri="{FF2B5EF4-FFF2-40B4-BE49-F238E27FC236}">
+                <a16:creationId xmlns:a16="http://schemas.microsoft.com/office/drawing/2014/main" id="{2816DF62-43F7-43C3-9E1D-1EF5BC48D663}"/>
+              </a:ext>
+            </a:extLst>
+          </p:cNvPr>
+          <p:cNvPicPr>
+            <a:picLocks noChangeAspect="1"/>
+          </p:cNvPicPr>
+          <p:nvPr/>
+        </p:nvPicPr>
+        <p:blipFill>
+          <a:blip r:embed="rId5"/>
+          <a:stretch>
+            <a:fillRect/>
+          </a:stretch>
+        </p:blipFill>
+        <p:spPr>
+          <a:xfrm>
+            <a:off x="7434361" y="3006532"/>
+            <a:ext cx="4630638" cy="3532936"/>
+          </a:xfrm>
+          <a:prstGeom prst="rect">
+            <a:avLst/>
+          </a:prstGeom>
+        </p:spPr>
+      </p:pic>
+    </p:spTree>
+    <p:extLst>
+      <p:ext uri="{BB962C8B-B14F-4D97-AF65-F5344CB8AC3E}">
+        <p14:creationId xmlns:p14="http://schemas.microsoft.com/office/powerpoint/2010/main" val="1506943282"/>
+      </p:ext>
+    </p:extLst>
+  </p:cSld>
+  <p:clrMapOvr>
+    <a:masterClrMapping/>
+  </p:clrMapOvr>
+</p:sld>
+</file>
+
+<file path=ppt/slides/slide16.xml><?xml version="1.0" encoding="utf-8"?>
 <p:sld xmlns:a="http://schemas.openxmlformats.org/drawingml/2006/main" xmlns:r="http://schemas.openxmlformats.org/officeDocument/2006/relationships" xmlns:p="http://schemas.openxmlformats.org/presentationml/2006/main">
   <p:cSld>
     <p:bg>
@@ -6996,7 +8405,7 @@
 </p:sld>
 </file>
 
-<file path=ppt/slides/slide14.xml><?xml version="1.0" encoding="utf-8"?>
+<file path=ppt/slides/slide17.xml><?xml version="1.0" encoding="utf-8"?>
 <p:sld xmlns:a="http://schemas.openxmlformats.org/drawingml/2006/main" xmlns:r="http://schemas.openxmlformats.org/officeDocument/2006/relationships" xmlns:p="http://schemas.openxmlformats.org/presentationml/2006/main">
   <p:cSld>
     <p:bg>
@@ -8141,6 +9550,16 @@
                   <a:srgbClr val="404040"/>
                 </a:solidFill>
               </a:rPr>
+              <a:t>Is energy consumption increasing or decreasing over time?</a:t>
+            </a:r>
+          </a:p>
+          <a:p>
+            <a:r>
+              <a:rPr lang="en-US" sz="2400" dirty="0">
+                <a:solidFill>
+                  <a:srgbClr val="404040"/>
+                </a:solidFill>
+              </a:rPr>
               <a:t>Is energy consumption related to a country’s prosperity?</a:t>
             </a:r>
           </a:p>
@@ -8151,17 +9570,7 @@
                   <a:srgbClr val="404040"/>
                 </a:solidFill>
               </a:rPr>
-              <a:t>Is energy consumption increasing or decreasing over time?</a:t>
-            </a:r>
-          </a:p>
-          <a:p>
-            <a:r>
-              <a:rPr lang="en-US" sz="2400" dirty="0">
-                <a:solidFill>
-                  <a:srgbClr val="404040"/>
-                </a:solidFill>
-              </a:rPr>
-              <a:t>Do more prosperous areas use more “green” energy.</a:t>
+              <a:t>Do more prosperous areas use more “green” energy?</a:t>
             </a:r>
           </a:p>
         </p:txBody>
@@ -8508,7 +9917,7 @@
                   <a:srgbClr val="404040"/>
                 </a:solidFill>
               </a:rPr>
-              <a:t>Capacity increases with population and prosperity in most cases</a:t>
+              <a:t>Generation capacity increases with population and prosperity in some cases</a:t>
             </a:r>
           </a:p>
           <a:p>
